--- a/spring-cloud/Nginx.pptx
+++ b/spring-cloud/Nginx.pptx
@@ -5,7 +5,7 @@
     <p:sldMasterId id="2147483648" r:id="rId1"/>
   </p:sldMasterIdLst>
   <p:notesMasterIdLst>
-    <p:notesMasterId r:id="rId35"/>
+    <p:notesMasterId r:id="rId44"/>
   </p:notesMasterIdLst>
   <p:sldIdLst>
     <p:sldId id="256" r:id="rId2"/>
@@ -34,13 +34,22 @@
     <p:sldId id="283" r:id="rId25"/>
     <p:sldId id="284" r:id="rId26"/>
     <p:sldId id="285" r:id="rId27"/>
-    <p:sldId id="286" r:id="rId28"/>
-    <p:sldId id="287" r:id="rId29"/>
-    <p:sldId id="288" r:id="rId30"/>
-    <p:sldId id="282" r:id="rId31"/>
-    <p:sldId id="281" r:id="rId32"/>
-    <p:sldId id="289" r:id="rId33"/>
-    <p:sldId id="279" r:id="rId34"/>
+    <p:sldId id="294" r:id="rId28"/>
+    <p:sldId id="286" r:id="rId29"/>
+    <p:sldId id="287" r:id="rId30"/>
+    <p:sldId id="288" r:id="rId31"/>
+    <p:sldId id="290" r:id="rId32"/>
+    <p:sldId id="291" r:id="rId33"/>
+    <p:sldId id="292" r:id="rId34"/>
+    <p:sldId id="293" r:id="rId35"/>
+    <p:sldId id="282" r:id="rId36"/>
+    <p:sldId id="289" r:id="rId37"/>
+    <p:sldId id="295" r:id="rId38"/>
+    <p:sldId id="296" r:id="rId39"/>
+    <p:sldId id="297" r:id="rId40"/>
+    <p:sldId id="298" r:id="rId41"/>
+    <p:sldId id="299" r:id="rId42"/>
+    <p:sldId id="279" r:id="rId43"/>
   </p:sldIdLst>
   <p:sldSz cx="12192000" cy="6858000"/>
   <p:notesSz cx="6858000" cy="9144000"/>
@@ -139,7 +148,38 @@
       </a:defRPr>
     </a:lvl9pPr>
   </p:defaultTextStyle>
+  <p:extLst>
+    <p:ext uri="{EFAFB233-063F-42B5-8137-9DF3F51BA10A}">
+      <p15:sldGuideLst xmlns:p15="http://schemas.microsoft.com/office/powerpoint/2012/main"/>
+    </p:ext>
+  </p:extLst>
 </p:presentation>
+</file>
+
+<file path=ppt/commentAuthors.xml><?xml version="1.0" encoding="utf-8"?>
+<p:cmAuthorLst xmlns:a="http://schemas.openxmlformats.org/drawingml/2006/main" xmlns:r="http://schemas.openxmlformats.org/officeDocument/2006/relationships" xmlns:p="http://schemas.openxmlformats.org/presentationml/2006/main">
+  <p:cmAuthor id="1" name="Microsoft Office User" initials="Office" lastIdx="1" clrIdx="0">
+    <p:extLst>
+      <p:ext uri="{19B8F6BF-5375-455C-9EA6-DF929625EA0E}">
+        <p15:presenceInfo xmlns:p15="http://schemas.microsoft.com/office/powerpoint/2012/main" userId="" providerId=""/>
+      </p:ext>
+    </p:extLst>
+  </p:cmAuthor>
+</p:cmAuthorLst>
+</file>
+
+<file path=ppt/comments/comment1.xml><?xml version="1.0" encoding="utf-8"?>
+<p:cmLst xmlns:a="http://schemas.openxmlformats.org/drawingml/2006/main" xmlns:r="http://schemas.openxmlformats.org/officeDocument/2006/relationships" xmlns:p="http://schemas.openxmlformats.org/presentationml/2006/main">
+  <p:cm authorId="1" dt="2019-06-28T15:26:19.119" idx="1">
+    <p:pos x="10" y="10"/>
+    <p:text/>
+    <p:extLst>
+      <p:ext uri="{C676402C-5697-4E1C-873F-D02D1690AC5C}">
+        <p15:threadingInfo xmlns:p15="http://schemas.microsoft.com/office/powerpoint/2012/main" timeZoneBias="-480"/>
+      </p:ext>
+    </p:extLst>
+  </p:cm>
+</p:cmLst>
 </file>
 
 <file path=ppt/notesMasters/notesMaster1.xml><?xml version="1.0" encoding="utf-8"?>
@@ -224,7 +264,7 @@
           <a:p>
             <a:fld id="{3C788A56-8AD9-714C-9CAC-7C4673871E40}" type="datetimeFigureOut">
               <a:rPr lang="en-US" smtClean="0"/>
-              <a:t>6/25/19</a:t>
+              <a:t>6/28/19</a:t>
             </a:fld>
             <a:endParaRPr lang="en-US"/>
           </a:p>
@@ -900,7 +940,7 @@
           <a:p>
             <a:fld id="{178ED83A-CD6D-2C48-B64A-B07F4AB50A40}" type="slidenum">
               <a:rPr lang="en-US" smtClean="0"/>
-              <a:t>32</a:t>
+              <a:t>36</a:t>
             </a:fld>
             <a:endParaRPr lang="en-US"/>
           </a:p>
@@ -1050,7 +1090,7 @@
           <a:p>
             <a:fld id="{269432C5-FEC7-A342-857C-90BF8943668D}" type="datetimeFigureOut">
               <a:rPr lang="en-US" smtClean="0"/>
-              <a:t>6/25/19</a:t>
+              <a:t>6/28/19</a:t>
             </a:fld>
             <a:endParaRPr lang="en-US"/>
           </a:p>
@@ -1220,7 +1260,7 @@
           <a:p>
             <a:fld id="{269432C5-FEC7-A342-857C-90BF8943668D}" type="datetimeFigureOut">
               <a:rPr lang="en-US" smtClean="0"/>
-              <a:t>6/25/19</a:t>
+              <a:t>6/28/19</a:t>
             </a:fld>
             <a:endParaRPr lang="en-US"/>
           </a:p>
@@ -1400,7 +1440,7 @@
           <a:p>
             <a:fld id="{269432C5-FEC7-A342-857C-90BF8943668D}" type="datetimeFigureOut">
               <a:rPr lang="en-US" smtClean="0"/>
-              <a:t>6/25/19</a:t>
+              <a:t>6/28/19</a:t>
             </a:fld>
             <a:endParaRPr lang="en-US"/>
           </a:p>
@@ -1570,7 +1610,7 @@
           <a:p>
             <a:fld id="{269432C5-FEC7-A342-857C-90BF8943668D}" type="datetimeFigureOut">
               <a:rPr lang="en-US" smtClean="0"/>
-              <a:t>6/25/19</a:t>
+              <a:t>6/28/19</a:t>
             </a:fld>
             <a:endParaRPr lang="en-US"/>
           </a:p>
@@ -1816,7 +1856,7 @@
           <a:p>
             <a:fld id="{269432C5-FEC7-A342-857C-90BF8943668D}" type="datetimeFigureOut">
               <a:rPr lang="en-US" smtClean="0"/>
-              <a:t>6/25/19</a:t>
+              <a:t>6/28/19</a:t>
             </a:fld>
             <a:endParaRPr lang="en-US"/>
           </a:p>
@@ -2048,7 +2088,7 @@
           <a:p>
             <a:fld id="{269432C5-FEC7-A342-857C-90BF8943668D}" type="datetimeFigureOut">
               <a:rPr lang="en-US" smtClean="0"/>
-              <a:t>6/25/19</a:t>
+              <a:t>6/28/19</a:t>
             </a:fld>
             <a:endParaRPr lang="en-US"/>
           </a:p>
@@ -2415,7 +2455,7 @@
           <a:p>
             <a:fld id="{269432C5-FEC7-A342-857C-90BF8943668D}" type="datetimeFigureOut">
               <a:rPr lang="en-US" smtClean="0"/>
-              <a:t>6/25/19</a:t>
+              <a:t>6/28/19</a:t>
             </a:fld>
             <a:endParaRPr lang="en-US"/>
           </a:p>
@@ -2533,7 +2573,7 @@
           <a:p>
             <a:fld id="{269432C5-FEC7-A342-857C-90BF8943668D}" type="datetimeFigureOut">
               <a:rPr lang="en-US" smtClean="0"/>
-              <a:t>6/25/19</a:t>
+              <a:t>6/28/19</a:t>
             </a:fld>
             <a:endParaRPr lang="en-US"/>
           </a:p>
@@ -2628,7 +2668,7 @@
           <a:p>
             <a:fld id="{269432C5-FEC7-A342-857C-90BF8943668D}" type="datetimeFigureOut">
               <a:rPr lang="en-US" smtClean="0"/>
-              <a:t>6/25/19</a:t>
+              <a:t>6/28/19</a:t>
             </a:fld>
             <a:endParaRPr lang="en-US"/>
           </a:p>
@@ -2905,7 +2945,7 @@
           <a:p>
             <a:fld id="{269432C5-FEC7-A342-857C-90BF8943668D}" type="datetimeFigureOut">
               <a:rPr lang="en-US" smtClean="0"/>
-              <a:t>6/25/19</a:t>
+              <a:t>6/28/19</a:t>
             </a:fld>
             <a:endParaRPr lang="en-US"/>
           </a:p>
@@ -3158,7 +3198,7 @@
           <a:p>
             <a:fld id="{269432C5-FEC7-A342-857C-90BF8943668D}" type="datetimeFigureOut">
               <a:rPr lang="en-US" smtClean="0"/>
-              <a:t>6/25/19</a:t>
+              <a:t>6/28/19</a:t>
             </a:fld>
             <a:endParaRPr lang="en-US"/>
           </a:p>
@@ -3371,7 +3411,7 @@
           <a:p>
             <a:fld id="{269432C5-FEC7-A342-857C-90BF8943668D}" type="datetimeFigureOut">
               <a:rPr lang="en-US" smtClean="0"/>
-              <a:t>6/25/19</a:t>
+              <a:t>6/28/19</a:t>
             </a:fld>
             <a:endParaRPr lang="en-US"/>
           </a:p>
@@ -7213,23 +7253,16 @@
           <a:lstStyle/>
           <a:p>
             <a:r>
-              <a:rPr lang="en-US" b="1" dirty="0" err="1"/>
-              <a:t>server虚拟主机</a:t>
-            </a:r>
-            <a:r>
-              <a:rPr lang="en-US" b="1" dirty="0"/>
-              <a:t/>
-            </a:r>
-            <a:br>
-              <a:rPr lang="en-US" b="1" dirty="0"/>
-            </a:br>
+              <a:rPr lang="zh-CN" altLang="en-US" dirty="0" smtClean="0"/>
+              <a:t>虚拟主机</a:t>
+            </a:r>
             <a:endParaRPr lang="en-US" dirty="0"/>
           </a:p>
         </p:txBody>
       </p:sp>
       <p:sp>
         <p:nvSpPr>
-          <p:cNvPr id="3" name="Content Placeholder 2"/>
+          <p:cNvPr id="4" name="Content Placeholder 3"/>
           <p:cNvSpPr>
             <a:spLocks noGrp="1"/>
           </p:cNvSpPr>
@@ -7240,221 +7273,241 @@
         <p:spPr/>
         <p:txBody>
           <a:bodyPr>
-            <a:normAutofit fontScale="92500" lnSpcReduction="20000"/>
+            <a:normAutofit/>
           </a:bodyPr>
           <a:lstStyle/>
           <a:p>
             <a:r>
-              <a:rPr lang="en-US" altLang="zh-CN" dirty="0"/>
-              <a:t>http</a:t>
-            </a:r>
-            <a:r>
-              <a:rPr lang="zh-CN" altLang="en-US" dirty="0"/>
-              <a:t>服务上支持若干虚拟主机。每个虚拟主机一个对应的</a:t>
-            </a:r>
-            <a:r>
-              <a:rPr lang="en-US" altLang="zh-CN" dirty="0"/>
-              <a:t>server</a:t>
-            </a:r>
-            <a:r>
-              <a:rPr lang="zh-CN" altLang="en-US" dirty="0"/>
-              <a:t>配置项，配置项里面包含该虚拟主机相关的配置。在提供</a:t>
-            </a:r>
-            <a:r>
-              <a:rPr lang="en-US" altLang="zh-CN" dirty="0"/>
-              <a:t>mail</a:t>
-            </a:r>
-            <a:r>
-              <a:rPr lang="zh-CN" altLang="en-US" dirty="0"/>
-              <a:t>服务的代理时，也可以建立若干</a:t>
-            </a:r>
-            <a:r>
-              <a:rPr lang="en-US" altLang="zh-CN" dirty="0"/>
-              <a:t>server</a:t>
-            </a:r>
-            <a:r>
-              <a:rPr lang="zh-CN" altLang="en-US" dirty="0"/>
-              <a:t>。每个</a:t>
-            </a:r>
-            <a:r>
-              <a:rPr lang="en-US" altLang="zh-CN" dirty="0"/>
-              <a:t>server</a:t>
-            </a:r>
-            <a:r>
-              <a:rPr lang="zh-CN" altLang="en-US" dirty="0"/>
-              <a:t>通过监听地址或端口来区分。</a:t>
-            </a:r>
-          </a:p>
-          <a:p>
-            <a:r>
-              <a:rPr lang="en-US" altLang="zh-CN" dirty="0"/>
-              <a:t>listen</a:t>
-            </a:r>
-            <a:br>
-              <a:rPr lang="en-US" altLang="zh-CN" dirty="0"/>
-            </a:br>
-            <a:r>
-              <a:rPr lang="zh-CN" altLang="en-US" dirty="0"/>
-              <a:t>监听端口，默认</a:t>
-            </a:r>
-            <a:r>
-              <a:rPr lang="en-US" altLang="zh-CN" dirty="0"/>
-              <a:t>80</a:t>
-            </a:r>
-            <a:r>
-              <a:rPr lang="zh-CN" altLang="en-US" dirty="0"/>
-              <a:t>，小于</a:t>
-            </a:r>
-            <a:r>
-              <a:rPr lang="en-US" altLang="zh-CN" dirty="0"/>
-              <a:t>1024</a:t>
-            </a:r>
-            <a:r>
-              <a:rPr lang="zh-CN" altLang="en-US" dirty="0"/>
-              <a:t>的要以</a:t>
-            </a:r>
-            <a:r>
-              <a:rPr lang="en-US" altLang="zh-CN" dirty="0"/>
-              <a:t>root</a:t>
-            </a:r>
-            <a:r>
-              <a:rPr lang="zh-CN" altLang="en-US" dirty="0"/>
-              <a:t>启动。可以为</a:t>
-            </a:r>
-            <a:r>
-              <a:rPr lang="en-US" altLang="zh-CN" dirty="0"/>
-              <a:t>listen *:80</a:t>
-            </a:r>
-            <a:r>
-              <a:rPr lang="zh-CN" altLang="en-US" dirty="0"/>
-              <a:t>、</a:t>
-            </a:r>
-            <a:r>
-              <a:rPr lang="en-US" altLang="zh-CN" dirty="0"/>
-              <a:t>listen 127.0.0.1:80</a:t>
-            </a:r>
-            <a:r>
-              <a:rPr lang="zh-CN" altLang="en-US" dirty="0"/>
-              <a:t>等形式。</a:t>
-            </a:r>
-          </a:p>
-          <a:p>
-            <a:r>
-              <a:rPr lang="en-US" altLang="zh-CN" dirty="0" err="1"/>
-              <a:t>server_name</a:t>
-            </a:r>
-            <a:r>
-              <a:rPr lang="en-US" altLang="zh-CN" dirty="0"/>
-              <a:t/>
-            </a:r>
-            <a:br>
-              <a:rPr lang="en-US" altLang="zh-CN" dirty="0"/>
-            </a:br>
-            <a:r>
-              <a:rPr lang="zh-CN" altLang="en-US" dirty="0"/>
-              <a:t>服务器名，如</a:t>
-            </a:r>
-            <a:r>
-              <a:rPr lang="en-US" altLang="zh-CN" dirty="0"/>
-              <a:t>localhost</a:t>
-            </a:r>
-            <a:r>
-              <a:rPr lang="zh-CN" altLang="en-US" dirty="0"/>
-              <a:t>、</a:t>
-            </a:r>
-            <a:r>
-              <a:rPr lang="en-US" altLang="zh-CN" dirty="0" err="1"/>
-              <a:t>www.example.com</a:t>
-            </a:r>
-            <a:r>
-              <a:rPr lang="zh-CN" altLang="en-US" dirty="0"/>
-              <a:t>，可以通过正则匹配。</a:t>
-            </a:r>
-          </a:p>
-          <a:p>
-            <a:r>
-              <a:rPr lang="zh-CN" altLang="en-US" b="1" dirty="0"/>
-              <a:t>模块</a:t>
-            </a:r>
-            <a:r>
-              <a:rPr lang="en-US" altLang="zh-CN" b="1" dirty="0" err="1"/>
-              <a:t>http_stream</a:t>
-            </a:r>
-            <a:r>
-              <a:rPr lang="zh-CN" altLang="en-US" dirty="0"/>
-              <a:t/>
-            </a:r>
-            <a:br>
-              <a:rPr lang="zh-CN" altLang="en-US" dirty="0"/>
-            </a:br>
-            <a:r>
-              <a:rPr lang="zh-CN" altLang="en-US" dirty="0"/>
-              <a:t>这个模块通过一个简单的调度算法来实现客户端</a:t>
-            </a:r>
-            <a:r>
-              <a:rPr lang="en-US" altLang="zh-CN" dirty="0"/>
+              <a:rPr lang="zh-CN" altLang="en-US" dirty="0" smtClean="0"/>
+              <a:t>第一：</a:t>
+            </a:r>
+            <a:r>
+              <a:rPr lang="en-US" altLang="zh-CN" dirty="0" smtClean="0"/>
+              <a:t>location</a:t>
+            </a:r>
+            <a:r>
+              <a:rPr lang="zh-CN" altLang="en-US" dirty="0" smtClean="0"/>
+              <a:t>可以进行正则匹配，应该注意正则的几种形式以及优先级</a:t>
+            </a:r>
+            <a:r>
+              <a:rPr lang="zh-CN" altLang="en-US" dirty="0" smtClean="0"/>
+              <a:t>。</a:t>
+            </a:r>
+            <a:endParaRPr lang="en-US" altLang="zh-CN" dirty="0" smtClean="0"/>
+          </a:p>
+          <a:p>
+            <a:r>
+              <a:rPr lang="zh-CN" altLang="en-US" dirty="0" smtClean="0"/>
+              <a:t>第二</a:t>
+            </a:r>
+            <a:r>
+              <a:rPr lang="zh-CN" altLang="en-US" dirty="0" smtClean="0"/>
+              <a:t>：</a:t>
+            </a:r>
+            <a:r>
+              <a:rPr lang="en-US" altLang="zh-CN" dirty="0" smtClean="0"/>
+              <a:t>Nginx</a:t>
+            </a:r>
+            <a:r>
+              <a:rPr lang="zh-CN" altLang="en-US" dirty="0" smtClean="0"/>
+              <a:t>能够提高速度的其中一个特性就是：动静分离，就是把静态资源放到</a:t>
+            </a:r>
+            <a:r>
+              <a:rPr lang="en-US" altLang="zh-CN" dirty="0" smtClean="0"/>
+              <a:t>Nginx</a:t>
+            </a:r>
+            <a:r>
+              <a:rPr lang="zh-CN" altLang="en-US" dirty="0" smtClean="0"/>
+              <a:t>上，由</a:t>
+            </a:r>
+            <a:r>
+              <a:rPr lang="en-US" altLang="zh-CN" dirty="0" smtClean="0"/>
+              <a:t>Nginx</a:t>
+            </a:r>
+            <a:r>
+              <a:rPr lang="zh-CN" altLang="en-US" dirty="0" smtClean="0"/>
+              <a:t>管理，动态请求转发给后端。</a:t>
+            </a:r>
+          </a:p>
+          <a:p>
+            <a:r>
+              <a:rPr lang="zh-CN" altLang="en-US" dirty="0" smtClean="0"/>
+              <a:t>第三：我们可以在</a:t>
+            </a:r>
+            <a:r>
+              <a:rPr lang="en-US" altLang="zh-CN" dirty="0" smtClean="0"/>
+              <a:t>Nginx</a:t>
+            </a:r>
+            <a:r>
+              <a:rPr lang="zh-CN" altLang="en-US" dirty="0" smtClean="0"/>
+              <a:t>下把静态资源、日志文件归属到不同域名下（也即是目录），这样方便管理维护。</a:t>
+            </a:r>
+          </a:p>
+          <a:p>
+            <a:r>
+              <a:rPr lang="zh-CN" altLang="en-US" dirty="0" smtClean="0"/>
+              <a:t>第四：</a:t>
+            </a:r>
+            <a:r>
+              <a:rPr lang="en-US" altLang="zh-CN" dirty="0" smtClean="0"/>
+              <a:t>Nginx</a:t>
+            </a:r>
+            <a:r>
+              <a:rPr lang="zh-CN" altLang="en-US" dirty="0" smtClean="0"/>
+              <a:t>可以进行</a:t>
+            </a:r>
+            <a:r>
+              <a:rPr lang="en-US" altLang="zh-CN" dirty="0" smtClean="0"/>
               <a:t>IP</a:t>
             </a:r>
             <a:r>
-              <a:rPr lang="zh-CN" altLang="en-US" dirty="0"/>
-              <a:t>到后端服务器的负载均衡，</a:t>
-            </a:r>
-            <a:r>
-              <a:rPr lang="en-US" altLang="zh-CN" dirty="0"/>
-              <a:t>upstream</a:t>
-            </a:r>
-            <a:r>
-              <a:rPr lang="zh-CN" altLang="en-US" dirty="0"/>
-              <a:t>后接负载均衡器的名字，后端</a:t>
-            </a:r>
-            <a:r>
-              <a:rPr lang="en-US" altLang="zh-CN" dirty="0" err="1"/>
-              <a:t>realserver</a:t>
-            </a:r>
-            <a:r>
-              <a:rPr lang="zh-CN" altLang="en-US" dirty="0"/>
-              <a:t>以 </a:t>
-            </a:r>
-            <a:r>
-              <a:rPr lang="en-US" altLang="zh-CN" dirty="0" err="1"/>
-              <a:t>host:port</a:t>
-            </a:r>
-            <a:r>
-              <a:rPr lang="en-US" altLang="zh-CN" dirty="0"/>
-              <a:t> options; </a:t>
-            </a:r>
-            <a:r>
-              <a:rPr lang="zh-CN" altLang="en-US" dirty="0"/>
-              <a:t>方式组织在 </a:t>
-            </a:r>
-            <a:r>
-              <a:rPr lang="en-US" altLang="zh-CN" dirty="0"/>
-              <a:t>{} </a:t>
-            </a:r>
-            <a:r>
-              <a:rPr lang="zh-CN" altLang="en-US" dirty="0"/>
-              <a:t>中。如果后端被代理的只有一台，也可以直接写在 </a:t>
-            </a:r>
-            <a:r>
-              <a:rPr lang="en-US" altLang="zh-CN" dirty="0" err="1"/>
-              <a:t>proxy_pass</a:t>
-            </a:r>
-            <a:r>
-              <a:rPr lang="en-US" altLang="zh-CN" dirty="0"/>
-              <a:t> </a:t>
-            </a:r>
-            <a:r>
-              <a:rPr lang="zh-CN" altLang="en-US" dirty="0" smtClean="0"/>
+              <a:rPr lang="zh-CN" altLang="en-US" dirty="0" smtClean="0"/>
+              <a:t>访问控制，有些电商平台，就可以在</a:t>
+            </a:r>
+            <a:r>
+              <a:rPr lang="en-US" altLang="zh-CN" dirty="0" smtClean="0"/>
+              <a:t>Nginx</a:t>
+            </a:r>
+            <a:r>
+              <a:rPr lang="zh-CN" altLang="en-US" dirty="0" smtClean="0"/>
+              <a:t>这一层，做一下处理，内置一个黑名单模块，那么就不必等请求通过</a:t>
+            </a:r>
+            <a:r>
+              <a:rPr lang="en-US" altLang="zh-CN" dirty="0" smtClean="0"/>
+              <a:t>Nginx</a:t>
+            </a:r>
+            <a:r>
+              <a:rPr lang="zh-CN" altLang="en-US" dirty="0" smtClean="0"/>
+              <a:t>达到后端在进行拦截，而是直接在</a:t>
+            </a:r>
+            <a:r>
+              <a:rPr lang="en-US" altLang="zh-CN" dirty="0" smtClean="0"/>
+              <a:t>Nginx</a:t>
+            </a:r>
+            <a:r>
+              <a:rPr lang="zh-CN" altLang="en-US" dirty="0" smtClean="0"/>
+              <a:t>这一层就处理掉。</a:t>
+            </a:r>
+          </a:p>
+        </p:txBody>
+      </p:sp>
+      <p:sp>
+        <p:nvSpPr>
+          <p:cNvPr id="3" name="TextBox 2"/>
+          <p:cNvSpPr txBox="1"/>
+          <p:nvPr/>
+        </p:nvSpPr>
+        <p:spPr>
+          <a:xfrm>
+            <a:off x="6922168" y="230188"/>
+            <a:ext cx="5269832" cy="1323439"/>
+          </a:xfrm>
+          <a:prstGeom prst="rect">
+            <a:avLst/>
+          </a:prstGeom>
+          <a:noFill/>
+        </p:spPr>
+        <p:txBody>
+          <a:bodyPr wrap="square" rtlCol="0">
+            <a:spAutoFit/>
+          </a:bodyPr>
+          <a:lstStyle/>
+          <a:p>
+            <a:r>
+              <a:rPr lang="zh-CN" altLang="en-US" sz="1600" dirty="0"/>
+              <a:t>完整的主机名，如 </a:t>
+            </a:r>
+            <a:r>
+              <a:rPr lang="en-US" altLang="zh-CN" sz="1600" dirty="0" err="1"/>
+              <a:t>api.lufficc.com</a:t>
+            </a:r>
+            <a:r>
+              <a:rPr lang="zh-CN" altLang="en-US" sz="1600" dirty="0"/>
               <a:t>。</a:t>
             </a:r>
-            <a:endParaRPr lang="zh-CN" altLang="en-US" dirty="0"/>
+          </a:p>
+          <a:p>
+            <a:r>
+              <a:rPr lang="zh-CN" altLang="en-US" sz="1600" dirty="0"/>
+              <a:t>最长的，且以 * 开头的通配名，如：*</a:t>
+            </a:r>
+            <a:r>
+              <a:rPr lang="en-US" altLang="zh-CN" sz="1600" dirty="0"/>
+              <a:t>.</a:t>
+            </a:r>
+            <a:r>
+              <a:rPr lang="en-US" altLang="zh-CN" sz="1600" dirty="0" err="1"/>
+              <a:t>lufficc.com</a:t>
+            </a:r>
+            <a:r>
+              <a:rPr lang="zh-CN" altLang="en-US" sz="1600" dirty="0"/>
+              <a:t>。</a:t>
+            </a:r>
+          </a:p>
+          <a:p>
+            <a:r>
+              <a:rPr lang="zh-CN" altLang="en-US" sz="1600" dirty="0"/>
+              <a:t>最长的，且以 * 结尾的通配名，如：</a:t>
+            </a:r>
+            <a:r>
+              <a:rPr lang="en-US" altLang="zh-CN" sz="1600" dirty="0" err="1"/>
+              <a:t>api</a:t>
+            </a:r>
+            <a:r>
+              <a:rPr lang="en-US" altLang="zh-CN" sz="1600" dirty="0"/>
+              <a:t>.* </a:t>
+            </a:r>
+            <a:r>
+              <a:rPr lang="zh-CN" altLang="en-US" sz="1600" dirty="0"/>
+              <a:t>。</a:t>
+            </a:r>
+          </a:p>
+          <a:p>
+            <a:r>
+              <a:rPr lang="zh-CN" altLang="en-US" sz="1600" dirty="0"/>
+              <a:t>第一个匹配的正则表达式。（按照配置文件中的顺序）</a:t>
+            </a:r>
+          </a:p>
+          <a:p>
+            <a:r>
+              <a:rPr lang="zh-CN" altLang="en-US" sz="1600" dirty="0"/>
+              <a:t>即优先级：</a:t>
+            </a:r>
+            <a:r>
+              <a:rPr lang="en-US" altLang="zh-CN" sz="1600" dirty="0" err="1"/>
+              <a:t>api.lufficc.com</a:t>
+            </a:r>
+            <a:r>
+              <a:rPr lang="en-US" altLang="zh-CN" sz="1600" dirty="0"/>
+              <a:t> &gt; *.</a:t>
+            </a:r>
+            <a:r>
+              <a:rPr lang="en-US" altLang="zh-CN" sz="1600" dirty="0" err="1"/>
+              <a:t>lufficc.com</a:t>
+            </a:r>
+            <a:r>
+              <a:rPr lang="en-US" altLang="zh-CN" sz="1600" dirty="0"/>
+              <a:t> &gt; </a:t>
+            </a:r>
+            <a:r>
+              <a:rPr lang="en-US" altLang="zh-CN" sz="1600" dirty="0" err="1"/>
+              <a:t>api</a:t>
+            </a:r>
+            <a:r>
+              <a:rPr lang="en-US" altLang="zh-CN" sz="1600" dirty="0"/>
+              <a:t>.* &gt; </a:t>
+            </a:r>
+            <a:r>
+              <a:rPr lang="zh-CN" altLang="en-US" sz="1600" dirty="0"/>
+              <a:t>正则。</a:t>
+            </a:r>
           </a:p>
         </p:txBody>
       </p:sp>
     </p:spTree>
     <p:extLst>
       <p:ext uri="{BB962C8B-B14F-4D97-AF65-F5344CB8AC3E}">
-        <p14:creationId xmlns:p14="http://schemas.microsoft.com/office/powerpoint/2010/main" val="218050768"/>
+        <p14:creationId xmlns:p14="http://schemas.microsoft.com/office/powerpoint/2010/main" val="1099231592"/>
       </p:ext>
     </p:extLst>
   </p:cSld>
@@ -7497,9 +7550,16 @@
           <a:lstStyle/>
           <a:p>
             <a:r>
-              <a:rPr lang="en-US" b="1" dirty="0" smtClean="0"/>
-              <a:t>location</a:t>
-            </a:r>
+              <a:rPr lang="en-US" b="1" dirty="0" err="1"/>
+              <a:t>server虚拟主机</a:t>
+            </a:r>
+            <a:r>
+              <a:rPr lang="en-US" b="1" dirty="0"/>
+              <a:t/>
+            </a:r>
+            <a:br>
+              <a:rPr lang="en-US" b="1" dirty="0"/>
+            </a:br>
             <a:endParaRPr lang="en-US" dirty="0"/>
           </a:p>
         </p:txBody>
@@ -7517,137 +7577,221 @@
         <p:spPr/>
         <p:txBody>
           <a:bodyPr>
-            <a:normAutofit fontScale="92500" lnSpcReduction="10000"/>
+            <a:normAutofit fontScale="92500" lnSpcReduction="20000"/>
           </a:bodyPr>
           <a:lstStyle/>
           <a:p>
             <a:r>
-              <a:rPr lang="en-US" dirty="0" err="1"/>
-              <a:t>http服务中，某些特定的URL对应的一系列配置项</a:t>
-            </a:r>
-            <a:r>
-              <a:rPr lang="en-US" dirty="0"/>
+              <a:rPr lang="en-US" altLang="zh-CN" dirty="0"/>
+              <a:t>http</a:t>
+            </a:r>
+            <a:r>
+              <a:rPr lang="zh-CN" altLang="en-US" dirty="0"/>
+              <a:t>服务上支持若干虚拟主机。每个虚拟主机一个对应的</a:t>
+            </a:r>
+            <a:r>
+              <a:rPr lang="en-US" altLang="zh-CN" dirty="0"/>
+              <a:t>server</a:t>
+            </a:r>
+            <a:r>
+              <a:rPr lang="zh-CN" altLang="en-US" dirty="0"/>
+              <a:t>配置项，配置项里面包含该虚拟主机相关的配置。在提供</a:t>
+            </a:r>
+            <a:r>
+              <a:rPr lang="en-US" altLang="zh-CN" dirty="0"/>
+              <a:t>mail</a:t>
+            </a:r>
+            <a:r>
+              <a:rPr lang="zh-CN" altLang="en-US" dirty="0"/>
+              <a:t>服务的代理时，也可以建立若干</a:t>
+            </a:r>
+            <a:r>
+              <a:rPr lang="en-US" altLang="zh-CN" dirty="0"/>
+              <a:t>server</a:t>
+            </a:r>
+            <a:r>
+              <a:rPr lang="zh-CN" altLang="en-US" dirty="0"/>
+              <a:t>。每个</a:t>
+            </a:r>
+            <a:r>
+              <a:rPr lang="en-US" altLang="zh-CN" dirty="0"/>
+              <a:t>server</a:t>
+            </a:r>
+            <a:r>
+              <a:rPr lang="zh-CN" altLang="en-US" dirty="0"/>
+              <a:t>通过监听地址或端口来区分。</a:t>
+            </a:r>
+          </a:p>
+          <a:p>
+            <a:r>
+              <a:rPr lang="en-US" altLang="zh-CN" dirty="0"/>
+              <a:t>listen</a:t>
+            </a:r>
+            <a:br>
+              <a:rPr lang="en-US" altLang="zh-CN" dirty="0"/>
+            </a:br>
+            <a:r>
+              <a:rPr lang="zh-CN" altLang="en-US" dirty="0"/>
+              <a:t>监听端口，默认</a:t>
+            </a:r>
+            <a:r>
+              <a:rPr lang="en-US" altLang="zh-CN" dirty="0"/>
+              <a:t>80</a:t>
+            </a:r>
+            <a:r>
+              <a:rPr lang="zh-CN" altLang="en-US" dirty="0"/>
+              <a:t>，小于</a:t>
+            </a:r>
+            <a:r>
+              <a:rPr lang="en-US" altLang="zh-CN" dirty="0"/>
+              <a:t>1024</a:t>
+            </a:r>
+            <a:r>
+              <a:rPr lang="zh-CN" altLang="en-US" dirty="0"/>
+              <a:t>的要以</a:t>
+            </a:r>
+            <a:r>
+              <a:rPr lang="en-US" altLang="zh-CN" dirty="0"/>
+              <a:t>root</a:t>
+            </a:r>
+            <a:r>
+              <a:rPr lang="zh-CN" altLang="en-US" dirty="0"/>
+              <a:t>启动。可以为</a:t>
+            </a:r>
+            <a:r>
+              <a:rPr lang="en-US" altLang="zh-CN" dirty="0"/>
+              <a:t>listen *:80</a:t>
+            </a:r>
+            <a:r>
+              <a:rPr lang="zh-CN" altLang="en-US" dirty="0"/>
+              <a:t>、</a:t>
+            </a:r>
+            <a:r>
+              <a:rPr lang="en-US" altLang="zh-CN" dirty="0"/>
+              <a:t>listen 127.0.0.1:80</a:t>
+            </a:r>
+            <a:r>
+              <a:rPr lang="zh-CN" altLang="en-US" dirty="0"/>
+              <a:t>等形式。</a:t>
+            </a:r>
+          </a:p>
+          <a:p>
+            <a:r>
+              <a:rPr lang="en-US" altLang="zh-CN" dirty="0" err="1"/>
+              <a:t>server_name</a:t>
+            </a:r>
+            <a:r>
+              <a:rPr lang="en-US" altLang="zh-CN" dirty="0"/>
+              <a:t/>
+            </a:r>
+            <a:br>
+              <a:rPr lang="en-US" altLang="zh-CN" dirty="0"/>
+            </a:br>
+            <a:r>
+              <a:rPr lang="zh-CN" altLang="en-US" dirty="0"/>
+              <a:t>服务器名，如</a:t>
+            </a:r>
+            <a:r>
+              <a:rPr lang="en-US" altLang="zh-CN" dirty="0"/>
+              <a:t>localhost</a:t>
+            </a:r>
+            <a:r>
+              <a:rPr lang="zh-CN" altLang="en-US" dirty="0"/>
+              <a:t>、</a:t>
+            </a:r>
+            <a:r>
+              <a:rPr lang="en-US" altLang="zh-CN" dirty="0" err="1"/>
+              <a:t>www.example.com</a:t>
+            </a:r>
+            <a:r>
+              <a:rPr lang="zh-CN" altLang="en-US" dirty="0"/>
+              <a:t>，可以通过正则匹配。</a:t>
+            </a:r>
+          </a:p>
+          <a:p>
+            <a:r>
+              <a:rPr lang="zh-CN" altLang="en-US" b="1" dirty="0"/>
+              <a:t>模块</a:t>
+            </a:r>
+            <a:r>
+              <a:rPr lang="en-US" altLang="zh-CN" b="1" dirty="0" err="1"/>
+              <a:t>http_stream</a:t>
+            </a:r>
+            <a:r>
+              <a:rPr lang="zh-CN" altLang="en-US" dirty="0"/>
+              <a:t/>
+            </a:r>
+            <a:br>
+              <a:rPr lang="zh-CN" altLang="en-US" dirty="0"/>
+            </a:br>
+            <a:r>
+              <a:rPr lang="zh-CN" altLang="en-US" dirty="0"/>
+              <a:t>这个模块通过一个简单的调度算法来实现客户端</a:t>
+            </a:r>
+            <a:r>
+              <a:rPr lang="en-US" altLang="zh-CN" dirty="0"/>
+              <a:t>IP</a:t>
+            </a:r>
+            <a:r>
+              <a:rPr lang="zh-CN" altLang="en-US" dirty="0"/>
+              <a:t>到后端服务器的负载均衡，</a:t>
+            </a:r>
+            <a:r>
+              <a:rPr lang="en-US" altLang="zh-CN" dirty="0"/>
+              <a:t>upstream</a:t>
+            </a:r>
+            <a:r>
+              <a:rPr lang="zh-CN" altLang="en-US" dirty="0"/>
+              <a:t>后接负载均衡器的名字，后端</a:t>
+            </a:r>
+            <a:r>
+              <a:rPr lang="en-US" altLang="zh-CN" dirty="0" err="1"/>
+              <a:t>realserver</a:t>
+            </a:r>
+            <a:r>
+              <a:rPr lang="zh-CN" altLang="en-US" dirty="0"/>
+              <a:t>以 </a:t>
+            </a:r>
+            <a:r>
+              <a:rPr lang="en-US" altLang="zh-CN" dirty="0" err="1"/>
+              <a:t>host:port</a:t>
+            </a:r>
+            <a:r>
+              <a:rPr lang="en-US" altLang="zh-CN" dirty="0"/>
+              <a:t> options; </a:t>
+            </a:r>
+            <a:r>
+              <a:rPr lang="zh-CN" altLang="en-US" dirty="0"/>
+              <a:t>方式组织在 </a:t>
+            </a:r>
+            <a:r>
+              <a:rPr lang="en-US" altLang="zh-CN" dirty="0"/>
+              <a:t>{} </a:t>
+            </a:r>
+            <a:r>
+              <a:rPr lang="zh-CN" altLang="en-US" dirty="0"/>
+              <a:t>中。如果后端被代理的只有一台，也可以直接写在 </a:t>
+            </a:r>
+            <a:r>
+              <a:rPr lang="en-US" altLang="zh-CN" dirty="0" err="1"/>
+              <a:t>proxy_pass</a:t>
+            </a:r>
+            <a:r>
+              <a:rPr lang="en-US" altLang="zh-CN" dirty="0"/>
+              <a:t> </a:t>
+            </a:r>
+            <a:r>
+              <a:rPr lang="zh-CN" altLang="en-US" dirty="0" smtClean="0"/>
               <a:t>。</a:t>
             </a:r>
-          </a:p>
-          <a:p>
-            <a:r>
-              <a:rPr lang="en-US" dirty="0"/>
-              <a:t>root /</a:t>
-            </a:r>
-            <a:r>
-              <a:rPr lang="en-US" dirty="0" err="1"/>
-              <a:t>var</a:t>
-            </a:r>
-            <a:r>
-              <a:rPr lang="en-US" dirty="0"/>
-              <a:t>/www/html</a:t>
-            </a:r>
-            <a:br>
-              <a:rPr lang="en-US" dirty="0"/>
-            </a:br>
-            <a:r>
-              <a:rPr lang="en-US" dirty="0"/>
-              <a:t>定义服务器的默认网站根目录位置。如果locationURL匹配的是子目录或文件，root没什么作用，一般放在server指令里面或/下。</a:t>
-            </a:r>
-          </a:p>
-          <a:p>
-            <a:r>
-              <a:rPr lang="en-US" dirty="0"/>
-              <a:t>index </a:t>
-            </a:r>
-            <a:r>
-              <a:rPr lang="en-US" dirty="0" err="1"/>
-              <a:t>index.jsp</a:t>
-            </a:r>
-            <a:r>
-              <a:rPr lang="en-US" dirty="0"/>
-              <a:t> </a:t>
-            </a:r>
-            <a:r>
-              <a:rPr lang="en-US" dirty="0" err="1"/>
-              <a:t>index.html</a:t>
-            </a:r>
-            <a:r>
-              <a:rPr lang="en-US" dirty="0"/>
-              <a:t> </a:t>
-            </a:r>
-            <a:r>
-              <a:rPr lang="en-US" dirty="0" err="1"/>
-              <a:t>index.htm</a:t>
-            </a:r>
-            <a:r>
-              <a:rPr lang="en-US" dirty="0"/>
-              <a:t/>
-            </a:r>
-            <a:br>
-              <a:rPr lang="en-US" dirty="0"/>
-            </a:br>
-            <a:r>
-              <a:rPr lang="en-US" dirty="0" err="1"/>
-              <a:t>定义路径下默认访问的文件名，一般跟着root放</a:t>
-            </a:r>
-            <a:endParaRPr lang="en-US" dirty="0"/>
-          </a:p>
-          <a:p>
-            <a:r>
-              <a:rPr lang="en-US" dirty="0" err="1"/>
-              <a:t>proxy_pass</a:t>
-            </a:r>
-            <a:r>
-              <a:rPr lang="en-US" dirty="0"/>
-              <a:t> http:/backend</a:t>
-            </a:r>
-            <a:br>
-              <a:rPr lang="en-US" dirty="0"/>
-            </a:br>
-            <a:r>
-              <a:rPr lang="en-US" dirty="0" err="1"/>
-              <a:t>请求转向backend定义的服务器列表，即反向代理，对应upstream负载均衡器。也可以proxy_pass</a:t>
-            </a:r>
-            <a:r>
-              <a:rPr lang="en-US" dirty="0"/>
-              <a:t> http://</a:t>
-            </a:r>
-            <a:r>
-              <a:rPr lang="en-US" dirty="0" err="1"/>
-              <a:t>ip:port</a:t>
-            </a:r>
-            <a:r>
-              <a:rPr lang="en-US" dirty="0"/>
-              <a:t>。</a:t>
-            </a:r>
-          </a:p>
-          <a:p>
-            <a:r>
-              <a:rPr lang="en-US" dirty="0" err="1" smtClean="0"/>
-              <a:t>关于</a:t>
-            </a:r>
-            <a:r>
-              <a:rPr lang="en-US" dirty="0" err="1"/>
-              <a:t>location匹配规则的写法，可以说尤为关键且基础的，参考文章</a:t>
-            </a:r>
-            <a:r>
-              <a:rPr lang="en-US" dirty="0"/>
-              <a:t> </a:t>
-            </a:r>
-            <a:r>
-              <a:rPr lang="en-US" dirty="0">
-                <a:hlinkClick r:id="rId2"/>
-              </a:rPr>
-              <a:t>nginx配置location总结及rewrite规则写法</a:t>
-            </a:r>
-            <a:r>
-              <a:rPr lang="en-US" dirty="0"/>
-              <a:t>;</a:t>
-            </a:r>
+            <a:endParaRPr lang="zh-CN" altLang="en-US" dirty="0"/>
           </a:p>
         </p:txBody>
       </p:sp>
     </p:spTree>
     <p:extLst>
       <p:ext uri="{BB962C8B-B14F-4D97-AF65-F5344CB8AC3E}">
-        <p14:creationId xmlns:p14="http://schemas.microsoft.com/office/powerpoint/2010/main" val="1892447420"/>
+        <p14:creationId xmlns:p14="http://schemas.microsoft.com/office/powerpoint/2010/main" val="218050768"/>
       </p:ext>
     </p:extLst>
   </p:cSld>
@@ -7690,12 +7834,8 @@
           <a:lstStyle/>
           <a:p>
             <a:r>
-              <a:rPr lang="en-US" b="1" dirty="0" err="1"/>
-              <a:t>负载均衡【upstream</a:t>
-            </a:r>
-            <a:r>
               <a:rPr lang="en-US" b="1" dirty="0" smtClean="0"/>
-              <a:t>】</a:t>
+              <a:t>location</a:t>
             </a:r>
             <a:endParaRPr lang="en-US" dirty="0"/>
           </a:p>
@@ -7719,154 +7859,132 @@
           <a:lstStyle/>
           <a:p>
             <a:r>
-              <a:rPr lang="zh-CN" altLang="en-US" dirty="0" smtClean="0"/>
-              <a:t>反向代理中，我们通过</a:t>
-            </a:r>
-            <a:r>
-              <a:rPr lang="en-US" altLang="zh-CN" dirty="0" err="1" smtClean="0"/>
+              <a:rPr lang="en-US" dirty="0" err="1"/>
+              <a:t>http服务中，某些特定的URL对应的一系列配置项</a:t>
+            </a:r>
+            <a:r>
+              <a:rPr lang="en-US" dirty="0"/>
+              <a:t>。</a:t>
+            </a:r>
+          </a:p>
+          <a:p>
+            <a:r>
+              <a:rPr lang="en-US" dirty="0"/>
+              <a:t>root /</a:t>
+            </a:r>
+            <a:r>
+              <a:rPr lang="en-US" dirty="0" err="1"/>
+              <a:t>var</a:t>
+            </a:r>
+            <a:r>
+              <a:rPr lang="en-US" dirty="0"/>
+              <a:t>/www/html</a:t>
+            </a:r>
+            <a:br>
+              <a:rPr lang="en-US" dirty="0"/>
+            </a:br>
+            <a:r>
+              <a:rPr lang="en-US" dirty="0"/>
+              <a:t>定义服务器的默认网站根目录位置。如果locationURL匹配的是子目录或文件，root没什么作用，一般放在server指令里面或/下。</a:t>
+            </a:r>
+          </a:p>
+          <a:p>
+            <a:r>
+              <a:rPr lang="en-US" dirty="0"/>
+              <a:t>index </a:t>
+            </a:r>
+            <a:r>
+              <a:rPr lang="en-US" dirty="0" err="1"/>
+              <a:t>index.jsp</a:t>
+            </a:r>
+            <a:r>
+              <a:rPr lang="en-US" dirty="0"/>
+              <a:t> </a:t>
+            </a:r>
+            <a:r>
+              <a:rPr lang="en-US" dirty="0" err="1"/>
+              <a:t>index.html</a:t>
+            </a:r>
+            <a:r>
+              <a:rPr lang="en-US" dirty="0"/>
+              <a:t> </a:t>
+            </a:r>
+            <a:r>
+              <a:rPr lang="en-US" dirty="0" err="1"/>
+              <a:t>index.htm</a:t>
+            </a:r>
+            <a:r>
+              <a:rPr lang="en-US" dirty="0"/>
+              <a:t/>
+            </a:r>
+            <a:br>
+              <a:rPr lang="en-US" dirty="0"/>
+            </a:br>
+            <a:r>
+              <a:rPr lang="en-US" dirty="0" err="1"/>
+              <a:t>定义路径下默认访问的文件名，一般跟着root放</a:t>
+            </a:r>
+            <a:endParaRPr lang="en-US" dirty="0"/>
+          </a:p>
+          <a:p>
+            <a:r>
+              <a:rPr lang="en-US" dirty="0" err="1"/>
               <a:t>proxy_pass</a:t>
             </a:r>
             <a:r>
-              <a:rPr lang="zh-CN" altLang="en-US" dirty="0" smtClean="0"/>
-              <a:t>来指定</a:t>
-            </a:r>
-            <a:r>
-              <a:rPr lang="en-US" altLang="zh-CN" dirty="0" smtClean="0"/>
-              <a:t>Tomcat</a:t>
-            </a:r>
-            <a:r>
-              <a:rPr lang="zh-CN" altLang="en-US" dirty="0" smtClean="0"/>
-              <a:t>的地址，很显然我们只能指定一台</a:t>
-            </a:r>
-            <a:r>
-              <a:rPr lang="en-US" altLang="zh-CN" dirty="0" smtClean="0"/>
-              <a:t>Tomcat</a:t>
-            </a:r>
-            <a:r>
-              <a:rPr lang="zh-CN" altLang="en-US" dirty="0" smtClean="0"/>
-              <a:t>地址，那么我们如果想指定多台来达到负载均衡呢？</a:t>
-            </a:r>
-          </a:p>
-          <a:p>
-            <a:r>
-              <a:rPr lang="zh-CN" altLang="en-US" dirty="0" smtClean="0"/>
-              <a:t>第一，通过</a:t>
-            </a:r>
-            <a:r>
-              <a:rPr lang="en-US" altLang="zh-CN" b="1" dirty="0" smtClean="0"/>
-              <a:t>upstream</a:t>
-            </a:r>
-            <a:r>
-              <a:rPr lang="zh-CN" altLang="en-US" dirty="0" smtClean="0"/>
-              <a:t>来定义一组</a:t>
-            </a:r>
-            <a:r>
-              <a:rPr lang="en-US" altLang="zh-CN" dirty="0" smtClean="0"/>
-              <a:t>Tomcat</a:t>
-            </a:r>
-            <a:r>
-              <a:rPr lang="zh-CN" altLang="en-US" dirty="0" smtClean="0"/>
-              <a:t>，并指定负载策略（</a:t>
-            </a:r>
-            <a:r>
-              <a:rPr lang="en-US" altLang="zh-CN" dirty="0" smtClean="0"/>
-              <a:t>IPHASH</a:t>
-            </a:r>
-            <a:r>
-              <a:rPr lang="zh-CN" altLang="en-US" dirty="0" smtClean="0"/>
-              <a:t>、加权论调、最少连接），健康检查策略（</a:t>
-            </a:r>
-            <a:r>
-              <a:rPr lang="en-US" altLang="zh-CN" dirty="0" smtClean="0"/>
-              <a:t>Nginx</a:t>
-            </a:r>
-            <a:r>
-              <a:rPr lang="zh-CN" altLang="en-US" dirty="0" smtClean="0"/>
-              <a:t>可以监控这一组</a:t>
-            </a:r>
-            <a:r>
-              <a:rPr lang="en-US" altLang="zh-CN" dirty="0" smtClean="0"/>
-              <a:t>Tomcat</a:t>
-            </a:r>
-            <a:r>
-              <a:rPr lang="zh-CN" altLang="en-US" dirty="0" smtClean="0"/>
-              <a:t>的状态）等。</a:t>
-            </a:r>
-          </a:p>
-          <a:p>
-            <a:r>
-              <a:rPr lang="zh-CN" altLang="en-US" dirty="0" smtClean="0"/>
-              <a:t>第二，将</a:t>
-            </a:r>
-            <a:r>
-              <a:rPr lang="en-US" altLang="zh-CN" dirty="0" err="1" smtClean="0"/>
-              <a:t>proxy_pass</a:t>
-            </a:r>
-            <a:r>
-              <a:rPr lang="zh-CN" altLang="en-US" dirty="0" smtClean="0"/>
-              <a:t>替换成</a:t>
-            </a:r>
-            <a:r>
-              <a:rPr lang="en-US" altLang="zh-CN" dirty="0" smtClean="0"/>
-              <a:t>upstream</a:t>
-            </a:r>
-            <a:r>
-              <a:rPr lang="zh-CN" altLang="en-US" dirty="0" smtClean="0"/>
-              <a:t>指定的值即可。</a:t>
-            </a:r>
-          </a:p>
-          <a:p>
-            <a:r>
-              <a:rPr lang="zh-CN" altLang="en-US" b="1" dirty="0"/>
-              <a:t>负载均衡可能带来的问题？</a:t>
-            </a:r>
-            <a:endParaRPr lang="zh-CN" altLang="en-US" dirty="0"/>
-          </a:p>
-          <a:p>
-            <a:r>
-              <a:rPr lang="zh-CN" altLang="en-US" dirty="0"/>
-              <a:t>负载均衡所带来的明显的问题是，一个请求，可以到</a:t>
-            </a:r>
-            <a:r>
-              <a:rPr lang="en-US" altLang="zh-CN" dirty="0"/>
-              <a:t>A server</a:t>
-            </a:r>
-            <a:r>
-              <a:rPr lang="zh-CN" altLang="en-US" dirty="0"/>
-              <a:t>，也可以到</a:t>
-            </a:r>
-            <a:r>
-              <a:rPr lang="en-US" altLang="zh-CN" dirty="0"/>
-              <a:t>B server</a:t>
-            </a:r>
-            <a:r>
-              <a:rPr lang="zh-CN" altLang="en-US" dirty="0"/>
-              <a:t>，这完全不受我们的控制，当然这也不是什么问题，只是我们得注意的是：</a:t>
-            </a:r>
-            <a:r>
-              <a:rPr lang="zh-CN" altLang="en-US" b="1" dirty="0"/>
-              <a:t>用户状态的保存问题，如</a:t>
-            </a:r>
-            <a:r>
-              <a:rPr lang="en-US" altLang="zh-CN" b="1" dirty="0"/>
-              <a:t>Session</a:t>
-            </a:r>
-            <a:r>
-              <a:rPr lang="zh-CN" altLang="en-US" b="1" dirty="0"/>
-              <a:t>会话信息，不能在保存到服务器上</a:t>
-            </a:r>
-            <a:r>
-              <a:rPr lang="zh-CN" altLang="en-US" b="1" dirty="0" smtClean="0"/>
+              <a:rPr lang="en-US" dirty="0"/>
+              <a:t> http:/backend</a:t>
+            </a:r>
+            <a:br>
+              <a:rPr lang="en-US" dirty="0"/>
+            </a:br>
+            <a:r>
+              <a:rPr lang="en-US" dirty="0" err="1"/>
+              <a:t>请求转向backend定义的服务器列表，即反向代理，对应upstream负载均衡器。也可以proxy_pass</a:t>
+            </a:r>
+            <a:r>
+              <a:rPr lang="en-US" dirty="0"/>
+              <a:t> http://</a:t>
+            </a:r>
+            <a:r>
+              <a:rPr lang="en-US" dirty="0" err="1"/>
+              <a:t>ip:port</a:t>
+            </a:r>
+            <a:r>
+              <a:rPr lang="en-US" dirty="0"/>
               <a:t>。</a:t>
             </a:r>
-            <a:endParaRPr lang="zh-CN" altLang="en-US" dirty="0"/>
+          </a:p>
+          <a:p>
+            <a:r>
+              <a:rPr lang="en-US" dirty="0" err="1" smtClean="0"/>
+              <a:t>关于</a:t>
+            </a:r>
+            <a:r>
+              <a:rPr lang="en-US" dirty="0" err="1"/>
+              <a:t>location匹配规则的写法，可以说尤为关键且基础的，参考文章</a:t>
+            </a:r>
+            <a:r>
+              <a:rPr lang="en-US" dirty="0"/>
+              <a:t> </a:t>
+            </a:r>
+            <a:r>
+              <a:rPr lang="en-US" dirty="0">
+                <a:hlinkClick r:id="rId2"/>
+              </a:rPr>
+              <a:t>nginx配置location总结及rewrite规则写法</a:t>
+            </a:r>
+            <a:r>
+              <a:rPr lang="en-US" dirty="0"/>
+              <a:t>;</a:t>
+            </a:r>
           </a:p>
         </p:txBody>
       </p:sp>
     </p:spTree>
     <p:extLst>
       <p:ext uri="{BB962C8B-B14F-4D97-AF65-F5344CB8AC3E}">
-        <p14:creationId xmlns:p14="http://schemas.microsoft.com/office/powerpoint/2010/main" val="772564065"/>
+        <p14:creationId xmlns:p14="http://schemas.microsoft.com/office/powerpoint/2010/main" val="1892447420"/>
       </p:ext>
     </p:extLst>
   </p:cSld>
@@ -8026,70 +8144,183 @@
           <a:lstStyle/>
           <a:p>
             <a:r>
+              <a:rPr lang="en-US" b="1" dirty="0" err="1"/>
+              <a:t>负载均衡【upstream</a:t>
+            </a:r>
+            <a:r>
+              <a:rPr lang="en-US" b="1" dirty="0" smtClean="0"/>
+              <a:t>】</a:t>
+            </a:r>
+            <a:endParaRPr lang="en-US" dirty="0"/>
+          </a:p>
+        </p:txBody>
+      </p:sp>
+      <p:sp>
+        <p:nvSpPr>
+          <p:cNvPr id="3" name="Content Placeholder 2"/>
+          <p:cNvSpPr>
+            <a:spLocks noGrp="1"/>
+          </p:cNvSpPr>
+          <p:nvPr>
+            <p:ph idx="1"/>
+          </p:nvPr>
+        </p:nvSpPr>
+        <p:spPr/>
+        <p:txBody>
+          <a:bodyPr>
+            <a:normAutofit fontScale="92500" lnSpcReduction="10000"/>
+          </a:bodyPr>
+          <a:lstStyle/>
+          <a:p>
+            <a:r>
+              <a:rPr lang="zh-CN" altLang="en-US" dirty="0" smtClean="0"/>
+              <a:t>反向代理中，我们通过</a:t>
+            </a:r>
+            <a:r>
               <a:rPr lang="en-US" altLang="zh-CN" dirty="0" err="1" smtClean="0"/>
-              <a:t>nginx</a:t>
-            </a:r>
-            <a:r>
-              <a:rPr lang="zh-CN" altLang="en-US" dirty="0" smtClean="0"/>
-              <a:t>的安装</a:t>
-            </a:r>
-            <a:endParaRPr lang="en-US" dirty="0"/>
-          </a:p>
-        </p:txBody>
-      </p:sp>
-      <p:sp>
-        <p:nvSpPr>
-          <p:cNvPr id="3" name="Content Placeholder 2"/>
-          <p:cNvSpPr>
-            <a:spLocks noGrp="1"/>
-          </p:cNvSpPr>
-          <p:nvPr>
-            <p:ph idx="1"/>
-          </p:nvPr>
-        </p:nvSpPr>
-        <p:spPr/>
-        <p:txBody>
-          <a:bodyPr/>
-          <a:lstStyle/>
-          <a:p>
-            <a:r>
-              <a:rPr lang="en-US" dirty="0" smtClean="0">
-                <a:hlinkClick r:id="rId2"/>
-              </a:rPr>
-              <a:t>https://nginx.org/en/download.html</a:t>
-            </a:r>
-            <a:endParaRPr lang="en-US" dirty="0" smtClean="0"/>
-          </a:p>
-          <a:p>
+              <a:t>proxy_pass</a:t>
+            </a:r>
+            <a:r>
+              <a:rPr lang="zh-CN" altLang="en-US" dirty="0" smtClean="0"/>
+              <a:t>来指定</a:t>
+            </a:r>
             <a:r>
               <a:rPr lang="en-US" altLang="zh-CN" dirty="0" smtClean="0"/>
-              <a:t>wget</a:t>
-            </a:r>
-            <a:r>
-              <a:rPr lang="zh-CN" altLang="en-US" dirty="0" smtClean="0"/>
-              <a:t> </a:t>
+              <a:t>Tomcat</a:t>
+            </a:r>
+            <a:r>
+              <a:rPr lang="zh-CN" altLang="en-US" dirty="0" smtClean="0"/>
+              <a:t>的地址，很显然我们只能指定一台</a:t>
             </a:r>
             <a:r>
               <a:rPr lang="en-US" altLang="zh-CN" dirty="0" smtClean="0"/>
-              <a:t>https://nginx.org/download/nginx-1.16.0.tar.gz</a:t>
-            </a:r>
-          </a:p>
-          <a:p>
-            <a:endParaRPr lang="en-US" dirty="0" smtClean="0"/>
-          </a:p>
-          <a:p>
-            <a:r>
-              <a:rPr lang="en-US" dirty="0" smtClean="0"/>
-              <a:t>https://www.cnblogs.com/EasonJim/p/7806879.html</a:t>
-            </a:r>
-            <a:endParaRPr lang="en-US" dirty="0"/>
+              <a:t>Tomcat</a:t>
+            </a:r>
+            <a:r>
+              <a:rPr lang="zh-CN" altLang="en-US" dirty="0" smtClean="0"/>
+              <a:t>地址，那么我们如果想指定多台来达到负载均衡呢？</a:t>
+            </a:r>
+          </a:p>
+          <a:p>
+            <a:r>
+              <a:rPr lang="zh-CN" altLang="en-US" dirty="0" smtClean="0"/>
+              <a:t>第一，通过</a:t>
+            </a:r>
+            <a:r>
+              <a:rPr lang="en-US" altLang="zh-CN" b="1" dirty="0" smtClean="0"/>
+              <a:t>upstream</a:t>
+            </a:r>
+            <a:r>
+              <a:rPr lang="zh-CN" altLang="en-US" dirty="0" smtClean="0"/>
+              <a:t>来定义一组</a:t>
+            </a:r>
+            <a:r>
+              <a:rPr lang="en-US" altLang="zh-CN" dirty="0" smtClean="0"/>
+              <a:t>Tomcat</a:t>
+            </a:r>
+            <a:r>
+              <a:rPr lang="zh-CN" altLang="en-US" dirty="0" smtClean="0"/>
+              <a:t>，并指定负载策略（</a:t>
+            </a:r>
+            <a:r>
+              <a:rPr lang="en-US" altLang="zh-CN" dirty="0" smtClean="0"/>
+              <a:t>IPHASH</a:t>
+            </a:r>
+            <a:r>
+              <a:rPr lang="zh-CN" altLang="en-US" dirty="0" smtClean="0"/>
+              <a:t>、加权论调、最少连接），健康检查策略（</a:t>
+            </a:r>
+            <a:r>
+              <a:rPr lang="en-US" altLang="zh-CN" dirty="0" smtClean="0"/>
+              <a:t>Nginx</a:t>
+            </a:r>
+            <a:r>
+              <a:rPr lang="zh-CN" altLang="en-US" dirty="0" smtClean="0"/>
+              <a:t>可以监控这一组</a:t>
+            </a:r>
+            <a:r>
+              <a:rPr lang="en-US" altLang="zh-CN" dirty="0" smtClean="0"/>
+              <a:t>Tomcat</a:t>
+            </a:r>
+            <a:r>
+              <a:rPr lang="zh-CN" altLang="en-US" dirty="0" smtClean="0"/>
+              <a:t>的状态）等。</a:t>
+            </a:r>
+          </a:p>
+          <a:p>
+            <a:r>
+              <a:rPr lang="zh-CN" altLang="en-US" dirty="0" smtClean="0"/>
+              <a:t>第二，将</a:t>
+            </a:r>
+            <a:r>
+              <a:rPr lang="en-US" altLang="zh-CN" dirty="0" err="1" smtClean="0"/>
+              <a:t>proxy_pass</a:t>
+            </a:r>
+            <a:r>
+              <a:rPr lang="zh-CN" altLang="en-US" dirty="0" smtClean="0"/>
+              <a:t>替换成</a:t>
+            </a:r>
+            <a:r>
+              <a:rPr lang="en-US" altLang="zh-CN" dirty="0" smtClean="0"/>
+              <a:t>upstream</a:t>
+            </a:r>
+            <a:r>
+              <a:rPr lang="zh-CN" altLang="en-US" dirty="0" smtClean="0"/>
+              <a:t>指定的值即可。</a:t>
+            </a:r>
+          </a:p>
+          <a:p>
+            <a:r>
+              <a:rPr lang="zh-CN" altLang="en-US" b="1" dirty="0"/>
+              <a:t>负载均衡可能带来的问题？</a:t>
+            </a:r>
+            <a:endParaRPr lang="zh-CN" altLang="en-US" dirty="0"/>
+          </a:p>
+          <a:p>
+            <a:r>
+              <a:rPr lang="zh-CN" altLang="en-US" dirty="0"/>
+              <a:t>负载均衡所带来的明显的问题是，一个请求，可以到</a:t>
+            </a:r>
+            <a:r>
+              <a:rPr lang="en-US" altLang="zh-CN" dirty="0"/>
+              <a:t>A server</a:t>
+            </a:r>
+            <a:r>
+              <a:rPr lang="zh-CN" altLang="en-US" dirty="0"/>
+              <a:t>，也可以到</a:t>
+            </a:r>
+            <a:r>
+              <a:rPr lang="en-US" altLang="zh-CN" dirty="0"/>
+              <a:t>B server</a:t>
+            </a:r>
+            <a:r>
+              <a:rPr lang="zh-CN" altLang="en-US" dirty="0"/>
+              <a:t>，这完全不受我们的控制，当然这也不是什么问题，只是我们得注意的是：</a:t>
+            </a:r>
+            <a:r>
+              <a:rPr lang="zh-CN" altLang="en-US" b="1" dirty="0"/>
+              <a:t>用户状态的保存问题，如</a:t>
+            </a:r>
+            <a:r>
+              <a:rPr lang="en-US" altLang="zh-CN" b="1" dirty="0"/>
+              <a:t>Session</a:t>
+            </a:r>
+            <a:r>
+              <a:rPr lang="zh-CN" altLang="en-US" b="1" dirty="0"/>
+              <a:t>会话信息，不能在保存到服务器上</a:t>
+            </a:r>
+            <a:r>
+              <a:rPr lang="zh-CN" altLang="en-US" b="1" dirty="0" smtClean="0"/>
+              <a:t>。</a:t>
+            </a:r>
+            <a:endParaRPr lang="zh-CN" altLang="en-US" dirty="0"/>
           </a:p>
         </p:txBody>
       </p:sp>
     </p:spTree>
     <p:extLst>
       <p:ext uri="{BB962C8B-B14F-4D97-AF65-F5344CB8AC3E}">
-        <p14:creationId xmlns:p14="http://schemas.microsoft.com/office/powerpoint/2010/main" val="1850530782"/>
+        <p14:creationId xmlns:p14="http://schemas.microsoft.com/office/powerpoint/2010/main" val="772564065"/>
       </p:ext>
     </p:extLst>
   </p:cSld>
@@ -8131,140 +8362,60 @@
           <a:bodyPr/>
           <a:lstStyle/>
           <a:p>
-            <a:r>
-              <a:rPr lang="zh-CN" altLang="en-US" dirty="0" smtClean="0"/>
-              <a:t>虚拟主机</a:t>
-            </a:r>
+            <a:endParaRPr lang="en-US"/>
+          </a:p>
+        </p:txBody>
+      </p:sp>
+      <p:sp>
+        <p:nvSpPr>
+          <p:cNvPr id="3" name="Content Placeholder 2"/>
+          <p:cNvSpPr>
+            <a:spLocks noGrp="1"/>
+          </p:cNvSpPr>
+          <p:nvPr>
+            <p:ph idx="1"/>
+          </p:nvPr>
+        </p:nvSpPr>
+        <p:spPr/>
+        <p:txBody>
+          <a:bodyPr/>
+          <a:lstStyle/>
+          <a:p>
+            <a:r>
+              <a:rPr lang="is-IS" dirty="0"/>
+              <a:t>upstream favtomcat {      </a:t>
+            </a:r>
+            <a:endParaRPr lang="is-IS" dirty="0" smtClean="0"/>
+          </a:p>
+          <a:p>
+            <a:r>
+              <a:rPr lang="is-IS" dirty="0"/>
+              <a:t>  server 10.0.6.108:7080;       </a:t>
+            </a:r>
+            <a:endParaRPr lang="is-IS" dirty="0" smtClean="0"/>
+          </a:p>
+          <a:p>
+            <a:r>
+              <a:rPr lang="is-IS" dirty="0"/>
+              <a:t> server 10.0.0.85:8980; </a:t>
+            </a:r>
+            <a:endParaRPr lang="is-IS" dirty="0" smtClean="0"/>
+          </a:p>
+          <a:p>
+            <a:r>
+              <a:rPr lang="is-IS" dirty="0" smtClean="0"/>
+              <a:t>}</a:t>
+            </a:r>
+          </a:p>
+          <a:p>
             <a:endParaRPr lang="en-US" dirty="0"/>
-          </a:p>
-        </p:txBody>
-      </p:sp>
-      <p:sp>
-        <p:nvSpPr>
-          <p:cNvPr id="4" name="Content Placeholder 3"/>
-          <p:cNvSpPr>
-            <a:spLocks noGrp="1"/>
-          </p:cNvSpPr>
-          <p:nvPr>
-            <p:ph idx="1"/>
-          </p:nvPr>
-        </p:nvSpPr>
-        <p:spPr/>
-        <p:txBody>
-          <a:bodyPr>
-            <a:normAutofit/>
-          </a:bodyPr>
-          <a:lstStyle/>
-          <a:p>
-            <a:r>
-              <a:rPr lang="zh-CN" altLang="en-US" dirty="0" smtClean="0"/>
-              <a:t>第一：</a:t>
-            </a:r>
-            <a:r>
-              <a:rPr lang="en-US" altLang="zh-CN" dirty="0" smtClean="0"/>
-              <a:t>location</a:t>
-            </a:r>
-            <a:r>
-              <a:rPr lang="zh-CN" altLang="en-US" dirty="0" smtClean="0"/>
-              <a:t>可以进行正则匹配，应该注意正则的几种形式以及优先级。（这里不展开）</a:t>
-            </a:r>
-          </a:p>
-          <a:p>
-            <a:r>
-              <a:rPr lang="zh-CN" altLang="en-US" dirty="0" smtClean="0"/>
-              <a:t>第二：</a:t>
-            </a:r>
-            <a:r>
-              <a:rPr lang="en-US" altLang="zh-CN" dirty="0" smtClean="0"/>
-              <a:t>Nginx</a:t>
-            </a:r>
-            <a:r>
-              <a:rPr lang="zh-CN" altLang="en-US" dirty="0" smtClean="0"/>
-              <a:t>能够提高速度的其中一个特性就是：动静分离，就是把静态资源放到</a:t>
-            </a:r>
-            <a:r>
-              <a:rPr lang="en-US" altLang="zh-CN" dirty="0" smtClean="0"/>
-              <a:t>Nginx</a:t>
-            </a:r>
-            <a:r>
-              <a:rPr lang="zh-CN" altLang="en-US" dirty="0" smtClean="0"/>
-              <a:t>上，由</a:t>
-            </a:r>
-            <a:r>
-              <a:rPr lang="en-US" altLang="zh-CN" dirty="0" smtClean="0"/>
-              <a:t>Nginx</a:t>
-            </a:r>
-            <a:r>
-              <a:rPr lang="zh-CN" altLang="en-US" dirty="0" smtClean="0"/>
-              <a:t>管理，动态请求转发给后端。</a:t>
-            </a:r>
-          </a:p>
-          <a:p>
-            <a:r>
-              <a:rPr lang="zh-CN" altLang="en-US" dirty="0" smtClean="0"/>
-              <a:t>第三：我们可以在</a:t>
-            </a:r>
-            <a:r>
-              <a:rPr lang="en-US" altLang="zh-CN" dirty="0" smtClean="0"/>
-              <a:t>Nginx</a:t>
-            </a:r>
-            <a:r>
-              <a:rPr lang="zh-CN" altLang="en-US" dirty="0" smtClean="0"/>
-              <a:t>下把静态资源、日志文件归属到不同域名下（也即是目录），这样方便管理维护。</a:t>
-            </a:r>
-          </a:p>
-          <a:p>
-            <a:r>
-              <a:rPr lang="zh-CN" altLang="en-US" dirty="0" smtClean="0"/>
-              <a:t>第四：</a:t>
-            </a:r>
-            <a:r>
-              <a:rPr lang="en-US" altLang="zh-CN" dirty="0" smtClean="0"/>
-              <a:t>Nginx</a:t>
-            </a:r>
-            <a:r>
-              <a:rPr lang="zh-CN" altLang="en-US" dirty="0" smtClean="0"/>
-              <a:t>可以进行</a:t>
-            </a:r>
-            <a:r>
-              <a:rPr lang="en-US" altLang="zh-CN" dirty="0" smtClean="0"/>
-              <a:t>IP</a:t>
-            </a:r>
-            <a:r>
-              <a:rPr lang="zh-CN" altLang="en-US" dirty="0" smtClean="0"/>
-              <a:t>访问控制，有些电商平台，就可以在</a:t>
-            </a:r>
-            <a:r>
-              <a:rPr lang="en-US" altLang="zh-CN" dirty="0" smtClean="0"/>
-              <a:t>Nginx</a:t>
-            </a:r>
-            <a:r>
-              <a:rPr lang="zh-CN" altLang="en-US" dirty="0" smtClean="0"/>
-              <a:t>这一层，做一下处理，内置一个黑名单模块，那么就不必等请求通过</a:t>
-            </a:r>
-            <a:r>
-              <a:rPr lang="en-US" altLang="zh-CN" dirty="0" smtClean="0"/>
-              <a:t>Nginx</a:t>
-            </a:r>
-            <a:r>
-              <a:rPr lang="zh-CN" altLang="en-US" dirty="0" smtClean="0"/>
-              <a:t>达到后端在进行拦截，而是直接在</a:t>
-            </a:r>
-            <a:r>
-              <a:rPr lang="en-US" altLang="zh-CN" dirty="0" smtClean="0"/>
-              <a:t>Nginx</a:t>
-            </a:r>
-            <a:r>
-              <a:rPr lang="zh-CN" altLang="en-US" dirty="0" smtClean="0"/>
-              <a:t>这一层就处理掉。</a:t>
-            </a:r>
           </a:p>
         </p:txBody>
       </p:sp>
     </p:spTree>
     <p:extLst>
       <p:ext uri="{BB962C8B-B14F-4D97-AF65-F5344CB8AC3E}">
-        <p14:creationId xmlns:p14="http://schemas.microsoft.com/office/powerpoint/2010/main" val="300804380"/>
+        <p14:creationId xmlns:p14="http://schemas.microsoft.com/office/powerpoint/2010/main" val="692483936"/>
       </p:ext>
     </p:extLst>
   </p:cSld>
@@ -8275,6 +8426,770 @@
 </file>
 
 <file path=ppt/slides/slide32.xml><?xml version="1.0" encoding="utf-8"?>
+<p:sld xmlns:a="http://schemas.openxmlformats.org/drawingml/2006/main" xmlns:r="http://schemas.openxmlformats.org/officeDocument/2006/relationships" xmlns:p="http://schemas.openxmlformats.org/presentationml/2006/main">
+  <p:cSld>
+    <p:spTree>
+      <p:nvGrpSpPr>
+        <p:cNvPr id="1" name=""/>
+        <p:cNvGrpSpPr/>
+        <p:nvPr/>
+      </p:nvGrpSpPr>
+      <p:grpSpPr>
+        <a:xfrm>
+          <a:off x="0" y="0"/>
+          <a:ext cx="0" cy="0"/>
+          <a:chOff x="0" y="0"/>
+          <a:chExt cx="0" cy="0"/>
+        </a:xfrm>
+      </p:grpSpPr>
+      <p:sp>
+        <p:nvSpPr>
+          <p:cNvPr id="2" name="Title 1"/>
+          <p:cNvSpPr>
+            <a:spLocks noGrp="1"/>
+          </p:cNvSpPr>
+          <p:nvPr>
+            <p:ph type="title"/>
+          </p:nvPr>
+        </p:nvSpPr>
+        <p:spPr/>
+        <p:txBody>
+          <a:bodyPr/>
+          <a:lstStyle/>
+          <a:p>
+            <a:endParaRPr lang="en-US"/>
+          </a:p>
+        </p:txBody>
+      </p:sp>
+      <p:sp>
+        <p:nvSpPr>
+          <p:cNvPr id="3" name="Content Placeholder 2"/>
+          <p:cNvSpPr>
+            <a:spLocks noGrp="1"/>
+          </p:cNvSpPr>
+          <p:nvPr>
+            <p:ph idx="1"/>
+          </p:nvPr>
+        </p:nvSpPr>
+        <p:spPr/>
+        <p:txBody>
+          <a:bodyPr/>
+          <a:lstStyle/>
+          <a:p>
+            <a:r>
+              <a:rPr lang="zh-CN" altLang="en-US" dirty="0"/>
+              <a:t>现在负载均衡初步完成了。</a:t>
+            </a:r>
+            <a:r>
+              <a:rPr lang="en-US" altLang="zh-CN" dirty="0"/>
+              <a:t>upstream</a:t>
+            </a:r>
+            <a:r>
+              <a:rPr lang="zh-CN" altLang="en-US" dirty="0"/>
+              <a:t>按照轮询（默认）方式进行负载，每个请求按时间顺序逐一分配到不同的后端服务器，如果后端服务器</a:t>
+            </a:r>
+            <a:r>
+              <a:rPr lang="en-US" altLang="zh-CN" dirty="0"/>
+              <a:t>down</a:t>
+            </a:r>
+            <a:r>
+              <a:rPr lang="zh-CN" altLang="en-US" dirty="0"/>
+              <a:t>掉，能自动剔除。虽然这种方式简便、成本低廉。但缺点是：可靠性低和负载分配不均衡。适用于图片服务器集群和纯静态页面服务器集群。</a:t>
+            </a:r>
+            <a:endParaRPr lang="en-US" dirty="0"/>
+          </a:p>
+        </p:txBody>
+      </p:sp>
+    </p:spTree>
+    <p:extLst>
+      <p:ext uri="{BB962C8B-B14F-4D97-AF65-F5344CB8AC3E}">
+        <p14:creationId xmlns:p14="http://schemas.microsoft.com/office/powerpoint/2010/main" val="2058902074"/>
+      </p:ext>
+    </p:extLst>
+  </p:cSld>
+  <p:clrMapOvr>
+    <a:masterClrMapping/>
+  </p:clrMapOvr>
+</p:sld>
+</file>
+
+<file path=ppt/slides/slide33.xml><?xml version="1.0" encoding="utf-8"?>
+<p:sld xmlns:a="http://schemas.openxmlformats.org/drawingml/2006/main" xmlns:r="http://schemas.openxmlformats.org/officeDocument/2006/relationships" xmlns:p="http://schemas.openxmlformats.org/presentationml/2006/main">
+  <p:cSld>
+    <p:spTree>
+      <p:nvGrpSpPr>
+        <p:cNvPr id="1" name=""/>
+        <p:cNvGrpSpPr/>
+        <p:nvPr/>
+      </p:nvGrpSpPr>
+      <p:grpSpPr>
+        <a:xfrm>
+          <a:off x="0" y="0"/>
+          <a:ext cx="0" cy="0"/>
+          <a:chOff x="0" y="0"/>
+          <a:chExt cx="0" cy="0"/>
+        </a:xfrm>
+      </p:grpSpPr>
+      <p:sp>
+        <p:nvSpPr>
+          <p:cNvPr id="2" name="Title 1"/>
+          <p:cNvSpPr>
+            <a:spLocks noGrp="1"/>
+          </p:cNvSpPr>
+          <p:nvPr>
+            <p:ph type="title"/>
+          </p:nvPr>
+        </p:nvSpPr>
+        <p:spPr/>
+        <p:txBody>
+          <a:bodyPr/>
+          <a:lstStyle/>
+          <a:p>
+            <a:r>
+              <a:rPr lang="zh-CN" altLang="en-US" dirty="0"/>
+              <a:t>除此之外，</a:t>
+            </a:r>
+            <a:r>
+              <a:rPr lang="en-US" altLang="zh-CN" dirty="0"/>
+              <a:t>upstream</a:t>
+            </a:r>
+            <a:r>
+              <a:rPr lang="zh-CN" altLang="en-US" dirty="0"/>
+              <a:t>还有其它的分配策略，分别</a:t>
+            </a:r>
+            <a:r>
+              <a:rPr lang="zh-CN" altLang="en-US" dirty="0" smtClean="0"/>
+              <a:t>如下</a:t>
+            </a:r>
+            <a:endParaRPr lang="en-US" dirty="0"/>
+          </a:p>
+        </p:txBody>
+      </p:sp>
+      <p:sp>
+        <p:nvSpPr>
+          <p:cNvPr id="3" name="Content Placeholder 2"/>
+          <p:cNvSpPr>
+            <a:spLocks noGrp="1"/>
+          </p:cNvSpPr>
+          <p:nvPr>
+            <p:ph idx="1"/>
+          </p:nvPr>
+        </p:nvSpPr>
+        <p:spPr/>
+        <p:txBody>
+          <a:bodyPr>
+            <a:normAutofit fontScale="85000" lnSpcReduction="20000"/>
+          </a:bodyPr>
+          <a:lstStyle/>
+          <a:p>
+            <a:r>
+              <a:rPr lang="en-US" dirty="0"/>
+              <a:t> </a:t>
+            </a:r>
+            <a:r>
+              <a:rPr lang="en-US" b="1" dirty="0" err="1"/>
+              <a:t>weight（权重</a:t>
+            </a:r>
+            <a:r>
+              <a:rPr lang="en-US" b="1" dirty="0" smtClean="0"/>
+              <a:t>）</a:t>
+            </a:r>
+          </a:p>
+          <a:p>
+            <a:pPr lvl="1"/>
+            <a:r>
+              <a:rPr lang="zh-CN" altLang="en-US" dirty="0"/>
+              <a:t> 指定轮询几率，</a:t>
+            </a:r>
+            <a:r>
+              <a:rPr lang="en-US" altLang="zh-CN" dirty="0"/>
+              <a:t>weight</a:t>
+            </a:r>
+            <a:r>
+              <a:rPr lang="zh-CN" altLang="en-US" dirty="0"/>
+              <a:t>和访问比率成正比，用于后端服务器性能不均的情况。如下所示，</a:t>
+            </a:r>
+            <a:r>
+              <a:rPr lang="en-US" altLang="zh-CN" dirty="0"/>
+              <a:t>10.0.0.88</a:t>
+            </a:r>
+            <a:r>
+              <a:rPr lang="zh-CN" altLang="en-US" dirty="0"/>
+              <a:t>的访问比率要比</a:t>
+            </a:r>
+            <a:r>
+              <a:rPr lang="en-US" altLang="zh-CN" dirty="0"/>
+              <a:t>10.0.0.77</a:t>
+            </a:r>
+            <a:r>
+              <a:rPr lang="zh-CN" altLang="en-US" dirty="0"/>
+              <a:t>的访问比率高一倍</a:t>
+            </a:r>
+            <a:r>
+              <a:rPr lang="zh-CN" altLang="en-US" dirty="0" smtClean="0"/>
+              <a:t>。</a:t>
+            </a:r>
+            <a:endParaRPr lang="en-US" altLang="zh-CN" dirty="0" smtClean="0"/>
+          </a:p>
+          <a:p>
+            <a:pPr lvl="1"/>
+            <a:r>
+              <a:rPr lang="en-US" dirty="0"/>
+              <a:t>upstream </a:t>
+            </a:r>
+            <a:r>
+              <a:rPr lang="en-US" dirty="0" err="1" smtClean="0"/>
+              <a:t>favtomcat</a:t>
+            </a:r>
+            <a:endParaRPr lang="en-US" dirty="0" smtClean="0"/>
+          </a:p>
+          <a:p>
+            <a:pPr lvl="1"/>
+            <a:r>
+              <a:rPr lang="en-US" dirty="0" smtClean="0"/>
+              <a:t>{ </a:t>
+            </a:r>
+            <a:r>
+              <a:rPr lang="en-US" dirty="0"/>
+              <a:t>server 10.0.0.77 </a:t>
+            </a:r>
+            <a:r>
+              <a:rPr lang="en-US" dirty="0" smtClean="0"/>
+              <a:t>weight=5</a:t>
+            </a:r>
+          </a:p>
+          <a:p>
+            <a:pPr lvl="1"/>
+            <a:r>
+              <a:rPr lang="en-US" dirty="0" smtClean="0"/>
+              <a:t>; </a:t>
+            </a:r>
+            <a:r>
+              <a:rPr lang="en-US" dirty="0"/>
+              <a:t>server 10.0.0.88 weight=10; </a:t>
+            </a:r>
+            <a:r>
+              <a:rPr lang="en-US" dirty="0" smtClean="0"/>
+              <a:t>}</a:t>
+            </a:r>
+          </a:p>
+          <a:p>
+            <a:r>
+              <a:rPr lang="en-US" b="1" dirty="0"/>
+              <a:t> </a:t>
+            </a:r>
+            <a:r>
+              <a:rPr lang="en-US" b="1" dirty="0" err="1"/>
+              <a:t>ip_hash（访问ip</a:t>
+            </a:r>
+            <a:r>
+              <a:rPr lang="en-US" b="1" dirty="0" smtClean="0"/>
+              <a:t>）</a:t>
+            </a:r>
+          </a:p>
+          <a:p>
+            <a:pPr lvl="1"/>
+            <a:r>
+              <a:rPr lang="zh-CN" altLang="en-US" dirty="0"/>
+              <a:t>每个请求按访问</a:t>
+            </a:r>
+            <a:r>
+              <a:rPr lang="en-US" altLang="zh-CN" dirty="0" err="1"/>
+              <a:t>ip</a:t>
+            </a:r>
+            <a:r>
+              <a:rPr lang="zh-CN" altLang="en-US" dirty="0"/>
+              <a:t>的</a:t>
+            </a:r>
+            <a:r>
+              <a:rPr lang="en-US" altLang="zh-CN" dirty="0"/>
+              <a:t>hash</a:t>
+            </a:r>
+            <a:r>
+              <a:rPr lang="zh-CN" altLang="en-US" dirty="0"/>
+              <a:t>结果分配，这样每个访客固定访问一个后端服务器，可以解决</a:t>
+            </a:r>
+            <a:r>
+              <a:rPr lang="en-US" altLang="zh-CN" dirty="0"/>
+              <a:t>session</a:t>
+            </a:r>
+            <a:r>
+              <a:rPr lang="zh-CN" altLang="en-US" dirty="0"/>
+              <a:t>的问题</a:t>
+            </a:r>
+            <a:r>
+              <a:rPr lang="zh-CN" altLang="en-US" dirty="0" smtClean="0"/>
+              <a:t>。</a:t>
+            </a:r>
+            <a:endParaRPr lang="en-US" altLang="zh-CN" dirty="0" smtClean="0"/>
+          </a:p>
+          <a:p>
+            <a:r>
+              <a:rPr lang="fr-FR" b="1" dirty="0"/>
+              <a:t> </a:t>
+            </a:r>
+            <a:r>
+              <a:rPr lang="fr-FR" b="1" dirty="0" err="1"/>
+              <a:t>fair（第三方</a:t>
+            </a:r>
+            <a:r>
+              <a:rPr lang="fr-FR" b="1" dirty="0" smtClean="0"/>
+              <a:t>）</a:t>
+            </a:r>
+          </a:p>
+          <a:p>
+            <a:pPr lvl="1"/>
+            <a:r>
+              <a:rPr lang="zh-CN" altLang="en-US" dirty="0"/>
+              <a:t>按后端服务器的响应时间来分配请求，响应时间短的优先分配。与</a:t>
+            </a:r>
+            <a:r>
+              <a:rPr lang="en-US" altLang="zh-CN" dirty="0"/>
+              <a:t>weight</a:t>
+            </a:r>
+            <a:r>
+              <a:rPr lang="zh-CN" altLang="en-US" dirty="0"/>
+              <a:t>分配策略类似</a:t>
+            </a:r>
+            <a:r>
+              <a:rPr lang="zh-CN" altLang="en-US" dirty="0" smtClean="0"/>
+              <a:t>。</a:t>
+            </a:r>
+            <a:endParaRPr lang="en-US" altLang="zh-CN" dirty="0" smtClean="0"/>
+          </a:p>
+          <a:p>
+            <a:r>
+              <a:rPr lang="en-US" b="1" dirty="0" err="1" smtClean="0"/>
+              <a:t>url_hash</a:t>
+            </a:r>
+            <a:endParaRPr lang="en-US" b="1" dirty="0" smtClean="0"/>
+          </a:p>
+          <a:p>
+            <a:pPr lvl="1"/>
+            <a:r>
+              <a:rPr lang="zh-CN" altLang="en-US" dirty="0"/>
+              <a:t>按访问</a:t>
+            </a:r>
+            <a:r>
+              <a:rPr lang="en-US" altLang="zh-CN" dirty="0" err="1"/>
+              <a:t>url</a:t>
+            </a:r>
+            <a:r>
+              <a:rPr lang="zh-CN" altLang="en-US" dirty="0"/>
+              <a:t>的</a:t>
+            </a:r>
+            <a:r>
+              <a:rPr lang="en-US" altLang="zh-CN" dirty="0"/>
+              <a:t>hash</a:t>
+            </a:r>
+            <a:r>
+              <a:rPr lang="zh-CN" altLang="en-US" dirty="0"/>
+              <a:t>结果来分配请求，使每个</a:t>
+            </a:r>
+            <a:r>
+              <a:rPr lang="en-US" altLang="zh-CN" dirty="0" err="1"/>
+              <a:t>url</a:t>
+            </a:r>
+            <a:r>
+              <a:rPr lang="zh-CN" altLang="en-US" dirty="0"/>
+              <a:t>定向到同一个后端服务器，后端服务器为缓存时比较有效。</a:t>
+            </a:r>
+            <a:endParaRPr lang="en-US" dirty="0"/>
+          </a:p>
+        </p:txBody>
+      </p:sp>
+    </p:spTree>
+    <p:extLst>
+      <p:ext uri="{BB962C8B-B14F-4D97-AF65-F5344CB8AC3E}">
+        <p14:creationId xmlns:p14="http://schemas.microsoft.com/office/powerpoint/2010/main" val="2132004894"/>
+      </p:ext>
+    </p:extLst>
+  </p:cSld>
+  <p:clrMapOvr>
+    <a:masterClrMapping/>
+  </p:clrMapOvr>
+</p:sld>
+</file>
+
+<file path=ppt/slides/slide34.xml><?xml version="1.0" encoding="utf-8"?>
+<p:sld xmlns:a="http://schemas.openxmlformats.org/drawingml/2006/main" xmlns:r="http://schemas.openxmlformats.org/officeDocument/2006/relationships" xmlns:p="http://schemas.openxmlformats.org/presentationml/2006/main">
+  <p:cSld>
+    <p:spTree>
+      <p:nvGrpSpPr>
+        <p:cNvPr id="1" name=""/>
+        <p:cNvGrpSpPr/>
+        <p:nvPr/>
+      </p:nvGrpSpPr>
+      <p:grpSpPr>
+        <a:xfrm>
+          <a:off x="0" y="0"/>
+          <a:ext cx="0" cy="0"/>
+          <a:chOff x="0" y="0"/>
+          <a:chExt cx="0" cy="0"/>
+        </a:xfrm>
+      </p:grpSpPr>
+      <p:sp>
+        <p:nvSpPr>
+          <p:cNvPr id="2" name="Title 1"/>
+          <p:cNvSpPr>
+            <a:spLocks noGrp="1"/>
+          </p:cNvSpPr>
+          <p:nvPr>
+            <p:ph type="title"/>
+          </p:nvPr>
+        </p:nvSpPr>
+        <p:spPr/>
+        <p:txBody>
+          <a:bodyPr/>
+          <a:lstStyle/>
+          <a:p>
+            <a:r>
+              <a:rPr lang="en-US" altLang="zh-CN" dirty="0"/>
+              <a:t>upstream</a:t>
+            </a:r>
+            <a:r>
+              <a:rPr lang="zh-CN" altLang="en-US" dirty="0"/>
+              <a:t>还可以为每个设备设置状态值，这些状态值的含义分别</a:t>
+            </a:r>
+            <a:r>
+              <a:rPr lang="zh-CN" altLang="en-US" dirty="0" smtClean="0"/>
+              <a:t>如下</a:t>
+            </a:r>
+            <a:endParaRPr lang="en-US" dirty="0"/>
+          </a:p>
+        </p:txBody>
+      </p:sp>
+      <p:sp>
+        <p:nvSpPr>
+          <p:cNvPr id="3" name="Content Placeholder 2"/>
+          <p:cNvSpPr>
+            <a:spLocks noGrp="1"/>
+          </p:cNvSpPr>
+          <p:nvPr>
+            <p:ph idx="1"/>
+          </p:nvPr>
+        </p:nvSpPr>
+        <p:spPr/>
+        <p:txBody>
+          <a:bodyPr>
+            <a:normAutofit/>
+          </a:bodyPr>
+          <a:lstStyle/>
+          <a:p>
+            <a:pPr latinLnBrk="1"/>
+            <a:r>
+              <a:rPr lang="en-US" altLang="zh-CN" b="1" dirty="0"/>
+              <a:t>down </a:t>
+            </a:r>
+            <a:r>
+              <a:rPr lang="zh-CN" altLang="en-US" dirty="0"/>
+              <a:t>表示单前的</a:t>
+            </a:r>
+            <a:r>
+              <a:rPr lang="en-US" altLang="zh-CN" dirty="0"/>
+              <a:t>server</a:t>
+            </a:r>
+            <a:r>
+              <a:rPr lang="zh-CN" altLang="en-US" dirty="0"/>
+              <a:t>暂时不参与负载</a:t>
+            </a:r>
+            <a:r>
+              <a:rPr lang="en-US" altLang="zh-CN" dirty="0" smtClean="0"/>
+              <a:t>.</a:t>
+            </a:r>
+            <a:endParaRPr lang="en-US" altLang="zh-CN" dirty="0"/>
+          </a:p>
+          <a:p>
+            <a:pPr latinLnBrk="1"/>
+            <a:r>
+              <a:rPr lang="en-US" altLang="zh-CN" b="1" dirty="0" smtClean="0"/>
+              <a:t>weight</a:t>
+            </a:r>
+            <a:r>
+              <a:rPr lang="en-US" altLang="zh-CN" b="1" dirty="0"/>
+              <a:t> </a:t>
+            </a:r>
+            <a:r>
+              <a:rPr lang="zh-CN" altLang="en-US" dirty="0"/>
+              <a:t>默认为</a:t>
+            </a:r>
+            <a:r>
+              <a:rPr lang="en-US" altLang="zh-CN" dirty="0"/>
+              <a:t>1.weight</a:t>
+            </a:r>
+            <a:r>
+              <a:rPr lang="zh-CN" altLang="en-US" dirty="0"/>
+              <a:t>越大，负载的权重就越大</a:t>
+            </a:r>
+            <a:r>
+              <a:rPr lang="zh-CN" altLang="en-US" dirty="0" smtClean="0"/>
+              <a:t>。</a:t>
+            </a:r>
+            <a:endParaRPr lang="en-US" altLang="zh-CN" dirty="0"/>
+          </a:p>
+          <a:p>
+            <a:pPr latinLnBrk="1"/>
+            <a:r>
+              <a:rPr lang="en-US" altLang="zh-CN" b="1" dirty="0" err="1" smtClean="0"/>
+              <a:t>max_fails</a:t>
+            </a:r>
+            <a:r>
+              <a:rPr lang="en-US" altLang="zh-CN" b="1" dirty="0"/>
+              <a:t> </a:t>
+            </a:r>
+            <a:r>
+              <a:rPr lang="zh-CN" altLang="en-US" dirty="0"/>
+              <a:t>：允许请求失败的次数默认为</a:t>
+            </a:r>
+            <a:r>
+              <a:rPr lang="en-US" altLang="zh-CN" dirty="0"/>
+              <a:t>1.</a:t>
+            </a:r>
+            <a:r>
+              <a:rPr lang="zh-CN" altLang="en-US" dirty="0"/>
+              <a:t>当超过最大次数时，返回</a:t>
+            </a:r>
+            <a:r>
+              <a:rPr lang="en-US" altLang="zh-CN" dirty="0" err="1"/>
+              <a:t>proxy_next_upstream</a:t>
+            </a:r>
+            <a:r>
+              <a:rPr lang="en-US" altLang="zh-CN" dirty="0"/>
+              <a:t> </a:t>
+            </a:r>
+            <a:r>
+              <a:rPr lang="zh-CN" altLang="en-US" dirty="0"/>
+              <a:t>模块定义的错误</a:t>
+            </a:r>
+            <a:r>
+              <a:rPr lang="en-US" altLang="zh-CN" dirty="0" smtClean="0"/>
+              <a:t>.</a:t>
+            </a:r>
+          </a:p>
+          <a:p>
+            <a:pPr latinLnBrk="1"/>
+            <a:r>
+              <a:rPr lang="en-US" altLang="zh-CN" b="1" dirty="0" err="1" smtClean="0"/>
+              <a:t>fail_timeout</a:t>
+            </a:r>
+            <a:r>
+              <a:rPr lang="en-US" altLang="zh-CN" b="1" dirty="0"/>
+              <a:t> </a:t>
+            </a:r>
+            <a:r>
+              <a:rPr lang="en-US" altLang="zh-CN" dirty="0"/>
+              <a:t>: </a:t>
+            </a:r>
+            <a:r>
+              <a:rPr lang="en-US" altLang="zh-CN" dirty="0" err="1"/>
+              <a:t>max_fails</a:t>
+            </a:r>
+            <a:r>
+              <a:rPr lang="zh-CN" altLang="en-US" dirty="0"/>
+              <a:t>次失败后，暂停的时间</a:t>
+            </a:r>
+            <a:r>
+              <a:rPr lang="zh-CN" altLang="en-US" dirty="0" smtClean="0"/>
+              <a:t>。</a:t>
+            </a:r>
+            <a:endParaRPr lang="en-US" altLang="zh-CN" dirty="0" smtClean="0"/>
+          </a:p>
+          <a:p>
+            <a:pPr latinLnBrk="1"/>
+            <a:r>
+              <a:rPr lang="en-US" altLang="zh-CN" b="1" dirty="0" smtClean="0"/>
+              <a:t>backup</a:t>
+            </a:r>
+            <a:r>
+              <a:rPr lang="zh-CN" altLang="en-US" dirty="0"/>
+              <a:t>： 其它所有的非</a:t>
+            </a:r>
+            <a:r>
+              <a:rPr lang="en-US" altLang="zh-CN" dirty="0"/>
+              <a:t>backup</a:t>
+            </a:r>
+            <a:r>
+              <a:rPr lang="zh-CN" altLang="en-US" dirty="0"/>
+              <a:t>机器</a:t>
+            </a:r>
+            <a:r>
+              <a:rPr lang="en-US" altLang="zh-CN" dirty="0"/>
+              <a:t>down</a:t>
+            </a:r>
+            <a:r>
+              <a:rPr lang="zh-CN" altLang="en-US" dirty="0"/>
+              <a:t>或者忙的时候，请求</a:t>
+            </a:r>
+            <a:r>
+              <a:rPr lang="en-US" altLang="zh-CN" dirty="0"/>
+              <a:t>backup</a:t>
+            </a:r>
+            <a:r>
+              <a:rPr lang="zh-CN" altLang="en-US" dirty="0"/>
+              <a:t>机器。所以这台机器压力会最轻</a:t>
+            </a:r>
+            <a:r>
+              <a:rPr lang="zh-CN" altLang="en-US" dirty="0" smtClean="0"/>
+              <a:t>。</a:t>
+            </a:r>
+            <a:r>
+              <a:rPr lang="zh-CN" altLang="en-US" dirty="0"/>
+              <a:t/>
+            </a:r>
+            <a:br>
+              <a:rPr lang="zh-CN" altLang="en-US" dirty="0"/>
+            </a:br>
+            <a:endParaRPr lang="zh-CN" altLang="en-US" dirty="0"/>
+          </a:p>
+          <a:p>
+            <a:endParaRPr lang="en-US" dirty="0"/>
+          </a:p>
+        </p:txBody>
+      </p:sp>
+      <p:pic>
+        <p:nvPicPr>
+          <p:cNvPr id="4" name="Picture 3"/>
+          <p:cNvPicPr>
+            <a:picLocks noChangeAspect="1"/>
+          </p:cNvPicPr>
+          <p:nvPr/>
+        </p:nvPicPr>
+        <p:blipFill>
+          <a:blip r:embed="rId2"/>
+          <a:stretch>
+            <a:fillRect/>
+          </a:stretch>
+        </p:blipFill>
+        <p:spPr>
+          <a:xfrm>
+            <a:off x="6629400" y="4635500"/>
+            <a:ext cx="5562600" cy="2222500"/>
+          </a:xfrm>
+          <a:prstGeom prst="rect">
+            <a:avLst/>
+          </a:prstGeom>
+        </p:spPr>
+      </p:pic>
+    </p:spTree>
+    <p:extLst>
+      <p:ext uri="{BB962C8B-B14F-4D97-AF65-F5344CB8AC3E}">
+        <p14:creationId xmlns:p14="http://schemas.microsoft.com/office/powerpoint/2010/main" val="1781676899"/>
+      </p:ext>
+    </p:extLst>
+  </p:cSld>
+  <p:clrMapOvr>
+    <a:masterClrMapping/>
+  </p:clrMapOvr>
+</p:sld>
+</file>
+
+<file path=ppt/slides/slide35.xml><?xml version="1.0" encoding="utf-8"?>
+<p:sld xmlns:a="http://schemas.openxmlformats.org/drawingml/2006/main" xmlns:r="http://schemas.openxmlformats.org/officeDocument/2006/relationships" xmlns:p="http://schemas.openxmlformats.org/presentationml/2006/main">
+  <p:cSld>
+    <p:spTree>
+      <p:nvGrpSpPr>
+        <p:cNvPr id="1" name=""/>
+        <p:cNvGrpSpPr/>
+        <p:nvPr/>
+      </p:nvGrpSpPr>
+      <p:grpSpPr>
+        <a:xfrm>
+          <a:off x="0" y="0"/>
+          <a:ext cx="0" cy="0"/>
+          <a:chOff x="0" y="0"/>
+          <a:chExt cx="0" cy="0"/>
+        </a:xfrm>
+      </p:grpSpPr>
+      <p:sp>
+        <p:nvSpPr>
+          <p:cNvPr id="2" name="Title 1"/>
+          <p:cNvSpPr>
+            <a:spLocks noGrp="1"/>
+          </p:cNvSpPr>
+          <p:nvPr>
+            <p:ph type="title"/>
+          </p:nvPr>
+        </p:nvSpPr>
+        <p:spPr/>
+        <p:txBody>
+          <a:bodyPr/>
+          <a:lstStyle/>
+          <a:p>
+            <a:r>
+              <a:rPr lang="en-US" altLang="zh-CN" dirty="0" err="1" smtClean="0"/>
+              <a:t>nginx</a:t>
+            </a:r>
+            <a:r>
+              <a:rPr lang="zh-CN" altLang="en-US" dirty="0" smtClean="0"/>
+              <a:t>的安装</a:t>
+            </a:r>
+            <a:endParaRPr lang="en-US" dirty="0"/>
+          </a:p>
+        </p:txBody>
+      </p:sp>
+      <p:sp>
+        <p:nvSpPr>
+          <p:cNvPr id="3" name="Content Placeholder 2"/>
+          <p:cNvSpPr>
+            <a:spLocks noGrp="1"/>
+          </p:cNvSpPr>
+          <p:nvPr>
+            <p:ph idx="1"/>
+          </p:nvPr>
+        </p:nvSpPr>
+        <p:spPr/>
+        <p:txBody>
+          <a:bodyPr/>
+          <a:lstStyle/>
+          <a:p>
+            <a:r>
+              <a:rPr lang="en-US" dirty="0" smtClean="0">
+                <a:hlinkClick r:id="rId2"/>
+              </a:rPr>
+              <a:t>https://nginx.org/en/download.html</a:t>
+            </a:r>
+            <a:endParaRPr lang="en-US" dirty="0" smtClean="0"/>
+          </a:p>
+          <a:p>
+            <a:r>
+              <a:rPr lang="en-US" altLang="zh-CN" dirty="0" smtClean="0"/>
+              <a:t>wget</a:t>
+            </a:r>
+            <a:r>
+              <a:rPr lang="zh-CN" altLang="en-US" dirty="0" smtClean="0"/>
+              <a:t> </a:t>
+            </a:r>
+            <a:r>
+              <a:rPr lang="en-US" altLang="zh-CN" dirty="0" smtClean="0"/>
+              <a:t>https://nginx.org/download/nginx-1.16.0.tar.gz</a:t>
+            </a:r>
+          </a:p>
+          <a:p>
+            <a:endParaRPr lang="en-US" dirty="0" smtClean="0"/>
+          </a:p>
+          <a:p>
+            <a:r>
+              <a:rPr lang="en-US" dirty="0" smtClean="0"/>
+              <a:t>https://www.cnblogs.com/EasonJim/p/7806879.html</a:t>
+            </a:r>
+            <a:endParaRPr lang="en-US" dirty="0"/>
+          </a:p>
+        </p:txBody>
+      </p:sp>
+    </p:spTree>
+    <p:extLst>
+      <p:ext uri="{BB962C8B-B14F-4D97-AF65-F5344CB8AC3E}">
+        <p14:creationId xmlns:p14="http://schemas.microsoft.com/office/powerpoint/2010/main" val="1850530782"/>
+      </p:ext>
+    </p:extLst>
+  </p:cSld>
+  <p:clrMapOvr>
+    <a:masterClrMapping/>
+  </p:clrMapOvr>
+</p:sld>
+</file>
+
+<file path=ppt/slides/slide36.xml><?xml version="1.0" encoding="utf-8"?>
 <p:sld xmlns:a="http://schemas.openxmlformats.org/drawingml/2006/main" xmlns:r="http://schemas.openxmlformats.org/officeDocument/2006/relationships" xmlns:p="http://schemas.openxmlformats.org/presentationml/2006/main">
   <p:cSld>
     <p:spTree>
@@ -8374,7 +9289,7 @@
 </p:sld>
 </file>
 
-<file path=ppt/slides/slide33.xml><?xml version="1.0" encoding="utf-8"?>
+<file path=ppt/slides/slide37.xml><?xml version="1.0" encoding="utf-8"?>
 <p:sld xmlns:a="http://schemas.openxmlformats.org/drawingml/2006/main" xmlns:r="http://schemas.openxmlformats.org/officeDocument/2006/relationships" xmlns:p="http://schemas.openxmlformats.org/presentationml/2006/main">
   <p:cSld>
     <p:spTree>
@@ -8406,62 +9321,249 @@
           <a:bodyPr/>
           <a:lstStyle/>
           <a:p>
-            <a:endParaRPr lang="en-US"/>
-          </a:p>
-        </p:txBody>
-      </p:sp>
-      <p:sp>
-        <p:nvSpPr>
-          <p:cNvPr id="3" name="Content Placeholder 2"/>
-          <p:cNvSpPr>
-            <a:spLocks noGrp="1"/>
-          </p:cNvSpPr>
-          <p:nvPr>
-            <p:ph idx="1"/>
-          </p:nvPr>
-        </p:nvSpPr>
-        <p:spPr/>
-        <p:txBody>
-          <a:bodyPr/>
-          <a:lstStyle/>
-          <a:p>
             <a:r>
               <a:rPr lang="en-US" dirty="0" err="1" smtClean="0"/>
               <a:t>Keepalived</a:t>
             </a:r>
-            <a:endParaRPr lang="en-US" dirty="0" smtClean="0"/>
-          </a:p>
-          <a:p>
-            <a:r>
-              <a:rPr lang="en-US" altLang="zh-CN" dirty="0" smtClean="0"/>
-              <a:t>Heartbeat</a:t>
-            </a:r>
-          </a:p>
-          <a:p>
-            <a:r>
-              <a:rPr lang="en-US" altLang="zh-CN" dirty="0" err="1" smtClean="0"/>
-              <a:t>Corosync</a:t>
+            <a:r>
+              <a:rPr lang="zh-CN" altLang="en-US" dirty="0" smtClean="0"/>
+              <a:t>简介</a:t>
+            </a:r>
+            <a:endParaRPr lang="en-US" dirty="0"/>
+          </a:p>
+        </p:txBody>
+      </p:sp>
+      <p:sp>
+        <p:nvSpPr>
+          <p:cNvPr id="3" name="Content Placeholder 2"/>
+          <p:cNvSpPr>
+            <a:spLocks noGrp="1"/>
+          </p:cNvSpPr>
+          <p:nvPr>
+            <p:ph idx="1"/>
+          </p:nvPr>
+        </p:nvSpPr>
+        <p:spPr/>
+        <p:txBody>
+          <a:bodyPr>
+            <a:normAutofit fontScale="92500" lnSpcReduction="10000"/>
+          </a:bodyPr>
+          <a:lstStyle/>
+          <a:p>
+            <a:r>
+              <a:rPr lang="en-US" altLang="zh-CN" dirty="0" err="1"/>
+              <a:t>Keepalived</a:t>
+            </a:r>
+            <a:r>
+              <a:rPr lang="zh-CN" altLang="en-US" dirty="0"/>
+              <a:t>是基于</a:t>
+            </a:r>
+            <a:r>
+              <a:rPr lang="en-US" altLang="zh-CN" dirty="0" err="1"/>
+              <a:t>vrrp</a:t>
+            </a:r>
+            <a:r>
+              <a:rPr lang="zh-CN" altLang="en-US" dirty="0"/>
+              <a:t>协议的一款高可用软件。</a:t>
+            </a:r>
+            <a:r>
+              <a:rPr lang="en-US" altLang="zh-CN" dirty="0" err="1"/>
+              <a:t>Keepailived</a:t>
+            </a:r>
+            <a:r>
+              <a:rPr lang="zh-CN" altLang="en-US" dirty="0"/>
+              <a:t>有一台主服务器和多台备份服务器，在主服务器和备份服务器上面部署相同的服务配置，使用一个虚拟</a:t>
+            </a:r>
+            <a:r>
+              <a:rPr lang="en-US" altLang="zh-CN" dirty="0"/>
+              <a:t>IP</a:t>
+            </a:r>
+            <a:r>
+              <a:rPr lang="zh-CN" altLang="en-US" dirty="0"/>
+              <a:t>地址对外提供服务，当主服务器出现故障时，虚拟</a:t>
+            </a:r>
+            <a:r>
+              <a:rPr lang="en-US" altLang="zh-CN" dirty="0"/>
+              <a:t>IP</a:t>
+            </a:r>
+            <a:r>
+              <a:rPr lang="zh-CN" altLang="en-US" dirty="0"/>
+              <a:t>地址会自动漂移到备份服务器</a:t>
+            </a:r>
+            <a:r>
+              <a:rPr lang="zh-CN" altLang="en-US" dirty="0" smtClean="0"/>
+              <a:t>。</a:t>
             </a:r>
             <a:endParaRPr lang="en-US" altLang="zh-CN" dirty="0" smtClean="0"/>
           </a:p>
           <a:p>
             <a:r>
-              <a:rPr lang="en-US" altLang="zh-CN" dirty="0" smtClean="0"/>
-              <a:t>LVS</a:t>
-            </a:r>
-          </a:p>
-          <a:p>
-            <a:r>
-              <a:rPr lang="en-US" altLang="zh-CN" dirty="0" smtClean="0"/>
-              <a:t>Nginx</a:t>
-            </a:r>
-          </a:p>
-          <a:p>
-            <a:r>
-              <a:rPr lang="en-US" altLang="zh-CN" dirty="0" err="1" smtClean="0"/>
-              <a:t>HAProxy</a:t>
-            </a:r>
-            <a:endParaRPr lang="en-US" altLang="zh-CN" dirty="0" smtClean="0"/>
+              <a:rPr lang="en-US" altLang="zh-CN" dirty="0"/>
+              <a:t>VRRP</a:t>
+            </a:r>
+            <a:r>
+              <a:rPr lang="zh-CN" altLang="en-US" dirty="0"/>
+              <a:t>（</a:t>
+            </a:r>
+            <a:r>
+              <a:rPr lang="en-US" altLang="zh-CN" dirty="0"/>
+              <a:t>Virtual Router Redundancy Protocol</a:t>
+            </a:r>
+            <a:r>
+              <a:rPr lang="zh-CN" altLang="en-US" dirty="0"/>
+              <a:t>，虚拟路由器冗余协议），</a:t>
+            </a:r>
+            <a:r>
+              <a:rPr lang="en-US" altLang="zh-CN" dirty="0"/>
+              <a:t>VRRP</a:t>
+            </a:r>
+            <a:r>
+              <a:rPr lang="zh-CN" altLang="en-US" dirty="0"/>
+              <a:t>是为了解决静态路由的高可用。</a:t>
+            </a:r>
+            <a:r>
+              <a:rPr lang="en-US" altLang="zh-CN" dirty="0"/>
+              <a:t>VRRP</a:t>
+            </a:r>
+            <a:r>
+              <a:rPr lang="zh-CN" altLang="en-US" dirty="0"/>
+              <a:t>的基本架构</a:t>
+            </a:r>
+            <a:br>
+              <a:rPr lang="zh-CN" altLang="en-US" dirty="0"/>
+            </a:br>
+            <a:r>
+              <a:rPr lang="zh-CN" altLang="en-US" dirty="0"/>
+              <a:t>虚拟路由器由多个路由器组成，每个路由器都有各自的</a:t>
+            </a:r>
+            <a:r>
+              <a:rPr lang="en-US" altLang="zh-CN" dirty="0"/>
+              <a:t>IP</a:t>
+            </a:r>
+            <a:r>
+              <a:rPr lang="zh-CN" altLang="en-US" dirty="0"/>
+              <a:t>和共同的</a:t>
+            </a:r>
+            <a:r>
+              <a:rPr lang="en-US" altLang="zh-CN" dirty="0"/>
+              <a:t>VRID(0-255)</a:t>
+            </a:r>
+            <a:r>
+              <a:rPr lang="zh-CN" altLang="en-US" dirty="0"/>
+              <a:t>，其中一个</a:t>
+            </a:r>
+            <a:r>
+              <a:rPr lang="en-US" altLang="zh-CN" dirty="0"/>
+              <a:t>VRRP</a:t>
+            </a:r>
+            <a:r>
+              <a:rPr lang="zh-CN" altLang="en-US" dirty="0"/>
+              <a:t>路由器通过竞选成为</a:t>
+            </a:r>
+            <a:r>
+              <a:rPr lang="en-US" altLang="zh-CN" dirty="0"/>
+              <a:t>MASTER</a:t>
+            </a:r>
+            <a:r>
+              <a:rPr lang="zh-CN" altLang="en-US" dirty="0"/>
+              <a:t>，占有</a:t>
+            </a:r>
+            <a:r>
+              <a:rPr lang="en-US" altLang="zh-CN" dirty="0"/>
+              <a:t>VIP</a:t>
+            </a:r>
+            <a:r>
+              <a:rPr lang="zh-CN" altLang="en-US" dirty="0"/>
+              <a:t>，对外提供路由服务，其他成为</a:t>
+            </a:r>
+            <a:r>
+              <a:rPr lang="en-US" altLang="zh-CN" dirty="0"/>
+              <a:t>BACKUP</a:t>
+            </a:r>
+            <a:r>
+              <a:rPr lang="zh-CN" altLang="en-US" dirty="0"/>
+              <a:t>，</a:t>
+            </a:r>
+            <a:r>
+              <a:rPr lang="en-US" altLang="zh-CN" dirty="0"/>
+              <a:t>MASTER</a:t>
+            </a:r>
+            <a:r>
+              <a:rPr lang="zh-CN" altLang="en-US" dirty="0"/>
+              <a:t>以</a:t>
+            </a:r>
+            <a:r>
+              <a:rPr lang="en-US" altLang="zh-CN" dirty="0"/>
+              <a:t>IP</a:t>
+            </a:r>
+            <a:r>
+              <a:rPr lang="zh-CN" altLang="en-US" dirty="0"/>
+              <a:t>组播（组播地址：</a:t>
+            </a:r>
+            <a:r>
+              <a:rPr lang="en-US" altLang="zh-CN" dirty="0"/>
+              <a:t>224.0.0.18</a:t>
+            </a:r>
+            <a:r>
+              <a:rPr lang="zh-CN" altLang="en-US" dirty="0"/>
+              <a:t>）形式发送</a:t>
+            </a:r>
+            <a:r>
+              <a:rPr lang="en-US" altLang="zh-CN" dirty="0"/>
+              <a:t>VRRP</a:t>
+            </a:r>
+            <a:r>
+              <a:rPr lang="zh-CN" altLang="en-US" dirty="0"/>
+              <a:t>协议包，与</a:t>
+            </a:r>
+            <a:r>
+              <a:rPr lang="en-US" altLang="zh-CN" dirty="0"/>
+              <a:t>BACKUP</a:t>
+            </a:r>
+            <a:r>
+              <a:rPr lang="zh-CN" altLang="en-US" dirty="0"/>
+              <a:t>保持心跳连接，若</a:t>
+            </a:r>
+            <a:r>
+              <a:rPr lang="en-US" altLang="zh-CN" dirty="0"/>
+              <a:t>MASTER</a:t>
+            </a:r>
+            <a:r>
+              <a:rPr lang="zh-CN" altLang="en-US" dirty="0"/>
+              <a:t>不可用（或</a:t>
+            </a:r>
+            <a:r>
+              <a:rPr lang="en-US" altLang="zh-CN" dirty="0"/>
+              <a:t>BACKUP</a:t>
+            </a:r>
+            <a:r>
+              <a:rPr lang="zh-CN" altLang="en-US" dirty="0"/>
+              <a:t>接收不到</a:t>
+            </a:r>
+            <a:r>
+              <a:rPr lang="en-US" altLang="zh-CN" dirty="0"/>
+              <a:t>VRRP</a:t>
+            </a:r>
+            <a:r>
+              <a:rPr lang="zh-CN" altLang="en-US" dirty="0"/>
+              <a:t>协议包），则</a:t>
+            </a:r>
+            <a:r>
+              <a:rPr lang="en-US" altLang="zh-CN" dirty="0"/>
+              <a:t>BACKUP</a:t>
+            </a:r>
+            <a:r>
+              <a:rPr lang="zh-CN" altLang="en-US" dirty="0"/>
+              <a:t>通过竞选产生新的</a:t>
+            </a:r>
+            <a:r>
+              <a:rPr lang="en-US" altLang="zh-CN" dirty="0"/>
+              <a:t>MASTER</a:t>
+            </a:r>
+            <a:r>
+              <a:rPr lang="zh-CN" altLang="en-US" dirty="0"/>
+              <a:t>并继续对外提供路由服务，从而实现高可用。</a:t>
+            </a:r>
           </a:p>
           <a:p>
             <a:endParaRPr lang="en-US" dirty="0"/>
@@ -8471,7 +9573,261 @@
     </p:spTree>
     <p:extLst>
       <p:ext uri="{BB962C8B-B14F-4D97-AF65-F5344CB8AC3E}">
-        <p14:creationId xmlns:p14="http://schemas.microsoft.com/office/powerpoint/2010/main" val="1525327183"/>
+        <p14:creationId xmlns:p14="http://schemas.microsoft.com/office/powerpoint/2010/main" val="776045866"/>
+      </p:ext>
+    </p:extLst>
+  </p:cSld>
+  <p:clrMapOvr>
+    <a:masterClrMapping/>
+  </p:clrMapOvr>
+</p:sld>
+</file>
+
+<file path=ppt/slides/slide38.xml><?xml version="1.0" encoding="utf-8"?>
+<p:sld xmlns:a="http://schemas.openxmlformats.org/drawingml/2006/main" xmlns:r="http://schemas.openxmlformats.org/officeDocument/2006/relationships" xmlns:p="http://schemas.openxmlformats.org/presentationml/2006/main">
+  <p:cSld>
+    <p:spTree>
+      <p:nvGrpSpPr>
+        <p:cNvPr id="1" name=""/>
+        <p:cNvGrpSpPr/>
+        <p:nvPr/>
+      </p:nvGrpSpPr>
+      <p:grpSpPr>
+        <a:xfrm>
+          <a:off x="0" y="0"/>
+          <a:ext cx="0" cy="0"/>
+          <a:chOff x="0" y="0"/>
+          <a:chExt cx="0" cy="0"/>
+        </a:xfrm>
+      </p:grpSpPr>
+      <p:sp>
+        <p:nvSpPr>
+          <p:cNvPr id="2" name="Title 1"/>
+          <p:cNvSpPr>
+            <a:spLocks noGrp="1"/>
+          </p:cNvSpPr>
+          <p:nvPr>
+            <p:ph type="title"/>
+          </p:nvPr>
+        </p:nvSpPr>
+        <p:spPr/>
+        <p:txBody>
+          <a:bodyPr/>
+          <a:lstStyle/>
+          <a:p>
+            <a:r>
+              <a:rPr lang="en-US" dirty="0" err="1"/>
+              <a:t>Nginx+keepalive高可用方式有两种</a:t>
+            </a:r>
+            <a:r>
+              <a:rPr lang="en-US" dirty="0"/>
+              <a:t>：</a:t>
+            </a:r>
+            <a:endParaRPr lang="en-US" dirty="0"/>
+          </a:p>
+        </p:txBody>
+      </p:sp>
+      <p:sp>
+        <p:nvSpPr>
+          <p:cNvPr id="3" name="Content Placeholder 2"/>
+          <p:cNvSpPr>
+            <a:spLocks noGrp="1"/>
+          </p:cNvSpPr>
+          <p:nvPr>
+            <p:ph idx="1"/>
+          </p:nvPr>
+        </p:nvSpPr>
+        <p:spPr/>
+        <p:txBody>
+          <a:bodyPr/>
+          <a:lstStyle/>
+          <a:p>
+            <a:r>
+              <a:rPr lang="en-US" altLang="zh-CN" dirty="0"/>
+              <a:t>1.Nginx+keepalived </a:t>
+            </a:r>
+            <a:r>
+              <a:rPr lang="zh-CN" altLang="en-US" dirty="0"/>
+              <a:t>主从配置</a:t>
+            </a:r>
+          </a:p>
+          <a:p>
+            <a:pPr lvl="1"/>
+            <a:r>
+              <a:rPr lang="zh-CN" altLang="en-US" dirty="0"/>
+              <a:t>这种方案，使用一个</a:t>
+            </a:r>
+            <a:r>
+              <a:rPr lang="en-US" altLang="zh-CN" dirty="0" err="1"/>
+              <a:t>vip</a:t>
+            </a:r>
+            <a:r>
+              <a:rPr lang="zh-CN" altLang="en-US" dirty="0"/>
+              <a:t>地址，前端使用</a:t>
+            </a:r>
+            <a:r>
+              <a:rPr lang="en-US" altLang="zh-CN" dirty="0"/>
+              <a:t>2</a:t>
+            </a:r>
+            <a:r>
+              <a:rPr lang="zh-CN" altLang="en-US" dirty="0"/>
+              <a:t>台机器，一台做主，一台做备，但同时只有一台机器工作，另一台备份机器在主机器不出现故障的时候，永远处于浪费状态，对于服务器不多的网站，该方案不经济</a:t>
+            </a:r>
+            <a:r>
+              <a:rPr lang="zh-CN" altLang="en-US" dirty="0" smtClean="0"/>
+              <a:t>实惠。</a:t>
+            </a:r>
+            <a:endParaRPr lang="en-US" altLang="zh-CN" dirty="0" smtClean="0"/>
+          </a:p>
+          <a:p>
+            <a:r>
+              <a:rPr lang="en-US" altLang="zh-CN" dirty="0" smtClean="0"/>
+              <a:t>2.Nginx+keepalived </a:t>
+            </a:r>
+            <a:r>
+              <a:rPr lang="zh-CN" altLang="en-US" dirty="0"/>
+              <a:t>双主</a:t>
+            </a:r>
+            <a:r>
+              <a:rPr lang="zh-CN" altLang="en-US" dirty="0" smtClean="0"/>
+              <a:t>配置</a:t>
+            </a:r>
+            <a:endParaRPr lang="en-US" altLang="zh-CN" dirty="0" smtClean="0"/>
+          </a:p>
+          <a:p>
+            <a:pPr lvl="1"/>
+            <a:r>
+              <a:rPr lang="zh-CN" altLang="en-US" dirty="0" smtClean="0"/>
+              <a:t>这种</a:t>
+            </a:r>
+            <a:r>
+              <a:rPr lang="zh-CN" altLang="en-US" dirty="0"/>
+              <a:t>方案，使用两个</a:t>
+            </a:r>
+            <a:r>
+              <a:rPr lang="en-US" altLang="zh-CN" dirty="0" err="1"/>
+              <a:t>vip</a:t>
+            </a:r>
+            <a:r>
+              <a:rPr lang="zh-CN" altLang="en-US" dirty="0"/>
+              <a:t>地址，前端使用</a:t>
+            </a:r>
+            <a:r>
+              <a:rPr lang="en-US" altLang="zh-CN" dirty="0"/>
+              <a:t>2</a:t>
+            </a:r>
+            <a:r>
+              <a:rPr lang="zh-CN" altLang="en-US" dirty="0"/>
+              <a:t>台机器，互为主备，同时有两台机器工作，当其中一台机器出现故障，两台机器的请求转移到一台机器负担，非常适合于当前架构环境</a:t>
+            </a:r>
+            <a:r>
+              <a:rPr lang="zh-CN" altLang="en-US" dirty="0" smtClean="0"/>
+              <a:t>。</a:t>
+            </a:r>
+            <a:endParaRPr lang="en-US" dirty="0"/>
+          </a:p>
+        </p:txBody>
+      </p:sp>
+    </p:spTree>
+    <p:extLst>
+      <p:ext uri="{BB962C8B-B14F-4D97-AF65-F5344CB8AC3E}">
+        <p14:creationId xmlns:p14="http://schemas.microsoft.com/office/powerpoint/2010/main" val="1167765786"/>
+      </p:ext>
+    </p:extLst>
+  </p:cSld>
+  <p:clrMapOvr>
+    <a:masterClrMapping/>
+  </p:clrMapOvr>
+</p:sld>
+</file>
+
+<file path=ppt/slides/slide39.xml><?xml version="1.0" encoding="utf-8"?>
+<p:sld xmlns:a="http://schemas.openxmlformats.org/drawingml/2006/main" xmlns:r="http://schemas.openxmlformats.org/officeDocument/2006/relationships" xmlns:p="http://schemas.openxmlformats.org/presentationml/2006/main">
+  <p:cSld>
+    <p:spTree>
+      <p:nvGrpSpPr>
+        <p:cNvPr id="1" name=""/>
+        <p:cNvGrpSpPr/>
+        <p:nvPr/>
+      </p:nvGrpSpPr>
+      <p:grpSpPr>
+        <a:xfrm>
+          <a:off x="0" y="0"/>
+          <a:ext cx="0" cy="0"/>
+          <a:chOff x="0" y="0"/>
+          <a:chExt cx="0" cy="0"/>
+        </a:xfrm>
+      </p:grpSpPr>
+      <p:sp>
+        <p:nvSpPr>
+          <p:cNvPr id="2" name="Title 1"/>
+          <p:cNvSpPr>
+            <a:spLocks noGrp="1"/>
+          </p:cNvSpPr>
+          <p:nvPr>
+            <p:ph type="title"/>
+          </p:nvPr>
+        </p:nvSpPr>
+        <p:spPr/>
+        <p:txBody>
+          <a:bodyPr/>
+          <a:lstStyle/>
+          <a:p>
+            <a:r>
+              <a:rPr lang="zh-CN" altLang="en-US" dirty="0" smtClean="0"/>
+              <a:t>双主模式拓扑结构</a:t>
+            </a:r>
+            <a:endParaRPr lang="en-US" dirty="0"/>
+          </a:p>
+        </p:txBody>
+      </p:sp>
+      <p:pic>
+        <p:nvPicPr>
+          <p:cNvPr id="2050" name="Picture 2" descr="ginx+keepalivedé«å¯ç¨ï¼åä¸»æ¨¡å¼ï¼"/>
+          <p:cNvPicPr>
+            <a:picLocks noGrp="1" noChangeAspect="1" noChangeArrowheads="1"/>
+          </p:cNvPicPr>
+          <p:nvPr>
+            <p:ph idx="1"/>
+          </p:nvPr>
+        </p:nvPicPr>
+        <p:blipFill>
+          <a:blip r:embed="rId2">
+            <a:extLst>
+              <a:ext uri="{28A0092B-C50C-407E-A947-70E740481C1C}">
+                <a14:useLocalDpi xmlns:a14="http://schemas.microsoft.com/office/drawing/2010/main" val="0"/>
+              </a:ext>
+            </a:extLst>
+          </a:blip>
+          <a:srcRect/>
+          <a:stretch>
+            <a:fillRect/>
+          </a:stretch>
+        </p:blipFill>
+        <p:spPr bwMode="auto">
+          <a:xfrm>
+            <a:off x="1987112" y="1825625"/>
+            <a:ext cx="8217776" cy="4351338"/>
+          </a:xfrm>
+          <a:prstGeom prst="rect">
+            <a:avLst/>
+          </a:prstGeom>
+          <a:noFill/>
+          <a:extLst>
+            <a:ext uri="{909E8E84-426E-40DD-AFC4-6F175D3DCCD1}">
+              <a14:hiddenFill xmlns:a14="http://schemas.microsoft.com/office/drawing/2010/main">
+                <a:solidFill>
+                  <a:srgbClr val="FFFFFF"/>
+                </a:solidFill>
+              </a14:hiddenFill>
+            </a:ext>
+          </a:extLst>
+        </p:spPr>
+      </p:pic>
+    </p:spTree>
+    <p:extLst>
+      <p:ext uri="{BB962C8B-B14F-4D97-AF65-F5344CB8AC3E}">
+        <p14:creationId xmlns:p14="http://schemas.microsoft.com/office/powerpoint/2010/main" val="1207255755"/>
       </p:ext>
     </p:extLst>
   </p:cSld>
@@ -8622,6 +9978,277 @@
     <p:extLst>
       <p:ext uri="{BB962C8B-B14F-4D97-AF65-F5344CB8AC3E}">
         <p14:creationId xmlns:p14="http://schemas.microsoft.com/office/powerpoint/2010/main" val="652970394"/>
+      </p:ext>
+    </p:extLst>
+  </p:cSld>
+  <p:clrMapOvr>
+    <a:masterClrMapping/>
+  </p:clrMapOvr>
+</p:sld>
+</file>
+
+<file path=ppt/slides/slide40.xml><?xml version="1.0" encoding="utf-8"?>
+<p:sld xmlns:a="http://schemas.openxmlformats.org/drawingml/2006/main" xmlns:r="http://schemas.openxmlformats.org/officeDocument/2006/relationships" xmlns:p="http://schemas.openxmlformats.org/presentationml/2006/main">
+  <p:cSld>
+    <p:spTree>
+      <p:nvGrpSpPr>
+        <p:cNvPr id="1" name=""/>
+        <p:cNvGrpSpPr/>
+        <p:nvPr/>
+      </p:nvGrpSpPr>
+      <p:grpSpPr>
+        <a:xfrm>
+          <a:off x="0" y="0"/>
+          <a:ext cx="0" cy="0"/>
+          <a:chOff x="0" y="0"/>
+          <a:chExt cx="0" cy="0"/>
+        </a:xfrm>
+      </p:grpSpPr>
+      <p:sp>
+        <p:nvSpPr>
+          <p:cNvPr id="2" name="Title 1"/>
+          <p:cNvSpPr>
+            <a:spLocks noGrp="1"/>
+          </p:cNvSpPr>
+          <p:nvPr>
+            <p:ph type="title"/>
+          </p:nvPr>
+        </p:nvSpPr>
+        <p:spPr/>
+        <p:txBody>
+          <a:bodyPr/>
+          <a:lstStyle/>
+          <a:p>
+            <a:r>
+              <a:rPr lang="en-US" altLang="zh-CN" dirty="0" smtClean="0"/>
+              <a:t>OSI</a:t>
+            </a:r>
+            <a:r>
+              <a:rPr lang="zh-CN" altLang="en-US" dirty="0" smtClean="0"/>
+              <a:t>七层网络</a:t>
+            </a:r>
+            <a:endParaRPr lang="en-US" dirty="0"/>
+          </a:p>
+        </p:txBody>
+      </p:sp>
+      <p:sp>
+        <p:nvSpPr>
+          <p:cNvPr id="3" name="Content Placeholder 2"/>
+          <p:cNvSpPr>
+            <a:spLocks noGrp="1"/>
+          </p:cNvSpPr>
+          <p:nvPr>
+            <p:ph idx="1"/>
+          </p:nvPr>
+        </p:nvSpPr>
+        <p:spPr/>
+        <p:txBody>
+          <a:bodyPr/>
+          <a:lstStyle/>
+          <a:p>
+            <a:r>
+              <a:rPr lang="en-US" dirty="0">
+                <a:hlinkClick r:id="rId2"/>
+              </a:rPr>
+              <a:t>https://blog.csdn.net/mine_song/article/details/75047230</a:t>
+            </a:r>
+            <a:endParaRPr lang="en-US" dirty="0"/>
+          </a:p>
+        </p:txBody>
+      </p:sp>
+    </p:spTree>
+    <p:extLst>
+      <p:ext uri="{BB962C8B-B14F-4D97-AF65-F5344CB8AC3E}">
+        <p14:creationId xmlns:p14="http://schemas.microsoft.com/office/powerpoint/2010/main" val="1022409650"/>
+      </p:ext>
+    </p:extLst>
+  </p:cSld>
+  <p:clrMapOvr>
+    <a:masterClrMapping/>
+  </p:clrMapOvr>
+</p:sld>
+</file>
+
+<file path=ppt/slides/slide41.xml><?xml version="1.0" encoding="utf-8"?>
+<p:sld xmlns:a="http://schemas.openxmlformats.org/drawingml/2006/main" xmlns:r="http://schemas.openxmlformats.org/officeDocument/2006/relationships" xmlns:p="http://schemas.openxmlformats.org/presentationml/2006/main">
+  <p:cSld>
+    <p:spTree>
+      <p:nvGrpSpPr>
+        <p:cNvPr id="1" name=""/>
+        <p:cNvGrpSpPr/>
+        <p:nvPr/>
+      </p:nvGrpSpPr>
+      <p:grpSpPr>
+        <a:xfrm>
+          <a:off x="0" y="0"/>
+          <a:ext cx="0" cy="0"/>
+          <a:chOff x="0" y="0"/>
+          <a:chExt cx="0" cy="0"/>
+        </a:xfrm>
+      </p:grpSpPr>
+      <p:sp>
+        <p:nvSpPr>
+          <p:cNvPr id="2" name="Title 1"/>
+          <p:cNvSpPr>
+            <a:spLocks noGrp="1"/>
+          </p:cNvSpPr>
+          <p:nvPr>
+            <p:ph type="title"/>
+          </p:nvPr>
+        </p:nvSpPr>
+        <p:spPr/>
+        <p:txBody>
+          <a:bodyPr/>
+          <a:lstStyle/>
+          <a:p>
+            <a:r>
+              <a:rPr lang="zh-CN" altLang="en-US" dirty="0" smtClean="0"/>
+              <a:t>虚拟</a:t>
+            </a:r>
+            <a:r>
+              <a:rPr lang="en-US" altLang="zh-CN" dirty="0" smtClean="0"/>
+              <a:t>IP</a:t>
+            </a:r>
+            <a:endParaRPr lang="en-US" dirty="0"/>
+          </a:p>
+        </p:txBody>
+      </p:sp>
+      <p:sp>
+        <p:nvSpPr>
+          <p:cNvPr id="3" name="Content Placeholder 2"/>
+          <p:cNvSpPr>
+            <a:spLocks noGrp="1"/>
+          </p:cNvSpPr>
+          <p:nvPr>
+            <p:ph idx="1"/>
+          </p:nvPr>
+        </p:nvSpPr>
+        <p:spPr/>
+        <p:txBody>
+          <a:bodyPr/>
+          <a:lstStyle/>
+          <a:p>
+            <a:r>
+              <a:rPr lang="en-US" dirty="0">
+                <a:hlinkClick r:id="rId2"/>
+              </a:rPr>
+              <a:t>https://www.cnblogs.com/crazylqy/p/7741958.html</a:t>
+            </a:r>
+            <a:endParaRPr lang="en-US" dirty="0"/>
+          </a:p>
+        </p:txBody>
+      </p:sp>
+    </p:spTree>
+    <p:extLst>
+      <p:ext uri="{BB962C8B-B14F-4D97-AF65-F5344CB8AC3E}">
+        <p14:creationId xmlns:p14="http://schemas.microsoft.com/office/powerpoint/2010/main" val="1005135696"/>
+      </p:ext>
+    </p:extLst>
+  </p:cSld>
+  <p:clrMapOvr>
+    <a:masterClrMapping/>
+  </p:clrMapOvr>
+</p:sld>
+</file>
+
+<file path=ppt/slides/slide42.xml><?xml version="1.0" encoding="utf-8"?>
+<p:sld xmlns:a="http://schemas.openxmlformats.org/drawingml/2006/main" xmlns:r="http://schemas.openxmlformats.org/officeDocument/2006/relationships" xmlns:p="http://schemas.openxmlformats.org/presentationml/2006/main">
+  <p:cSld>
+    <p:spTree>
+      <p:nvGrpSpPr>
+        <p:cNvPr id="1" name=""/>
+        <p:cNvGrpSpPr/>
+        <p:nvPr/>
+      </p:nvGrpSpPr>
+      <p:grpSpPr>
+        <a:xfrm>
+          <a:off x="0" y="0"/>
+          <a:ext cx="0" cy="0"/>
+          <a:chOff x="0" y="0"/>
+          <a:chExt cx="0" cy="0"/>
+        </a:xfrm>
+      </p:grpSpPr>
+      <p:sp>
+        <p:nvSpPr>
+          <p:cNvPr id="2" name="Title 1"/>
+          <p:cNvSpPr>
+            <a:spLocks noGrp="1"/>
+          </p:cNvSpPr>
+          <p:nvPr>
+            <p:ph type="title"/>
+          </p:nvPr>
+        </p:nvSpPr>
+        <p:spPr/>
+        <p:txBody>
+          <a:bodyPr/>
+          <a:lstStyle/>
+          <a:p>
+            <a:endParaRPr lang="en-US"/>
+          </a:p>
+        </p:txBody>
+      </p:sp>
+      <p:sp>
+        <p:nvSpPr>
+          <p:cNvPr id="3" name="Content Placeholder 2"/>
+          <p:cNvSpPr>
+            <a:spLocks noGrp="1"/>
+          </p:cNvSpPr>
+          <p:nvPr>
+            <p:ph idx="1"/>
+          </p:nvPr>
+        </p:nvSpPr>
+        <p:spPr/>
+        <p:txBody>
+          <a:bodyPr/>
+          <a:lstStyle/>
+          <a:p>
+            <a:r>
+              <a:rPr lang="en-US" dirty="0" err="1" smtClean="0"/>
+              <a:t>Keepalived</a:t>
+            </a:r>
+            <a:endParaRPr lang="en-US" dirty="0" smtClean="0"/>
+          </a:p>
+          <a:p>
+            <a:r>
+              <a:rPr lang="en-US" altLang="zh-CN" dirty="0" smtClean="0"/>
+              <a:t>Heartbeat</a:t>
+            </a:r>
+          </a:p>
+          <a:p>
+            <a:r>
+              <a:rPr lang="en-US" altLang="zh-CN" dirty="0" err="1" smtClean="0"/>
+              <a:t>Corosync</a:t>
+            </a:r>
+            <a:endParaRPr lang="en-US" altLang="zh-CN" dirty="0" smtClean="0"/>
+          </a:p>
+          <a:p>
+            <a:r>
+              <a:rPr lang="en-US" altLang="zh-CN" dirty="0" smtClean="0"/>
+              <a:t>LVS</a:t>
+            </a:r>
+          </a:p>
+          <a:p>
+            <a:r>
+              <a:rPr lang="en-US" altLang="zh-CN" dirty="0" smtClean="0"/>
+              <a:t>Nginx</a:t>
+            </a:r>
+          </a:p>
+          <a:p>
+            <a:r>
+              <a:rPr lang="en-US" altLang="zh-CN" dirty="0" err="1" smtClean="0"/>
+              <a:t>HAProxy</a:t>
+            </a:r>
+            <a:endParaRPr lang="en-US" altLang="zh-CN" dirty="0" smtClean="0"/>
+          </a:p>
+          <a:p>
+            <a:endParaRPr lang="en-US" dirty="0"/>
+          </a:p>
+        </p:txBody>
+      </p:sp>
+    </p:spTree>
+    <p:extLst>
+      <p:ext uri="{BB962C8B-B14F-4D97-AF65-F5344CB8AC3E}">
+        <p14:creationId xmlns:p14="http://schemas.microsoft.com/office/powerpoint/2010/main" val="1525327183"/>
       </p:ext>
     </p:extLst>
   </p:cSld>

--- a/spring-cloud/Nginx.pptx
+++ b/spring-cloud/Nginx.pptx
@@ -5,51 +5,53 @@
     <p:sldMasterId id="2147483648" r:id="rId1"/>
   </p:sldMasterIdLst>
   <p:notesMasterIdLst>
-    <p:notesMasterId r:id="rId44"/>
+    <p:notesMasterId r:id="rId46"/>
   </p:notesMasterIdLst>
   <p:sldIdLst>
     <p:sldId id="256" r:id="rId2"/>
     <p:sldId id="257" r:id="rId3"/>
     <p:sldId id="258" r:id="rId4"/>
     <p:sldId id="259" r:id="rId5"/>
-    <p:sldId id="260" r:id="rId6"/>
-    <p:sldId id="261" r:id="rId7"/>
-    <p:sldId id="262" r:id="rId8"/>
-    <p:sldId id="263" r:id="rId9"/>
-    <p:sldId id="264" r:id="rId10"/>
-    <p:sldId id="266" r:id="rId11"/>
-    <p:sldId id="267" r:id="rId12"/>
-    <p:sldId id="268" r:id="rId13"/>
-    <p:sldId id="276" r:id="rId14"/>
-    <p:sldId id="269" r:id="rId15"/>
-    <p:sldId id="271" r:id="rId16"/>
-    <p:sldId id="270" r:id="rId17"/>
-    <p:sldId id="272" r:id="rId18"/>
-    <p:sldId id="273" r:id="rId19"/>
-    <p:sldId id="274" r:id="rId20"/>
-    <p:sldId id="275" r:id="rId21"/>
-    <p:sldId id="277" r:id="rId22"/>
-    <p:sldId id="278" r:id="rId23"/>
-    <p:sldId id="280" r:id="rId24"/>
-    <p:sldId id="283" r:id="rId25"/>
-    <p:sldId id="284" r:id="rId26"/>
-    <p:sldId id="285" r:id="rId27"/>
-    <p:sldId id="294" r:id="rId28"/>
-    <p:sldId id="286" r:id="rId29"/>
-    <p:sldId id="287" r:id="rId30"/>
-    <p:sldId id="288" r:id="rId31"/>
-    <p:sldId id="290" r:id="rId32"/>
-    <p:sldId id="291" r:id="rId33"/>
-    <p:sldId id="292" r:id="rId34"/>
-    <p:sldId id="293" r:id="rId35"/>
-    <p:sldId id="282" r:id="rId36"/>
-    <p:sldId id="289" r:id="rId37"/>
-    <p:sldId id="295" r:id="rId38"/>
-    <p:sldId id="296" r:id="rId39"/>
-    <p:sldId id="297" r:id="rId40"/>
-    <p:sldId id="298" r:id="rId41"/>
-    <p:sldId id="299" r:id="rId42"/>
-    <p:sldId id="279" r:id="rId43"/>
+    <p:sldId id="300" r:id="rId6"/>
+    <p:sldId id="301" r:id="rId7"/>
+    <p:sldId id="302" r:id="rId8"/>
+    <p:sldId id="260" r:id="rId9"/>
+    <p:sldId id="261" r:id="rId10"/>
+    <p:sldId id="262" r:id="rId11"/>
+    <p:sldId id="263" r:id="rId12"/>
+    <p:sldId id="264" r:id="rId13"/>
+    <p:sldId id="266" r:id="rId14"/>
+    <p:sldId id="267" r:id="rId15"/>
+    <p:sldId id="268" r:id="rId16"/>
+    <p:sldId id="276" r:id="rId17"/>
+    <p:sldId id="269" r:id="rId18"/>
+    <p:sldId id="271" r:id="rId19"/>
+    <p:sldId id="270" r:id="rId20"/>
+    <p:sldId id="272" r:id="rId21"/>
+    <p:sldId id="273" r:id="rId22"/>
+    <p:sldId id="274" r:id="rId23"/>
+    <p:sldId id="275" r:id="rId24"/>
+    <p:sldId id="277" r:id="rId25"/>
+    <p:sldId id="278" r:id="rId26"/>
+    <p:sldId id="280" r:id="rId27"/>
+    <p:sldId id="283" r:id="rId28"/>
+    <p:sldId id="284" r:id="rId29"/>
+    <p:sldId id="285" r:id="rId30"/>
+    <p:sldId id="294" r:id="rId31"/>
+    <p:sldId id="286" r:id="rId32"/>
+    <p:sldId id="287" r:id="rId33"/>
+    <p:sldId id="288" r:id="rId34"/>
+    <p:sldId id="290" r:id="rId35"/>
+    <p:sldId id="291" r:id="rId36"/>
+    <p:sldId id="292" r:id="rId37"/>
+    <p:sldId id="293" r:id="rId38"/>
+    <p:sldId id="289" r:id="rId39"/>
+    <p:sldId id="295" r:id="rId40"/>
+    <p:sldId id="296" r:id="rId41"/>
+    <p:sldId id="297" r:id="rId42"/>
+    <p:sldId id="298" r:id="rId43"/>
+    <p:sldId id="299" r:id="rId44"/>
+    <p:sldId id="279" r:id="rId45"/>
   </p:sldIdLst>
   <p:sldSz cx="12192000" cy="6858000"/>
   <p:notesSz cx="6858000" cy="9144000"/>
@@ -159,11 +161,7 @@
 <file path=ppt/commentAuthors.xml><?xml version="1.0" encoding="utf-8"?>
 <p:cmAuthorLst xmlns:a="http://schemas.openxmlformats.org/drawingml/2006/main" xmlns:r="http://schemas.openxmlformats.org/officeDocument/2006/relationships" xmlns:p="http://schemas.openxmlformats.org/presentationml/2006/main">
   <p:cmAuthor id="1" name="Microsoft Office User" initials="Office" lastIdx="1" clrIdx="0">
-    <p:extLst>
-      <p:ext uri="{19B8F6BF-5375-455C-9EA6-DF929625EA0E}">
-        <p15:presenceInfo xmlns:p15="http://schemas.microsoft.com/office/powerpoint/2012/main" userId="" providerId=""/>
-      </p:ext>
-    </p:extLst>
+    <p:extLst/>
   </p:cmAuthor>
 </p:cmAuthorLst>
 </file>
@@ -264,7 +262,7 @@
           <a:p>
             <a:fld id="{3C788A56-8AD9-714C-9CAC-7C4673871E40}" type="datetimeFigureOut">
               <a:rPr lang="en-US" smtClean="0"/>
-              <a:t>6/28/19</a:t>
+              <a:t>7/6/19</a:t>
             </a:fld>
             <a:endParaRPr lang="en-US"/>
           </a:p>
@@ -687,7 +685,7 @@
           <a:p>
             <a:fld id="{178ED83A-CD6D-2C48-B64A-B07F4AB50A40}" type="slidenum">
               <a:rPr lang="en-US" smtClean="0"/>
-              <a:t>10</a:t>
+              <a:t>13</a:t>
             </a:fld>
             <a:endParaRPr lang="en-US"/>
           </a:p>
@@ -844,7 +842,7 @@
           <a:p>
             <a:fld id="{178ED83A-CD6D-2C48-B64A-B07F4AB50A40}" type="slidenum">
               <a:rPr lang="en-US" smtClean="0"/>
-              <a:t>18</a:t>
+              <a:t>21</a:t>
             </a:fld>
             <a:endParaRPr lang="en-US"/>
           </a:p>
@@ -940,7 +938,7 @@
           <a:p>
             <a:fld id="{178ED83A-CD6D-2C48-B64A-B07F4AB50A40}" type="slidenum">
               <a:rPr lang="en-US" smtClean="0"/>
-              <a:t>36</a:t>
+              <a:t>38</a:t>
             </a:fld>
             <a:endParaRPr lang="en-US"/>
           </a:p>
@@ -1090,7 +1088,7 @@
           <a:p>
             <a:fld id="{269432C5-FEC7-A342-857C-90BF8943668D}" type="datetimeFigureOut">
               <a:rPr lang="en-US" smtClean="0"/>
-              <a:t>6/28/19</a:t>
+              <a:t>7/6/19</a:t>
             </a:fld>
             <a:endParaRPr lang="en-US"/>
           </a:p>
@@ -1260,7 +1258,7 @@
           <a:p>
             <a:fld id="{269432C5-FEC7-A342-857C-90BF8943668D}" type="datetimeFigureOut">
               <a:rPr lang="en-US" smtClean="0"/>
-              <a:t>6/28/19</a:t>
+              <a:t>7/6/19</a:t>
             </a:fld>
             <a:endParaRPr lang="en-US"/>
           </a:p>
@@ -1440,7 +1438,7 @@
           <a:p>
             <a:fld id="{269432C5-FEC7-A342-857C-90BF8943668D}" type="datetimeFigureOut">
               <a:rPr lang="en-US" smtClean="0"/>
-              <a:t>6/28/19</a:t>
+              <a:t>7/6/19</a:t>
             </a:fld>
             <a:endParaRPr lang="en-US"/>
           </a:p>
@@ -1610,7 +1608,7 @@
           <a:p>
             <a:fld id="{269432C5-FEC7-A342-857C-90BF8943668D}" type="datetimeFigureOut">
               <a:rPr lang="en-US" smtClean="0"/>
-              <a:t>6/28/19</a:t>
+              <a:t>7/6/19</a:t>
             </a:fld>
             <a:endParaRPr lang="en-US"/>
           </a:p>
@@ -1856,7 +1854,7 @@
           <a:p>
             <a:fld id="{269432C5-FEC7-A342-857C-90BF8943668D}" type="datetimeFigureOut">
               <a:rPr lang="en-US" smtClean="0"/>
-              <a:t>6/28/19</a:t>
+              <a:t>7/6/19</a:t>
             </a:fld>
             <a:endParaRPr lang="en-US"/>
           </a:p>
@@ -2088,7 +2086,7 @@
           <a:p>
             <a:fld id="{269432C5-FEC7-A342-857C-90BF8943668D}" type="datetimeFigureOut">
               <a:rPr lang="en-US" smtClean="0"/>
-              <a:t>6/28/19</a:t>
+              <a:t>7/6/19</a:t>
             </a:fld>
             <a:endParaRPr lang="en-US"/>
           </a:p>
@@ -2455,7 +2453,7 @@
           <a:p>
             <a:fld id="{269432C5-FEC7-A342-857C-90BF8943668D}" type="datetimeFigureOut">
               <a:rPr lang="en-US" smtClean="0"/>
-              <a:t>6/28/19</a:t>
+              <a:t>7/6/19</a:t>
             </a:fld>
             <a:endParaRPr lang="en-US"/>
           </a:p>
@@ -2573,7 +2571,7 @@
           <a:p>
             <a:fld id="{269432C5-FEC7-A342-857C-90BF8943668D}" type="datetimeFigureOut">
               <a:rPr lang="en-US" smtClean="0"/>
-              <a:t>6/28/19</a:t>
+              <a:t>7/6/19</a:t>
             </a:fld>
             <a:endParaRPr lang="en-US"/>
           </a:p>
@@ -2668,7 +2666,7 @@
           <a:p>
             <a:fld id="{269432C5-FEC7-A342-857C-90BF8943668D}" type="datetimeFigureOut">
               <a:rPr lang="en-US" smtClean="0"/>
-              <a:t>6/28/19</a:t>
+              <a:t>7/6/19</a:t>
             </a:fld>
             <a:endParaRPr lang="en-US"/>
           </a:p>
@@ -2945,7 +2943,7 @@
           <a:p>
             <a:fld id="{269432C5-FEC7-A342-857C-90BF8943668D}" type="datetimeFigureOut">
               <a:rPr lang="en-US" smtClean="0"/>
-              <a:t>6/28/19</a:t>
+              <a:t>7/6/19</a:t>
             </a:fld>
             <a:endParaRPr lang="en-US"/>
           </a:p>
@@ -3198,7 +3196,7 @@
           <a:p>
             <a:fld id="{269432C5-FEC7-A342-857C-90BF8943668D}" type="datetimeFigureOut">
               <a:rPr lang="en-US" smtClean="0"/>
-              <a:t>6/28/19</a:t>
+              <a:t>7/6/19</a:t>
             </a:fld>
             <a:endParaRPr lang="en-US"/>
           </a:p>
@@ -3411,7 +3409,7 @@
           <a:p>
             <a:fld id="{269432C5-FEC7-A342-857C-90BF8943668D}" type="datetimeFigureOut">
               <a:rPr lang="en-US" smtClean="0"/>
-              <a:t>6/28/19</a:t>
+              <a:t>7/6/19</a:t>
             </a:fld>
             <a:endParaRPr lang="en-US"/>
           </a:p>
@@ -3908,8 +3906,16 @@
           <a:lstStyle/>
           <a:p>
             <a:r>
-              <a:rPr lang="zh-CN" altLang="en-US" dirty="0" smtClean="0"/>
-              <a:t>同步与异步</a:t>
+              <a:rPr lang="en-US" altLang="zh-CN" b="1" dirty="0"/>
+              <a:t>Nginx</a:t>
+            </a:r>
+            <a:r>
+              <a:rPr lang="zh-CN" altLang="en-US" b="1" dirty="0"/>
+              <a:t>如何做到热部署</a:t>
+            </a:r>
+            <a:r>
+              <a:rPr lang="zh-CN" altLang="en-US" b="1" dirty="0" smtClean="0"/>
+              <a:t>？</a:t>
             </a:r>
             <a:endParaRPr lang="en-US" dirty="0"/>
           </a:p>
@@ -3927,44 +3933,81 @@
         </p:nvSpPr>
         <p:spPr/>
         <p:txBody>
-          <a:bodyPr>
-            <a:normAutofit/>
-          </a:bodyPr>
-          <a:lstStyle/>
-          <a:p>
-            <a:r>
-              <a:rPr lang="en-US" dirty="0"/>
-              <a:t>同步和异步关注的是消息通信机制 (synchronous communication/ asynchronous communication</a:t>
-            </a:r>
-            <a:r>
-              <a:rPr lang="en-US" dirty="0" smtClean="0"/>
-              <a:t>)</a:t>
-            </a:r>
-          </a:p>
-          <a:p>
-            <a:r>
-              <a:rPr lang="zh-CN" altLang="en-US" dirty="0" smtClean="0"/>
-              <a:t>所谓同步，就是在发出一个调用时，在没有得到结果之前，该调用就不返回。但是一旦调用返回，就得到返回值了。</a:t>
-            </a:r>
-          </a:p>
-          <a:p>
-            <a:r>
-              <a:rPr lang="zh-CN" altLang="en-US" dirty="0" smtClean="0"/>
-              <a:t>换句话说，就是由调用者主动等待这个调用的结果。</a:t>
-            </a:r>
-          </a:p>
-          <a:p>
-            <a:r>
-              <a:rPr lang="zh-CN" altLang="en-US" dirty="0" smtClean="0"/>
-              <a:t>而异步则是相反，调用在发出之后，这个调用就直接返回了，所以没有返回结果。换句话说，当一个异步过程调用发出后，调用者不会立刻得到结果。而是在调用发出后，被调用者通过状态、通知来通知调用者，或通过回调函数处理这个调用。</a:t>
-            </a:r>
+          <a:bodyPr/>
+          <a:lstStyle/>
+          <a:p>
+            <a:r>
+              <a:rPr lang="zh-CN" altLang="en-US" dirty="0"/>
+              <a:t>所谓热部署，就是配置文件</a:t>
+            </a:r>
+            <a:r>
+              <a:rPr lang="en-US" altLang="zh-CN" dirty="0" err="1"/>
+              <a:t>nginx.conf</a:t>
+            </a:r>
+            <a:r>
+              <a:rPr lang="zh-CN" altLang="en-US" dirty="0"/>
+              <a:t>修改后，不需要</a:t>
+            </a:r>
+            <a:r>
+              <a:rPr lang="en-US" altLang="zh-CN" dirty="0"/>
+              <a:t>stop Nginx</a:t>
+            </a:r>
+            <a:r>
+              <a:rPr lang="zh-CN" altLang="en-US" dirty="0"/>
+              <a:t>，不需要中断请求，就能让配置文件生效！（</a:t>
+            </a:r>
+            <a:r>
+              <a:rPr lang="en-US" altLang="zh-CN" b="1" dirty="0" err="1"/>
+              <a:t>nginx</a:t>
+            </a:r>
+            <a:r>
+              <a:rPr lang="en-US" altLang="zh-CN" b="1" dirty="0"/>
+              <a:t> -s reload </a:t>
+            </a:r>
+            <a:r>
+              <a:rPr lang="zh-CN" altLang="en-US" b="1" dirty="0"/>
+              <a:t>重新加载</a:t>
+            </a:r>
+            <a:r>
+              <a:rPr lang="en-US" altLang="zh-CN" b="1" dirty="0"/>
+              <a:t>/</a:t>
+            </a:r>
+            <a:r>
+              <a:rPr lang="en-US" altLang="zh-CN" b="1" dirty="0" err="1"/>
+              <a:t>nginx</a:t>
+            </a:r>
+            <a:r>
+              <a:rPr lang="en-US" altLang="zh-CN" b="1" dirty="0"/>
+              <a:t> -t</a:t>
+            </a:r>
+            <a:r>
+              <a:rPr lang="zh-CN" altLang="en-US" b="1" dirty="0"/>
+              <a:t>检查配置</a:t>
+            </a:r>
+            <a:r>
+              <a:rPr lang="en-US" altLang="zh-CN" b="1" dirty="0"/>
+              <a:t>/</a:t>
+            </a:r>
+            <a:r>
+              <a:rPr lang="en-US" altLang="zh-CN" b="1" dirty="0" err="1"/>
+              <a:t>nginx</a:t>
+            </a:r>
+            <a:r>
+              <a:rPr lang="en-US" altLang="zh-CN" b="1" dirty="0"/>
+              <a:t> -s stop</a:t>
+            </a:r>
+            <a:r>
+              <a:rPr lang="zh-CN" altLang="en-US" dirty="0"/>
+              <a:t>）</a:t>
+            </a:r>
+            <a:endParaRPr lang="en-US" dirty="0"/>
           </a:p>
         </p:txBody>
       </p:sp>
     </p:spTree>
     <p:extLst>
       <p:ext uri="{BB962C8B-B14F-4D97-AF65-F5344CB8AC3E}">
-        <p14:creationId xmlns:p14="http://schemas.microsoft.com/office/powerpoint/2010/main" val="1267701638"/>
+        <p14:creationId xmlns:p14="http://schemas.microsoft.com/office/powerpoint/2010/main" val="241711179"/>
       </p:ext>
     </p:extLst>
   </p:cSld>
@@ -4006,11 +4049,7 @@
           <a:bodyPr/>
           <a:lstStyle/>
           <a:p>
-            <a:r>
-              <a:rPr lang="zh-CN" altLang="en-US" dirty="0" smtClean="0"/>
-              <a:t>阻塞与非阻塞</a:t>
-            </a:r>
-            <a:endParaRPr lang="en-US" dirty="0"/>
+            <a:endParaRPr lang="en-US"/>
           </a:p>
         </p:txBody>
       </p:sp>
@@ -4026,41 +4065,134 @@
         </p:nvSpPr>
         <p:spPr/>
         <p:txBody>
-          <a:bodyPr/>
-          <a:lstStyle/>
-          <a:p>
-            <a:r>
-              <a:rPr lang="zh-CN" altLang="en-US" dirty="0"/>
-              <a:t>阻塞和非阻塞关注的是程序在等待调用结果（消息，返回值）时的状态</a:t>
-            </a:r>
-            <a:r>
-              <a:rPr lang="en-US" altLang="zh-CN" dirty="0"/>
-              <a:t>.</a:t>
-            </a:r>
-          </a:p>
-          <a:p>
-            <a:r>
-              <a:rPr lang="zh-CN" altLang="en-US" dirty="0"/>
-              <a:t>阻塞调用是指调用结果返回之前，当前线程会被挂起。调用线程只有在得到结果之后才会返回。</a:t>
-            </a:r>
-          </a:p>
-          <a:p>
-            <a:r>
-              <a:rPr lang="zh-CN" altLang="en-US" dirty="0"/>
-              <a:t>非阻塞调用指在不能立刻得到结果之前，该调用不会阻塞当前线程</a:t>
-            </a:r>
-            <a:r>
-              <a:rPr lang="zh-CN" altLang="en-US" dirty="0" smtClean="0"/>
-              <a:t>。</a:t>
-            </a:r>
-            <a:endParaRPr lang="zh-CN" altLang="en-US" dirty="0"/>
+          <a:bodyPr>
+            <a:normAutofit/>
+          </a:bodyPr>
+          <a:lstStyle/>
+          <a:p>
+            <a:r>
+              <a:rPr lang="zh-CN" altLang="en-US" dirty="0" smtClean="0"/>
+              <a:t>方案一：</a:t>
+            </a:r>
+          </a:p>
+          <a:p>
+            <a:pPr lvl="1"/>
+            <a:r>
+              <a:rPr lang="zh-CN" altLang="en-US" b="1" dirty="0" smtClean="0"/>
+              <a:t>修改配置文件</a:t>
+            </a:r>
+            <a:r>
+              <a:rPr lang="en-US" altLang="zh-CN" b="1" dirty="0" err="1" smtClean="0"/>
+              <a:t>nginx.conf</a:t>
+            </a:r>
+            <a:r>
+              <a:rPr lang="zh-CN" altLang="en-US" b="1" dirty="0" smtClean="0"/>
+              <a:t>后，主进程</a:t>
+            </a:r>
+            <a:r>
+              <a:rPr lang="en-US" altLang="zh-CN" b="1" dirty="0" smtClean="0"/>
+              <a:t>master</a:t>
+            </a:r>
+            <a:r>
+              <a:rPr lang="zh-CN" altLang="en-US" b="1" dirty="0" smtClean="0"/>
+              <a:t>负责推送给</a:t>
+            </a:r>
+            <a:r>
+              <a:rPr lang="en-US" altLang="zh-CN" b="1" dirty="0" err="1" smtClean="0"/>
+              <a:t>woker</a:t>
+            </a:r>
+            <a:r>
+              <a:rPr lang="zh-CN" altLang="en-US" b="1" dirty="0" smtClean="0"/>
+              <a:t>进程更新配置信息，</a:t>
+            </a:r>
+            <a:r>
+              <a:rPr lang="en-US" altLang="zh-CN" b="1" dirty="0" err="1" smtClean="0"/>
+              <a:t>woker</a:t>
+            </a:r>
+            <a:r>
+              <a:rPr lang="zh-CN" altLang="en-US" b="1" dirty="0" smtClean="0"/>
+              <a:t>进程收到信息后，更新进程内部的线程信息。（有点</a:t>
+            </a:r>
+            <a:r>
+              <a:rPr lang="en-US" altLang="zh-CN" b="1" dirty="0" err="1" smtClean="0"/>
+              <a:t>valatile</a:t>
+            </a:r>
+            <a:r>
+              <a:rPr lang="zh-CN" altLang="en-US" b="1" dirty="0" smtClean="0"/>
+              <a:t>的味道）</a:t>
+            </a:r>
+            <a:endParaRPr lang="zh-CN" altLang="en-US" dirty="0" smtClean="0"/>
+          </a:p>
+          <a:p>
+            <a:r>
+              <a:rPr lang="zh-CN" altLang="en-US" dirty="0" smtClean="0"/>
+              <a:t>方案二：</a:t>
+            </a:r>
+          </a:p>
+          <a:p>
+            <a:pPr lvl="1"/>
+            <a:r>
+              <a:rPr lang="zh-CN" altLang="en-US" b="1" dirty="0" smtClean="0"/>
+              <a:t>修改配置文件</a:t>
+            </a:r>
+            <a:r>
+              <a:rPr lang="en-US" altLang="zh-CN" b="1" dirty="0" err="1" smtClean="0"/>
+              <a:t>nginx.conf</a:t>
+            </a:r>
+            <a:r>
+              <a:rPr lang="zh-CN" altLang="en-US" b="1" dirty="0" smtClean="0"/>
+              <a:t>后，重新生成新的</a:t>
+            </a:r>
+            <a:r>
+              <a:rPr lang="en-US" altLang="zh-CN" b="1" dirty="0" smtClean="0"/>
+              <a:t>worker</a:t>
+            </a:r>
+            <a:r>
+              <a:rPr lang="zh-CN" altLang="en-US" b="1" dirty="0" smtClean="0"/>
+              <a:t>进程，当然会以新的配置进行处理请求，而且新的请求必须都交给新的</a:t>
+            </a:r>
+            <a:r>
+              <a:rPr lang="en-US" altLang="zh-CN" b="1" dirty="0" smtClean="0"/>
+              <a:t>worker</a:t>
+            </a:r>
+            <a:r>
+              <a:rPr lang="zh-CN" altLang="en-US" b="1" dirty="0" smtClean="0"/>
+              <a:t>进程，至于老的</a:t>
+            </a:r>
+            <a:r>
+              <a:rPr lang="en-US" altLang="zh-CN" b="1" dirty="0" smtClean="0"/>
+              <a:t>worker</a:t>
+            </a:r>
+            <a:r>
+              <a:rPr lang="zh-CN" altLang="en-US" b="1" dirty="0" smtClean="0"/>
+              <a:t>进程，等把那些以前的请求处理完毕后，</a:t>
+            </a:r>
+            <a:r>
+              <a:rPr lang="en-US" altLang="zh-CN" b="1" dirty="0" smtClean="0"/>
+              <a:t>kill</a:t>
+            </a:r>
+            <a:r>
+              <a:rPr lang="zh-CN" altLang="en-US" b="1" dirty="0" smtClean="0"/>
+              <a:t>掉即可。</a:t>
+            </a:r>
+            <a:endParaRPr lang="zh-CN" altLang="en-US" dirty="0" smtClean="0"/>
+          </a:p>
+          <a:p>
+            <a:r>
+              <a:rPr lang="en-US" altLang="zh-CN" dirty="0" smtClean="0"/>
+              <a:t>Nginx</a:t>
+            </a:r>
+            <a:r>
+              <a:rPr lang="zh-CN" altLang="en-US" dirty="0" smtClean="0"/>
+              <a:t>采用的就是方案二来达到热部署的！</a:t>
+            </a:r>
           </a:p>
         </p:txBody>
       </p:sp>
     </p:spTree>
     <p:extLst>
       <p:ext uri="{BB962C8B-B14F-4D97-AF65-F5344CB8AC3E}">
-        <p14:creationId xmlns:p14="http://schemas.microsoft.com/office/powerpoint/2010/main" val="186692906"/>
+        <p14:creationId xmlns:p14="http://schemas.microsoft.com/office/powerpoint/2010/main" val="1397595153"/>
       </p:ext>
     </p:extLst>
   </p:cSld>
@@ -4102,7 +4234,19 @@
           <a:bodyPr/>
           <a:lstStyle/>
           <a:p>
-            <a:endParaRPr lang="en-US"/>
+            <a:r>
+              <a:rPr lang="en-US" altLang="zh-CN" b="1" dirty="0"/>
+              <a:t>Nginx</a:t>
+            </a:r>
+            <a:r>
+              <a:rPr lang="zh-CN" altLang="en-US" b="1" dirty="0"/>
+              <a:t>如何做到高并发下的高效</a:t>
+            </a:r>
+            <a:r>
+              <a:rPr lang="zh-CN" altLang="en-US" b="1" dirty="0" smtClean="0"/>
+              <a:t>处理</a:t>
+            </a:r>
+            <a:endParaRPr lang="en-US" dirty="0"/>
           </a:p>
         </p:txBody>
       </p:sp>
@@ -4119,172 +4263,173 @@
         <p:spPr/>
         <p:txBody>
           <a:bodyPr>
-            <a:normAutofit fontScale="92500" lnSpcReduction="20000"/>
+            <a:normAutofit/>
           </a:bodyPr>
           <a:lstStyle/>
           <a:p>
             <a:r>
-              <a:rPr lang="zh-CN" altLang="en-US" dirty="0"/>
-              <a:t>同步与异步，重点在于消息通知的方式</a:t>
-            </a:r>
-            <a:r>
-              <a:rPr lang="en-US" altLang="zh-CN" dirty="0"/>
-              <a:t>;</a:t>
-            </a:r>
-          </a:p>
-          <a:p>
-            <a:r>
-              <a:rPr lang="zh-CN" altLang="en-US" dirty="0"/>
-              <a:t>阻塞与非阻塞，重点在于等消息时候的行为。</a:t>
-            </a:r>
-          </a:p>
-          <a:p>
-            <a:r>
-              <a:rPr lang="zh-CN" altLang="en-US" dirty="0" smtClean="0"/>
-              <a:t>进程间的通信时通过 </a:t>
-            </a:r>
-            <a:r>
               <a:rPr lang="en-US" altLang="zh-CN" dirty="0" smtClean="0"/>
-              <a:t>send() </a:t>
-            </a:r>
-            <a:r>
-              <a:rPr lang="zh-CN" altLang="en-US" dirty="0" smtClean="0"/>
-              <a:t>和 </a:t>
+              <a:t>Nginx</a:t>
+            </a:r>
+            <a:r>
+              <a:rPr lang="zh-CN" altLang="en-US" dirty="0" smtClean="0"/>
+              <a:t>的</a:t>
             </a:r>
             <a:r>
               <a:rPr lang="en-US" altLang="zh-CN" dirty="0" smtClean="0"/>
-              <a:t>receive() </a:t>
-            </a:r>
-            <a:r>
-              <a:rPr lang="zh-CN" altLang="en-US" dirty="0" smtClean="0"/>
-              <a:t>两种基本操作完成的。具体如何实现这两种基础操作，存在着不同的设计。消息的传递有可能是**阻塞的**或**非阻塞的** </a:t>
+              <a:t>worker</a:t>
+            </a:r>
+            <a:r>
+              <a:rPr lang="zh-CN" altLang="en-US" dirty="0" smtClean="0"/>
+              <a:t>进程个数与</a:t>
             </a:r>
             <a:r>
               <a:rPr lang="en-US" altLang="zh-CN" dirty="0" smtClean="0"/>
-              <a:t>-- </a:t>
-            </a:r>
-            <a:r>
-              <a:rPr lang="zh-CN" altLang="en-US" dirty="0" smtClean="0"/>
-              <a:t>也被称为**同步**或**异步**的：</a:t>
-            </a:r>
-            <a:endParaRPr lang="en-US" altLang="zh-CN" dirty="0" smtClean="0"/>
-          </a:p>
-          <a:p>
-            <a:pPr lvl="1"/>
-            <a:r>
-              <a:rPr lang="zh-CN" altLang="en-US" dirty="0" smtClean="0"/>
-              <a:t>阻塞式发送（</a:t>
+              <a:t>CPU</a:t>
+            </a:r>
+            <a:r>
+              <a:rPr lang="zh-CN" altLang="en-US" dirty="0" smtClean="0"/>
+              <a:t>绑定、</a:t>
             </a:r>
             <a:r>
               <a:rPr lang="en-US" altLang="zh-CN" dirty="0" smtClean="0"/>
-              <a:t>blocking send</a:t>
-            </a:r>
-            <a:r>
-              <a:rPr lang="zh-CN" altLang="en-US" dirty="0" smtClean="0"/>
-              <a:t>）</a:t>
+              <a:t>worker</a:t>
+            </a:r>
+            <a:r>
+              <a:rPr lang="zh-CN" altLang="en-US" dirty="0" smtClean="0"/>
+              <a:t>进程内部包含一个线程高效回环处理请求，这的确有助于效率，但这是不够的。</a:t>
+            </a:r>
+          </a:p>
+          <a:p>
+            <a:r>
+              <a:rPr lang="zh-CN" altLang="en-US" b="1" dirty="0" smtClean="0"/>
+              <a:t>作为专业的程序员，我们可以开一下脑洞：</a:t>
+            </a:r>
+            <a:r>
+              <a:rPr lang="en-US" altLang="zh-CN" b="1" dirty="0" smtClean="0"/>
+              <a:t>BIO/NIO/AIO</a:t>
+            </a:r>
+            <a:r>
+              <a:rPr lang="zh-CN" altLang="en-US" b="1" dirty="0" smtClean="0"/>
+              <a:t>、异步</a:t>
+            </a:r>
+            <a:r>
+              <a:rPr lang="en-US" altLang="zh-CN" b="1" dirty="0" smtClean="0"/>
+              <a:t>/</a:t>
+            </a:r>
+            <a:r>
+              <a:rPr lang="zh-CN" altLang="en-US" b="1" dirty="0" smtClean="0"/>
+              <a:t>同步、阻塞</a:t>
+            </a:r>
+            <a:r>
+              <a:rPr lang="en-US" altLang="zh-CN" b="1" dirty="0" smtClean="0"/>
+              <a:t>/</a:t>
+            </a:r>
+            <a:r>
+              <a:rPr lang="zh-CN" altLang="en-US" b="1" dirty="0" smtClean="0"/>
+              <a:t>非阻塞</a:t>
+            </a:r>
+            <a:r>
+              <a:rPr lang="en-US" altLang="zh-CN" b="1" dirty="0" smtClean="0"/>
+              <a:t>...</a:t>
+            </a:r>
+            <a:endParaRPr lang="zh-CN" altLang="en-US" dirty="0" smtClean="0"/>
+          </a:p>
+          <a:p>
+            <a:r>
+              <a:rPr lang="zh-CN" altLang="en-US" dirty="0" smtClean="0"/>
+              <a:t>要同时处理那么多的请求，要知道，有的请求需要发生</a:t>
             </a:r>
             <a:r>
               <a:rPr lang="en-US" altLang="zh-CN" dirty="0" smtClean="0"/>
-              <a:t>. </a:t>
-            </a:r>
-            <a:r>
-              <a:rPr lang="zh-CN" altLang="en-US" dirty="0" smtClean="0"/>
-              <a:t>发送方进程会被一直阻塞， 直到消息被接受方进程收到。</a:t>
-            </a:r>
-            <a:endParaRPr lang="en-US" altLang="zh-CN" dirty="0" smtClean="0"/>
-          </a:p>
-          <a:p>
-            <a:pPr lvl="1"/>
-            <a:r>
-              <a:rPr lang="zh-CN" altLang="en-US" dirty="0" smtClean="0"/>
-              <a:t>非阻塞式发送（</a:t>
-            </a:r>
-            <a:r>
-              <a:rPr lang="en-US" altLang="zh-CN" dirty="0" err="1" smtClean="0"/>
-              <a:t>nonblocking</a:t>
+              <a:t>IO</a:t>
+            </a:r>
+            <a:r>
+              <a:rPr lang="zh-CN" altLang="en-US" dirty="0" smtClean="0"/>
+              <a:t>，可能需要很长时间，如果等着它，就会拖慢</a:t>
             </a:r>
             <a:r>
               <a:rPr lang="en-US" altLang="zh-CN" dirty="0" smtClean="0"/>
-              <a:t> send</a:t>
-            </a:r>
-            <a:r>
-              <a:rPr lang="zh-CN" altLang="en-US" dirty="0" smtClean="0"/>
-              <a:t>）。 发送方进程调用 </a:t>
-            </a:r>
-            <a:r>
-              <a:rPr lang="en-US" altLang="zh-CN" dirty="0" smtClean="0"/>
-              <a:t>send() </a:t>
-            </a:r>
-            <a:r>
-              <a:rPr lang="zh-CN" altLang="en-US" dirty="0" smtClean="0"/>
-              <a:t>后， 立即就可以其他操作。</a:t>
-            </a:r>
-            <a:endParaRPr lang="en-US" altLang="zh-CN" dirty="0" smtClean="0"/>
-          </a:p>
-          <a:p>
-            <a:pPr lvl="1"/>
-            <a:r>
-              <a:rPr lang="zh-CN" altLang="en-US" dirty="0" smtClean="0"/>
-              <a:t>阻塞式接收（</a:t>
-            </a:r>
-            <a:r>
-              <a:rPr lang="en-US" altLang="zh-CN" dirty="0" smtClean="0"/>
-              <a:t>blocking receive</a:t>
-            </a:r>
-            <a:r>
-              <a:rPr lang="zh-CN" altLang="en-US" dirty="0" smtClean="0"/>
-              <a:t>） 接收方调用 </a:t>
-            </a:r>
-            <a:r>
-              <a:rPr lang="en-US" altLang="zh-CN" dirty="0" smtClean="0"/>
-              <a:t>receive() </a:t>
-            </a:r>
-            <a:r>
-              <a:rPr lang="zh-CN" altLang="en-US" dirty="0" smtClean="0"/>
-              <a:t>后一直阻塞， 直到消息到达可用。</a:t>
-            </a:r>
-            <a:endParaRPr lang="en-US" altLang="zh-CN" dirty="0" smtClean="0"/>
-          </a:p>
-          <a:p>
-            <a:pPr lvl="1"/>
-            <a:r>
-              <a:rPr lang="zh-CN" altLang="en-US" dirty="0" smtClean="0"/>
-              <a:t>非阻塞式接受（</a:t>
-            </a:r>
-            <a:r>
-              <a:rPr lang="en-US" altLang="zh-CN" dirty="0" err="1" smtClean="0"/>
-              <a:t>nonblocking</a:t>
-            </a:r>
-            <a:r>
-              <a:rPr lang="en-US" altLang="zh-CN" dirty="0" smtClean="0"/>
-              <a:t> receive</a:t>
-            </a:r>
-            <a:r>
-              <a:rPr lang="zh-CN" altLang="en-US" dirty="0" smtClean="0"/>
-              <a:t>） 接收方调用 </a:t>
-            </a:r>
-            <a:r>
-              <a:rPr lang="en-US" altLang="zh-CN" dirty="0" smtClean="0"/>
-              <a:t>receive() </a:t>
-            </a:r>
-            <a:r>
-              <a:rPr lang="zh-CN" altLang="en-US" dirty="0" smtClean="0"/>
-              <a:t>函数后， 要么得到一个有效的结果， 要么得到一个空值， 即不会被阻塞。</a:t>
-            </a:r>
-            <a:endParaRPr lang="en-US" altLang="zh-CN" dirty="0" smtClean="0"/>
-          </a:p>
-          <a:p>
-            <a:r>
-              <a:rPr lang="zh-CN" altLang="en-US" dirty="0" smtClean="0"/>
-              <a:t>上述不同类型的发送方式和不同类型的接收方式，可以自由组合。</a:t>
-            </a:r>
+              <a:t>worker</a:t>
+            </a:r>
+            <a:r>
+              <a:rPr lang="zh-CN" altLang="en-US" dirty="0" smtClean="0"/>
+              <a:t>的处理速度。</a:t>
+            </a:r>
+          </a:p>
+          <a:p>
+            <a:r>
+              <a:rPr lang="en-US" altLang="zh-CN" b="1" dirty="0" smtClean="0"/>
+              <a:t>Nginx</a:t>
+            </a:r>
+            <a:r>
+              <a:rPr lang="zh-CN" altLang="en-US" b="1" dirty="0" smtClean="0"/>
+              <a:t>采用了</a:t>
+            </a:r>
+            <a:r>
+              <a:rPr lang="en-US" altLang="zh-CN" b="1" dirty="0" smtClean="0"/>
+              <a:t>Linux</a:t>
+            </a:r>
+            <a:r>
+              <a:rPr lang="zh-CN" altLang="en-US" b="1" dirty="0" smtClean="0"/>
+              <a:t>的</a:t>
+            </a:r>
+            <a:r>
+              <a:rPr lang="en-US" altLang="zh-CN" b="1" dirty="0" err="1" smtClean="0"/>
+              <a:t>epoll</a:t>
+            </a:r>
+            <a:r>
+              <a:rPr lang="zh-CN" altLang="en-US" b="1" dirty="0" smtClean="0"/>
+              <a:t>模型，</a:t>
+            </a:r>
+            <a:r>
+              <a:rPr lang="en-US" altLang="zh-CN" b="1" dirty="0" err="1" smtClean="0"/>
+              <a:t>epoll</a:t>
+            </a:r>
+            <a:r>
+              <a:rPr lang="zh-CN" altLang="en-US" b="1" dirty="0" smtClean="0"/>
+              <a:t>模型基于事件驱动机制，它可以监控多个事件是否准备完毕，如果</a:t>
+            </a:r>
+            <a:r>
+              <a:rPr lang="en-US" altLang="zh-CN" b="1" dirty="0" smtClean="0"/>
+              <a:t>OK</a:t>
+            </a:r>
+            <a:r>
+              <a:rPr lang="zh-CN" altLang="en-US" b="1" dirty="0" smtClean="0"/>
+              <a:t>，那么放入</a:t>
+            </a:r>
+            <a:r>
+              <a:rPr lang="en-US" altLang="zh-CN" b="1" dirty="0" err="1" smtClean="0"/>
+              <a:t>epoll</a:t>
+            </a:r>
+            <a:r>
+              <a:rPr lang="zh-CN" altLang="en-US" b="1" dirty="0" smtClean="0"/>
+              <a:t>队列中，这个过程是异步的。</a:t>
+            </a:r>
+            <a:r>
+              <a:rPr lang="en-US" altLang="zh-CN" b="1" dirty="0" smtClean="0"/>
+              <a:t>worker</a:t>
+            </a:r>
+            <a:r>
+              <a:rPr lang="zh-CN" altLang="en-US" b="1" dirty="0" smtClean="0"/>
+              <a:t>只需要从</a:t>
+            </a:r>
+            <a:r>
+              <a:rPr lang="en-US" altLang="zh-CN" b="1" dirty="0" err="1" smtClean="0"/>
+              <a:t>epoll</a:t>
+            </a:r>
+            <a:r>
+              <a:rPr lang="zh-CN" altLang="en-US" b="1" dirty="0" smtClean="0"/>
+              <a:t>队列循环处理即可。</a:t>
+            </a:r>
+            <a:endParaRPr lang="zh-CN" altLang="en-US" dirty="0" smtClean="0"/>
           </a:p>
         </p:txBody>
       </p:sp>
     </p:spTree>
     <p:extLst>
       <p:ext uri="{BB962C8B-B14F-4D97-AF65-F5344CB8AC3E}">
-        <p14:creationId xmlns:p14="http://schemas.microsoft.com/office/powerpoint/2010/main" val="1660034246"/>
+        <p14:creationId xmlns:p14="http://schemas.microsoft.com/office/powerpoint/2010/main" val="20794877"/>
       </p:ext>
     </p:extLst>
   </p:cSld>
@@ -4327,16 +4472,8 @@
           <a:lstStyle/>
           <a:p>
             <a:r>
-              <a:rPr lang="en-US" altLang="zh-CN" dirty="0" smtClean="0"/>
-              <a:t>Java</a:t>
-            </a:r>
-            <a:r>
-              <a:rPr lang="zh-CN" altLang="en-US" dirty="0" smtClean="0"/>
-              <a:t>中的</a:t>
-            </a:r>
-            <a:r>
-              <a:rPr lang="en-US" altLang="zh-CN" dirty="0" smtClean="0"/>
-              <a:t>IO</a:t>
+              <a:rPr lang="zh-CN" altLang="en-US" dirty="0" smtClean="0"/>
+              <a:t>同步与异步</a:t>
             </a:r>
             <a:endParaRPr lang="en-US" dirty="0"/>
           </a:p>
@@ -4355,92 +4492,43 @@
         <p:spPr/>
         <p:txBody>
           <a:bodyPr>
-            <a:normAutofit fontScale="92500" lnSpcReduction="20000"/>
+            <a:normAutofit/>
           </a:bodyPr>
           <a:lstStyle/>
           <a:p>
             <a:r>
-              <a:rPr lang="en-US" altLang="zh-CN" dirty="0" smtClean="0"/>
-              <a:t>BIO</a:t>
-            </a:r>
-            <a:r>
-              <a:rPr lang="zh-CN" altLang="en-US" dirty="0" smtClean="0"/>
-              <a:t>：同步阻塞，</a:t>
-            </a:r>
-            <a:r>
-              <a:rPr lang="zh-CN" altLang="en-US" dirty="0"/>
-              <a:t> 服务器实现模式为一个连接一个线程，即客户端有连接请求时服务器端就需要启动一个线程进行处理，如果这个连接不做任何事情会造成不必要的线程开销，当然可以通过线程池机制改善。适用于连接数目比较小且固定的架构，这种方式对服务器资源要求比较高，并发局限于应用中。</a:t>
-            </a:r>
-            <a:endParaRPr lang="en-US" altLang="zh-CN" dirty="0" smtClean="0"/>
-          </a:p>
-          <a:p>
-            <a:r>
-              <a:rPr lang="en-US" altLang="zh-CN" dirty="0" smtClean="0"/>
-              <a:t>NIO</a:t>
-            </a:r>
-            <a:r>
-              <a:rPr lang="zh-CN" altLang="en-US" dirty="0" smtClean="0"/>
-              <a:t>：同步非阻塞，</a:t>
-            </a:r>
-            <a:r>
-              <a:rPr lang="zh-CN" altLang="en-US" dirty="0"/>
-              <a:t> 服务器实现模式为一个请求一个线程，即客户端发送的连接请求都会注册到多路复用器上，多路复用器轮询到连接有</a:t>
-            </a:r>
-            <a:r>
-              <a:rPr lang="en-US" altLang="zh-CN" dirty="0"/>
-              <a:t>I/O</a:t>
-            </a:r>
-            <a:r>
-              <a:rPr lang="zh-CN" altLang="en-US" dirty="0"/>
-              <a:t>请求时才启动一个线程进行处理。适用于连接数目多且连接比较短（轻操作）的架构，比如聊天服务器，并发局限于应用中，编程比较复杂</a:t>
-            </a:r>
-            <a:endParaRPr lang="en-US" altLang="zh-CN" dirty="0" smtClean="0"/>
-          </a:p>
-          <a:p>
-            <a:r>
-              <a:rPr lang="en-US" altLang="zh-CN" dirty="0" smtClean="0"/>
-              <a:t>AIO</a:t>
-            </a:r>
-            <a:r>
-              <a:rPr lang="zh-CN" altLang="en-US" dirty="0" smtClean="0"/>
-              <a:t>：</a:t>
-            </a:r>
-            <a:r>
-              <a:rPr lang="zh-CN" altLang="en-US" dirty="0"/>
-              <a:t> 异步非阻塞，服务器实现模式为一个有效请求一个线程，客户端的</a:t>
-            </a:r>
-            <a:r>
-              <a:rPr lang="en-US" altLang="zh-CN" dirty="0"/>
-              <a:t>I/O</a:t>
-            </a:r>
-            <a:r>
-              <a:rPr lang="zh-CN" altLang="en-US" dirty="0"/>
-              <a:t>请求都是由</a:t>
-            </a:r>
-            <a:r>
-              <a:rPr lang="en-US" altLang="zh-CN" dirty="0"/>
-              <a:t>OS</a:t>
-            </a:r>
-            <a:r>
-              <a:rPr lang="zh-CN" altLang="en-US" dirty="0"/>
-              <a:t>先完成了再通知服务器应用去启动线程进行处理，适用于连接数目多且连接比较长（重操作）的架构，比如相册服务器，充分调用</a:t>
-            </a:r>
-            <a:r>
-              <a:rPr lang="en-US" altLang="zh-CN" dirty="0"/>
-              <a:t>OS</a:t>
-            </a:r>
-            <a:r>
-              <a:rPr lang="zh-CN" altLang="en-US" dirty="0"/>
-              <a:t>参与并发操作，编程比较复杂。</a:t>
-            </a:r>
-            <a:endParaRPr lang="en-US" dirty="0"/>
+              <a:rPr lang="en-US" dirty="0"/>
+              <a:t>同步和异步关注的是消息通信机制 (synchronous communication/ asynchronous communication</a:t>
+            </a:r>
+            <a:r>
+              <a:rPr lang="en-US" dirty="0" smtClean="0"/>
+              <a:t>)</a:t>
+            </a:r>
+          </a:p>
+          <a:p>
+            <a:r>
+              <a:rPr lang="zh-CN" altLang="en-US" dirty="0" smtClean="0"/>
+              <a:t>所谓同步，就是在发出一个调用时，在没有得到结果之前，该调用就不返回。但是一旦调用返回，就得到返回值了。</a:t>
+            </a:r>
+          </a:p>
+          <a:p>
+            <a:r>
+              <a:rPr lang="zh-CN" altLang="en-US" dirty="0" smtClean="0"/>
+              <a:t>换句话说，就是由调用者主动等待这个调用的结果。</a:t>
+            </a:r>
+          </a:p>
+          <a:p>
+            <a:r>
+              <a:rPr lang="zh-CN" altLang="en-US" dirty="0" smtClean="0"/>
+              <a:t>而异步则是相反，调用在发出之后，这个调用就直接返回了，所以没有返回结果。换句话说，当一个异步过程调用发出后，调用者不会立刻得到结果。而是在调用发出后，被调用者通过状态、通知来通知调用者，或通过回调函数处理这个调用。</a:t>
+            </a:r>
           </a:p>
         </p:txBody>
       </p:sp>
     </p:spTree>
     <p:extLst>
       <p:ext uri="{BB962C8B-B14F-4D97-AF65-F5344CB8AC3E}">
-        <p14:creationId xmlns:p14="http://schemas.microsoft.com/office/powerpoint/2010/main" val="1073482875"/>
+        <p14:creationId xmlns:p14="http://schemas.microsoft.com/office/powerpoint/2010/main" val="1267701638"/>
       </p:ext>
     </p:extLst>
   </p:cSld>
@@ -4483,12 +4571,8 @@
           <a:lstStyle/>
           <a:p>
             <a:r>
-              <a:rPr lang="zh-CN" altLang="en-US" b="1" dirty="0"/>
-              <a:t>用户空间和内核</a:t>
-            </a:r>
-            <a:r>
-              <a:rPr lang="zh-CN" altLang="en-US" b="1" dirty="0" smtClean="0"/>
-              <a:t>空间</a:t>
+              <a:rPr lang="zh-CN" altLang="en-US" dirty="0" smtClean="0"/>
+              <a:t>阻塞与非阻塞</a:t>
             </a:r>
             <a:endParaRPr lang="en-US" dirty="0"/>
           </a:p>
@@ -4506,37 +4590,41 @@
         </p:nvSpPr>
         <p:spPr/>
         <p:txBody>
-          <a:bodyPr>
-            <a:normAutofit/>
-          </a:bodyPr>
-          <a:lstStyle/>
-          <a:p>
-            <a:r>
-              <a:rPr lang="zh-CN" altLang="en-US" dirty="0" smtClean="0"/>
-              <a:t>操作系统为了支持多个应用同时运行，需要保证不同进程之间相对独立（一个进程的崩溃不会影响其他的进程 ， 恶意进程不能直接读取和修改其他进程运行时的代码和数据）。 因此操作系统内核需要拥有高于普通进程的权限， 以此来调度和管理用户的应用程序。</a:t>
-            </a:r>
-            <a:endParaRPr lang="en-US" altLang="zh-CN" dirty="0" smtClean="0"/>
-          </a:p>
-          <a:p>
-            <a:r>
-              <a:rPr lang="zh-CN" altLang="en-US" dirty="0" smtClean="0"/>
-              <a:t>于是内存空间被划分为两部分，一部分为内核空间，一部分为用户空间，内核空间存储的代码和数据具有更高级别的权限。内存访问的相关硬件在程序执行期间会进行访问控制（ </a:t>
-            </a:r>
-            <a:r>
-              <a:rPr lang="en-US" altLang="zh-CN" dirty="0" smtClean="0"/>
-              <a:t>Access Control</a:t>
-            </a:r>
-            <a:r>
-              <a:rPr lang="zh-CN" altLang="en-US" dirty="0" smtClean="0"/>
-              <a:t>），使得用户空间的程序不能直接读写内核空间的内存。</a:t>
-            </a:r>
+          <a:bodyPr/>
+          <a:lstStyle/>
+          <a:p>
+            <a:r>
+              <a:rPr lang="zh-CN" altLang="en-US" dirty="0"/>
+              <a:t>阻塞和非阻塞关注的是程序在等待调用结果（消息，返回值）时的状态</a:t>
+            </a:r>
+            <a:r>
+              <a:rPr lang="en-US" altLang="zh-CN" dirty="0"/>
+              <a:t>.</a:t>
+            </a:r>
+          </a:p>
+          <a:p>
+            <a:r>
+              <a:rPr lang="zh-CN" altLang="en-US" dirty="0"/>
+              <a:t>阻塞调用是指调用结果返回之前，当前线程会被挂起。调用线程只有在得到结果之后才会返回。</a:t>
+            </a:r>
+          </a:p>
+          <a:p>
+            <a:r>
+              <a:rPr lang="zh-CN" altLang="en-US" dirty="0"/>
+              <a:t>非阻塞调用指在不能立刻得到结果之前，该调用不会阻塞当前线程</a:t>
+            </a:r>
+            <a:r>
+              <a:rPr lang="zh-CN" altLang="en-US" dirty="0" smtClean="0"/>
+              <a:t>。</a:t>
+            </a:r>
+            <a:endParaRPr lang="zh-CN" altLang="en-US" dirty="0"/>
           </a:p>
         </p:txBody>
       </p:sp>
     </p:spTree>
     <p:extLst>
       <p:ext uri="{BB962C8B-B14F-4D97-AF65-F5344CB8AC3E}">
-        <p14:creationId xmlns:p14="http://schemas.microsoft.com/office/powerpoint/2010/main" val="652016941"/>
+        <p14:creationId xmlns:p14="http://schemas.microsoft.com/office/powerpoint/2010/main" val="186692906"/>
       </p:ext>
     </p:extLst>
   </p:cSld>
@@ -4578,6 +4666,482 @@
           <a:bodyPr/>
           <a:lstStyle/>
           <a:p>
+            <a:endParaRPr lang="en-US"/>
+          </a:p>
+        </p:txBody>
+      </p:sp>
+      <p:sp>
+        <p:nvSpPr>
+          <p:cNvPr id="3" name="Content Placeholder 2"/>
+          <p:cNvSpPr>
+            <a:spLocks noGrp="1"/>
+          </p:cNvSpPr>
+          <p:nvPr>
+            <p:ph idx="1"/>
+          </p:nvPr>
+        </p:nvSpPr>
+        <p:spPr/>
+        <p:txBody>
+          <a:bodyPr>
+            <a:normAutofit fontScale="92500" lnSpcReduction="20000"/>
+          </a:bodyPr>
+          <a:lstStyle/>
+          <a:p>
+            <a:r>
+              <a:rPr lang="zh-CN" altLang="en-US" dirty="0"/>
+              <a:t>同步与异步，重点在于消息通知的方式</a:t>
+            </a:r>
+            <a:r>
+              <a:rPr lang="en-US" altLang="zh-CN" dirty="0"/>
+              <a:t>;</a:t>
+            </a:r>
+          </a:p>
+          <a:p>
+            <a:r>
+              <a:rPr lang="zh-CN" altLang="en-US" dirty="0"/>
+              <a:t>阻塞与非阻塞，重点在于等消息时候的行为。</a:t>
+            </a:r>
+          </a:p>
+          <a:p>
+            <a:r>
+              <a:rPr lang="zh-CN" altLang="en-US" dirty="0" smtClean="0"/>
+              <a:t>进程间的通信时通过 </a:t>
+            </a:r>
+            <a:r>
+              <a:rPr lang="en-US" altLang="zh-CN" dirty="0" smtClean="0"/>
+              <a:t>send() </a:t>
+            </a:r>
+            <a:r>
+              <a:rPr lang="zh-CN" altLang="en-US" dirty="0" smtClean="0"/>
+              <a:t>和 </a:t>
+            </a:r>
+            <a:r>
+              <a:rPr lang="en-US" altLang="zh-CN" dirty="0" smtClean="0"/>
+              <a:t>receive() </a:t>
+            </a:r>
+            <a:r>
+              <a:rPr lang="zh-CN" altLang="en-US" dirty="0" smtClean="0"/>
+              <a:t>两种基本操作完成的。具体如何实现这两种基础操作，存在着不同的设计。消息的传递有可能是**阻塞的**或**非阻塞的** </a:t>
+            </a:r>
+            <a:r>
+              <a:rPr lang="en-US" altLang="zh-CN" dirty="0" smtClean="0"/>
+              <a:t>-- </a:t>
+            </a:r>
+            <a:r>
+              <a:rPr lang="zh-CN" altLang="en-US" dirty="0" smtClean="0"/>
+              <a:t>也被称为**同步**或**异步**的：</a:t>
+            </a:r>
+            <a:endParaRPr lang="en-US" altLang="zh-CN" dirty="0" smtClean="0"/>
+          </a:p>
+          <a:p>
+            <a:pPr lvl="1"/>
+            <a:r>
+              <a:rPr lang="zh-CN" altLang="en-US" dirty="0" smtClean="0"/>
+              <a:t>阻塞式发送（</a:t>
+            </a:r>
+            <a:r>
+              <a:rPr lang="en-US" altLang="zh-CN" dirty="0" smtClean="0"/>
+              <a:t>blocking send</a:t>
+            </a:r>
+            <a:r>
+              <a:rPr lang="zh-CN" altLang="en-US" dirty="0" smtClean="0"/>
+              <a:t>）</a:t>
+            </a:r>
+            <a:r>
+              <a:rPr lang="en-US" altLang="zh-CN" dirty="0" smtClean="0"/>
+              <a:t>. </a:t>
+            </a:r>
+            <a:r>
+              <a:rPr lang="zh-CN" altLang="en-US" dirty="0" smtClean="0"/>
+              <a:t>发送方进程会被一直阻塞， 直到消息被接受方进程收到。</a:t>
+            </a:r>
+            <a:endParaRPr lang="en-US" altLang="zh-CN" dirty="0" smtClean="0"/>
+          </a:p>
+          <a:p>
+            <a:pPr lvl="1"/>
+            <a:r>
+              <a:rPr lang="zh-CN" altLang="en-US" dirty="0" smtClean="0"/>
+              <a:t>非阻塞式发送（</a:t>
+            </a:r>
+            <a:r>
+              <a:rPr lang="en-US" altLang="zh-CN" dirty="0" err="1" smtClean="0"/>
+              <a:t>nonblocking</a:t>
+            </a:r>
+            <a:r>
+              <a:rPr lang="en-US" altLang="zh-CN" dirty="0" smtClean="0"/>
+              <a:t> send</a:t>
+            </a:r>
+            <a:r>
+              <a:rPr lang="zh-CN" altLang="en-US" dirty="0" smtClean="0"/>
+              <a:t>）。 发送方进程调用 </a:t>
+            </a:r>
+            <a:r>
+              <a:rPr lang="en-US" altLang="zh-CN" dirty="0" smtClean="0"/>
+              <a:t>send() </a:t>
+            </a:r>
+            <a:r>
+              <a:rPr lang="zh-CN" altLang="en-US" dirty="0" smtClean="0"/>
+              <a:t>后， 立即就可以其他操作。</a:t>
+            </a:r>
+            <a:endParaRPr lang="en-US" altLang="zh-CN" dirty="0" smtClean="0"/>
+          </a:p>
+          <a:p>
+            <a:pPr lvl="1"/>
+            <a:r>
+              <a:rPr lang="zh-CN" altLang="en-US" dirty="0" smtClean="0"/>
+              <a:t>阻塞式接收（</a:t>
+            </a:r>
+            <a:r>
+              <a:rPr lang="en-US" altLang="zh-CN" dirty="0" smtClean="0"/>
+              <a:t>blocking receive</a:t>
+            </a:r>
+            <a:r>
+              <a:rPr lang="zh-CN" altLang="en-US" dirty="0" smtClean="0"/>
+              <a:t>） 接收方调用 </a:t>
+            </a:r>
+            <a:r>
+              <a:rPr lang="en-US" altLang="zh-CN" dirty="0" smtClean="0"/>
+              <a:t>receive() </a:t>
+            </a:r>
+            <a:r>
+              <a:rPr lang="zh-CN" altLang="en-US" dirty="0" smtClean="0"/>
+              <a:t>后一直阻塞， 直到消息到达可用。</a:t>
+            </a:r>
+            <a:endParaRPr lang="en-US" altLang="zh-CN" dirty="0" smtClean="0"/>
+          </a:p>
+          <a:p>
+            <a:pPr lvl="1"/>
+            <a:r>
+              <a:rPr lang="zh-CN" altLang="en-US" dirty="0" smtClean="0"/>
+              <a:t>非阻塞式接受（</a:t>
+            </a:r>
+            <a:r>
+              <a:rPr lang="en-US" altLang="zh-CN" dirty="0" err="1" smtClean="0"/>
+              <a:t>nonblocking</a:t>
+            </a:r>
+            <a:r>
+              <a:rPr lang="en-US" altLang="zh-CN" dirty="0" smtClean="0"/>
+              <a:t> receive</a:t>
+            </a:r>
+            <a:r>
+              <a:rPr lang="zh-CN" altLang="en-US" dirty="0" smtClean="0"/>
+              <a:t>） 接收方调用 </a:t>
+            </a:r>
+            <a:r>
+              <a:rPr lang="en-US" altLang="zh-CN" dirty="0" smtClean="0"/>
+              <a:t>receive() </a:t>
+            </a:r>
+            <a:r>
+              <a:rPr lang="zh-CN" altLang="en-US" dirty="0" smtClean="0"/>
+              <a:t>函数后， 要么得到一个有效的结果， 要么得到一个空值， 即不会被阻塞。</a:t>
+            </a:r>
+            <a:endParaRPr lang="en-US" altLang="zh-CN" dirty="0" smtClean="0"/>
+          </a:p>
+          <a:p>
+            <a:r>
+              <a:rPr lang="zh-CN" altLang="en-US" dirty="0" smtClean="0"/>
+              <a:t>上述不同类型的发送方式和不同类型的接收方式，可以自由组合。</a:t>
+            </a:r>
+          </a:p>
+        </p:txBody>
+      </p:sp>
+    </p:spTree>
+    <p:extLst>
+      <p:ext uri="{BB962C8B-B14F-4D97-AF65-F5344CB8AC3E}">
+        <p14:creationId xmlns:p14="http://schemas.microsoft.com/office/powerpoint/2010/main" val="1660034246"/>
+      </p:ext>
+    </p:extLst>
+  </p:cSld>
+  <p:clrMapOvr>
+    <a:masterClrMapping/>
+  </p:clrMapOvr>
+</p:sld>
+</file>
+
+<file path=ppt/slides/slide16.xml><?xml version="1.0" encoding="utf-8"?>
+<p:sld xmlns:a="http://schemas.openxmlformats.org/drawingml/2006/main" xmlns:r="http://schemas.openxmlformats.org/officeDocument/2006/relationships" xmlns:p="http://schemas.openxmlformats.org/presentationml/2006/main">
+  <p:cSld>
+    <p:spTree>
+      <p:nvGrpSpPr>
+        <p:cNvPr id="1" name=""/>
+        <p:cNvGrpSpPr/>
+        <p:nvPr/>
+      </p:nvGrpSpPr>
+      <p:grpSpPr>
+        <a:xfrm>
+          <a:off x="0" y="0"/>
+          <a:ext cx="0" cy="0"/>
+          <a:chOff x="0" y="0"/>
+          <a:chExt cx="0" cy="0"/>
+        </a:xfrm>
+      </p:grpSpPr>
+      <p:sp>
+        <p:nvSpPr>
+          <p:cNvPr id="2" name="Title 1"/>
+          <p:cNvSpPr>
+            <a:spLocks noGrp="1"/>
+          </p:cNvSpPr>
+          <p:nvPr>
+            <p:ph type="title"/>
+          </p:nvPr>
+        </p:nvSpPr>
+        <p:spPr/>
+        <p:txBody>
+          <a:bodyPr/>
+          <a:lstStyle/>
+          <a:p>
+            <a:r>
+              <a:rPr lang="en-US" altLang="zh-CN" dirty="0" smtClean="0"/>
+              <a:t>Java</a:t>
+            </a:r>
+            <a:r>
+              <a:rPr lang="zh-CN" altLang="en-US" dirty="0" smtClean="0"/>
+              <a:t>中的</a:t>
+            </a:r>
+            <a:r>
+              <a:rPr lang="en-US" altLang="zh-CN" dirty="0" smtClean="0"/>
+              <a:t>IO</a:t>
+            </a:r>
+            <a:endParaRPr lang="en-US" dirty="0"/>
+          </a:p>
+        </p:txBody>
+      </p:sp>
+      <p:sp>
+        <p:nvSpPr>
+          <p:cNvPr id="3" name="Content Placeholder 2"/>
+          <p:cNvSpPr>
+            <a:spLocks noGrp="1"/>
+          </p:cNvSpPr>
+          <p:nvPr>
+            <p:ph idx="1"/>
+          </p:nvPr>
+        </p:nvSpPr>
+        <p:spPr/>
+        <p:txBody>
+          <a:bodyPr>
+            <a:normAutofit fontScale="92500" lnSpcReduction="20000"/>
+          </a:bodyPr>
+          <a:lstStyle/>
+          <a:p>
+            <a:r>
+              <a:rPr lang="en-US" altLang="zh-CN" dirty="0" smtClean="0"/>
+              <a:t>BIO</a:t>
+            </a:r>
+            <a:r>
+              <a:rPr lang="zh-CN" altLang="en-US" dirty="0" smtClean="0"/>
+              <a:t>：同步阻塞，</a:t>
+            </a:r>
+            <a:r>
+              <a:rPr lang="zh-CN" altLang="en-US" dirty="0"/>
+              <a:t> 服务器实现模式为一个连接一个线程，即客户端有连接请求时服务器端就需要启动一个线程进行处理，如果这个连接不做任何事情会造成不必要的线程开销，当然可以通过线程池机制改善。适用于连接数目比较小且固定的架构，这种方式对服务器资源要求比较高，并发局限于应用中。</a:t>
+            </a:r>
+            <a:endParaRPr lang="en-US" altLang="zh-CN" dirty="0" smtClean="0"/>
+          </a:p>
+          <a:p>
+            <a:r>
+              <a:rPr lang="en-US" altLang="zh-CN" dirty="0" smtClean="0"/>
+              <a:t>NIO</a:t>
+            </a:r>
+            <a:r>
+              <a:rPr lang="zh-CN" altLang="en-US" dirty="0" smtClean="0"/>
+              <a:t>：同步非阻塞，</a:t>
+            </a:r>
+            <a:r>
+              <a:rPr lang="zh-CN" altLang="en-US" dirty="0"/>
+              <a:t> 服务器实现模式为一个请求一个线程，即客户端发送的连接请求都会注册到多路复用器上，多路复用器轮询到连接有</a:t>
+            </a:r>
+            <a:r>
+              <a:rPr lang="en-US" altLang="zh-CN" dirty="0"/>
+              <a:t>I/O</a:t>
+            </a:r>
+            <a:r>
+              <a:rPr lang="zh-CN" altLang="en-US" dirty="0"/>
+              <a:t>请求时才启动一个线程进行处理。适用于连接数目多且连接比较短（轻操作）的架构，比如聊天服务器，并发局限于应用中，编程比较复杂</a:t>
+            </a:r>
+            <a:endParaRPr lang="en-US" altLang="zh-CN" dirty="0" smtClean="0"/>
+          </a:p>
+          <a:p>
+            <a:r>
+              <a:rPr lang="en-US" altLang="zh-CN" dirty="0" smtClean="0"/>
+              <a:t>AIO</a:t>
+            </a:r>
+            <a:r>
+              <a:rPr lang="zh-CN" altLang="en-US" dirty="0" smtClean="0"/>
+              <a:t>：</a:t>
+            </a:r>
+            <a:r>
+              <a:rPr lang="zh-CN" altLang="en-US" dirty="0"/>
+              <a:t> 异步非阻塞，服务器实现模式为一个有效请求一个线程，客户端的</a:t>
+            </a:r>
+            <a:r>
+              <a:rPr lang="en-US" altLang="zh-CN" dirty="0"/>
+              <a:t>I/O</a:t>
+            </a:r>
+            <a:r>
+              <a:rPr lang="zh-CN" altLang="en-US" dirty="0"/>
+              <a:t>请求都是由</a:t>
+            </a:r>
+            <a:r>
+              <a:rPr lang="en-US" altLang="zh-CN" dirty="0"/>
+              <a:t>OS</a:t>
+            </a:r>
+            <a:r>
+              <a:rPr lang="zh-CN" altLang="en-US" dirty="0"/>
+              <a:t>先完成了再通知服务器应用去启动线程进行处理，适用于连接数目多且连接比较长（重操作）的架构，比如相册服务器，充分调用</a:t>
+            </a:r>
+            <a:r>
+              <a:rPr lang="en-US" altLang="zh-CN" dirty="0"/>
+              <a:t>OS</a:t>
+            </a:r>
+            <a:r>
+              <a:rPr lang="zh-CN" altLang="en-US" dirty="0"/>
+              <a:t>参与并发操作，编程比较复杂。</a:t>
+            </a:r>
+            <a:endParaRPr lang="en-US" dirty="0"/>
+          </a:p>
+        </p:txBody>
+      </p:sp>
+    </p:spTree>
+    <p:extLst>
+      <p:ext uri="{BB962C8B-B14F-4D97-AF65-F5344CB8AC3E}">
+        <p14:creationId xmlns:p14="http://schemas.microsoft.com/office/powerpoint/2010/main" val="1073482875"/>
+      </p:ext>
+    </p:extLst>
+  </p:cSld>
+  <p:clrMapOvr>
+    <a:masterClrMapping/>
+  </p:clrMapOvr>
+</p:sld>
+</file>
+
+<file path=ppt/slides/slide17.xml><?xml version="1.0" encoding="utf-8"?>
+<p:sld xmlns:a="http://schemas.openxmlformats.org/drawingml/2006/main" xmlns:r="http://schemas.openxmlformats.org/officeDocument/2006/relationships" xmlns:p="http://schemas.openxmlformats.org/presentationml/2006/main">
+  <p:cSld>
+    <p:spTree>
+      <p:nvGrpSpPr>
+        <p:cNvPr id="1" name=""/>
+        <p:cNvGrpSpPr/>
+        <p:nvPr/>
+      </p:nvGrpSpPr>
+      <p:grpSpPr>
+        <a:xfrm>
+          <a:off x="0" y="0"/>
+          <a:ext cx="0" cy="0"/>
+          <a:chOff x="0" y="0"/>
+          <a:chExt cx="0" cy="0"/>
+        </a:xfrm>
+      </p:grpSpPr>
+      <p:sp>
+        <p:nvSpPr>
+          <p:cNvPr id="2" name="Title 1"/>
+          <p:cNvSpPr>
+            <a:spLocks noGrp="1"/>
+          </p:cNvSpPr>
+          <p:nvPr>
+            <p:ph type="title"/>
+          </p:nvPr>
+        </p:nvSpPr>
+        <p:spPr/>
+        <p:txBody>
+          <a:bodyPr/>
+          <a:lstStyle/>
+          <a:p>
+            <a:r>
+              <a:rPr lang="zh-CN" altLang="en-US" b="1" dirty="0"/>
+              <a:t>用户空间和内核</a:t>
+            </a:r>
+            <a:r>
+              <a:rPr lang="zh-CN" altLang="en-US" b="1" dirty="0" smtClean="0"/>
+              <a:t>空间</a:t>
+            </a:r>
+            <a:endParaRPr lang="en-US" dirty="0"/>
+          </a:p>
+        </p:txBody>
+      </p:sp>
+      <p:sp>
+        <p:nvSpPr>
+          <p:cNvPr id="3" name="Content Placeholder 2"/>
+          <p:cNvSpPr>
+            <a:spLocks noGrp="1"/>
+          </p:cNvSpPr>
+          <p:nvPr>
+            <p:ph idx="1"/>
+          </p:nvPr>
+        </p:nvSpPr>
+        <p:spPr/>
+        <p:txBody>
+          <a:bodyPr>
+            <a:normAutofit/>
+          </a:bodyPr>
+          <a:lstStyle/>
+          <a:p>
+            <a:r>
+              <a:rPr lang="zh-CN" altLang="en-US" dirty="0" smtClean="0"/>
+              <a:t>操作系统为了支持多个应用同时运行，需要保证不同进程之间相对独立（一个进程的崩溃不会影响其他的进程 ， 恶意进程不能直接读取和修改其他进程运行时的代码和数据）。 因此操作系统内核需要拥有高于普通进程的权限， 以此来调度和管理用户的应用程序。</a:t>
+            </a:r>
+            <a:endParaRPr lang="en-US" altLang="zh-CN" dirty="0" smtClean="0"/>
+          </a:p>
+          <a:p>
+            <a:r>
+              <a:rPr lang="zh-CN" altLang="en-US" dirty="0" smtClean="0"/>
+              <a:t>于是内存空间被划分为两部分，一部分为内核空间，一部分为用户空间，内核空间存储的代码和数据具有更高级别的权限。内存访问的相关硬件在程序执行期间会进行访问控制（ </a:t>
+            </a:r>
+            <a:r>
+              <a:rPr lang="en-US" altLang="zh-CN" dirty="0" smtClean="0"/>
+              <a:t>Access Control</a:t>
+            </a:r>
+            <a:r>
+              <a:rPr lang="zh-CN" altLang="en-US" dirty="0" smtClean="0"/>
+              <a:t>），使得用户空间的程序不能直接读写内核空间的内存。</a:t>
+            </a:r>
+          </a:p>
+        </p:txBody>
+      </p:sp>
+    </p:spTree>
+    <p:extLst>
+      <p:ext uri="{BB962C8B-B14F-4D97-AF65-F5344CB8AC3E}">
+        <p14:creationId xmlns:p14="http://schemas.microsoft.com/office/powerpoint/2010/main" val="652016941"/>
+      </p:ext>
+    </p:extLst>
+  </p:cSld>
+  <p:clrMapOvr>
+    <a:masterClrMapping/>
+  </p:clrMapOvr>
+</p:sld>
+</file>
+
+<file path=ppt/slides/slide18.xml><?xml version="1.0" encoding="utf-8"?>
+<p:sld xmlns:a="http://schemas.openxmlformats.org/drawingml/2006/main" xmlns:r="http://schemas.openxmlformats.org/officeDocument/2006/relationships" xmlns:p="http://schemas.openxmlformats.org/presentationml/2006/main">
+  <p:cSld>
+    <p:spTree>
+      <p:nvGrpSpPr>
+        <p:cNvPr id="1" name=""/>
+        <p:cNvGrpSpPr/>
+        <p:nvPr/>
+      </p:nvGrpSpPr>
+      <p:grpSpPr>
+        <a:xfrm>
+          <a:off x="0" y="0"/>
+          <a:ext cx="0" cy="0"/>
+          <a:chOff x="0" y="0"/>
+          <a:chExt cx="0" cy="0"/>
+        </a:xfrm>
+      </p:grpSpPr>
+      <p:sp>
+        <p:nvSpPr>
+          <p:cNvPr id="2" name="Title 1"/>
+          <p:cNvSpPr>
+            <a:spLocks noGrp="1"/>
+          </p:cNvSpPr>
+          <p:nvPr>
+            <p:ph type="title"/>
+          </p:nvPr>
+        </p:nvSpPr>
+        <p:spPr/>
+        <p:txBody>
+          <a:bodyPr/>
+          <a:lstStyle/>
+          <a:p>
             <a:r>
               <a:rPr lang="en-US" altLang="zh-CN" dirty="0" err="1"/>
               <a:t>unix</a:t>
@@ -4688,7 +5252,7 @@
 </p:sld>
 </file>
 
-<file path=ppt/slides/slide16.xml><?xml version="1.0" encoding="utf-8"?>
+<file path=ppt/slides/slide19.xml><?xml version="1.0" encoding="utf-8"?>
 <p:sld xmlns:a="http://schemas.openxmlformats.org/drawingml/2006/main" xmlns:r="http://schemas.openxmlformats.org/officeDocument/2006/relationships" xmlns:p="http://schemas.openxmlformats.org/presentationml/2006/main">
   <p:cSld>
     <p:spTree>
@@ -4788,7 +5352,118 @@
 </p:sld>
 </file>
 
-<file path=ppt/slides/slide17.xml><?xml version="1.0" encoding="utf-8"?>
+<file path=ppt/slides/slide2.xml><?xml version="1.0" encoding="utf-8"?>
+<p:sld xmlns:a="http://schemas.openxmlformats.org/drawingml/2006/main" xmlns:r="http://schemas.openxmlformats.org/officeDocument/2006/relationships" xmlns:p="http://schemas.openxmlformats.org/presentationml/2006/main">
+  <p:cSld>
+    <p:spTree>
+      <p:nvGrpSpPr>
+        <p:cNvPr id="1" name=""/>
+        <p:cNvGrpSpPr/>
+        <p:nvPr/>
+      </p:nvGrpSpPr>
+      <p:grpSpPr>
+        <a:xfrm>
+          <a:off x="0" y="0"/>
+          <a:ext cx="0" cy="0"/>
+          <a:chOff x="0" y="0"/>
+          <a:chExt cx="0" cy="0"/>
+        </a:xfrm>
+      </p:grpSpPr>
+      <p:sp>
+        <p:nvSpPr>
+          <p:cNvPr id="3" name="Content Placeholder 2"/>
+          <p:cNvSpPr>
+            <a:spLocks noGrp="1"/>
+          </p:cNvSpPr>
+          <p:nvPr>
+            <p:ph idx="1"/>
+          </p:nvPr>
+        </p:nvSpPr>
+        <p:spPr>
+          <a:xfrm>
+            <a:off x="717884" y="309646"/>
+            <a:ext cx="10515600" cy="4351338"/>
+          </a:xfrm>
+        </p:spPr>
+        <p:txBody>
+          <a:bodyPr/>
+          <a:lstStyle/>
+          <a:p>
+            <a:r>
+              <a:rPr lang="en-US" altLang="zh-CN" b="1" dirty="0"/>
+              <a:t>Nginx</a:t>
+            </a:r>
+            <a:r>
+              <a:rPr lang="zh-CN" altLang="en-US" b="1" dirty="0"/>
+              <a:t>是一款轻量级的</a:t>
+            </a:r>
+            <a:r>
+              <a:rPr lang="en-US" altLang="zh-CN" b="1" dirty="0"/>
+              <a:t>Web</a:t>
+            </a:r>
+            <a:r>
+              <a:rPr lang="zh-CN" altLang="en-US" b="1" dirty="0"/>
+              <a:t>服务器、反向代理服务器，由于它的内存占用少，启动极快，高并发能力强，在互联网项目中广泛应用。</a:t>
+            </a:r>
+            <a:endParaRPr lang="en-US" dirty="0"/>
+          </a:p>
+        </p:txBody>
+      </p:sp>
+      <p:pic>
+        <p:nvPicPr>
+          <p:cNvPr id="1026" name="Picture 2" descr="https://upload-images.jianshu.io/upload_images/4943997-6e2cad5dab53f51d.png?imageMogr2/auto-orient/"/>
+          <p:cNvPicPr>
+            <a:picLocks noChangeAspect="1" noChangeArrowheads="1"/>
+          </p:cNvPicPr>
+          <p:nvPr/>
+        </p:nvPicPr>
+        <p:blipFill>
+          <a:blip r:embed="rId2">
+            <a:extLst>
+              <a:ext uri="{28A0092B-C50C-407E-A947-70E740481C1C}">
+                <a14:useLocalDpi xmlns:a14="http://schemas.microsoft.com/office/drawing/2010/main" val="0"/>
+              </a:ext>
+            </a:extLst>
+          </a:blip>
+          <a:srcRect/>
+          <a:stretch>
+            <a:fillRect/>
+          </a:stretch>
+        </p:blipFill>
+        <p:spPr bwMode="auto">
+          <a:xfrm>
+            <a:off x="2541053" y="1621089"/>
+            <a:ext cx="6869261" cy="5052102"/>
+          </a:xfrm>
+          <a:prstGeom prst="rect">
+            <a:avLst/>
+          </a:prstGeom>
+          <a:noFill/>
+          <a:extLst>
+            <a:ext uri="{909E8E84-426E-40DD-AFC4-6F175D3DCCD1}">
+              <a14:hiddenFill xmlns:a14="http://schemas.microsoft.com/office/drawing/2010/main">
+                <a:solidFill>
+                  <a:srgbClr val="FFFFFF"/>
+                </a:solidFill>
+              </a14:hiddenFill>
+            </a:ext>
+          </a:extLst>
+        </p:spPr>
+      </p:pic>
+    </p:spTree>
+    <p:extLst>
+      <p:ext uri="{BB962C8B-B14F-4D97-AF65-F5344CB8AC3E}">
+        <p14:creationId xmlns:p14="http://schemas.microsoft.com/office/powerpoint/2010/main" val="1031087711"/>
+      </p:ext>
+    </p:extLst>
+  </p:cSld>
+  <p:clrMapOvr>
+    <a:masterClrMapping/>
+  </p:clrMapOvr>
+</p:sld>
+</file>
+
+<file path=ppt/slides/slide20.xml><?xml version="1.0" encoding="utf-8"?>
 <p:sld xmlns:a="http://schemas.openxmlformats.org/drawingml/2006/main" xmlns:r="http://schemas.openxmlformats.org/officeDocument/2006/relationships" xmlns:p="http://schemas.openxmlformats.org/presentationml/2006/main">
   <p:cSld>
     <p:spTree>
@@ -4888,7 +5563,7 @@
 </p:sld>
 </file>
 
-<file path=ppt/slides/slide18.xml><?xml version="1.0" encoding="utf-8"?>
+<file path=ppt/slides/slide21.xml><?xml version="1.0" encoding="utf-8"?>
 <p:sld xmlns:a="http://schemas.openxmlformats.org/drawingml/2006/main" xmlns:r="http://schemas.openxmlformats.org/officeDocument/2006/relationships" xmlns:p="http://schemas.openxmlformats.org/presentationml/2006/main">
   <p:cSld>
     <p:spTree>
@@ -5314,7 +5989,7 @@
 </p:sld>
 </file>
 
-<file path=ppt/slides/slide19.xml><?xml version="1.0" encoding="utf-8"?>
+<file path=ppt/slides/slide22.xml><?xml version="1.0" encoding="utf-8"?>
 <p:sld xmlns:a="http://schemas.openxmlformats.org/drawingml/2006/main" xmlns:r="http://schemas.openxmlformats.org/officeDocument/2006/relationships" xmlns:p="http://schemas.openxmlformats.org/presentationml/2006/main">
   <p:cSld>
     <p:spTree>
@@ -5418,118 +6093,7 @@
 </p:sld>
 </file>
 
-<file path=ppt/slides/slide2.xml><?xml version="1.0" encoding="utf-8"?>
-<p:sld xmlns:a="http://schemas.openxmlformats.org/drawingml/2006/main" xmlns:r="http://schemas.openxmlformats.org/officeDocument/2006/relationships" xmlns:p="http://schemas.openxmlformats.org/presentationml/2006/main">
-  <p:cSld>
-    <p:spTree>
-      <p:nvGrpSpPr>
-        <p:cNvPr id="1" name=""/>
-        <p:cNvGrpSpPr/>
-        <p:nvPr/>
-      </p:nvGrpSpPr>
-      <p:grpSpPr>
-        <a:xfrm>
-          <a:off x="0" y="0"/>
-          <a:ext cx="0" cy="0"/>
-          <a:chOff x="0" y="0"/>
-          <a:chExt cx="0" cy="0"/>
-        </a:xfrm>
-      </p:grpSpPr>
-      <p:sp>
-        <p:nvSpPr>
-          <p:cNvPr id="3" name="Content Placeholder 2"/>
-          <p:cNvSpPr>
-            <a:spLocks noGrp="1"/>
-          </p:cNvSpPr>
-          <p:nvPr>
-            <p:ph idx="1"/>
-          </p:nvPr>
-        </p:nvSpPr>
-        <p:spPr>
-          <a:xfrm>
-            <a:off x="717884" y="309646"/>
-            <a:ext cx="10515600" cy="4351338"/>
-          </a:xfrm>
-        </p:spPr>
-        <p:txBody>
-          <a:bodyPr/>
-          <a:lstStyle/>
-          <a:p>
-            <a:r>
-              <a:rPr lang="en-US" altLang="zh-CN" b="1" dirty="0"/>
-              <a:t>Nginx</a:t>
-            </a:r>
-            <a:r>
-              <a:rPr lang="zh-CN" altLang="en-US" b="1" dirty="0"/>
-              <a:t>是一款轻量级的</a:t>
-            </a:r>
-            <a:r>
-              <a:rPr lang="en-US" altLang="zh-CN" b="1" dirty="0"/>
-              <a:t>Web</a:t>
-            </a:r>
-            <a:r>
-              <a:rPr lang="zh-CN" altLang="en-US" b="1" dirty="0"/>
-              <a:t>服务器、反向代理服务器，由于它的内存占用少，启动极快，高并发能力强，在互联网项目中广泛应用。</a:t>
-            </a:r>
-            <a:endParaRPr lang="en-US" dirty="0"/>
-          </a:p>
-        </p:txBody>
-      </p:sp>
-      <p:pic>
-        <p:nvPicPr>
-          <p:cNvPr id="1026" name="Picture 2" descr="https://upload-images.jianshu.io/upload_images/4943997-6e2cad5dab53f51d.png?imageMogr2/auto-orient/"/>
-          <p:cNvPicPr>
-            <a:picLocks noChangeAspect="1" noChangeArrowheads="1"/>
-          </p:cNvPicPr>
-          <p:nvPr/>
-        </p:nvPicPr>
-        <p:blipFill>
-          <a:blip r:embed="rId2">
-            <a:extLst>
-              <a:ext uri="{28A0092B-C50C-407E-A947-70E740481C1C}">
-                <a14:useLocalDpi xmlns:a14="http://schemas.microsoft.com/office/drawing/2010/main" val="0"/>
-              </a:ext>
-            </a:extLst>
-          </a:blip>
-          <a:srcRect/>
-          <a:stretch>
-            <a:fillRect/>
-          </a:stretch>
-        </p:blipFill>
-        <p:spPr bwMode="auto">
-          <a:xfrm>
-            <a:off x="2541053" y="1621089"/>
-            <a:ext cx="6869261" cy="5052102"/>
-          </a:xfrm>
-          <a:prstGeom prst="rect">
-            <a:avLst/>
-          </a:prstGeom>
-          <a:noFill/>
-          <a:extLst>
-            <a:ext uri="{909E8E84-426E-40DD-AFC4-6F175D3DCCD1}">
-              <a14:hiddenFill xmlns:a14="http://schemas.microsoft.com/office/drawing/2010/main">
-                <a:solidFill>
-                  <a:srgbClr val="FFFFFF"/>
-                </a:solidFill>
-              </a14:hiddenFill>
-            </a:ext>
-          </a:extLst>
-        </p:spPr>
-      </p:pic>
-    </p:spTree>
-    <p:extLst>
-      <p:ext uri="{BB962C8B-B14F-4D97-AF65-F5344CB8AC3E}">
-        <p14:creationId xmlns:p14="http://schemas.microsoft.com/office/powerpoint/2010/main" val="1031087711"/>
-      </p:ext>
-    </p:extLst>
-  </p:cSld>
-  <p:clrMapOvr>
-    <a:masterClrMapping/>
-  </p:clrMapOvr>
-</p:sld>
-</file>
-
-<file path=ppt/slides/slide20.xml><?xml version="1.0" encoding="utf-8"?>
+<file path=ppt/slides/slide23.xml><?xml version="1.0" encoding="utf-8"?>
 <p:sld xmlns:a="http://schemas.openxmlformats.org/drawingml/2006/main" xmlns:r="http://schemas.openxmlformats.org/officeDocument/2006/relationships" xmlns:p="http://schemas.openxmlformats.org/presentationml/2006/main">
   <p:cSld>
     <p:spTree>
@@ -5633,7 +6197,7 @@
 </p:sld>
 </file>
 
-<file path=ppt/slides/slide21.xml><?xml version="1.0" encoding="utf-8"?>
+<file path=ppt/slides/slide24.xml><?xml version="1.0" encoding="utf-8"?>
 <p:sld xmlns:a="http://schemas.openxmlformats.org/drawingml/2006/main" xmlns:r="http://schemas.openxmlformats.org/officeDocument/2006/relationships" xmlns:p="http://schemas.openxmlformats.org/presentationml/2006/main">
   <p:cSld>
     <p:spTree>
@@ -5876,7 +6440,7 @@
 </p:sld>
 </file>
 
-<file path=ppt/slides/slide22.xml><?xml version="1.0" encoding="utf-8"?>
+<file path=ppt/slides/slide25.xml><?xml version="1.0" encoding="utf-8"?>
 <p:sld xmlns:a="http://schemas.openxmlformats.org/drawingml/2006/main" xmlns:r="http://schemas.openxmlformats.org/officeDocument/2006/relationships" xmlns:p="http://schemas.openxmlformats.org/presentationml/2006/main">
   <p:cSld>
     <p:spTree>
@@ -5968,883 +6532,6 @@
 </p:sld>
 </file>
 
-<file path=ppt/slides/slide23.xml><?xml version="1.0" encoding="utf-8"?>
-<p:sld xmlns:a="http://schemas.openxmlformats.org/drawingml/2006/main" xmlns:r="http://schemas.openxmlformats.org/officeDocument/2006/relationships" xmlns:p="http://schemas.openxmlformats.org/presentationml/2006/main">
-  <p:cSld>
-    <p:spTree>
-      <p:nvGrpSpPr>
-        <p:cNvPr id="1" name=""/>
-        <p:cNvGrpSpPr/>
-        <p:nvPr/>
-      </p:nvGrpSpPr>
-      <p:grpSpPr>
-        <a:xfrm>
-          <a:off x="0" y="0"/>
-          <a:ext cx="0" cy="0"/>
-          <a:chOff x="0" y="0"/>
-          <a:chExt cx="0" cy="0"/>
-        </a:xfrm>
-      </p:grpSpPr>
-      <p:sp>
-        <p:nvSpPr>
-          <p:cNvPr id="2" name="Title 1"/>
-          <p:cNvSpPr>
-            <a:spLocks noGrp="1"/>
-          </p:cNvSpPr>
-          <p:nvPr>
-            <p:ph type="title"/>
-          </p:nvPr>
-        </p:nvSpPr>
-        <p:spPr/>
-        <p:txBody>
-          <a:bodyPr/>
-          <a:lstStyle/>
-          <a:p>
-            <a:r>
-              <a:rPr lang="en-US" b="1" dirty="0" err="1"/>
-              <a:t>我们的主战场：</a:t>
-            </a:r>
-            <a:r>
-              <a:rPr lang="en-US" b="1" dirty="0" err="1" smtClean="0"/>
-              <a:t>nginx.conf</a:t>
-            </a:r>
-            <a:endParaRPr lang="en-US" dirty="0"/>
-          </a:p>
-        </p:txBody>
-      </p:sp>
-      <p:sp>
-        <p:nvSpPr>
-          <p:cNvPr id="3" name="Content Placeholder 2"/>
-          <p:cNvSpPr>
-            <a:spLocks noGrp="1"/>
-          </p:cNvSpPr>
-          <p:nvPr>
-            <p:ph idx="1"/>
-          </p:nvPr>
-        </p:nvSpPr>
-        <p:spPr/>
-        <p:txBody>
-          <a:bodyPr/>
-          <a:lstStyle/>
-          <a:p>
-            <a:r>
-              <a:rPr lang="zh-CN" altLang="en-US" dirty="0"/>
-              <a:t>很多时候，在开发、测试环境下，我们都得自己去配置</a:t>
-            </a:r>
-            <a:r>
-              <a:rPr lang="en-US" altLang="zh-CN" dirty="0"/>
-              <a:t>Nginx</a:t>
-            </a:r>
-            <a:r>
-              <a:rPr lang="zh-CN" altLang="en-US" dirty="0"/>
-              <a:t>，就是去配置</a:t>
-            </a:r>
-            <a:r>
-              <a:rPr lang="en-US" altLang="zh-CN" dirty="0" err="1"/>
-              <a:t>nginx.conf</a:t>
-            </a:r>
-            <a:r>
-              <a:rPr lang="zh-CN" altLang="en-US" dirty="0"/>
-              <a:t>。</a:t>
-            </a:r>
-          </a:p>
-          <a:p>
-            <a:r>
-              <a:rPr lang="en-US" altLang="zh-CN" dirty="0" err="1"/>
-              <a:t>nginx.conf</a:t>
-            </a:r>
-            <a:r>
-              <a:rPr lang="zh-CN" altLang="en-US" dirty="0"/>
-              <a:t>是典型的分段配置</a:t>
-            </a:r>
-            <a:r>
-              <a:rPr lang="zh-CN" altLang="en-US" dirty="0" smtClean="0"/>
-              <a:t>文件</a:t>
-            </a:r>
-            <a:endParaRPr lang="zh-CN" altLang="en-US" dirty="0"/>
-          </a:p>
-        </p:txBody>
-      </p:sp>
-    </p:spTree>
-    <p:extLst>
-      <p:ext uri="{BB962C8B-B14F-4D97-AF65-F5344CB8AC3E}">
-        <p14:creationId xmlns:p14="http://schemas.microsoft.com/office/powerpoint/2010/main" val="1350203314"/>
-      </p:ext>
-    </p:extLst>
-  </p:cSld>
-  <p:clrMapOvr>
-    <a:masterClrMapping/>
-  </p:clrMapOvr>
-</p:sld>
-</file>
-
-<file path=ppt/slides/slide24.xml><?xml version="1.0" encoding="utf-8"?>
-<p:sld xmlns:a="http://schemas.openxmlformats.org/drawingml/2006/main" xmlns:r="http://schemas.openxmlformats.org/officeDocument/2006/relationships" xmlns:p="http://schemas.openxmlformats.org/presentationml/2006/main">
-  <p:cSld>
-    <p:spTree>
-      <p:nvGrpSpPr>
-        <p:cNvPr id="1" name=""/>
-        <p:cNvGrpSpPr/>
-        <p:nvPr/>
-      </p:nvGrpSpPr>
-      <p:grpSpPr>
-        <a:xfrm>
-          <a:off x="0" y="0"/>
-          <a:ext cx="0" cy="0"/>
-          <a:chOff x="0" y="0"/>
-          <a:chExt cx="0" cy="0"/>
-        </a:xfrm>
-      </p:grpSpPr>
-      <p:sp>
-        <p:nvSpPr>
-          <p:cNvPr id="2" name="Title 1"/>
-          <p:cNvSpPr>
-            <a:spLocks noGrp="1"/>
-          </p:cNvSpPr>
-          <p:nvPr>
-            <p:ph type="title"/>
-          </p:nvPr>
-        </p:nvSpPr>
-        <p:spPr/>
-        <p:txBody>
-          <a:bodyPr/>
-          <a:lstStyle/>
-          <a:p>
-            <a:r>
-              <a:rPr lang="fr-FR" b="1" dirty="0" err="1"/>
-              <a:t>main</a:t>
-            </a:r>
-            <a:r>
-              <a:rPr lang="fr-FR" b="1" dirty="0" err="1" smtClean="0"/>
-              <a:t>全局配置</a:t>
-            </a:r>
-            <a:endParaRPr lang="en-US" dirty="0"/>
-          </a:p>
-        </p:txBody>
-      </p:sp>
-      <p:sp>
-        <p:nvSpPr>
-          <p:cNvPr id="3" name="Content Placeholder 2"/>
-          <p:cNvSpPr>
-            <a:spLocks noGrp="1"/>
-          </p:cNvSpPr>
-          <p:nvPr>
-            <p:ph idx="1"/>
-          </p:nvPr>
-        </p:nvSpPr>
-        <p:spPr/>
-        <p:txBody>
-          <a:bodyPr>
-            <a:normAutofit fontScale="62500" lnSpcReduction="20000"/>
-          </a:bodyPr>
-          <a:lstStyle/>
-          <a:p>
-            <a:r>
-              <a:rPr lang="en-US" altLang="zh-CN" dirty="0" err="1"/>
-              <a:t>woker_processes</a:t>
-            </a:r>
-            <a:r>
-              <a:rPr lang="en-US" altLang="zh-CN" dirty="0"/>
-              <a:t> 2</a:t>
-            </a:r>
-            <a:br>
-              <a:rPr lang="en-US" altLang="zh-CN" dirty="0"/>
-            </a:br>
-            <a:r>
-              <a:rPr lang="zh-CN" altLang="en-US" dirty="0"/>
-              <a:t>在配置文件的顶级</a:t>
-            </a:r>
-            <a:r>
-              <a:rPr lang="en-US" altLang="zh-CN" i="1" dirty="0"/>
-              <a:t>main</a:t>
-            </a:r>
-            <a:r>
-              <a:rPr lang="zh-CN" altLang="en-US" dirty="0"/>
-              <a:t>部分，</a:t>
-            </a:r>
-            <a:r>
-              <a:rPr lang="en-US" altLang="zh-CN" dirty="0"/>
-              <a:t>worker</a:t>
-            </a:r>
-            <a:r>
-              <a:rPr lang="zh-CN" altLang="en-US" dirty="0"/>
-              <a:t>角色的工作进程的个数，</a:t>
-            </a:r>
-            <a:r>
-              <a:rPr lang="en-US" altLang="zh-CN" dirty="0"/>
-              <a:t>master</a:t>
-            </a:r>
-            <a:r>
-              <a:rPr lang="zh-CN" altLang="en-US" dirty="0"/>
-              <a:t>进程是接收并分配请求给</a:t>
-            </a:r>
-            <a:r>
-              <a:rPr lang="en-US" altLang="zh-CN" dirty="0"/>
-              <a:t>worker</a:t>
-            </a:r>
-            <a:r>
-              <a:rPr lang="zh-CN" altLang="en-US" dirty="0"/>
-              <a:t>处理。这个数值简单一点可以设置为</a:t>
-            </a:r>
-            <a:r>
-              <a:rPr lang="en-US" altLang="zh-CN" dirty="0" err="1"/>
-              <a:t>cpu</a:t>
-            </a:r>
-            <a:r>
-              <a:rPr lang="zh-CN" altLang="en-US" dirty="0"/>
-              <a:t>的核数</a:t>
-            </a:r>
-            <a:r>
-              <a:rPr lang="en-US" altLang="zh-CN" dirty="0"/>
-              <a:t>grep ^processor /proc/</a:t>
-            </a:r>
-            <a:r>
-              <a:rPr lang="en-US" altLang="zh-CN" dirty="0" err="1"/>
-              <a:t>cpuinfo</a:t>
-            </a:r>
-            <a:r>
-              <a:rPr lang="en-US" altLang="zh-CN" dirty="0"/>
-              <a:t> | </a:t>
-            </a:r>
-            <a:r>
-              <a:rPr lang="en-US" altLang="zh-CN" dirty="0" err="1"/>
-              <a:t>wc</a:t>
-            </a:r>
-            <a:r>
-              <a:rPr lang="en-US" altLang="zh-CN" dirty="0"/>
-              <a:t> -l</a:t>
-            </a:r>
-            <a:r>
-              <a:rPr lang="zh-CN" altLang="en-US" dirty="0"/>
-              <a:t>，也是 </a:t>
-            </a:r>
-            <a:r>
-              <a:rPr lang="en-US" altLang="zh-CN" dirty="0"/>
-              <a:t>auto </a:t>
-            </a:r>
-            <a:r>
-              <a:rPr lang="zh-CN" altLang="en-US" dirty="0"/>
-              <a:t>值，如果开启了</a:t>
-            </a:r>
-            <a:r>
-              <a:rPr lang="en-US" altLang="zh-CN" dirty="0" err="1"/>
-              <a:t>ssl</a:t>
-            </a:r>
-            <a:r>
-              <a:rPr lang="zh-CN" altLang="en-US" dirty="0"/>
-              <a:t>和</a:t>
-            </a:r>
-            <a:r>
-              <a:rPr lang="en-US" altLang="zh-CN" dirty="0" err="1"/>
-              <a:t>gzip</a:t>
-            </a:r>
-            <a:r>
-              <a:rPr lang="zh-CN" altLang="en-US" dirty="0"/>
-              <a:t>更应该设置成与逻辑</a:t>
-            </a:r>
-            <a:r>
-              <a:rPr lang="en-US" altLang="zh-CN" dirty="0"/>
-              <a:t>CPU</a:t>
-            </a:r>
-            <a:r>
-              <a:rPr lang="zh-CN" altLang="en-US" dirty="0"/>
-              <a:t>数量一样甚至为</a:t>
-            </a:r>
-            <a:r>
-              <a:rPr lang="en-US" altLang="zh-CN" dirty="0"/>
-              <a:t>2</a:t>
-            </a:r>
-            <a:r>
-              <a:rPr lang="zh-CN" altLang="en-US" dirty="0"/>
-              <a:t>倍，可以减少</a:t>
-            </a:r>
-            <a:r>
-              <a:rPr lang="en-US" altLang="zh-CN" dirty="0"/>
-              <a:t>I/O</a:t>
-            </a:r>
-            <a:r>
-              <a:rPr lang="zh-CN" altLang="en-US" dirty="0"/>
-              <a:t>操作。如果</a:t>
-            </a:r>
-            <a:r>
-              <a:rPr lang="en-US" altLang="zh-CN" dirty="0" err="1"/>
-              <a:t>nginx</a:t>
-            </a:r>
-            <a:r>
-              <a:rPr lang="zh-CN" altLang="en-US" dirty="0"/>
-              <a:t>服务器还有其它服务，可以考虑适当减少</a:t>
-            </a:r>
-            <a:r>
-              <a:rPr lang="zh-CN" altLang="en-US" dirty="0" smtClean="0"/>
-              <a:t>。</a:t>
-            </a:r>
-            <a:endParaRPr lang="en-US" altLang="zh-CN" dirty="0" smtClean="0"/>
-          </a:p>
-          <a:p>
-            <a:r>
-              <a:rPr lang="en-US" altLang="zh-CN" dirty="0" err="1" smtClean="0"/>
-              <a:t>worker_cpu_affinity</a:t>
-            </a:r>
-            <a:r>
-              <a:rPr lang="en-US" altLang="zh-CN" dirty="0"/>
-              <a:t/>
-            </a:r>
-            <a:br>
-              <a:rPr lang="en-US" altLang="zh-CN" dirty="0"/>
-            </a:br>
-            <a:r>
-              <a:rPr lang="zh-CN" altLang="en-US" dirty="0"/>
-              <a:t>也是写在</a:t>
-            </a:r>
-            <a:r>
-              <a:rPr lang="en-US" altLang="zh-CN" i="1" dirty="0"/>
-              <a:t>main</a:t>
-            </a:r>
-            <a:r>
-              <a:rPr lang="zh-CN" altLang="en-US" dirty="0"/>
-              <a:t>部分。在高并发情况下，通过设置</a:t>
-            </a:r>
-            <a:r>
-              <a:rPr lang="en-US" altLang="zh-CN" dirty="0" err="1"/>
-              <a:t>cpu</a:t>
-            </a:r>
-            <a:r>
-              <a:rPr lang="zh-CN" altLang="en-US" dirty="0"/>
-              <a:t>粘性来降低由于多</a:t>
-            </a:r>
-            <a:r>
-              <a:rPr lang="en-US" altLang="zh-CN" dirty="0"/>
-              <a:t>CPU</a:t>
-            </a:r>
-            <a:r>
-              <a:rPr lang="zh-CN" altLang="en-US" dirty="0"/>
-              <a:t>核切换造成的寄存器等现场重建带来的性能损耗。如</a:t>
-            </a:r>
-            <a:r>
-              <a:rPr lang="en-US" altLang="zh-CN" dirty="0" err="1"/>
-              <a:t>worker_cpu_affinity</a:t>
-            </a:r>
-            <a:r>
-              <a:rPr lang="en-US" altLang="zh-CN" dirty="0"/>
-              <a:t> 0001 0010 0100 1000; </a:t>
-            </a:r>
-            <a:r>
-              <a:rPr lang="zh-CN" altLang="en-US" dirty="0"/>
-              <a:t>（四核）。</a:t>
-            </a:r>
-          </a:p>
-          <a:p>
-            <a:r>
-              <a:rPr lang="en-US" altLang="zh-CN" dirty="0" err="1"/>
-              <a:t>worker_connections</a:t>
-            </a:r>
-            <a:r>
-              <a:rPr lang="en-US" altLang="zh-CN" dirty="0"/>
-              <a:t> 2048</a:t>
-            </a:r>
-            <a:br>
-              <a:rPr lang="en-US" altLang="zh-CN" dirty="0"/>
-            </a:br>
-            <a:r>
-              <a:rPr lang="zh-CN" altLang="en-US" dirty="0"/>
-              <a:t>写在</a:t>
-            </a:r>
-            <a:r>
-              <a:rPr lang="en-US" altLang="zh-CN" i="1" dirty="0"/>
-              <a:t>events</a:t>
-            </a:r>
-            <a:r>
-              <a:rPr lang="zh-CN" altLang="en-US" dirty="0"/>
-              <a:t>部分。每一个</a:t>
-            </a:r>
-            <a:r>
-              <a:rPr lang="en-US" altLang="zh-CN" dirty="0"/>
-              <a:t>worker</a:t>
-            </a:r>
-            <a:r>
-              <a:rPr lang="zh-CN" altLang="en-US" dirty="0"/>
-              <a:t>进程能并发处理（发起）的最大连接数（包含与客户端或后端被代理服务器间等所有连接数）。</a:t>
-            </a:r>
-            <a:r>
-              <a:rPr lang="en-US" altLang="zh-CN" dirty="0" err="1"/>
-              <a:t>nginx</a:t>
-            </a:r>
-            <a:r>
-              <a:rPr lang="zh-CN" altLang="en-US" dirty="0"/>
-              <a:t>作为反向代理服务器，计算公式 最大连接数 </a:t>
-            </a:r>
-            <a:r>
-              <a:rPr lang="en-US" altLang="zh-CN" dirty="0"/>
-              <a:t>= </a:t>
-            </a:r>
-            <a:r>
-              <a:rPr lang="en-US" altLang="zh-CN" dirty="0" err="1"/>
-              <a:t>worker_processes</a:t>
-            </a:r>
-            <a:r>
-              <a:rPr lang="en-US" altLang="zh-CN" dirty="0"/>
-              <a:t> * </a:t>
-            </a:r>
-            <a:r>
-              <a:rPr lang="en-US" altLang="zh-CN" dirty="0" err="1"/>
-              <a:t>worker_connections</a:t>
-            </a:r>
-            <a:r>
-              <a:rPr lang="en-US" altLang="zh-CN" dirty="0"/>
-              <a:t>/4</a:t>
-            </a:r>
-            <a:r>
-              <a:rPr lang="zh-CN" altLang="en-US" dirty="0"/>
-              <a:t>，所以这里客户端最大连接数是</a:t>
-            </a:r>
-            <a:r>
-              <a:rPr lang="en-US" altLang="zh-CN" dirty="0"/>
-              <a:t>1024</a:t>
-            </a:r>
-            <a:r>
-              <a:rPr lang="zh-CN" altLang="en-US" dirty="0"/>
-              <a:t>，这个可以增到到</a:t>
-            </a:r>
-            <a:r>
-              <a:rPr lang="en-US" altLang="zh-CN" dirty="0"/>
-              <a:t>8192</a:t>
-            </a:r>
-            <a:r>
-              <a:rPr lang="zh-CN" altLang="en-US" dirty="0"/>
-              <a:t>都没关系，看情况而定，但不能超过后面的</a:t>
-            </a:r>
-            <a:r>
-              <a:rPr lang="en-US" altLang="zh-CN" dirty="0" err="1"/>
-              <a:t>worker_rlimit_nofile</a:t>
-            </a:r>
-            <a:r>
-              <a:rPr lang="zh-CN" altLang="en-US" dirty="0"/>
-              <a:t>。当</a:t>
-            </a:r>
-            <a:r>
-              <a:rPr lang="en-US" altLang="zh-CN" dirty="0" err="1"/>
-              <a:t>nginx</a:t>
-            </a:r>
-            <a:r>
-              <a:rPr lang="zh-CN" altLang="en-US" dirty="0"/>
-              <a:t>作为</a:t>
-            </a:r>
-            <a:r>
-              <a:rPr lang="en-US" altLang="zh-CN" dirty="0"/>
-              <a:t>http</a:t>
-            </a:r>
-            <a:r>
-              <a:rPr lang="zh-CN" altLang="en-US" dirty="0"/>
-              <a:t>服务器时，计算公式里面是除以</a:t>
-            </a:r>
-            <a:r>
-              <a:rPr lang="en-US" altLang="zh-CN" dirty="0"/>
-              <a:t>2</a:t>
-            </a:r>
-            <a:r>
-              <a:rPr lang="zh-CN" altLang="en-US" dirty="0"/>
-              <a:t>。</a:t>
-            </a:r>
-          </a:p>
-          <a:p>
-            <a:r>
-              <a:rPr lang="en-US" altLang="zh-CN" dirty="0" err="1"/>
-              <a:t>worker_rlimit_nofile</a:t>
-            </a:r>
-            <a:r>
-              <a:rPr lang="en-US" altLang="zh-CN" dirty="0"/>
-              <a:t> 10240</a:t>
-            </a:r>
-            <a:br>
-              <a:rPr lang="en-US" altLang="zh-CN" dirty="0"/>
-            </a:br>
-            <a:r>
-              <a:rPr lang="zh-CN" altLang="en-US" dirty="0"/>
-              <a:t>写在</a:t>
-            </a:r>
-            <a:r>
-              <a:rPr lang="en-US" altLang="zh-CN" i="1" dirty="0"/>
-              <a:t>main</a:t>
-            </a:r>
-            <a:r>
-              <a:rPr lang="zh-CN" altLang="en-US" dirty="0"/>
-              <a:t>部分。默认是没有设置，可以限制为操作系统最大的限制</a:t>
-            </a:r>
-            <a:r>
-              <a:rPr lang="en-US" altLang="zh-CN" dirty="0"/>
-              <a:t>65535</a:t>
-            </a:r>
-            <a:r>
-              <a:rPr lang="zh-CN" altLang="en-US" dirty="0"/>
-              <a:t>。</a:t>
-            </a:r>
-          </a:p>
-          <a:p>
-            <a:r>
-              <a:rPr lang="en-US" altLang="zh-CN" dirty="0"/>
-              <a:t>use </a:t>
-            </a:r>
-            <a:r>
-              <a:rPr lang="en-US" altLang="zh-CN" dirty="0" err="1"/>
-              <a:t>epoll</a:t>
-            </a:r>
-            <a:r>
-              <a:rPr lang="en-US" altLang="zh-CN" dirty="0"/>
-              <a:t/>
-            </a:r>
-            <a:br>
-              <a:rPr lang="en-US" altLang="zh-CN" dirty="0"/>
-            </a:br>
-            <a:r>
-              <a:rPr lang="zh-CN" altLang="en-US" dirty="0"/>
-              <a:t>写在</a:t>
-            </a:r>
-            <a:r>
-              <a:rPr lang="en-US" altLang="zh-CN" dirty="0"/>
-              <a:t>events</a:t>
-            </a:r>
-            <a:r>
-              <a:rPr lang="zh-CN" altLang="en-US" dirty="0"/>
-              <a:t>部分。在</a:t>
-            </a:r>
-            <a:r>
-              <a:rPr lang="en-US" altLang="zh-CN" dirty="0"/>
-              <a:t>Linux</a:t>
-            </a:r>
-            <a:r>
-              <a:rPr lang="zh-CN" altLang="en-US" dirty="0"/>
-              <a:t>操作系统下，</a:t>
-            </a:r>
-            <a:r>
-              <a:rPr lang="en-US" altLang="zh-CN" dirty="0" err="1"/>
-              <a:t>nginx</a:t>
-            </a:r>
-            <a:r>
-              <a:rPr lang="zh-CN" altLang="en-US" dirty="0"/>
-              <a:t>默认使用</a:t>
-            </a:r>
-            <a:r>
-              <a:rPr lang="en-US" altLang="zh-CN" dirty="0" err="1"/>
-              <a:t>epoll</a:t>
-            </a:r>
-            <a:r>
-              <a:rPr lang="zh-CN" altLang="en-US" dirty="0"/>
-              <a:t>事件模型，得益于此，</a:t>
-            </a:r>
-            <a:r>
-              <a:rPr lang="en-US" altLang="zh-CN" dirty="0" err="1"/>
-              <a:t>nginx</a:t>
-            </a:r>
-            <a:r>
-              <a:rPr lang="zh-CN" altLang="en-US" dirty="0"/>
-              <a:t>在</a:t>
-            </a:r>
-            <a:r>
-              <a:rPr lang="en-US" altLang="zh-CN" dirty="0"/>
-              <a:t>Linux</a:t>
-            </a:r>
-            <a:r>
-              <a:rPr lang="zh-CN" altLang="en-US" dirty="0"/>
-              <a:t>操作系统下效率相当高。同时</a:t>
-            </a:r>
-            <a:r>
-              <a:rPr lang="en-US" altLang="zh-CN" dirty="0"/>
-              <a:t>Nginx</a:t>
-            </a:r>
-            <a:r>
-              <a:rPr lang="zh-CN" altLang="en-US" dirty="0"/>
-              <a:t>在</a:t>
-            </a:r>
-            <a:r>
-              <a:rPr lang="en-US" altLang="zh-CN" dirty="0" err="1"/>
-              <a:t>OpenBSD</a:t>
-            </a:r>
-            <a:r>
-              <a:rPr lang="zh-CN" altLang="en-US" dirty="0"/>
-              <a:t>或</a:t>
-            </a:r>
-            <a:r>
-              <a:rPr lang="en-US" altLang="zh-CN" dirty="0"/>
-              <a:t>FreeBSD</a:t>
-            </a:r>
-            <a:r>
-              <a:rPr lang="zh-CN" altLang="en-US" dirty="0"/>
-              <a:t>操作系统上采用类似于</a:t>
-            </a:r>
-            <a:r>
-              <a:rPr lang="en-US" altLang="zh-CN" dirty="0" err="1"/>
-              <a:t>epoll</a:t>
-            </a:r>
-            <a:r>
-              <a:rPr lang="zh-CN" altLang="en-US" dirty="0"/>
-              <a:t>的高效事件模型</a:t>
-            </a:r>
-            <a:r>
-              <a:rPr lang="en-US" altLang="zh-CN" dirty="0" err="1"/>
-              <a:t>kqueue</a:t>
-            </a:r>
-            <a:r>
-              <a:rPr lang="zh-CN" altLang="en-US" dirty="0"/>
-              <a:t>。在操作系统不支持这些高效模型时才使用</a:t>
-            </a:r>
-            <a:r>
-              <a:rPr lang="en-US" altLang="zh-CN" dirty="0"/>
-              <a:t>select</a:t>
-            </a:r>
-            <a:r>
-              <a:rPr lang="zh-CN" altLang="en-US" dirty="0"/>
-              <a:t>。</a:t>
-            </a:r>
-          </a:p>
-          <a:p>
-            <a:endParaRPr lang="en-US" dirty="0"/>
-          </a:p>
-        </p:txBody>
-      </p:sp>
-    </p:spTree>
-    <p:extLst>
-      <p:ext uri="{BB962C8B-B14F-4D97-AF65-F5344CB8AC3E}">
-        <p14:creationId xmlns:p14="http://schemas.microsoft.com/office/powerpoint/2010/main" val="1769773681"/>
-      </p:ext>
-    </p:extLst>
-  </p:cSld>
-  <p:clrMapOvr>
-    <a:masterClrMapping/>
-  </p:clrMapOvr>
-</p:sld>
-</file>
-
-<file path=ppt/slides/slide25.xml><?xml version="1.0" encoding="utf-8"?>
-<p:sld xmlns:a="http://schemas.openxmlformats.org/drawingml/2006/main" xmlns:r="http://schemas.openxmlformats.org/officeDocument/2006/relationships" xmlns:p="http://schemas.openxmlformats.org/presentationml/2006/main">
-  <p:cSld>
-    <p:spTree>
-      <p:nvGrpSpPr>
-        <p:cNvPr id="1" name=""/>
-        <p:cNvGrpSpPr/>
-        <p:nvPr/>
-      </p:nvGrpSpPr>
-      <p:grpSpPr>
-        <a:xfrm>
-          <a:off x="0" y="0"/>
-          <a:ext cx="0" cy="0"/>
-          <a:chOff x="0" y="0"/>
-          <a:chExt cx="0" cy="0"/>
-        </a:xfrm>
-      </p:grpSpPr>
-      <p:sp>
-        <p:nvSpPr>
-          <p:cNvPr id="2" name="Title 1"/>
-          <p:cNvSpPr>
-            <a:spLocks noGrp="1"/>
-          </p:cNvSpPr>
-          <p:nvPr>
-            <p:ph type="title"/>
-          </p:nvPr>
-        </p:nvSpPr>
-        <p:spPr/>
-        <p:txBody>
-          <a:bodyPr/>
-          <a:lstStyle/>
-          <a:p>
-            <a:r>
-              <a:rPr lang="en-US" b="1" dirty="0" err="1"/>
-              <a:t>http</a:t>
-            </a:r>
-            <a:r>
-              <a:rPr lang="en-US" b="1" dirty="0" err="1" smtClean="0"/>
-              <a:t>服务器</a:t>
-            </a:r>
-            <a:endParaRPr lang="en-US" dirty="0"/>
-          </a:p>
-        </p:txBody>
-      </p:sp>
-      <p:sp>
-        <p:nvSpPr>
-          <p:cNvPr id="3" name="Content Placeholder 2"/>
-          <p:cNvSpPr>
-            <a:spLocks noGrp="1"/>
-          </p:cNvSpPr>
-          <p:nvPr>
-            <p:ph idx="1"/>
-          </p:nvPr>
-        </p:nvSpPr>
-        <p:spPr/>
-        <p:txBody>
-          <a:bodyPr>
-            <a:normAutofit fontScale="70000" lnSpcReduction="20000"/>
-          </a:bodyPr>
-          <a:lstStyle/>
-          <a:p>
-            <a:r>
-              <a:rPr lang="en-US" altLang="zh-CN" dirty="0" err="1"/>
-              <a:t>sendfile</a:t>
-            </a:r>
-            <a:r>
-              <a:rPr lang="en-US" altLang="zh-CN" dirty="0"/>
-              <a:t> on</a:t>
-            </a:r>
-            <a:br>
-              <a:rPr lang="en-US" altLang="zh-CN" dirty="0"/>
-            </a:br>
-            <a:r>
-              <a:rPr lang="zh-CN" altLang="en-US" dirty="0"/>
-              <a:t>开启高效文件传输模式，</a:t>
-            </a:r>
-            <a:r>
-              <a:rPr lang="en-US" altLang="zh-CN" dirty="0" err="1"/>
-              <a:t>sendfile</a:t>
-            </a:r>
-            <a:r>
-              <a:rPr lang="zh-CN" altLang="en-US" dirty="0"/>
-              <a:t>指令指定</a:t>
-            </a:r>
-            <a:r>
-              <a:rPr lang="en-US" altLang="zh-CN" dirty="0" err="1"/>
-              <a:t>nginx</a:t>
-            </a:r>
-            <a:r>
-              <a:rPr lang="zh-CN" altLang="en-US" dirty="0"/>
-              <a:t>是否调用</a:t>
-            </a:r>
-            <a:r>
-              <a:rPr lang="en-US" altLang="zh-CN" dirty="0" err="1"/>
-              <a:t>sendfile</a:t>
-            </a:r>
-            <a:r>
-              <a:rPr lang="zh-CN" altLang="en-US" dirty="0"/>
-              <a:t>函数来输出文件，减少用户空间到内核空间的上下文切换。对于普通应用设为 </a:t>
-            </a:r>
-            <a:r>
-              <a:rPr lang="en-US" altLang="zh-CN" dirty="0"/>
-              <a:t>on</a:t>
-            </a:r>
-            <a:r>
-              <a:rPr lang="zh-CN" altLang="en-US" dirty="0"/>
-              <a:t>，如果用来进行下载等应用磁盘</a:t>
-            </a:r>
-            <a:r>
-              <a:rPr lang="en-US" altLang="zh-CN" dirty="0"/>
-              <a:t>IO</a:t>
-            </a:r>
-            <a:r>
-              <a:rPr lang="zh-CN" altLang="en-US" dirty="0"/>
-              <a:t>重负载应用，可设置为</a:t>
-            </a:r>
-            <a:r>
-              <a:rPr lang="en-US" altLang="zh-CN" dirty="0"/>
-              <a:t>off</a:t>
-            </a:r>
-            <a:r>
-              <a:rPr lang="zh-CN" altLang="en-US" dirty="0"/>
-              <a:t>，以平衡磁盘与网络</a:t>
-            </a:r>
-            <a:r>
-              <a:rPr lang="en-US" altLang="zh-CN" dirty="0"/>
-              <a:t>I/O</a:t>
-            </a:r>
-            <a:r>
-              <a:rPr lang="zh-CN" altLang="en-US" dirty="0"/>
-              <a:t>处理速度，降低系统的负载。</a:t>
-            </a:r>
-          </a:p>
-          <a:p>
-            <a:r>
-              <a:rPr lang="en-US" altLang="zh-CN" dirty="0" err="1"/>
-              <a:t>keepalive_timeout</a:t>
-            </a:r>
-            <a:r>
-              <a:rPr lang="en-US" altLang="zh-CN" dirty="0"/>
-              <a:t> 65 : </a:t>
-            </a:r>
-            <a:r>
-              <a:rPr lang="zh-CN" altLang="en-US" dirty="0"/>
-              <a:t>长连接超时时间，单位是秒，这个参数很敏感，涉及浏览器的种类、后端服务器的超时设置、操作系统的设置，可以另外起一片文章了。长连接请求大量小文件的时候，可以减少重建连接的开销，但假如有大文件上传，</a:t>
-            </a:r>
-            <a:r>
-              <a:rPr lang="en-US" altLang="zh-CN" dirty="0"/>
-              <a:t>65s</a:t>
-            </a:r>
-            <a:r>
-              <a:rPr lang="zh-CN" altLang="en-US" dirty="0"/>
-              <a:t>内没上传完成会导致失败。如果设置时间过长，用户又多，长时间保持连接会占用大量资源。</a:t>
-            </a:r>
-          </a:p>
-          <a:p>
-            <a:r>
-              <a:rPr lang="en-US" altLang="zh-CN" dirty="0" err="1"/>
-              <a:t>send_timeout</a:t>
-            </a:r>
-            <a:r>
-              <a:rPr lang="en-US" altLang="zh-CN" dirty="0"/>
-              <a:t> : </a:t>
-            </a:r>
-            <a:r>
-              <a:rPr lang="zh-CN" altLang="en-US" dirty="0"/>
-              <a:t>用于指定响应客户端的超时时间。这个超时仅限于两个连接活动之间的时间，如果超过这个时间，客户端没有任何活动，</a:t>
-            </a:r>
-            <a:r>
-              <a:rPr lang="en-US" altLang="zh-CN" dirty="0"/>
-              <a:t>Nginx</a:t>
-            </a:r>
-            <a:r>
-              <a:rPr lang="zh-CN" altLang="en-US" dirty="0"/>
-              <a:t>将会关闭连接。</a:t>
-            </a:r>
-          </a:p>
-          <a:p>
-            <a:r>
-              <a:rPr lang="en-US" altLang="zh-CN" dirty="0" err="1"/>
-              <a:t>client_max_body_size</a:t>
-            </a:r>
-            <a:r>
-              <a:rPr lang="en-US" altLang="zh-CN" dirty="0"/>
-              <a:t> 10m</a:t>
-            </a:r>
-            <a:br>
-              <a:rPr lang="en-US" altLang="zh-CN" dirty="0"/>
-            </a:br>
-            <a:r>
-              <a:rPr lang="zh-CN" altLang="en-US" dirty="0"/>
-              <a:t>允许客户端请求的最大单文件字节数。如果有上传较大文件，请设置它的限制值</a:t>
-            </a:r>
-          </a:p>
-          <a:p>
-            <a:r>
-              <a:rPr lang="en-US" altLang="zh-CN" dirty="0" err="1"/>
-              <a:t>client_body_buffer_size</a:t>
-            </a:r>
-            <a:r>
-              <a:rPr lang="en-US" altLang="zh-CN" dirty="0"/>
-              <a:t> 128k</a:t>
-            </a:r>
-            <a:br>
-              <a:rPr lang="en-US" altLang="zh-CN" dirty="0"/>
-            </a:br>
-            <a:r>
-              <a:rPr lang="zh-CN" altLang="en-US" dirty="0"/>
-              <a:t>缓冲区代理缓冲用户端请求的最大字节</a:t>
-            </a:r>
-            <a:r>
-              <a:rPr lang="zh-CN" altLang="en-US" dirty="0" smtClean="0"/>
-              <a:t>数</a:t>
-            </a:r>
-            <a:endParaRPr lang="zh-CN" altLang="en-US" dirty="0"/>
-          </a:p>
-        </p:txBody>
-      </p:sp>
-    </p:spTree>
-    <p:extLst>
-      <p:ext uri="{BB962C8B-B14F-4D97-AF65-F5344CB8AC3E}">
-        <p14:creationId xmlns:p14="http://schemas.microsoft.com/office/powerpoint/2010/main" val="2111715822"/>
-      </p:ext>
-    </p:extLst>
-  </p:cSld>
-  <p:clrMapOvr>
-    <a:masterClrMapping/>
-  </p:clrMapOvr>
-</p:sld>
-</file>
-
 <file path=ppt/slides/slide26.xml><?xml version="1.0" encoding="utf-8"?>
 <p:sld xmlns:a="http://schemas.openxmlformats.org/drawingml/2006/main" xmlns:r="http://schemas.openxmlformats.org/officeDocument/2006/relationships" xmlns:p="http://schemas.openxmlformats.org/presentationml/2006/main">
   <p:cSld>
@@ -6879,7 +6566,11 @@
           <a:p>
             <a:r>
               <a:rPr lang="en-US" b="1" dirty="0" err="1"/>
-              <a:t>http_proxy</a:t>
+              <a:t>我们的主战场：</a:t>
+            </a:r>
+            <a:r>
+              <a:rPr lang="en-US" b="1" dirty="0" err="1" smtClean="0"/>
+              <a:t>nginx.conf</a:t>
             </a:r>
             <a:endParaRPr lang="en-US" dirty="0"/>
           </a:p>
@@ -6897,311 +6588,42 @@
         </p:nvSpPr>
         <p:spPr/>
         <p:txBody>
-          <a:bodyPr>
-            <a:normAutofit fontScale="55000" lnSpcReduction="20000"/>
-          </a:bodyPr>
-          <a:lstStyle/>
-          <a:p>
-            <a:r>
-              <a:rPr lang="zh-CN" altLang="en-US" dirty="0"/>
-              <a:t>这个模块实现的是</a:t>
+          <a:bodyPr/>
+          <a:lstStyle/>
+          <a:p>
+            <a:r>
+              <a:rPr lang="zh-CN" altLang="en-US" dirty="0"/>
+              <a:t>很多时候，在开发、测试环境下，我们都得自己去配置</a:t>
+            </a:r>
+            <a:r>
+              <a:rPr lang="en-US" altLang="zh-CN" dirty="0"/>
+              <a:t>Nginx</a:t>
+            </a:r>
+            <a:r>
+              <a:rPr lang="zh-CN" altLang="en-US" dirty="0"/>
+              <a:t>，就是去配置</a:t>
             </a:r>
             <a:r>
               <a:rPr lang="en-US" altLang="zh-CN" dirty="0" err="1"/>
-              <a:t>nginx</a:t>
-            </a:r>
-            <a:r>
-              <a:rPr lang="zh-CN" altLang="en-US" dirty="0"/>
-              <a:t>作为反向代理服务器的功能，包括缓存功能（另见</a:t>
-            </a:r>
-            <a:r>
-              <a:rPr lang="zh-CN" altLang="en-US" dirty="0">
-                <a:hlinkClick r:id="rId2"/>
-              </a:rPr>
-              <a:t>文章</a:t>
-            </a:r>
-            <a:r>
-              <a:rPr lang="zh-CN" altLang="en-US" dirty="0"/>
-              <a:t>）</a:t>
+              <a:t>nginx.conf</a:t>
+            </a:r>
+            <a:r>
+              <a:rPr lang="zh-CN" altLang="en-US" dirty="0"/>
+              <a:t>。</a:t>
             </a:r>
           </a:p>
           <a:p>
             <a:r>
               <a:rPr lang="en-US" altLang="zh-CN" dirty="0" err="1"/>
-              <a:t>proxy_connect_timeout</a:t>
-            </a:r>
-            <a:r>
-              <a:rPr lang="en-US" altLang="zh-CN" dirty="0"/>
-              <a:t> 60</a:t>
-            </a:r>
-            <a:br>
-              <a:rPr lang="en-US" altLang="zh-CN" dirty="0"/>
-            </a:br>
-            <a:r>
-              <a:rPr lang="en-US" altLang="zh-CN" dirty="0" err="1"/>
-              <a:t>nginx</a:t>
-            </a:r>
-            <a:r>
-              <a:rPr lang="zh-CN" altLang="en-US" dirty="0"/>
-              <a:t>跟后端服务器连接超时时间</a:t>
-            </a:r>
-            <a:r>
-              <a:rPr lang="en-US" altLang="zh-CN" dirty="0"/>
-              <a:t>(</a:t>
-            </a:r>
-            <a:r>
-              <a:rPr lang="zh-CN" altLang="en-US" dirty="0"/>
-              <a:t>代理连接超时</a:t>
-            </a:r>
-            <a:r>
-              <a:rPr lang="en-US" altLang="zh-CN" dirty="0"/>
-              <a:t>)</a:t>
-            </a:r>
-          </a:p>
-          <a:p>
-            <a:r>
-              <a:rPr lang="en-US" altLang="zh-CN" dirty="0" err="1"/>
-              <a:t>proxy_read_timeout</a:t>
-            </a:r>
-            <a:r>
-              <a:rPr lang="en-US" altLang="zh-CN" dirty="0"/>
-              <a:t> 60</a:t>
-            </a:r>
-            <a:br>
-              <a:rPr lang="en-US" altLang="zh-CN" dirty="0"/>
-            </a:br>
-            <a:r>
-              <a:rPr lang="zh-CN" altLang="en-US" dirty="0"/>
-              <a:t>连接成功后，与后端服务器两个成功的响应操作之间超时时间</a:t>
-            </a:r>
-            <a:r>
-              <a:rPr lang="en-US" altLang="zh-CN" dirty="0"/>
-              <a:t>(</a:t>
-            </a:r>
-            <a:r>
-              <a:rPr lang="zh-CN" altLang="en-US" dirty="0"/>
-              <a:t>代理接收超时</a:t>
-            </a:r>
-            <a:r>
-              <a:rPr lang="en-US" altLang="zh-CN" dirty="0"/>
-              <a:t>)</a:t>
-            </a:r>
-          </a:p>
-          <a:p>
-            <a:r>
-              <a:rPr lang="en-US" altLang="zh-CN" dirty="0" err="1"/>
-              <a:t>proxy_buffer_size</a:t>
-            </a:r>
-            <a:r>
-              <a:rPr lang="en-US" altLang="zh-CN" dirty="0"/>
-              <a:t> 4k</a:t>
-            </a:r>
-            <a:br>
-              <a:rPr lang="en-US" altLang="zh-CN" dirty="0"/>
-            </a:br>
-            <a:r>
-              <a:rPr lang="zh-CN" altLang="en-US" dirty="0"/>
-              <a:t>设置代理服务器（</a:t>
-            </a:r>
-            <a:r>
-              <a:rPr lang="en-US" altLang="zh-CN" dirty="0" err="1"/>
-              <a:t>nginx</a:t>
-            </a:r>
-            <a:r>
-              <a:rPr lang="zh-CN" altLang="en-US" dirty="0"/>
-              <a:t>）从后端</a:t>
-            </a:r>
-            <a:r>
-              <a:rPr lang="en-US" altLang="zh-CN" dirty="0" err="1"/>
-              <a:t>realserver</a:t>
-            </a:r>
-            <a:r>
-              <a:rPr lang="zh-CN" altLang="en-US" dirty="0"/>
-              <a:t>读取并保存用户</a:t>
-            </a:r>
-            <a:r>
-              <a:rPr lang="zh-CN" altLang="en-US" b="1" dirty="0"/>
-              <a:t>头</a:t>
-            </a:r>
-            <a:r>
-              <a:rPr lang="zh-CN" altLang="en-US" dirty="0"/>
-              <a:t>信息的缓冲区大小，默认与</a:t>
-            </a:r>
-            <a:r>
-              <a:rPr lang="en-US" altLang="zh-CN" dirty="0" err="1"/>
-              <a:t>proxy_buffers</a:t>
-            </a:r>
-            <a:r>
-              <a:rPr lang="zh-CN" altLang="en-US" dirty="0"/>
-              <a:t>大小相同，其实可以将这个指令值设的小一点</a:t>
-            </a:r>
-          </a:p>
-          <a:p>
-            <a:r>
-              <a:rPr lang="en-US" altLang="zh-CN" dirty="0" err="1"/>
-              <a:t>proxy_buffers</a:t>
-            </a:r>
-            <a:r>
-              <a:rPr lang="en-US" altLang="zh-CN" dirty="0"/>
-              <a:t> 4 32k</a:t>
-            </a:r>
-            <a:br>
-              <a:rPr lang="en-US" altLang="zh-CN" dirty="0"/>
-            </a:br>
-            <a:r>
-              <a:rPr lang="en-US" altLang="zh-CN" dirty="0" err="1"/>
-              <a:t>proxy_buffers</a:t>
-            </a:r>
-            <a:r>
-              <a:rPr lang="zh-CN" altLang="en-US" dirty="0"/>
-              <a:t>缓冲区，</a:t>
-            </a:r>
-            <a:r>
-              <a:rPr lang="en-US" altLang="zh-CN" dirty="0" err="1"/>
-              <a:t>nginx</a:t>
-            </a:r>
-            <a:r>
-              <a:rPr lang="zh-CN" altLang="en-US" dirty="0"/>
-              <a:t>针对单个连接缓存来自后端</a:t>
-            </a:r>
-            <a:r>
-              <a:rPr lang="en-US" altLang="zh-CN" dirty="0" err="1"/>
-              <a:t>realserver</a:t>
-            </a:r>
-            <a:r>
-              <a:rPr lang="zh-CN" altLang="en-US" dirty="0"/>
-              <a:t>的</a:t>
-            </a:r>
-            <a:r>
-              <a:rPr lang="zh-CN" altLang="en-US" b="1" dirty="0"/>
-              <a:t>响应</a:t>
-            </a:r>
-            <a:r>
-              <a:rPr lang="zh-CN" altLang="en-US" dirty="0"/>
-              <a:t>，网页平均在</a:t>
-            </a:r>
-            <a:r>
-              <a:rPr lang="en-US" altLang="zh-CN" dirty="0"/>
-              <a:t>32k</a:t>
-            </a:r>
-            <a:r>
-              <a:rPr lang="zh-CN" altLang="en-US" dirty="0"/>
-              <a:t>以下的话，这样设置</a:t>
-            </a:r>
-          </a:p>
-          <a:p>
-            <a:r>
-              <a:rPr lang="en-US" altLang="zh-CN" dirty="0" err="1"/>
-              <a:t>proxy_busy_buffers_size</a:t>
-            </a:r>
-            <a:r>
-              <a:rPr lang="en-US" altLang="zh-CN" dirty="0"/>
-              <a:t> 64k</a:t>
-            </a:r>
-            <a:br>
-              <a:rPr lang="en-US" altLang="zh-CN" dirty="0"/>
-            </a:br>
-            <a:r>
-              <a:rPr lang="zh-CN" altLang="en-US" dirty="0"/>
-              <a:t>高负荷下缓冲大小（</a:t>
-            </a:r>
-            <a:r>
-              <a:rPr lang="en-US" altLang="zh-CN" dirty="0" err="1"/>
-              <a:t>proxy_buffers</a:t>
-            </a:r>
-            <a:r>
-              <a:rPr lang="en-US" altLang="zh-CN" dirty="0"/>
-              <a:t>*2</a:t>
-            </a:r>
-            <a:r>
-              <a:rPr lang="zh-CN" altLang="en-US" dirty="0"/>
-              <a:t>）</a:t>
-            </a:r>
-          </a:p>
-          <a:p>
-            <a:r>
-              <a:rPr lang="en-US" altLang="zh-CN" dirty="0" err="1"/>
-              <a:t>proxy_max_temp_file_size</a:t>
-            </a:r>
-            <a:r>
-              <a:rPr lang="en-US" altLang="zh-CN" dirty="0"/>
-              <a:t/>
-            </a:r>
-            <a:br>
-              <a:rPr lang="en-US" altLang="zh-CN" dirty="0"/>
-            </a:br>
-            <a:r>
-              <a:rPr lang="zh-CN" altLang="en-US" dirty="0"/>
-              <a:t>当</a:t>
-            </a:r>
-            <a:r>
-              <a:rPr lang="en-US" altLang="zh-CN" dirty="0" err="1"/>
-              <a:t>proxy_buffers</a:t>
-            </a:r>
-            <a:r>
-              <a:rPr lang="zh-CN" altLang="en-US" dirty="0"/>
-              <a:t>放不下后端服务器的响应内容时，会将一部分保存到硬盘的临时文件中，这个值用来设置最大临时文件大小，默认</a:t>
-            </a:r>
-            <a:r>
-              <a:rPr lang="en-US" altLang="zh-CN" dirty="0"/>
-              <a:t>1024M</a:t>
-            </a:r>
-            <a:r>
-              <a:rPr lang="zh-CN" altLang="en-US" dirty="0"/>
-              <a:t>，它与</a:t>
-            </a:r>
-            <a:r>
-              <a:rPr lang="en-US" altLang="zh-CN" dirty="0" err="1"/>
-              <a:t>proxy_cache</a:t>
-            </a:r>
-            <a:r>
-              <a:rPr lang="zh-CN" altLang="en-US" dirty="0"/>
-              <a:t>没有关系。大于这个值，将从</a:t>
-            </a:r>
-            <a:r>
-              <a:rPr lang="en-US" altLang="zh-CN" dirty="0"/>
-              <a:t>upstream</a:t>
-            </a:r>
-            <a:r>
-              <a:rPr lang="zh-CN" altLang="en-US" dirty="0"/>
-              <a:t>服务器传回。设置为</a:t>
-            </a:r>
-            <a:r>
-              <a:rPr lang="en-US" altLang="zh-CN" dirty="0"/>
-              <a:t>0</a:t>
-            </a:r>
-            <a:r>
-              <a:rPr lang="zh-CN" altLang="en-US" dirty="0"/>
-              <a:t>禁用。</a:t>
-            </a:r>
-          </a:p>
-          <a:p>
-            <a:r>
-              <a:rPr lang="en-US" altLang="zh-CN" dirty="0" err="1"/>
-              <a:t>proxy_temp_file_write_size</a:t>
-            </a:r>
-            <a:r>
-              <a:rPr lang="en-US" altLang="zh-CN" dirty="0"/>
-              <a:t> 64k</a:t>
-            </a:r>
-            <a:br>
-              <a:rPr lang="en-US" altLang="zh-CN" dirty="0"/>
-            </a:br>
-            <a:r>
-              <a:rPr lang="zh-CN" altLang="en-US" dirty="0"/>
-              <a:t>当缓存被代理的服务器响应到临时文件时，这个选项限制每次写临时文件的大小。</a:t>
-            </a:r>
-            <a:r>
-              <a:rPr lang="en-US" altLang="zh-CN" dirty="0" err="1"/>
-              <a:t>proxy_temp_path</a:t>
-            </a:r>
-            <a:r>
-              <a:rPr lang="zh-CN" altLang="en-US" dirty="0"/>
-              <a:t>（可以在编译的时候）指定写到哪那个目录</a:t>
-            </a:r>
-            <a:r>
-              <a:rPr lang="zh-CN" altLang="en-US" dirty="0" smtClean="0"/>
-              <a:t>。</a:t>
+              <a:t>nginx.conf</a:t>
+            </a:r>
+            <a:r>
+              <a:rPr lang="zh-CN" altLang="en-US" dirty="0"/>
+              <a:t>是典型的分段配置</a:t>
+            </a:r>
+            <a:r>
+              <a:rPr lang="zh-CN" altLang="en-US" dirty="0" smtClean="0"/>
+              <a:t>文件</a:t>
             </a:r>
             <a:endParaRPr lang="zh-CN" altLang="en-US" dirty="0"/>
           </a:p>
@@ -7210,7 +6632,7 @@
     </p:spTree>
     <p:extLst>
       <p:ext uri="{BB962C8B-B14F-4D97-AF65-F5344CB8AC3E}">
-        <p14:creationId xmlns:p14="http://schemas.microsoft.com/office/powerpoint/2010/main" val="1729167292"/>
+        <p14:creationId xmlns:p14="http://schemas.microsoft.com/office/powerpoint/2010/main" val="1350203314"/>
       </p:ext>
     </p:extLst>
   </p:cSld>
@@ -7253,8 +6675,12 @@
           <a:lstStyle/>
           <a:p>
             <a:r>
-              <a:rPr lang="zh-CN" altLang="en-US" dirty="0" smtClean="0"/>
-              <a:t>虚拟主机</a:t>
+              <a:rPr lang="fr-FR" b="1" dirty="0" err="1"/>
+              <a:t>main</a:t>
+            </a:r>
+            <a:r>
+              <a:rPr lang="fr-FR" b="1" dirty="0" err="1" smtClean="0"/>
+              <a:t>全局配置</a:t>
             </a:r>
             <a:endParaRPr lang="en-US" dirty="0"/>
           </a:p>
@@ -7262,7 +6688,7 @@
       </p:sp>
       <p:sp>
         <p:nvSpPr>
-          <p:cNvPr id="4" name="Content Placeholder 3"/>
+          <p:cNvPr id="3" name="Content Placeholder 2"/>
           <p:cNvSpPr>
             <a:spLocks noGrp="1"/>
           </p:cNvSpPr>
@@ -7273,21 +6699,144 @@
         <p:spPr/>
         <p:txBody>
           <a:bodyPr>
-            <a:normAutofit/>
+            <a:normAutofit fontScale="62500" lnSpcReduction="20000"/>
           </a:bodyPr>
           <a:lstStyle/>
           <a:p>
             <a:r>
-              <a:rPr lang="zh-CN" altLang="en-US" dirty="0" smtClean="0"/>
-              <a:t>第一：</a:t>
-            </a:r>
-            <a:r>
-              <a:rPr lang="en-US" altLang="zh-CN" dirty="0" smtClean="0"/>
-              <a:t>location</a:t>
-            </a:r>
-            <a:r>
-              <a:rPr lang="zh-CN" altLang="en-US" dirty="0" smtClean="0"/>
-              <a:t>可以进行正则匹配，应该注意正则的几种形式以及优先级</a:t>
+              <a:rPr lang="en-US" altLang="zh-CN" dirty="0" err="1"/>
+              <a:t>woker_processes</a:t>
+            </a:r>
+            <a:r>
+              <a:rPr lang="en-US" altLang="zh-CN" dirty="0"/>
+              <a:t> 2</a:t>
+            </a:r>
+            <a:br>
+              <a:rPr lang="en-US" altLang="zh-CN" dirty="0"/>
+            </a:br>
+            <a:r>
+              <a:rPr lang="zh-CN" altLang="en-US" dirty="0"/>
+              <a:t>在配置文件的顶级</a:t>
+            </a:r>
+            <a:r>
+              <a:rPr lang="en-US" altLang="zh-CN" i="1" dirty="0"/>
+              <a:t>main</a:t>
+            </a:r>
+            <a:r>
+              <a:rPr lang="zh-CN" altLang="en-US" dirty="0"/>
+              <a:t>部分，</a:t>
+            </a:r>
+            <a:r>
+              <a:rPr lang="en-US" altLang="zh-CN" dirty="0"/>
+              <a:t>worker</a:t>
+            </a:r>
+            <a:r>
+              <a:rPr lang="zh-CN" altLang="en-US" dirty="0"/>
+              <a:t>角色的工作进程的个数，</a:t>
+            </a:r>
+            <a:r>
+              <a:rPr lang="en-US" altLang="zh-CN" dirty="0"/>
+              <a:t>master</a:t>
+            </a:r>
+            <a:r>
+              <a:rPr lang="zh-CN" altLang="en-US" dirty="0"/>
+              <a:t>进程是接收并分配请求给</a:t>
+            </a:r>
+            <a:r>
+              <a:rPr lang="en-US" altLang="zh-CN" dirty="0"/>
+              <a:t>worker</a:t>
+            </a:r>
+            <a:r>
+              <a:rPr lang="zh-CN" altLang="en-US" dirty="0"/>
+              <a:t>处理。这个数值简单一点可以设置为</a:t>
+            </a:r>
+            <a:r>
+              <a:rPr lang="en-US" altLang="zh-CN" dirty="0" err="1"/>
+              <a:t>cpu</a:t>
+            </a:r>
+            <a:r>
+              <a:rPr lang="zh-CN" altLang="en-US" dirty="0"/>
+              <a:t>的核数</a:t>
+            </a:r>
+            <a:r>
+              <a:rPr lang="en-US" altLang="zh-CN" dirty="0"/>
+              <a:t>grep ^processor /proc/</a:t>
+            </a:r>
+            <a:r>
+              <a:rPr lang="en-US" altLang="zh-CN" dirty="0" err="1"/>
+              <a:t>cpuinfo</a:t>
+            </a:r>
+            <a:r>
+              <a:rPr lang="en-US" altLang="zh-CN" dirty="0"/>
+              <a:t> | </a:t>
+            </a:r>
+            <a:r>
+              <a:rPr lang="en-US" altLang="zh-CN" dirty="0" err="1"/>
+              <a:t>wc</a:t>
+            </a:r>
+            <a:r>
+              <a:rPr lang="en-US" altLang="zh-CN" dirty="0"/>
+              <a:t> -l</a:t>
+            </a:r>
+            <a:r>
+              <a:rPr lang="zh-CN" altLang="en-US" dirty="0"/>
+              <a:t>，也是 </a:t>
+            </a:r>
+            <a:r>
+              <a:rPr lang="en-US" altLang="zh-CN" dirty="0"/>
+              <a:t>auto </a:t>
+            </a:r>
+            <a:r>
+              <a:rPr lang="zh-CN" altLang="en-US" dirty="0"/>
+              <a:t>值，如果开启了</a:t>
+            </a:r>
+            <a:r>
+              <a:rPr lang="en-US" altLang="zh-CN" dirty="0" err="1"/>
+              <a:t>ssl</a:t>
+            </a:r>
+            <a:r>
+              <a:rPr lang="zh-CN" altLang="en-US" dirty="0"/>
+              <a:t>和</a:t>
+            </a:r>
+            <a:r>
+              <a:rPr lang="en-US" altLang="zh-CN" dirty="0" err="1"/>
+              <a:t>gzip</a:t>
+            </a:r>
+            <a:r>
+              <a:rPr lang="zh-CN" altLang="en-US" dirty="0"/>
+              <a:t>更应该设置成与逻辑</a:t>
+            </a:r>
+            <a:r>
+              <a:rPr lang="en-US" altLang="zh-CN" dirty="0"/>
+              <a:t>CPU</a:t>
+            </a:r>
+            <a:r>
+              <a:rPr lang="zh-CN" altLang="en-US" dirty="0"/>
+              <a:t>数量一样甚至为</a:t>
+            </a:r>
+            <a:r>
+              <a:rPr lang="en-US" altLang="zh-CN" dirty="0"/>
+              <a:t>2</a:t>
+            </a:r>
+            <a:r>
+              <a:rPr lang="zh-CN" altLang="en-US" dirty="0"/>
+              <a:t>倍，可以减少</a:t>
+            </a:r>
+            <a:r>
+              <a:rPr lang="en-US" altLang="zh-CN" dirty="0"/>
+              <a:t>I/O</a:t>
+            </a:r>
+            <a:r>
+              <a:rPr lang="zh-CN" altLang="en-US" dirty="0"/>
+              <a:t>操作。如果</a:t>
+            </a:r>
+            <a:r>
+              <a:rPr lang="en-US" altLang="zh-CN" dirty="0" err="1"/>
+              <a:t>nginx</a:t>
+            </a:r>
+            <a:r>
+              <a:rPr lang="zh-CN" altLang="en-US" dirty="0"/>
+              <a:t>服务器还有其它服务，可以考虑适当减少</a:t>
             </a:r>
             <a:r>
               <a:rPr lang="zh-CN" altLang="en-US" dirty="0" smtClean="0"/>
@@ -7297,217 +6846,329 @@
           </a:p>
           <a:p>
             <a:r>
-              <a:rPr lang="zh-CN" altLang="en-US" dirty="0" smtClean="0"/>
-              <a:t>第二</a:t>
-            </a:r>
-            <a:r>
-              <a:rPr lang="zh-CN" altLang="en-US" dirty="0" smtClean="0"/>
-              <a:t>：</a:t>
-            </a:r>
-            <a:r>
-              <a:rPr lang="en-US" altLang="zh-CN" dirty="0" smtClean="0"/>
+              <a:rPr lang="en-US" altLang="zh-CN" dirty="0" err="1" smtClean="0"/>
+              <a:t>worker_cpu_affinity</a:t>
+            </a:r>
+            <a:r>
+              <a:rPr lang="en-US" altLang="zh-CN" dirty="0"/>
+              <a:t/>
+            </a:r>
+            <a:br>
+              <a:rPr lang="en-US" altLang="zh-CN" dirty="0"/>
+            </a:br>
+            <a:r>
+              <a:rPr lang="zh-CN" altLang="en-US" dirty="0"/>
+              <a:t>也是写在</a:t>
+            </a:r>
+            <a:r>
+              <a:rPr lang="en-US" altLang="zh-CN" i="1" dirty="0"/>
+              <a:t>main</a:t>
+            </a:r>
+            <a:r>
+              <a:rPr lang="zh-CN" altLang="en-US" dirty="0"/>
+              <a:t>部分。在高并发情况下，通过设置</a:t>
+            </a:r>
+            <a:r>
+              <a:rPr lang="en-US" altLang="zh-CN" dirty="0" err="1"/>
+              <a:t>cpu</a:t>
+            </a:r>
+            <a:r>
+              <a:rPr lang="zh-CN" altLang="en-US" dirty="0"/>
+              <a:t>粘性来降低由于多</a:t>
+            </a:r>
+            <a:r>
+              <a:rPr lang="en-US" altLang="zh-CN" dirty="0"/>
+              <a:t>CPU</a:t>
+            </a:r>
+            <a:r>
+              <a:rPr lang="zh-CN" altLang="en-US" dirty="0"/>
+              <a:t>核切换造成的寄存器等现场重建带来的性能损耗。如</a:t>
+            </a:r>
+            <a:r>
+              <a:rPr lang="en-US" altLang="zh-CN" dirty="0" err="1"/>
+              <a:t>worker_cpu_affinity</a:t>
+            </a:r>
+            <a:r>
+              <a:rPr lang="en-US" altLang="zh-CN" dirty="0"/>
+              <a:t> 0001 0010 0100 1000; </a:t>
+            </a:r>
+            <a:r>
+              <a:rPr lang="zh-CN" altLang="en-US" dirty="0"/>
+              <a:t>（四核）。</a:t>
+            </a:r>
+          </a:p>
+          <a:p>
+            <a:r>
+              <a:rPr lang="en-US" altLang="zh-CN" dirty="0" err="1"/>
+              <a:t>worker_connections</a:t>
+            </a:r>
+            <a:r>
+              <a:rPr lang="en-US" altLang="zh-CN" dirty="0"/>
+              <a:t> 2048</a:t>
+            </a:r>
+            <a:br>
+              <a:rPr lang="en-US" altLang="zh-CN" dirty="0"/>
+            </a:br>
+            <a:r>
+              <a:rPr lang="zh-CN" altLang="en-US" dirty="0"/>
+              <a:t>写在</a:t>
+            </a:r>
+            <a:r>
+              <a:rPr lang="en-US" altLang="zh-CN" i="1" dirty="0"/>
+              <a:t>events</a:t>
+            </a:r>
+            <a:r>
+              <a:rPr lang="zh-CN" altLang="en-US" dirty="0"/>
+              <a:t>部分。每一个</a:t>
+            </a:r>
+            <a:r>
+              <a:rPr lang="en-US" altLang="zh-CN" dirty="0"/>
+              <a:t>worker</a:t>
+            </a:r>
+            <a:r>
+              <a:rPr lang="zh-CN" altLang="en-US" dirty="0"/>
+              <a:t>进程能并发处理（发起）的最大连接数（包含与客户端或后端被代理服务器间等所有连接数）。</a:t>
+            </a:r>
+            <a:r>
+              <a:rPr lang="en-US" altLang="zh-CN" dirty="0" err="1"/>
+              <a:t>nginx</a:t>
+            </a:r>
+            <a:r>
+              <a:rPr lang="zh-CN" altLang="en-US" dirty="0"/>
+              <a:t>作为反向代理服务器，计算公式 最大连接数 </a:t>
+            </a:r>
+            <a:r>
+              <a:rPr lang="en-US" altLang="zh-CN" dirty="0"/>
+              <a:t>= </a:t>
+            </a:r>
+            <a:r>
+              <a:rPr lang="en-US" altLang="zh-CN" dirty="0" err="1"/>
+              <a:t>worker_processes</a:t>
+            </a:r>
+            <a:r>
+              <a:rPr lang="en-US" altLang="zh-CN" dirty="0"/>
+              <a:t> * </a:t>
+            </a:r>
+            <a:r>
+              <a:rPr lang="en-US" altLang="zh-CN" dirty="0" err="1"/>
+              <a:t>worker_connections</a:t>
+            </a:r>
+            <a:r>
+              <a:rPr lang="en-US" altLang="zh-CN" dirty="0"/>
+              <a:t>/4</a:t>
+            </a:r>
+            <a:r>
+              <a:rPr lang="zh-CN" altLang="en-US" dirty="0"/>
+              <a:t>，所以这里客户端最大连接数是</a:t>
+            </a:r>
+            <a:r>
+              <a:rPr lang="en-US" altLang="zh-CN" dirty="0"/>
+              <a:t>1024</a:t>
+            </a:r>
+            <a:r>
+              <a:rPr lang="zh-CN" altLang="en-US" dirty="0"/>
+              <a:t>，这个可以增到到</a:t>
+            </a:r>
+            <a:r>
+              <a:rPr lang="en-US" altLang="zh-CN" dirty="0"/>
+              <a:t>8192</a:t>
+            </a:r>
+            <a:r>
+              <a:rPr lang="zh-CN" altLang="en-US" dirty="0"/>
+              <a:t>都没关系，看情况而定，但不能超过后面的</a:t>
+            </a:r>
+            <a:r>
+              <a:rPr lang="en-US" altLang="zh-CN" dirty="0" err="1"/>
+              <a:t>worker_rlimit_nofile</a:t>
+            </a:r>
+            <a:r>
+              <a:rPr lang="zh-CN" altLang="en-US" dirty="0"/>
+              <a:t>。当</a:t>
+            </a:r>
+            <a:r>
+              <a:rPr lang="en-US" altLang="zh-CN" dirty="0" err="1"/>
+              <a:t>nginx</a:t>
+            </a:r>
+            <a:r>
+              <a:rPr lang="zh-CN" altLang="en-US" dirty="0"/>
+              <a:t>作为</a:t>
+            </a:r>
+            <a:r>
+              <a:rPr lang="en-US" altLang="zh-CN" dirty="0"/>
+              <a:t>http</a:t>
+            </a:r>
+            <a:r>
+              <a:rPr lang="zh-CN" altLang="en-US" dirty="0"/>
+              <a:t>服务器时，计算公式里面是除以</a:t>
+            </a:r>
+            <a:r>
+              <a:rPr lang="en-US" altLang="zh-CN" dirty="0"/>
+              <a:t>2</a:t>
+            </a:r>
+            <a:r>
+              <a:rPr lang="zh-CN" altLang="en-US" dirty="0"/>
+              <a:t>。</a:t>
+            </a:r>
+          </a:p>
+          <a:p>
+            <a:r>
+              <a:rPr lang="en-US" altLang="zh-CN" dirty="0" err="1"/>
+              <a:t>worker_rlimit_nofile</a:t>
+            </a:r>
+            <a:r>
+              <a:rPr lang="en-US" altLang="zh-CN" dirty="0"/>
+              <a:t> 10240</a:t>
+            </a:r>
+            <a:br>
+              <a:rPr lang="en-US" altLang="zh-CN" dirty="0"/>
+            </a:br>
+            <a:r>
+              <a:rPr lang="zh-CN" altLang="en-US" dirty="0"/>
+              <a:t>写在</a:t>
+            </a:r>
+            <a:r>
+              <a:rPr lang="en-US" altLang="zh-CN" i="1" dirty="0"/>
+              <a:t>main</a:t>
+            </a:r>
+            <a:r>
+              <a:rPr lang="zh-CN" altLang="en-US" dirty="0"/>
+              <a:t>部分。默认是没有设置，可以限制为操作系统最大的限制</a:t>
+            </a:r>
+            <a:r>
+              <a:rPr lang="en-US" altLang="zh-CN" dirty="0"/>
+              <a:t>65535</a:t>
+            </a:r>
+            <a:r>
+              <a:rPr lang="zh-CN" altLang="en-US" dirty="0"/>
+              <a:t>。</a:t>
+            </a:r>
+          </a:p>
+          <a:p>
+            <a:r>
+              <a:rPr lang="en-US" altLang="zh-CN" dirty="0"/>
+              <a:t>use </a:t>
+            </a:r>
+            <a:r>
+              <a:rPr lang="en-US" altLang="zh-CN" dirty="0" err="1"/>
+              <a:t>epoll</a:t>
+            </a:r>
+            <a:r>
+              <a:rPr lang="en-US" altLang="zh-CN" dirty="0"/>
+              <a:t/>
+            </a:r>
+            <a:br>
+              <a:rPr lang="en-US" altLang="zh-CN" dirty="0"/>
+            </a:br>
+            <a:r>
+              <a:rPr lang="zh-CN" altLang="en-US" dirty="0"/>
+              <a:t>写在</a:t>
+            </a:r>
+            <a:r>
+              <a:rPr lang="en-US" altLang="zh-CN" dirty="0"/>
+              <a:t>events</a:t>
+            </a:r>
+            <a:r>
+              <a:rPr lang="zh-CN" altLang="en-US" dirty="0"/>
+              <a:t>部分。在</a:t>
+            </a:r>
+            <a:r>
+              <a:rPr lang="en-US" altLang="zh-CN" dirty="0"/>
+              <a:t>Linux</a:t>
+            </a:r>
+            <a:r>
+              <a:rPr lang="zh-CN" altLang="en-US" dirty="0"/>
+              <a:t>操作系统下，</a:t>
+            </a:r>
+            <a:r>
+              <a:rPr lang="en-US" altLang="zh-CN" dirty="0" err="1"/>
+              <a:t>nginx</a:t>
+            </a:r>
+            <a:r>
+              <a:rPr lang="zh-CN" altLang="en-US" dirty="0"/>
+              <a:t>默认使用</a:t>
+            </a:r>
+            <a:r>
+              <a:rPr lang="en-US" altLang="zh-CN" dirty="0" err="1"/>
+              <a:t>epoll</a:t>
+            </a:r>
+            <a:r>
+              <a:rPr lang="zh-CN" altLang="en-US" dirty="0"/>
+              <a:t>事件模型，得益于此，</a:t>
+            </a:r>
+            <a:r>
+              <a:rPr lang="en-US" altLang="zh-CN" dirty="0" err="1"/>
+              <a:t>nginx</a:t>
+            </a:r>
+            <a:r>
+              <a:rPr lang="zh-CN" altLang="en-US" dirty="0"/>
+              <a:t>在</a:t>
+            </a:r>
+            <a:r>
+              <a:rPr lang="en-US" altLang="zh-CN" dirty="0"/>
+              <a:t>Linux</a:t>
+            </a:r>
+            <a:r>
+              <a:rPr lang="zh-CN" altLang="en-US" dirty="0"/>
+              <a:t>操作系统下效率相当高。同时</a:t>
+            </a:r>
+            <a:r>
+              <a:rPr lang="en-US" altLang="zh-CN" dirty="0"/>
               <a:t>Nginx</a:t>
             </a:r>
             <a:r>
-              <a:rPr lang="zh-CN" altLang="en-US" dirty="0" smtClean="0"/>
-              <a:t>能够提高速度的其中一个特性就是：动静分离，就是把静态资源放到</a:t>
-            </a:r>
-            <a:r>
-              <a:rPr lang="en-US" altLang="zh-CN" dirty="0" smtClean="0"/>
-              <a:t>Nginx</a:t>
-            </a:r>
-            <a:r>
-              <a:rPr lang="zh-CN" altLang="en-US" dirty="0" smtClean="0"/>
-              <a:t>上，由</a:t>
-            </a:r>
-            <a:r>
-              <a:rPr lang="en-US" altLang="zh-CN" dirty="0" smtClean="0"/>
-              <a:t>Nginx</a:t>
-            </a:r>
-            <a:r>
-              <a:rPr lang="zh-CN" altLang="en-US" dirty="0" smtClean="0"/>
-              <a:t>管理，动态请求转发给后端。</a:t>
-            </a:r>
-          </a:p>
-          <a:p>
-            <a:r>
-              <a:rPr lang="zh-CN" altLang="en-US" dirty="0" smtClean="0"/>
-              <a:t>第三：我们可以在</a:t>
-            </a:r>
-            <a:r>
-              <a:rPr lang="en-US" altLang="zh-CN" dirty="0" smtClean="0"/>
-              <a:t>Nginx</a:t>
-            </a:r>
-            <a:r>
-              <a:rPr lang="zh-CN" altLang="en-US" dirty="0" smtClean="0"/>
-              <a:t>下把静态资源、日志文件归属到不同域名下（也即是目录），这样方便管理维护。</a:t>
-            </a:r>
-          </a:p>
-          <a:p>
-            <a:r>
-              <a:rPr lang="zh-CN" altLang="en-US" dirty="0" smtClean="0"/>
-              <a:t>第四：</a:t>
-            </a:r>
-            <a:r>
-              <a:rPr lang="en-US" altLang="zh-CN" dirty="0" smtClean="0"/>
-              <a:t>Nginx</a:t>
-            </a:r>
-            <a:r>
-              <a:rPr lang="zh-CN" altLang="en-US" dirty="0" smtClean="0"/>
-              <a:t>可以进行</a:t>
-            </a:r>
-            <a:r>
-              <a:rPr lang="en-US" altLang="zh-CN" dirty="0" smtClean="0"/>
-              <a:t>IP</a:t>
-            </a:r>
-            <a:r>
-              <a:rPr lang="zh-CN" altLang="en-US" dirty="0" smtClean="0"/>
-              <a:t>访问控制，有些电商平台，就可以在</a:t>
-            </a:r>
-            <a:r>
-              <a:rPr lang="en-US" altLang="zh-CN" dirty="0" smtClean="0"/>
-              <a:t>Nginx</a:t>
-            </a:r>
-            <a:r>
-              <a:rPr lang="zh-CN" altLang="en-US" dirty="0" smtClean="0"/>
-              <a:t>这一层，做一下处理，内置一个黑名单模块，那么就不必等请求通过</a:t>
-            </a:r>
-            <a:r>
-              <a:rPr lang="en-US" altLang="zh-CN" dirty="0" smtClean="0"/>
-              <a:t>Nginx</a:t>
-            </a:r>
-            <a:r>
-              <a:rPr lang="zh-CN" altLang="en-US" dirty="0" smtClean="0"/>
-              <a:t>达到后端在进行拦截，而是直接在</a:t>
-            </a:r>
-            <a:r>
-              <a:rPr lang="en-US" altLang="zh-CN" dirty="0" smtClean="0"/>
-              <a:t>Nginx</a:t>
-            </a:r>
-            <a:r>
-              <a:rPr lang="zh-CN" altLang="en-US" dirty="0" smtClean="0"/>
-              <a:t>这一层就处理掉。</a:t>
-            </a:r>
-          </a:p>
-        </p:txBody>
-      </p:sp>
-      <p:sp>
-        <p:nvSpPr>
-          <p:cNvPr id="3" name="TextBox 2"/>
-          <p:cNvSpPr txBox="1"/>
-          <p:nvPr/>
-        </p:nvSpPr>
-        <p:spPr>
-          <a:xfrm>
-            <a:off x="6922168" y="230188"/>
-            <a:ext cx="5269832" cy="1323439"/>
-          </a:xfrm>
-          <a:prstGeom prst="rect">
-            <a:avLst/>
-          </a:prstGeom>
-          <a:noFill/>
-        </p:spPr>
-        <p:txBody>
-          <a:bodyPr wrap="square" rtlCol="0">
-            <a:spAutoFit/>
-          </a:bodyPr>
-          <a:lstStyle/>
-          <a:p>
-            <a:r>
-              <a:rPr lang="zh-CN" altLang="en-US" sz="1600" dirty="0"/>
-              <a:t>完整的主机名，如 </a:t>
-            </a:r>
-            <a:r>
-              <a:rPr lang="en-US" altLang="zh-CN" sz="1600" dirty="0" err="1"/>
-              <a:t>api.lufficc.com</a:t>
-            </a:r>
-            <a:r>
-              <a:rPr lang="zh-CN" altLang="en-US" sz="1600" dirty="0"/>
+              <a:rPr lang="zh-CN" altLang="en-US" dirty="0"/>
+              <a:t>在</a:t>
+            </a:r>
+            <a:r>
+              <a:rPr lang="en-US" altLang="zh-CN" dirty="0" err="1"/>
+              <a:t>OpenBSD</a:t>
+            </a:r>
+            <a:r>
+              <a:rPr lang="zh-CN" altLang="en-US" dirty="0"/>
+              <a:t>或</a:t>
+            </a:r>
+            <a:r>
+              <a:rPr lang="en-US" altLang="zh-CN" dirty="0"/>
+              <a:t>FreeBSD</a:t>
+            </a:r>
+            <a:r>
+              <a:rPr lang="zh-CN" altLang="en-US" dirty="0"/>
+              <a:t>操作系统上采用类似于</a:t>
+            </a:r>
+            <a:r>
+              <a:rPr lang="en-US" altLang="zh-CN" dirty="0" err="1"/>
+              <a:t>epoll</a:t>
+            </a:r>
+            <a:r>
+              <a:rPr lang="zh-CN" altLang="en-US" dirty="0"/>
+              <a:t>的高效事件模型</a:t>
+            </a:r>
+            <a:r>
+              <a:rPr lang="en-US" altLang="zh-CN" dirty="0" err="1"/>
+              <a:t>kqueue</a:t>
+            </a:r>
+            <a:r>
+              <a:rPr lang="zh-CN" altLang="en-US" dirty="0"/>
+              <a:t>。在操作系统不支持这些高效模型时才使用</a:t>
+            </a:r>
+            <a:r>
+              <a:rPr lang="en-US" altLang="zh-CN" dirty="0"/>
+              <a:t>select</a:t>
+            </a:r>
+            <a:r>
+              <a:rPr lang="zh-CN" altLang="en-US" dirty="0"/>
               <a:t>。</a:t>
             </a:r>
           </a:p>
           <a:p>
-            <a:r>
-              <a:rPr lang="zh-CN" altLang="en-US" sz="1600" dirty="0"/>
-              <a:t>最长的，且以 * 开头的通配名，如：*</a:t>
-            </a:r>
-            <a:r>
-              <a:rPr lang="en-US" altLang="zh-CN" sz="1600" dirty="0"/>
-              <a:t>.</a:t>
-            </a:r>
-            <a:r>
-              <a:rPr lang="en-US" altLang="zh-CN" sz="1600" dirty="0" err="1"/>
-              <a:t>lufficc.com</a:t>
-            </a:r>
-            <a:r>
-              <a:rPr lang="zh-CN" altLang="en-US" sz="1600" dirty="0"/>
-              <a:t>。</a:t>
-            </a:r>
-          </a:p>
-          <a:p>
-            <a:r>
-              <a:rPr lang="zh-CN" altLang="en-US" sz="1600" dirty="0"/>
-              <a:t>最长的，且以 * 结尾的通配名，如：</a:t>
-            </a:r>
-            <a:r>
-              <a:rPr lang="en-US" altLang="zh-CN" sz="1600" dirty="0" err="1"/>
-              <a:t>api</a:t>
-            </a:r>
-            <a:r>
-              <a:rPr lang="en-US" altLang="zh-CN" sz="1600" dirty="0"/>
-              <a:t>.* </a:t>
-            </a:r>
-            <a:r>
-              <a:rPr lang="zh-CN" altLang="en-US" sz="1600" dirty="0"/>
-              <a:t>。</a:t>
-            </a:r>
-          </a:p>
-          <a:p>
-            <a:r>
-              <a:rPr lang="zh-CN" altLang="en-US" sz="1600" dirty="0"/>
-              <a:t>第一个匹配的正则表达式。（按照配置文件中的顺序）</a:t>
-            </a:r>
-          </a:p>
-          <a:p>
-            <a:r>
-              <a:rPr lang="zh-CN" altLang="en-US" sz="1600" dirty="0"/>
-              <a:t>即优先级：</a:t>
-            </a:r>
-            <a:r>
-              <a:rPr lang="en-US" altLang="zh-CN" sz="1600" dirty="0" err="1"/>
-              <a:t>api.lufficc.com</a:t>
-            </a:r>
-            <a:r>
-              <a:rPr lang="en-US" altLang="zh-CN" sz="1600" dirty="0"/>
-              <a:t> &gt; *.</a:t>
-            </a:r>
-            <a:r>
-              <a:rPr lang="en-US" altLang="zh-CN" sz="1600" dirty="0" err="1"/>
-              <a:t>lufficc.com</a:t>
-            </a:r>
-            <a:r>
-              <a:rPr lang="en-US" altLang="zh-CN" sz="1600" dirty="0"/>
-              <a:t> &gt; </a:t>
-            </a:r>
-            <a:r>
-              <a:rPr lang="en-US" altLang="zh-CN" sz="1600" dirty="0" err="1"/>
-              <a:t>api</a:t>
-            </a:r>
-            <a:r>
-              <a:rPr lang="en-US" altLang="zh-CN" sz="1600" dirty="0"/>
-              <a:t>.* &gt; </a:t>
-            </a:r>
-            <a:r>
-              <a:rPr lang="zh-CN" altLang="en-US" sz="1600" dirty="0"/>
-              <a:t>正则。</a:t>
-            </a:r>
+            <a:endParaRPr lang="en-US" dirty="0"/>
           </a:p>
         </p:txBody>
       </p:sp>
     </p:spTree>
     <p:extLst>
       <p:ext uri="{BB962C8B-B14F-4D97-AF65-F5344CB8AC3E}">
-        <p14:creationId xmlns:p14="http://schemas.microsoft.com/office/powerpoint/2010/main" val="1099231592"/>
+        <p14:creationId xmlns:p14="http://schemas.microsoft.com/office/powerpoint/2010/main" val="1769773681"/>
       </p:ext>
     </p:extLst>
   </p:cSld>
@@ -7551,238 +7212,185 @@
           <a:p>
             <a:r>
               <a:rPr lang="en-US" b="1" dirty="0" err="1"/>
-              <a:t>server虚拟主机</a:t>
-            </a:r>
-            <a:r>
-              <a:rPr lang="en-US" b="1" dirty="0"/>
-              <a:t/>
+              <a:t>http</a:t>
+            </a:r>
+            <a:r>
+              <a:rPr lang="en-US" b="1" dirty="0" err="1" smtClean="0"/>
+              <a:t>服务器</a:t>
+            </a:r>
+            <a:endParaRPr lang="en-US" dirty="0"/>
+          </a:p>
+        </p:txBody>
+      </p:sp>
+      <p:sp>
+        <p:nvSpPr>
+          <p:cNvPr id="3" name="Content Placeholder 2"/>
+          <p:cNvSpPr>
+            <a:spLocks noGrp="1"/>
+          </p:cNvSpPr>
+          <p:nvPr>
+            <p:ph idx="1"/>
+          </p:nvPr>
+        </p:nvSpPr>
+        <p:spPr/>
+        <p:txBody>
+          <a:bodyPr>
+            <a:normAutofit fontScale="70000" lnSpcReduction="20000"/>
+          </a:bodyPr>
+          <a:lstStyle/>
+          <a:p>
+            <a:r>
+              <a:rPr lang="en-US" altLang="zh-CN" dirty="0" err="1"/>
+              <a:t>sendfile</a:t>
+            </a:r>
+            <a:r>
+              <a:rPr lang="en-US" altLang="zh-CN" dirty="0"/>
+              <a:t> on</a:t>
             </a:r>
             <a:br>
-              <a:rPr lang="en-US" b="1" dirty="0"/>
+              <a:rPr lang="en-US" altLang="zh-CN" dirty="0"/>
             </a:br>
-            <a:endParaRPr lang="en-US" dirty="0"/>
-          </a:p>
-        </p:txBody>
-      </p:sp>
-      <p:sp>
-        <p:nvSpPr>
-          <p:cNvPr id="3" name="Content Placeholder 2"/>
-          <p:cNvSpPr>
-            <a:spLocks noGrp="1"/>
-          </p:cNvSpPr>
-          <p:nvPr>
-            <p:ph idx="1"/>
-          </p:nvPr>
-        </p:nvSpPr>
-        <p:spPr/>
-        <p:txBody>
-          <a:bodyPr>
-            <a:normAutofit fontScale="92500" lnSpcReduction="20000"/>
-          </a:bodyPr>
-          <a:lstStyle/>
-          <a:p>
-            <a:r>
-              <a:rPr lang="en-US" altLang="zh-CN" dirty="0"/>
-              <a:t>http</a:t>
-            </a:r>
-            <a:r>
-              <a:rPr lang="zh-CN" altLang="en-US" dirty="0"/>
-              <a:t>服务上支持若干虚拟主机。每个虚拟主机一个对应的</a:t>
-            </a:r>
-            <a:r>
-              <a:rPr lang="en-US" altLang="zh-CN" dirty="0"/>
-              <a:t>server</a:t>
-            </a:r>
-            <a:r>
-              <a:rPr lang="zh-CN" altLang="en-US" dirty="0"/>
-              <a:t>配置项，配置项里面包含该虚拟主机相关的配置。在提供</a:t>
-            </a:r>
-            <a:r>
-              <a:rPr lang="en-US" altLang="zh-CN" dirty="0"/>
-              <a:t>mail</a:t>
-            </a:r>
-            <a:r>
-              <a:rPr lang="zh-CN" altLang="en-US" dirty="0"/>
-              <a:t>服务的代理时，也可以建立若干</a:t>
-            </a:r>
-            <a:r>
-              <a:rPr lang="en-US" altLang="zh-CN" dirty="0"/>
-              <a:t>server</a:t>
-            </a:r>
-            <a:r>
-              <a:rPr lang="zh-CN" altLang="en-US" dirty="0"/>
-              <a:t>。每个</a:t>
-            </a:r>
-            <a:r>
-              <a:rPr lang="en-US" altLang="zh-CN" dirty="0"/>
-              <a:t>server</a:t>
-            </a:r>
-            <a:r>
-              <a:rPr lang="zh-CN" altLang="en-US" dirty="0"/>
-              <a:t>通过监听地址或端口来区分。</a:t>
-            </a:r>
-          </a:p>
-          <a:p>
-            <a:r>
-              <a:rPr lang="en-US" altLang="zh-CN" dirty="0"/>
-              <a:t>listen</a:t>
+            <a:r>
+              <a:rPr lang="zh-CN" altLang="en-US" dirty="0"/>
+              <a:t>开启高效文件传输模式，</a:t>
+            </a:r>
+            <a:r>
+              <a:rPr lang="en-US" altLang="zh-CN" dirty="0" err="1"/>
+              <a:t>sendfile</a:t>
+            </a:r>
+            <a:r>
+              <a:rPr lang="zh-CN" altLang="en-US" dirty="0"/>
+              <a:t>指令指定</a:t>
+            </a:r>
+            <a:r>
+              <a:rPr lang="en-US" altLang="zh-CN" dirty="0" err="1"/>
+              <a:t>nginx</a:t>
+            </a:r>
+            <a:r>
+              <a:rPr lang="zh-CN" altLang="en-US" dirty="0"/>
+              <a:t>是否调用</a:t>
+            </a:r>
+            <a:r>
+              <a:rPr lang="en-US" altLang="zh-CN" dirty="0" err="1"/>
+              <a:t>sendfile</a:t>
+            </a:r>
+            <a:r>
+              <a:rPr lang="zh-CN" altLang="en-US" dirty="0"/>
+              <a:t>函数来输出文件，减少用户空间到内核空间的上下文切换。对于普通应用设为 </a:t>
+            </a:r>
+            <a:r>
+              <a:rPr lang="en-US" altLang="zh-CN" dirty="0"/>
+              <a:t>on</a:t>
+            </a:r>
+            <a:r>
+              <a:rPr lang="zh-CN" altLang="en-US" dirty="0"/>
+              <a:t>，如果用来进行下载等应用磁盘</a:t>
+            </a:r>
+            <a:r>
+              <a:rPr lang="en-US" altLang="zh-CN" dirty="0"/>
+              <a:t>IO</a:t>
+            </a:r>
+            <a:r>
+              <a:rPr lang="zh-CN" altLang="en-US" dirty="0"/>
+              <a:t>重负载应用，可设置为</a:t>
+            </a:r>
+            <a:r>
+              <a:rPr lang="en-US" altLang="zh-CN" dirty="0"/>
+              <a:t>off</a:t>
+            </a:r>
+            <a:r>
+              <a:rPr lang="zh-CN" altLang="en-US" dirty="0"/>
+              <a:t>，以平衡磁盘与网络</a:t>
+            </a:r>
+            <a:r>
+              <a:rPr lang="en-US" altLang="zh-CN" dirty="0"/>
+              <a:t>I/O</a:t>
+            </a:r>
+            <a:r>
+              <a:rPr lang="zh-CN" altLang="en-US" dirty="0"/>
+              <a:t>处理速度，降低系统的负载。</a:t>
+            </a:r>
+          </a:p>
+          <a:p>
+            <a:r>
+              <a:rPr lang="en-US" altLang="zh-CN" dirty="0" err="1"/>
+              <a:t>keepalive_timeout</a:t>
+            </a:r>
+            <a:r>
+              <a:rPr lang="en-US" altLang="zh-CN" dirty="0"/>
+              <a:t> 65 : </a:t>
+            </a:r>
+            <a:r>
+              <a:rPr lang="zh-CN" altLang="en-US" dirty="0"/>
+              <a:t>长连接超时时间，单位是秒，这个参数很敏感，涉及浏览器的种类、后端服务器的超时设置、操作系统的设置，可以另外起一片文章了。长连接请求大量小文件的时候，可以减少重建连接的开销，但假如有大文件上传，</a:t>
+            </a:r>
+            <a:r>
+              <a:rPr lang="en-US" altLang="zh-CN" dirty="0"/>
+              <a:t>65s</a:t>
+            </a:r>
+            <a:r>
+              <a:rPr lang="zh-CN" altLang="en-US" dirty="0"/>
+              <a:t>内没上传完成会导致失败。如果设置时间过长，用户又多，长时间保持连接会占用大量资源。</a:t>
+            </a:r>
+          </a:p>
+          <a:p>
+            <a:r>
+              <a:rPr lang="en-US" altLang="zh-CN" dirty="0" err="1"/>
+              <a:t>send_timeout</a:t>
+            </a:r>
+            <a:r>
+              <a:rPr lang="en-US" altLang="zh-CN" dirty="0"/>
+              <a:t> : </a:t>
+            </a:r>
+            <a:r>
+              <a:rPr lang="zh-CN" altLang="en-US" dirty="0"/>
+              <a:t>用于指定响应客户端的超时时间。这个超时仅限于两个连接活动之间的时间，如果超过这个时间，客户端没有任何活动，</a:t>
+            </a:r>
+            <a:r>
+              <a:rPr lang="en-US" altLang="zh-CN" dirty="0"/>
+              <a:t>Nginx</a:t>
+            </a:r>
+            <a:r>
+              <a:rPr lang="zh-CN" altLang="en-US" dirty="0"/>
+              <a:t>将会关闭连接。</a:t>
+            </a:r>
+          </a:p>
+          <a:p>
+            <a:r>
+              <a:rPr lang="en-US" altLang="zh-CN" dirty="0" err="1"/>
+              <a:t>client_max_body_size</a:t>
+            </a:r>
+            <a:r>
+              <a:rPr lang="en-US" altLang="zh-CN" dirty="0"/>
+              <a:t> 10m</a:t>
             </a:r>
             <a:br>
               <a:rPr lang="en-US" altLang="zh-CN" dirty="0"/>
             </a:br>
             <a:r>
               <a:rPr lang="zh-CN" altLang="en-US" dirty="0"/>
-              <a:t>监听端口，默认</a:t>
-            </a:r>
-            <a:r>
-              <a:rPr lang="en-US" altLang="zh-CN" dirty="0"/>
-              <a:t>80</a:t>
-            </a:r>
-            <a:r>
-              <a:rPr lang="zh-CN" altLang="en-US" dirty="0"/>
-              <a:t>，小于</a:t>
-            </a:r>
-            <a:r>
-              <a:rPr lang="en-US" altLang="zh-CN" dirty="0"/>
-              <a:t>1024</a:t>
-            </a:r>
-            <a:r>
-              <a:rPr lang="zh-CN" altLang="en-US" dirty="0"/>
-              <a:t>的要以</a:t>
-            </a:r>
-            <a:r>
-              <a:rPr lang="en-US" altLang="zh-CN" dirty="0"/>
-              <a:t>root</a:t>
-            </a:r>
-            <a:r>
-              <a:rPr lang="zh-CN" altLang="en-US" dirty="0"/>
-              <a:t>启动。可以为</a:t>
-            </a:r>
-            <a:r>
-              <a:rPr lang="en-US" altLang="zh-CN" dirty="0"/>
-              <a:t>listen *:80</a:t>
-            </a:r>
-            <a:r>
-              <a:rPr lang="zh-CN" altLang="en-US" dirty="0"/>
-              <a:t>、</a:t>
-            </a:r>
-            <a:r>
-              <a:rPr lang="en-US" altLang="zh-CN" dirty="0"/>
-              <a:t>listen 127.0.0.1:80</a:t>
-            </a:r>
-            <a:r>
-              <a:rPr lang="zh-CN" altLang="en-US" dirty="0"/>
-              <a:t>等形式。</a:t>
+              <a:t>允许客户端请求的最大单文件字节数。如果有上传较大文件，请设置它的限制值</a:t>
             </a:r>
           </a:p>
           <a:p>
             <a:r>
               <a:rPr lang="en-US" altLang="zh-CN" dirty="0" err="1"/>
-              <a:t>server_name</a:t>
-            </a:r>
-            <a:r>
-              <a:rPr lang="en-US" altLang="zh-CN" dirty="0"/>
-              <a:t/>
+              <a:t>client_body_buffer_size</a:t>
+            </a:r>
+            <a:r>
+              <a:rPr lang="en-US" altLang="zh-CN" dirty="0"/>
+              <a:t> 128k</a:t>
             </a:r>
             <a:br>
               <a:rPr lang="en-US" altLang="zh-CN" dirty="0"/>
             </a:br>
             <a:r>
               <a:rPr lang="zh-CN" altLang="en-US" dirty="0"/>
-              <a:t>服务器名，如</a:t>
-            </a:r>
-            <a:r>
-              <a:rPr lang="en-US" altLang="zh-CN" dirty="0"/>
-              <a:t>localhost</a:t>
-            </a:r>
-            <a:r>
-              <a:rPr lang="zh-CN" altLang="en-US" dirty="0"/>
-              <a:t>、</a:t>
-            </a:r>
-            <a:r>
-              <a:rPr lang="en-US" altLang="zh-CN" dirty="0" err="1"/>
-              <a:t>www.example.com</a:t>
-            </a:r>
-            <a:r>
-              <a:rPr lang="zh-CN" altLang="en-US" dirty="0"/>
-              <a:t>，可以通过正则匹配。</a:t>
-            </a:r>
-          </a:p>
-          <a:p>
-            <a:r>
-              <a:rPr lang="zh-CN" altLang="en-US" b="1" dirty="0"/>
-              <a:t>模块</a:t>
-            </a:r>
-            <a:r>
-              <a:rPr lang="en-US" altLang="zh-CN" b="1" dirty="0" err="1"/>
-              <a:t>http_stream</a:t>
-            </a:r>
-            <a:r>
-              <a:rPr lang="zh-CN" altLang="en-US" dirty="0"/>
-              <a:t/>
-            </a:r>
-            <a:br>
-              <a:rPr lang="zh-CN" altLang="en-US" dirty="0"/>
-            </a:br>
-            <a:r>
-              <a:rPr lang="zh-CN" altLang="en-US" dirty="0"/>
-              <a:t>这个模块通过一个简单的调度算法来实现客户端</a:t>
-            </a:r>
-            <a:r>
-              <a:rPr lang="en-US" altLang="zh-CN" dirty="0"/>
-              <a:t>IP</a:t>
-            </a:r>
-            <a:r>
-              <a:rPr lang="zh-CN" altLang="en-US" dirty="0"/>
-              <a:t>到后端服务器的负载均衡，</a:t>
-            </a:r>
-            <a:r>
-              <a:rPr lang="en-US" altLang="zh-CN" dirty="0"/>
-              <a:t>upstream</a:t>
-            </a:r>
-            <a:r>
-              <a:rPr lang="zh-CN" altLang="en-US" dirty="0"/>
-              <a:t>后接负载均衡器的名字，后端</a:t>
-            </a:r>
-            <a:r>
-              <a:rPr lang="en-US" altLang="zh-CN" dirty="0" err="1"/>
-              <a:t>realserver</a:t>
-            </a:r>
-            <a:r>
-              <a:rPr lang="zh-CN" altLang="en-US" dirty="0"/>
-              <a:t>以 </a:t>
-            </a:r>
-            <a:r>
-              <a:rPr lang="en-US" altLang="zh-CN" dirty="0" err="1"/>
-              <a:t>host:port</a:t>
-            </a:r>
-            <a:r>
-              <a:rPr lang="en-US" altLang="zh-CN" dirty="0"/>
-              <a:t> options; </a:t>
-            </a:r>
-            <a:r>
-              <a:rPr lang="zh-CN" altLang="en-US" dirty="0"/>
-              <a:t>方式组织在 </a:t>
-            </a:r>
-            <a:r>
-              <a:rPr lang="en-US" altLang="zh-CN" dirty="0"/>
-              <a:t>{} </a:t>
-            </a:r>
-            <a:r>
-              <a:rPr lang="zh-CN" altLang="en-US" dirty="0"/>
-              <a:t>中。如果后端被代理的只有一台，也可以直接写在 </a:t>
-            </a:r>
-            <a:r>
-              <a:rPr lang="en-US" altLang="zh-CN" dirty="0" err="1"/>
-              <a:t>proxy_pass</a:t>
-            </a:r>
-            <a:r>
-              <a:rPr lang="en-US" altLang="zh-CN" dirty="0"/>
-              <a:t> </a:t>
-            </a:r>
-            <a:r>
-              <a:rPr lang="zh-CN" altLang="en-US" dirty="0" smtClean="0"/>
-              <a:t>。</a:t>
+              <a:t>缓冲区代理缓冲用户端请求的最大字节</a:t>
+            </a:r>
+            <a:r>
+              <a:rPr lang="zh-CN" altLang="en-US" dirty="0" smtClean="0"/>
+              <a:t>数</a:t>
             </a:r>
             <a:endParaRPr lang="zh-CN" altLang="en-US" dirty="0"/>
           </a:p>
@@ -7791,7 +7399,7 @@
     </p:spTree>
     <p:extLst>
       <p:ext uri="{BB962C8B-B14F-4D97-AF65-F5344CB8AC3E}">
-        <p14:creationId xmlns:p14="http://schemas.microsoft.com/office/powerpoint/2010/main" val="218050768"/>
+        <p14:creationId xmlns:p14="http://schemas.microsoft.com/office/powerpoint/2010/main" val="2111715822"/>
       </p:ext>
     </p:extLst>
   </p:cSld>
@@ -7834,8 +7442,8 @@
           <a:lstStyle/>
           <a:p>
             <a:r>
-              <a:rPr lang="en-US" b="1" dirty="0" smtClean="0"/>
-              <a:t>location</a:t>
+              <a:rPr lang="en-US" b="1" dirty="0" err="1"/>
+              <a:t>http_proxy</a:t>
             </a:r>
             <a:endParaRPr lang="en-US" dirty="0"/>
           </a:p>
@@ -7854,137 +7462,319 @@
         <p:spPr/>
         <p:txBody>
           <a:bodyPr>
-            <a:normAutofit fontScale="92500" lnSpcReduction="10000"/>
+            <a:normAutofit fontScale="55000" lnSpcReduction="20000"/>
           </a:bodyPr>
           <a:lstStyle/>
           <a:p>
             <a:r>
-              <a:rPr lang="en-US" dirty="0" err="1"/>
-              <a:t>http服务中，某些特定的URL对应的一系列配置项</a:t>
-            </a:r>
-            <a:r>
-              <a:rPr lang="en-US" dirty="0"/>
-              <a:t>。</a:t>
-            </a:r>
-          </a:p>
-          <a:p>
-            <a:r>
-              <a:rPr lang="en-US" dirty="0"/>
-              <a:t>root /</a:t>
-            </a:r>
-            <a:r>
-              <a:rPr lang="en-US" dirty="0" err="1"/>
-              <a:t>var</a:t>
-            </a:r>
-            <a:r>
-              <a:rPr lang="en-US" dirty="0"/>
-              <a:t>/www/html</a:t>
-            </a:r>
-            <a:br>
-              <a:rPr lang="en-US" dirty="0"/>
-            </a:br>
-            <a:r>
-              <a:rPr lang="en-US" dirty="0"/>
-              <a:t>定义服务器的默认网站根目录位置。如果locationURL匹配的是子目录或文件，root没什么作用，一般放在server指令里面或/下。</a:t>
-            </a:r>
-          </a:p>
-          <a:p>
-            <a:r>
-              <a:rPr lang="en-US" dirty="0"/>
-              <a:t>index </a:t>
-            </a:r>
-            <a:r>
-              <a:rPr lang="en-US" dirty="0" err="1"/>
-              <a:t>index.jsp</a:t>
-            </a:r>
-            <a:r>
-              <a:rPr lang="en-US" dirty="0"/>
-              <a:t> </a:t>
-            </a:r>
-            <a:r>
-              <a:rPr lang="en-US" dirty="0" err="1"/>
-              <a:t>index.html</a:t>
-            </a:r>
-            <a:r>
-              <a:rPr lang="en-US" dirty="0"/>
-              <a:t> </a:t>
-            </a:r>
-            <a:r>
-              <a:rPr lang="en-US" dirty="0" err="1"/>
-              <a:t>index.htm</a:t>
-            </a:r>
-            <a:r>
-              <a:rPr lang="en-US" dirty="0"/>
-              <a:t/>
-            </a:r>
-            <a:br>
-              <a:rPr lang="en-US" dirty="0"/>
-            </a:br>
-            <a:r>
-              <a:rPr lang="en-US" dirty="0" err="1"/>
-              <a:t>定义路径下默认访问的文件名，一般跟着root放</a:t>
-            </a:r>
-            <a:endParaRPr lang="en-US" dirty="0"/>
-          </a:p>
-          <a:p>
-            <a:r>
-              <a:rPr lang="en-US" dirty="0" err="1"/>
-              <a:t>proxy_pass</a:t>
-            </a:r>
-            <a:r>
-              <a:rPr lang="en-US" dirty="0"/>
-              <a:t> http:/backend</a:t>
-            </a:r>
-            <a:br>
-              <a:rPr lang="en-US" dirty="0"/>
-            </a:br>
-            <a:r>
-              <a:rPr lang="en-US" dirty="0" err="1"/>
-              <a:t>请求转向backend定义的服务器列表，即反向代理，对应upstream负载均衡器。也可以proxy_pass</a:t>
-            </a:r>
-            <a:r>
-              <a:rPr lang="en-US" dirty="0"/>
-              <a:t> http://</a:t>
-            </a:r>
-            <a:r>
-              <a:rPr lang="en-US" dirty="0" err="1"/>
-              <a:t>ip:port</a:t>
-            </a:r>
-            <a:r>
-              <a:rPr lang="en-US" dirty="0"/>
-              <a:t>。</a:t>
-            </a:r>
-          </a:p>
-          <a:p>
-            <a:r>
-              <a:rPr lang="en-US" dirty="0" err="1" smtClean="0"/>
-              <a:t>关于</a:t>
-            </a:r>
-            <a:r>
-              <a:rPr lang="en-US" dirty="0" err="1"/>
-              <a:t>location匹配规则的写法，可以说尤为关键且基础的，参考文章</a:t>
-            </a:r>
-            <a:r>
-              <a:rPr lang="en-US" dirty="0"/>
-              <a:t> </a:t>
-            </a:r>
-            <a:r>
-              <a:rPr lang="en-US" dirty="0">
+              <a:rPr lang="zh-CN" altLang="en-US" dirty="0"/>
+              <a:t>这个模块实现的是</a:t>
+            </a:r>
+            <a:r>
+              <a:rPr lang="en-US" altLang="zh-CN" dirty="0" err="1"/>
+              <a:t>nginx</a:t>
+            </a:r>
+            <a:r>
+              <a:rPr lang="zh-CN" altLang="en-US" dirty="0"/>
+              <a:t>作为反向代理服务器的功能，包括缓存功能（另见</a:t>
+            </a:r>
+            <a:r>
+              <a:rPr lang="zh-CN" altLang="en-US" dirty="0">
                 <a:hlinkClick r:id="rId2"/>
               </a:rPr>
-              <a:t>nginx配置location总结及rewrite规则写法</a:t>
-            </a:r>
-            <a:r>
-              <a:rPr lang="en-US" dirty="0"/>
-              <a:t>;</a:t>
-            </a:r>
+              <a:t>文章</a:t>
+            </a:r>
+            <a:r>
+              <a:rPr lang="zh-CN" altLang="en-US" dirty="0"/>
+              <a:t>）</a:t>
+            </a:r>
+          </a:p>
+          <a:p>
+            <a:r>
+              <a:rPr lang="en-US" altLang="zh-CN" dirty="0" err="1"/>
+              <a:t>proxy_connect_timeout</a:t>
+            </a:r>
+            <a:r>
+              <a:rPr lang="en-US" altLang="zh-CN" dirty="0"/>
+              <a:t> 60</a:t>
+            </a:r>
+            <a:br>
+              <a:rPr lang="en-US" altLang="zh-CN" dirty="0"/>
+            </a:br>
+            <a:r>
+              <a:rPr lang="en-US" altLang="zh-CN" dirty="0" err="1"/>
+              <a:t>nginx</a:t>
+            </a:r>
+            <a:r>
+              <a:rPr lang="zh-CN" altLang="en-US" dirty="0"/>
+              <a:t>跟后端服务器连接超时时间</a:t>
+            </a:r>
+            <a:r>
+              <a:rPr lang="en-US" altLang="zh-CN" dirty="0"/>
+              <a:t>(</a:t>
+            </a:r>
+            <a:r>
+              <a:rPr lang="zh-CN" altLang="en-US" dirty="0"/>
+              <a:t>代理连接超时</a:t>
+            </a:r>
+            <a:r>
+              <a:rPr lang="en-US" altLang="zh-CN" dirty="0"/>
+              <a:t>)</a:t>
+            </a:r>
+          </a:p>
+          <a:p>
+            <a:r>
+              <a:rPr lang="en-US" altLang="zh-CN" dirty="0" err="1"/>
+              <a:t>proxy_read_timeout</a:t>
+            </a:r>
+            <a:r>
+              <a:rPr lang="en-US" altLang="zh-CN" dirty="0"/>
+              <a:t> 60</a:t>
+            </a:r>
+            <a:br>
+              <a:rPr lang="en-US" altLang="zh-CN" dirty="0"/>
+            </a:br>
+            <a:r>
+              <a:rPr lang="zh-CN" altLang="en-US" dirty="0"/>
+              <a:t>连接成功后，与后端服务器两个成功的响应操作之间超时时间</a:t>
+            </a:r>
+            <a:r>
+              <a:rPr lang="en-US" altLang="zh-CN" dirty="0"/>
+              <a:t>(</a:t>
+            </a:r>
+            <a:r>
+              <a:rPr lang="zh-CN" altLang="en-US" dirty="0"/>
+              <a:t>代理接收超时</a:t>
+            </a:r>
+            <a:r>
+              <a:rPr lang="en-US" altLang="zh-CN" dirty="0"/>
+              <a:t>)</a:t>
+            </a:r>
+          </a:p>
+          <a:p>
+            <a:r>
+              <a:rPr lang="en-US" altLang="zh-CN" dirty="0" err="1"/>
+              <a:t>proxy_buffer_size</a:t>
+            </a:r>
+            <a:r>
+              <a:rPr lang="en-US" altLang="zh-CN" dirty="0"/>
+              <a:t> 4k</a:t>
+            </a:r>
+            <a:br>
+              <a:rPr lang="en-US" altLang="zh-CN" dirty="0"/>
+            </a:br>
+            <a:r>
+              <a:rPr lang="zh-CN" altLang="en-US" dirty="0"/>
+              <a:t>设置代理服务器（</a:t>
+            </a:r>
+            <a:r>
+              <a:rPr lang="en-US" altLang="zh-CN" dirty="0" err="1"/>
+              <a:t>nginx</a:t>
+            </a:r>
+            <a:r>
+              <a:rPr lang="zh-CN" altLang="en-US" dirty="0"/>
+              <a:t>）从后端</a:t>
+            </a:r>
+            <a:r>
+              <a:rPr lang="en-US" altLang="zh-CN" dirty="0" err="1"/>
+              <a:t>realserver</a:t>
+            </a:r>
+            <a:r>
+              <a:rPr lang="zh-CN" altLang="en-US" dirty="0"/>
+              <a:t>读取并保存用户</a:t>
+            </a:r>
+            <a:r>
+              <a:rPr lang="zh-CN" altLang="en-US" b="1" dirty="0"/>
+              <a:t>头</a:t>
+            </a:r>
+            <a:r>
+              <a:rPr lang="zh-CN" altLang="en-US" dirty="0"/>
+              <a:t>信息的缓冲区大小，默认与</a:t>
+            </a:r>
+            <a:r>
+              <a:rPr lang="en-US" altLang="zh-CN" dirty="0" err="1"/>
+              <a:t>proxy_buffers</a:t>
+            </a:r>
+            <a:r>
+              <a:rPr lang="zh-CN" altLang="en-US" dirty="0"/>
+              <a:t>大小相同，其实可以将这个指令值设的小一点</a:t>
+            </a:r>
+          </a:p>
+          <a:p>
+            <a:r>
+              <a:rPr lang="en-US" altLang="zh-CN" dirty="0" err="1"/>
+              <a:t>proxy_buffers</a:t>
+            </a:r>
+            <a:r>
+              <a:rPr lang="en-US" altLang="zh-CN" dirty="0"/>
+              <a:t> 4 32k</a:t>
+            </a:r>
+            <a:br>
+              <a:rPr lang="en-US" altLang="zh-CN" dirty="0"/>
+            </a:br>
+            <a:r>
+              <a:rPr lang="en-US" altLang="zh-CN" dirty="0" err="1"/>
+              <a:t>proxy_buffers</a:t>
+            </a:r>
+            <a:r>
+              <a:rPr lang="zh-CN" altLang="en-US" dirty="0"/>
+              <a:t>缓冲区，</a:t>
+            </a:r>
+            <a:r>
+              <a:rPr lang="en-US" altLang="zh-CN" dirty="0" err="1"/>
+              <a:t>nginx</a:t>
+            </a:r>
+            <a:r>
+              <a:rPr lang="zh-CN" altLang="en-US" dirty="0"/>
+              <a:t>针对单个连接缓存来自后端</a:t>
+            </a:r>
+            <a:r>
+              <a:rPr lang="en-US" altLang="zh-CN" dirty="0" err="1"/>
+              <a:t>realserver</a:t>
+            </a:r>
+            <a:r>
+              <a:rPr lang="zh-CN" altLang="en-US" dirty="0"/>
+              <a:t>的</a:t>
+            </a:r>
+            <a:r>
+              <a:rPr lang="zh-CN" altLang="en-US" b="1" dirty="0"/>
+              <a:t>响应</a:t>
+            </a:r>
+            <a:r>
+              <a:rPr lang="zh-CN" altLang="en-US" dirty="0"/>
+              <a:t>，网页平均在</a:t>
+            </a:r>
+            <a:r>
+              <a:rPr lang="en-US" altLang="zh-CN" dirty="0"/>
+              <a:t>32k</a:t>
+            </a:r>
+            <a:r>
+              <a:rPr lang="zh-CN" altLang="en-US" dirty="0"/>
+              <a:t>以下的话，这样设置</a:t>
+            </a:r>
+          </a:p>
+          <a:p>
+            <a:r>
+              <a:rPr lang="en-US" altLang="zh-CN" dirty="0" err="1"/>
+              <a:t>proxy_busy_buffers_size</a:t>
+            </a:r>
+            <a:r>
+              <a:rPr lang="en-US" altLang="zh-CN" dirty="0"/>
+              <a:t> 64k</a:t>
+            </a:r>
+            <a:br>
+              <a:rPr lang="en-US" altLang="zh-CN" dirty="0"/>
+            </a:br>
+            <a:r>
+              <a:rPr lang="zh-CN" altLang="en-US" dirty="0"/>
+              <a:t>高负荷下缓冲大小（</a:t>
+            </a:r>
+            <a:r>
+              <a:rPr lang="en-US" altLang="zh-CN" dirty="0" err="1"/>
+              <a:t>proxy_buffers</a:t>
+            </a:r>
+            <a:r>
+              <a:rPr lang="en-US" altLang="zh-CN" dirty="0"/>
+              <a:t>*2</a:t>
+            </a:r>
+            <a:r>
+              <a:rPr lang="zh-CN" altLang="en-US" dirty="0"/>
+              <a:t>）</a:t>
+            </a:r>
+          </a:p>
+          <a:p>
+            <a:r>
+              <a:rPr lang="en-US" altLang="zh-CN" dirty="0" err="1"/>
+              <a:t>proxy_max_temp_file_size</a:t>
+            </a:r>
+            <a:r>
+              <a:rPr lang="en-US" altLang="zh-CN" dirty="0"/>
+              <a:t/>
+            </a:r>
+            <a:br>
+              <a:rPr lang="en-US" altLang="zh-CN" dirty="0"/>
+            </a:br>
+            <a:r>
+              <a:rPr lang="zh-CN" altLang="en-US" dirty="0"/>
+              <a:t>当</a:t>
+            </a:r>
+            <a:r>
+              <a:rPr lang="en-US" altLang="zh-CN" dirty="0" err="1"/>
+              <a:t>proxy_buffers</a:t>
+            </a:r>
+            <a:r>
+              <a:rPr lang="zh-CN" altLang="en-US" dirty="0"/>
+              <a:t>放不下后端服务器的响应内容时，会将一部分保存到硬盘的临时文件中，这个值用来设置最大临时文件大小，默认</a:t>
+            </a:r>
+            <a:r>
+              <a:rPr lang="en-US" altLang="zh-CN" dirty="0"/>
+              <a:t>1024M</a:t>
+            </a:r>
+            <a:r>
+              <a:rPr lang="zh-CN" altLang="en-US" dirty="0"/>
+              <a:t>，它与</a:t>
+            </a:r>
+            <a:r>
+              <a:rPr lang="en-US" altLang="zh-CN" dirty="0" err="1"/>
+              <a:t>proxy_cache</a:t>
+            </a:r>
+            <a:r>
+              <a:rPr lang="zh-CN" altLang="en-US" dirty="0"/>
+              <a:t>没有关系。大于这个值，将从</a:t>
+            </a:r>
+            <a:r>
+              <a:rPr lang="en-US" altLang="zh-CN" dirty="0"/>
+              <a:t>upstream</a:t>
+            </a:r>
+            <a:r>
+              <a:rPr lang="zh-CN" altLang="en-US" dirty="0"/>
+              <a:t>服务器传回。设置为</a:t>
+            </a:r>
+            <a:r>
+              <a:rPr lang="en-US" altLang="zh-CN" dirty="0"/>
+              <a:t>0</a:t>
+            </a:r>
+            <a:r>
+              <a:rPr lang="zh-CN" altLang="en-US" dirty="0"/>
+              <a:t>禁用。</a:t>
+            </a:r>
+          </a:p>
+          <a:p>
+            <a:r>
+              <a:rPr lang="en-US" altLang="zh-CN" dirty="0" err="1"/>
+              <a:t>proxy_temp_file_write_size</a:t>
+            </a:r>
+            <a:r>
+              <a:rPr lang="en-US" altLang="zh-CN" dirty="0"/>
+              <a:t> 64k</a:t>
+            </a:r>
+            <a:br>
+              <a:rPr lang="en-US" altLang="zh-CN" dirty="0"/>
+            </a:br>
+            <a:r>
+              <a:rPr lang="zh-CN" altLang="en-US" dirty="0"/>
+              <a:t>当缓存被代理的服务器响应到临时文件时，这个选项限制每次写临时文件的大小。</a:t>
+            </a:r>
+            <a:r>
+              <a:rPr lang="en-US" altLang="zh-CN" dirty="0" err="1"/>
+              <a:t>proxy_temp_path</a:t>
+            </a:r>
+            <a:r>
+              <a:rPr lang="zh-CN" altLang="en-US" dirty="0"/>
+              <a:t>（可以在编译的时候）指定写到哪那个目录</a:t>
+            </a:r>
+            <a:r>
+              <a:rPr lang="zh-CN" altLang="en-US" dirty="0" smtClean="0"/>
+              <a:t>。</a:t>
+            </a:r>
+            <a:endParaRPr lang="zh-CN" altLang="en-US" dirty="0"/>
           </a:p>
         </p:txBody>
       </p:sp>
     </p:spTree>
     <p:extLst>
       <p:ext uri="{BB962C8B-B14F-4D97-AF65-F5344CB8AC3E}">
-        <p14:creationId xmlns:p14="http://schemas.microsoft.com/office/powerpoint/2010/main" val="1892447420"/>
+        <p14:creationId xmlns:p14="http://schemas.microsoft.com/office/powerpoint/2010/main" val="1729167292"/>
       </p:ext>
     </p:extLst>
   </p:cSld>
@@ -8144,12 +7934,8 @@
           <a:lstStyle/>
           <a:p>
             <a:r>
-              <a:rPr lang="en-US" b="1" dirty="0" err="1"/>
-              <a:t>负载均衡【upstream</a:t>
-            </a:r>
-            <a:r>
-              <a:rPr lang="en-US" b="1" dirty="0" smtClean="0"/>
-              <a:t>】</a:t>
+              <a:rPr lang="zh-CN" altLang="en-US" dirty="0" smtClean="0"/>
+              <a:t>虚拟主机</a:t>
             </a:r>
             <a:endParaRPr lang="en-US" dirty="0"/>
           </a:p>
@@ -8157,7 +7943,7 @@
       </p:sp>
       <p:sp>
         <p:nvSpPr>
-          <p:cNvPr id="3" name="Content Placeholder 2"/>
+          <p:cNvPr id="4" name="Content Placeholder 3"/>
           <p:cNvSpPr>
             <a:spLocks noGrp="1"/>
           </p:cNvSpPr>
@@ -8168,67 +7954,28 @@
         <p:spPr/>
         <p:txBody>
           <a:bodyPr>
-            <a:normAutofit fontScale="92500" lnSpcReduction="10000"/>
+            <a:normAutofit/>
           </a:bodyPr>
           <a:lstStyle/>
           <a:p>
             <a:r>
               <a:rPr lang="zh-CN" altLang="en-US" dirty="0" smtClean="0"/>
-              <a:t>反向代理中，我们通过</a:t>
-            </a:r>
-            <a:r>
-              <a:rPr lang="en-US" altLang="zh-CN" dirty="0" err="1" smtClean="0"/>
-              <a:t>proxy_pass</a:t>
-            </a:r>
-            <a:r>
-              <a:rPr lang="zh-CN" altLang="en-US" dirty="0" smtClean="0"/>
-              <a:t>来指定</a:t>
+              <a:t>第一：</a:t>
             </a:r>
             <a:r>
               <a:rPr lang="en-US" altLang="zh-CN" dirty="0" smtClean="0"/>
-              <a:t>Tomcat</a:t>
-            </a:r>
-            <a:r>
-              <a:rPr lang="zh-CN" altLang="en-US" dirty="0" smtClean="0"/>
-              <a:t>的地址，很显然我们只能指定一台</a:t>
-            </a:r>
-            <a:r>
-              <a:rPr lang="en-US" altLang="zh-CN" dirty="0" smtClean="0"/>
-              <a:t>Tomcat</a:t>
-            </a:r>
-            <a:r>
-              <a:rPr lang="zh-CN" altLang="en-US" dirty="0" smtClean="0"/>
-              <a:t>地址，那么我们如果想指定多台来达到负载均衡呢？</a:t>
-            </a:r>
-          </a:p>
-          <a:p>
-            <a:r>
-              <a:rPr lang="zh-CN" altLang="en-US" dirty="0" smtClean="0"/>
-              <a:t>第一，通过</a:t>
-            </a:r>
-            <a:r>
-              <a:rPr lang="en-US" altLang="zh-CN" b="1" dirty="0" smtClean="0"/>
-              <a:t>upstream</a:t>
-            </a:r>
-            <a:r>
-              <a:rPr lang="zh-CN" altLang="en-US" dirty="0" smtClean="0"/>
-              <a:t>来定义一组</a:t>
-            </a:r>
-            <a:r>
-              <a:rPr lang="en-US" altLang="zh-CN" dirty="0" smtClean="0"/>
-              <a:t>Tomcat</a:t>
-            </a:r>
-            <a:r>
-              <a:rPr lang="zh-CN" altLang="en-US" dirty="0" smtClean="0"/>
-              <a:t>，并指定负载策略（</a:t>
-            </a:r>
-            <a:r>
-              <a:rPr lang="en-US" altLang="zh-CN" dirty="0" smtClean="0"/>
-              <a:t>IPHASH</a:t>
-            </a:r>
-            <a:r>
-              <a:rPr lang="zh-CN" altLang="en-US" dirty="0" smtClean="0"/>
-              <a:t>、加权论调、最少连接），健康检查策略（</a:t>
+              <a:t>location</a:t>
+            </a:r>
+            <a:r>
+              <a:rPr lang="zh-CN" altLang="en-US" dirty="0" smtClean="0"/>
+              <a:t>可以进行正则匹配，应该注意正则的几种形式以及优先级。</a:t>
+            </a:r>
+            <a:endParaRPr lang="en-US" altLang="zh-CN" dirty="0" smtClean="0"/>
+          </a:p>
+          <a:p>
+            <a:r>
+              <a:rPr lang="zh-CN" altLang="en-US" dirty="0" smtClean="0"/>
+              <a:t>第二：</a:t>
             </a:r>
             <a:r>
               <a:rPr lang="en-US" altLang="zh-CN" dirty="0" smtClean="0"/>
@@ -8236,91 +7983,204 @@
             </a:r>
             <a:r>
               <a:rPr lang="zh-CN" altLang="en-US" dirty="0" smtClean="0"/>
-              <a:t>可以监控这一组</a:t>
+              <a:t>能够提高速度的其中一个特性就是：动静分离，就是把静态资源放到</a:t>
             </a:r>
             <a:r>
               <a:rPr lang="en-US" altLang="zh-CN" dirty="0" smtClean="0"/>
-              <a:t>Tomcat</a:t>
-            </a:r>
-            <a:r>
-              <a:rPr lang="zh-CN" altLang="en-US" dirty="0" smtClean="0"/>
-              <a:t>的状态）等。</a:t>
-            </a:r>
-          </a:p>
-          <a:p>
-            <a:r>
-              <a:rPr lang="zh-CN" altLang="en-US" dirty="0" smtClean="0"/>
-              <a:t>第二，将</a:t>
-            </a:r>
-            <a:r>
-              <a:rPr lang="en-US" altLang="zh-CN" dirty="0" err="1" smtClean="0"/>
-              <a:t>proxy_pass</a:t>
-            </a:r>
-            <a:r>
-              <a:rPr lang="zh-CN" altLang="en-US" dirty="0" smtClean="0"/>
-              <a:t>替换成</a:t>
+              <a:t>Nginx</a:t>
+            </a:r>
+            <a:r>
+              <a:rPr lang="zh-CN" altLang="en-US" dirty="0" smtClean="0"/>
+              <a:t>上，由</a:t>
             </a:r>
             <a:r>
               <a:rPr lang="en-US" altLang="zh-CN" dirty="0" smtClean="0"/>
-              <a:t>upstream</a:t>
-            </a:r>
-            <a:r>
-              <a:rPr lang="zh-CN" altLang="en-US" dirty="0" smtClean="0"/>
-              <a:t>指定的值即可。</a:t>
-            </a:r>
-          </a:p>
-          <a:p>
-            <a:r>
-              <a:rPr lang="zh-CN" altLang="en-US" b="1" dirty="0"/>
-              <a:t>负载均衡可能带来的问题？</a:t>
-            </a:r>
-            <a:endParaRPr lang="zh-CN" altLang="en-US" dirty="0"/>
-          </a:p>
-          <a:p>
-            <a:r>
-              <a:rPr lang="zh-CN" altLang="en-US" dirty="0"/>
-              <a:t>负载均衡所带来的明显的问题是，一个请求，可以到</a:t>
-            </a:r>
-            <a:r>
-              <a:rPr lang="en-US" altLang="zh-CN" dirty="0"/>
-              <a:t>A server</a:t>
-            </a:r>
-            <a:r>
-              <a:rPr lang="zh-CN" altLang="en-US" dirty="0"/>
-              <a:t>，也可以到</a:t>
-            </a:r>
-            <a:r>
-              <a:rPr lang="en-US" altLang="zh-CN" dirty="0"/>
-              <a:t>B server</a:t>
-            </a:r>
-            <a:r>
-              <a:rPr lang="zh-CN" altLang="en-US" dirty="0"/>
-              <a:t>，这完全不受我们的控制，当然这也不是什么问题，只是我们得注意的是：</a:t>
-            </a:r>
-            <a:r>
-              <a:rPr lang="zh-CN" altLang="en-US" b="1" dirty="0"/>
-              <a:t>用户状态的保存问题，如</a:t>
-            </a:r>
-            <a:r>
-              <a:rPr lang="en-US" altLang="zh-CN" b="1" dirty="0"/>
-              <a:t>Session</a:t>
-            </a:r>
-            <a:r>
-              <a:rPr lang="zh-CN" altLang="en-US" b="1" dirty="0"/>
-              <a:t>会话信息，不能在保存到服务器上</a:t>
-            </a:r>
-            <a:r>
-              <a:rPr lang="zh-CN" altLang="en-US" b="1" dirty="0" smtClean="0"/>
+              <a:t>Nginx</a:t>
+            </a:r>
+            <a:r>
+              <a:rPr lang="zh-CN" altLang="en-US" dirty="0" smtClean="0"/>
+              <a:t>管理，动态请求转发给后端。</a:t>
+            </a:r>
+          </a:p>
+          <a:p>
+            <a:r>
+              <a:rPr lang="zh-CN" altLang="en-US" dirty="0" smtClean="0"/>
+              <a:t>第三：我们可以在</a:t>
+            </a:r>
+            <a:r>
+              <a:rPr lang="en-US" altLang="zh-CN" dirty="0" smtClean="0"/>
+              <a:t>Nginx</a:t>
+            </a:r>
+            <a:r>
+              <a:rPr lang="zh-CN" altLang="en-US" dirty="0" smtClean="0"/>
+              <a:t>下把静态资源、日志文件归属到不同域名下（也即是目录），这样方便管理维护。</a:t>
+            </a:r>
+          </a:p>
+          <a:p>
+            <a:r>
+              <a:rPr lang="zh-CN" altLang="en-US" dirty="0" smtClean="0"/>
+              <a:t>第四：</a:t>
+            </a:r>
+            <a:r>
+              <a:rPr lang="en-US" altLang="zh-CN" dirty="0" smtClean="0"/>
+              <a:t>Nginx</a:t>
+            </a:r>
+            <a:r>
+              <a:rPr lang="zh-CN" altLang="en-US" dirty="0" smtClean="0"/>
+              <a:t>可以进行</a:t>
+            </a:r>
+            <a:r>
+              <a:rPr lang="en-US" altLang="zh-CN" dirty="0" smtClean="0"/>
+              <a:t>IP</a:t>
+            </a:r>
+            <a:r>
+              <a:rPr lang="zh-CN" altLang="en-US" dirty="0" smtClean="0"/>
+              <a:t>访问控制，有些电商平台，就可以在</a:t>
+            </a:r>
+            <a:r>
+              <a:rPr lang="en-US" altLang="zh-CN" dirty="0" smtClean="0"/>
+              <a:t>Nginx</a:t>
+            </a:r>
+            <a:r>
+              <a:rPr lang="zh-CN" altLang="en-US" dirty="0" smtClean="0"/>
+              <a:t>这一层，做一下处理，内置一个黑名单模块，那么就不必等请求通过</a:t>
+            </a:r>
+            <a:r>
+              <a:rPr lang="en-US" altLang="zh-CN" dirty="0" smtClean="0"/>
+              <a:t>Nginx</a:t>
+            </a:r>
+            <a:r>
+              <a:rPr lang="zh-CN" altLang="en-US" dirty="0" smtClean="0"/>
+              <a:t>达到后端在进行拦截，而是直接在</a:t>
+            </a:r>
+            <a:r>
+              <a:rPr lang="en-US" altLang="zh-CN" dirty="0" smtClean="0"/>
+              <a:t>Nginx</a:t>
+            </a:r>
+            <a:r>
+              <a:rPr lang="zh-CN" altLang="en-US" dirty="0" smtClean="0"/>
+              <a:t>这一层就处理掉。</a:t>
+            </a:r>
+          </a:p>
+        </p:txBody>
+      </p:sp>
+      <p:sp>
+        <p:nvSpPr>
+          <p:cNvPr id="3" name="TextBox 2"/>
+          <p:cNvSpPr txBox="1"/>
+          <p:nvPr/>
+        </p:nvSpPr>
+        <p:spPr>
+          <a:xfrm>
+            <a:off x="6922168" y="230188"/>
+            <a:ext cx="5269832" cy="1323439"/>
+          </a:xfrm>
+          <a:prstGeom prst="rect">
+            <a:avLst/>
+          </a:prstGeom>
+          <a:noFill/>
+        </p:spPr>
+        <p:txBody>
+          <a:bodyPr wrap="square" rtlCol="0">
+            <a:spAutoFit/>
+          </a:bodyPr>
+          <a:lstStyle/>
+          <a:p>
+            <a:r>
+              <a:rPr lang="zh-CN" altLang="en-US" sz="1600" dirty="0"/>
+              <a:t>完整的主机名，如 </a:t>
+            </a:r>
+            <a:r>
+              <a:rPr lang="en-US" altLang="zh-CN" sz="1600" dirty="0" err="1"/>
+              <a:t>api.lufficc.com</a:t>
+            </a:r>
+            <a:r>
+              <a:rPr lang="zh-CN" altLang="en-US" sz="1600" dirty="0"/>
               <a:t>。</a:t>
             </a:r>
-            <a:endParaRPr lang="zh-CN" altLang="en-US" dirty="0"/>
+          </a:p>
+          <a:p>
+            <a:r>
+              <a:rPr lang="zh-CN" altLang="en-US" sz="1600" dirty="0"/>
+              <a:t>最长的，且以 * 开头的通配名，如：*</a:t>
+            </a:r>
+            <a:r>
+              <a:rPr lang="en-US" altLang="zh-CN" sz="1600" dirty="0"/>
+              <a:t>.</a:t>
+            </a:r>
+            <a:r>
+              <a:rPr lang="en-US" altLang="zh-CN" sz="1600" dirty="0" err="1"/>
+              <a:t>lufficc.com</a:t>
+            </a:r>
+            <a:r>
+              <a:rPr lang="zh-CN" altLang="en-US" sz="1600" dirty="0"/>
+              <a:t>。</a:t>
+            </a:r>
+          </a:p>
+          <a:p>
+            <a:r>
+              <a:rPr lang="zh-CN" altLang="en-US" sz="1600" dirty="0"/>
+              <a:t>最长的，且以 * 结尾的通配名，如：</a:t>
+            </a:r>
+            <a:r>
+              <a:rPr lang="en-US" altLang="zh-CN" sz="1600" dirty="0" err="1"/>
+              <a:t>api</a:t>
+            </a:r>
+            <a:r>
+              <a:rPr lang="en-US" altLang="zh-CN" sz="1600" dirty="0"/>
+              <a:t>.* </a:t>
+            </a:r>
+            <a:r>
+              <a:rPr lang="zh-CN" altLang="en-US" sz="1600" dirty="0"/>
+              <a:t>。</a:t>
+            </a:r>
+          </a:p>
+          <a:p>
+            <a:r>
+              <a:rPr lang="zh-CN" altLang="en-US" sz="1600" dirty="0"/>
+              <a:t>第一个匹配的正则表达式。（按照配置文件中的顺序）</a:t>
+            </a:r>
+          </a:p>
+          <a:p>
+            <a:r>
+              <a:rPr lang="zh-CN" altLang="en-US" sz="1600" dirty="0"/>
+              <a:t>即优先级：</a:t>
+            </a:r>
+            <a:r>
+              <a:rPr lang="en-US" altLang="zh-CN" sz="1600" dirty="0" err="1"/>
+              <a:t>api.lufficc.com</a:t>
+            </a:r>
+            <a:r>
+              <a:rPr lang="en-US" altLang="zh-CN" sz="1600" dirty="0"/>
+              <a:t> &gt; *.</a:t>
+            </a:r>
+            <a:r>
+              <a:rPr lang="en-US" altLang="zh-CN" sz="1600" dirty="0" err="1"/>
+              <a:t>lufficc.com</a:t>
+            </a:r>
+            <a:r>
+              <a:rPr lang="en-US" altLang="zh-CN" sz="1600" dirty="0"/>
+              <a:t> &gt; </a:t>
+            </a:r>
+            <a:r>
+              <a:rPr lang="en-US" altLang="zh-CN" sz="1600" dirty="0" err="1"/>
+              <a:t>api</a:t>
+            </a:r>
+            <a:r>
+              <a:rPr lang="en-US" altLang="zh-CN" sz="1600" dirty="0"/>
+              <a:t>.* &gt; </a:t>
+            </a:r>
+            <a:r>
+              <a:rPr lang="zh-CN" altLang="en-US" sz="1600" dirty="0"/>
+              <a:t>正则。</a:t>
+            </a:r>
           </a:p>
         </p:txBody>
       </p:sp>
     </p:spTree>
     <p:extLst>
       <p:ext uri="{BB962C8B-B14F-4D97-AF65-F5344CB8AC3E}">
-        <p14:creationId xmlns:p14="http://schemas.microsoft.com/office/powerpoint/2010/main" val="772564065"/>
+        <p14:creationId xmlns:p14="http://schemas.microsoft.com/office/powerpoint/2010/main" val="1099231592"/>
       </p:ext>
     </p:extLst>
   </p:cSld>
@@ -8362,7 +8222,18 @@
           <a:bodyPr/>
           <a:lstStyle/>
           <a:p>
-            <a:endParaRPr lang="en-US"/>
+            <a:r>
+              <a:rPr lang="en-US" b="1" dirty="0" err="1"/>
+              <a:t>server虚拟主机</a:t>
+            </a:r>
+            <a:r>
+              <a:rPr lang="en-US" b="1" dirty="0"/>
+              <a:t/>
+            </a:r>
+            <a:br>
+              <a:rPr lang="en-US" b="1" dirty="0"/>
+            </a:br>
+            <a:endParaRPr lang="en-US" dirty="0"/>
           </a:p>
         </p:txBody>
       </p:sp>
@@ -8378,44 +8249,222 @@
         </p:nvSpPr>
         <p:spPr/>
         <p:txBody>
-          <a:bodyPr/>
-          <a:lstStyle/>
-          <a:p>
-            <a:r>
-              <a:rPr lang="is-IS" dirty="0"/>
-              <a:t>upstream favtomcat {      </a:t>
-            </a:r>
-            <a:endParaRPr lang="is-IS" dirty="0" smtClean="0"/>
-          </a:p>
-          <a:p>
-            <a:r>
-              <a:rPr lang="is-IS" dirty="0"/>
-              <a:t>  server 10.0.6.108:7080;       </a:t>
-            </a:r>
-            <a:endParaRPr lang="is-IS" dirty="0" smtClean="0"/>
-          </a:p>
-          <a:p>
-            <a:r>
-              <a:rPr lang="is-IS" dirty="0"/>
-              <a:t> server 10.0.0.85:8980; </a:t>
-            </a:r>
-            <a:endParaRPr lang="is-IS" dirty="0" smtClean="0"/>
-          </a:p>
-          <a:p>
-            <a:r>
-              <a:rPr lang="is-IS" dirty="0" smtClean="0"/>
-              <a:t>}</a:t>
-            </a:r>
-          </a:p>
-          <a:p>
-            <a:endParaRPr lang="en-US" dirty="0"/>
+          <a:bodyPr>
+            <a:normAutofit fontScale="92500" lnSpcReduction="20000"/>
+          </a:bodyPr>
+          <a:lstStyle/>
+          <a:p>
+            <a:r>
+              <a:rPr lang="en-US" altLang="zh-CN" dirty="0"/>
+              <a:t>http</a:t>
+            </a:r>
+            <a:r>
+              <a:rPr lang="zh-CN" altLang="en-US" dirty="0"/>
+              <a:t>服务上支持若干虚拟主机。每个虚拟主机一个对应的</a:t>
+            </a:r>
+            <a:r>
+              <a:rPr lang="en-US" altLang="zh-CN" dirty="0"/>
+              <a:t>server</a:t>
+            </a:r>
+            <a:r>
+              <a:rPr lang="zh-CN" altLang="en-US" dirty="0"/>
+              <a:t>配置项，配置项里面包含该虚拟主机相关的配置。在提供</a:t>
+            </a:r>
+            <a:r>
+              <a:rPr lang="en-US" altLang="zh-CN" dirty="0"/>
+              <a:t>mail</a:t>
+            </a:r>
+            <a:r>
+              <a:rPr lang="zh-CN" altLang="en-US" dirty="0"/>
+              <a:t>服务的代理时，也可以建立若干</a:t>
+            </a:r>
+            <a:r>
+              <a:rPr lang="en-US" altLang="zh-CN" dirty="0"/>
+              <a:t>server</a:t>
+            </a:r>
+            <a:r>
+              <a:rPr lang="zh-CN" altLang="en-US" dirty="0"/>
+              <a:t>。每个</a:t>
+            </a:r>
+            <a:r>
+              <a:rPr lang="en-US" altLang="zh-CN" dirty="0"/>
+              <a:t>server</a:t>
+            </a:r>
+            <a:r>
+              <a:rPr lang="zh-CN" altLang="en-US" dirty="0"/>
+              <a:t>通过监听地址或端口来区分。</a:t>
+            </a:r>
+          </a:p>
+          <a:p>
+            <a:r>
+              <a:rPr lang="en-US" altLang="zh-CN" dirty="0"/>
+              <a:t>listen</a:t>
+            </a:r>
+            <a:br>
+              <a:rPr lang="en-US" altLang="zh-CN" dirty="0"/>
+            </a:br>
+            <a:r>
+              <a:rPr lang="zh-CN" altLang="en-US" dirty="0"/>
+              <a:t>监听端口，默认</a:t>
+            </a:r>
+            <a:r>
+              <a:rPr lang="en-US" altLang="zh-CN" dirty="0"/>
+              <a:t>80</a:t>
+            </a:r>
+            <a:r>
+              <a:rPr lang="zh-CN" altLang="en-US" dirty="0"/>
+              <a:t>，小于</a:t>
+            </a:r>
+            <a:r>
+              <a:rPr lang="en-US" altLang="zh-CN" dirty="0"/>
+              <a:t>1024</a:t>
+            </a:r>
+            <a:r>
+              <a:rPr lang="zh-CN" altLang="en-US" dirty="0"/>
+              <a:t>的要以</a:t>
+            </a:r>
+            <a:r>
+              <a:rPr lang="en-US" altLang="zh-CN" dirty="0"/>
+              <a:t>root</a:t>
+            </a:r>
+            <a:r>
+              <a:rPr lang="zh-CN" altLang="en-US" dirty="0"/>
+              <a:t>启动。可以为</a:t>
+            </a:r>
+            <a:r>
+              <a:rPr lang="en-US" altLang="zh-CN" dirty="0"/>
+              <a:t>listen *:80</a:t>
+            </a:r>
+            <a:r>
+              <a:rPr lang="zh-CN" altLang="en-US" dirty="0"/>
+              <a:t>、</a:t>
+            </a:r>
+            <a:r>
+              <a:rPr lang="en-US" altLang="zh-CN" dirty="0"/>
+              <a:t>listen 127.0.0.1:80</a:t>
+            </a:r>
+            <a:r>
+              <a:rPr lang="zh-CN" altLang="en-US" dirty="0"/>
+              <a:t>等形式。</a:t>
+            </a:r>
+          </a:p>
+          <a:p>
+            <a:r>
+              <a:rPr lang="en-US" altLang="zh-CN" dirty="0" err="1"/>
+              <a:t>server_name</a:t>
+            </a:r>
+            <a:r>
+              <a:rPr lang="en-US" altLang="zh-CN" dirty="0"/>
+              <a:t/>
+            </a:r>
+            <a:br>
+              <a:rPr lang="en-US" altLang="zh-CN" dirty="0"/>
+            </a:br>
+            <a:r>
+              <a:rPr lang="zh-CN" altLang="en-US" dirty="0"/>
+              <a:t>服务器名，如</a:t>
+            </a:r>
+            <a:r>
+              <a:rPr lang="en-US" altLang="zh-CN" dirty="0"/>
+              <a:t>localhost</a:t>
+            </a:r>
+            <a:r>
+              <a:rPr lang="zh-CN" altLang="en-US" dirty="0"/>
+              <a:t>、</a:t>
+            </a:r>
+            <a:r>
+              <a:rPr lang="en-US" altLang="zh-CN" dirty="0" err="1"/>
+              <a:t>www.example.com</a:t>
+            </a:r>
+            <a:r>
+              <a:rPr lang="zh-CN" altLang="en-US" dirty="0"/>
+              <a:t>，可以通过正则匹配。</a:t>
+            </a:r>
+          </a:p>
+          <a:p>
+            <a:r>
+              <a:rPr lang="zh-CN" altLang="en-US" b="1" dirty="0"/>
+              <a:t>模块</a:t>
+            </a:r>
+            <a:r>
+              <a:rPr lang="en-US" altLang="zh-CN" b="1" dirty="0" err="1"/>
+              <a:t>http_stream</a:t>
+            </a:r>
+            <a:r>
+              <a:rPr lang="zh-CN" altLang="en-US" dirty="0"/>
+              <a:t/>
+            </a:r>
+            <a:br>
+              <a:rPr lang="zh-CN" altLang="en-US" dirty="0"/>
+            </a:br>
+            <a:r>
+              <a:rPr lang="zh-CN" altLang="en-US" dirty="0"/>
+              <a:t>这个模块通过一个简单的调度算法来实现客户端</a:t>
+            </a:r>
+            <a:r>
+              <a:rPr lang="en-US" altLang="zh-CN" dirty="0"/>
+              <a:t>IP</a:t>
+            </a:r>
+            <a:r>
+              <a:rPr lang="zh-CN" altLang="en-US" dirty="0"/>
+              <a:t>到后端服务器的负载均衡，</a:t>
+            </a:r>
+            <a:r>
+              <a:rPr lang="en-US" altLang="zh-CN" dirty="0"/>
+              <a:t>upstream</a:t>
+            </a:r>
+            <a:r>
+              <a:rPr lang="zh-CN" altLang="en-US" dirty="0"/>
+              <a:t>后接负载均衡器的名字，后端</a:t>
+            </a:r>
+            <a:r>
+              <a:rPr lang="en-US" altLang="zh-CN" dirty="0" err="1"/>
+              <a:t>realserver</a:t>
+            </a:r>
+            <a:r>
+              <a:rPr lang="zh-CN" altLang="en-US" dirty="0"/>
+              <a:t>以 </a:t>
+            </a:r>
+            <a:r>
+              <a:rPr lang="en-US" altLang="zh-CN" dirty="0" err="1"/>
+              <a:t>host:port</a:t>
+            </a:r>
+            <a:r>
+              <a:rPr lang="en-US" altLang="zh-CN" dirty="0"/>
+              <a:t> options; </a:t>
+            </a:r>
+            <a:r>
+              <a:rPr lang="zh-CN" altLang="en-US" dirty="0"/>
+              <a:t>方式组织在 </a:t>
+            </a:r>
+            <a:r>
+              <a:rPr lang="en-US" altLang="zh-CN" dirty="0"/>
+              <a:t>{} </a:t>
+            </a:r>
+            <a:r>
+              <a:rPr lang="zh-CN" altLang="en-US" dirty="0"/>
+              <a:t>中。如果后端被代理的只有一台，也可以直接写在 </a:t>
+            </a:r>
+            <a:r>
+              <a:rPr lang="en-US" altLang="zh-CN" dirty="0" err="1"/>
+              <a:t>proxy_pass</a:t>
+            </a:r>
+            <a:r>
+              <a:rPr lang="en-US" altLang="zh-CN" dirty="0"/>
+              <a:t> </a:t>
+            </a:r>
+            <a:r>
+              <a:rPr lang="zh-CN" altLang="en-US" dirty="0" smtClean="0"/>
+              <a:t>。</a:t>
+            </a:r>
+            <a:endParaRPr lang="zh-CN" altLang="en-US" dirty="0"/>
           </a:p>
         </p:txBody>
       </p:sp>
     </p:spTree>
     <p:extLst>
       <p:ext uri="{BB962C8B-B14F-4D97-AF65-F5344CB8AC3E}">
-        <p14:creationId xmlns:p14="http://schemas.microsoft.com/office/powerpoint/2010/main" val="692483936"/>
+        <p14:creationId xmlns:p14="http://schemas.microsoft.com/office/powerpoint/2010/main" val="218050768"/>
       </p:ext>
     </p:extLst>
   </p:cSld>
@@ -8457,7 +8506,11 @@
           <a:bodyPr/>
           <a:lstStyle/>
           <a:p>
-            <a:endParaRPr lang="en-US"/>
+            <a:r>
+              <a:rPr lang="en-US" b="1" dirty="0" smtClean="0"/>
+              <a:t>location</a:t>
+            </a:r>
+            <a:endParaRPr lang="en-US" dirty="0"/>
           </a:p>
         </p:txBody>
       </p:sp>
@@ -8473,37 +8526,138 @@
         </p:nvSpPr>
         <p:spPr/>
         <p:txBody>
-          <a:bodyPr/>
-          <a:lstStyle/>
-          <a:p>
-            <a:r>
-              <a:rPr lang="zh-CN" altLang="en-US" dirty="0"/>
-              <a:t>现在负载均衡初步完成了。</a:t>
-            </a:r>
-            <a:r>
-              <a:rPr lang="en-US" altLang="zh-CN" dirty="0"/>
-              <a:t>upstream</a:t>
-            </a:r>
-            <a:r>
-              <a:rPr lang="zh-CN" altLang="en-US" dirty="0"/>
-              <a:t>按照轮询（默认）方式进行负载，每个请求按时间顺序逐一分配到不同的后端服务器，如果后端服务器</a:t>
-            </a:r>
-            <a:r>
-              <a:rPr lang="en-US" altLang="zh-CN" dirty="0"/>
-              <a:t>down</a:t>
-            </a:r>
-            <a:r>
-              <a:rPr lang="zh-CN" altLang="en-US" dirty="0"/>
-              <a:t>掉，能自动剔除。虽然这种方式简便、成本低廉。但缺点是：可靠性低和负载分配不均衡。适用于图片服务器集群和纯静态页面服务器集群。</a:t>
+          <a:bodyPr>
+            <a:normAutofit fontScale="92500" lnSpcReduction="10000"/>
+          </a:bodyPr>
+          <a:lstStyle/>
+          <a:p>
+            <a:r>
+              <a:rPr lang="en-US" dirty="0" err="1"/>
+              <a:t>http服务中，某些特定的URL对应的一系列配置项</a:t>
+            </a:r>
+            <a:r>
+              <a:rPr lang="en-US" dirty="0"/>
+              <a:t>。</a:t>
+            </a:r>
+          </a:p>
+          <a:p>
+            <a:r>
+              <a:rPr lang="en-US" dirty="0"/>
+              <a:t>root /</a:t>
+            </a:r>
+            <a:r>
+              <a:rPr lang="en-US" dirty="0" err="1"/>
+              <a:t>var</a:t>
+            </a:r>
+            <a:r>
+              <a:rPr lang="en-US" dirty="0"/>
+              <a:t>/www/html</a:t>
+            </a:r>
+            <a:br>
+              <a:rPr lang="en-US" dirty="0"/>
+            </a:br>
+            <a:r>
+              <a:rPr lang="en-US" dirty="0"/>
+              <a:t>定义服务器的默认网站根目录位置。如果locationURL匹配的是子目录或文件，root没什么作用，一般放在server指令里面或/下。</a:t>
+            </a:r>
+          </a:p>
+          <a:p>
+            <a:r>
+              <a:rPr lang="en-US" dirty="0"/>
+              <a:t>index </a:t>
+            </a:r>
+            <a:r>
+              <a:rPr lang="en-US" dirty="0" err="1"/>
+              <a:t>index.jsp</a:t>
+            </a:r>
+            <a:r>
+              <a:rPr lang="en-US" dirty="0"/>
+              <a:t> </a:t>
+            </a:r>
+            <a:r>
+              <a:rPr lang="en-US" dirty="0" err="1"/>
+              <a:t>index.html</a:t>
+            </a:r>
+            <a:r>
+              <a:rPr lang="en-US" dirty="0"/>
+              <a:t> </a:t>
+            </a:r>
+            <a:r>
+              <a:rPr lang="en-US" dirty="0" err="1"/>
+              <a:t>index.htm</a:t>
+            </a:r>
+            <a:r>
+              <a:rPr lang="en-US" dirty="0"/>
+              <a:t/>
+            </a:r>
+            <a:br>
+              <a:rPr lang="en-US" dirty="0"/>
+            </a:br>
+            <a:r>
+              <a:rPr lang="en-US" dirty="0" err="1"/>
+              <a:t>定义路径下默认访问的文件名，一般跟着root放</a:t>
             </a:r>
             <a:endParaRPr lang="en-US" dirty="0"/>
+          </a:p>
+          <a:p>
+            <a:r>
+              <a:rPr lang="en-US" dirty="0" err="1"/>
+              <a:t>proxy_pass</a:t>
+            </a:r>
+            <a:r>
+              <a:rPr lang="en-US" dirty="0"/>
+              <a:t> http:/backend</a:t>
+            </a:r>
+            <a:br>
+              <a:rPr lang="en-US" dirty="0"/>
+            </a:br>
+            <a:r>
+              <a:rPr lang="en-US" dirty="0" err="1"/>
+              <a:t>请求转向backend定义的服务器列表，即反向代理，对应upstream负载均衡器。也可以proxy_pass</a:t>
+            </a:r>
+            <a:r>
+              <a:rPr lang="en-US" dirty="0"/>
+              <a:t> http://</a:t>
+            </a:r>
+            <a:r>
+              <a:rPr lang="en-US" dirty="0" err="1"/>
+              <a:t>ip:port</a:t>
+            </a:r>
+            <a:r>
+              <a:rPr lang="en-US" dirty="0"/>
+              <a:t>。</a:t>
+            </a:r>
+          </a:p>
+          <a:p>
+            <a:r>
+              <a:rPr lang="en-US" dirty="0" err="1" smtClean="0"/>
+              <a:t>关于</a:t>
+            </a:r>
+            <a:r>
+              <a:rPr lang="en-US" dirty="0" err="1"/>
+              <a:t>location匹配规则的写法，可以说尤为关键且基础的，参考文章</a:t>
+            </a:r>
+            <a:r>
+              <a:rPr lang="en-US" dirty="0"/>
+              <a:t> </a:t>
+            </a:r>
+            <a:r>
+              <a:rPr lang="en-US" dirty="0">
+                <a:hlinkClick r:id="rId2"/>
+              </a:rPr>
+              <a:t>nginx配置location总结及rewrite规则写法</a:t>
+            </a:r>
+            <a:r>
+              <a:rPr lang="en-US" dirty="0"/>
+              <a:t>;</a:t>
+            </a:r>
           </a:p>
         </p:txBody>
       </p:sp>
     </p:spTree>
     <p:extLst>
       <p:ext uri="{BB962C8B-B14F-4D97-AF65-F5344CB8AC3E}">
-        <p14:creationId xmlns:p14="http://schemas.microsoft.com/office/powerpoint/2010/main" val="2058902074"/>
+        <p14:creationId xmlns:p14="http://schemas.microsoft.com/office/powerpoint/2010/main" val="1892447420"/>
       </p:ext>
     </p:extLst>
   </p:cSld>
@@ -8546,6 +8700,408 @@
           <a:lstStyle/>
           <a:p>
             <a:r>
+              <a:rPr lang="en-US" b="1" dirty="0" err="1"/>
+              <a:t>负载均衡【upstream</a:t>
+            </a:r>
+            <a:r>
+              <a:rPr lang="en-US" b="1" dirty="0" smtClean="0"/>
+              <a:t>】</a:t>
+            </a:r>
+            <a:endParaRPr lang="en-US" dirty="0"/>
+          </a:p>
+        </p:txBody>
+      </p:sp>
+      <p:sp>
+        <p:nvSpPr>
+          <p:cNvPr id="3" name="Content Placeholder 2"/>
+          <p:cNvSpPr>
+            <a:spLocks noGrp="1"/>
+          </p:cNvSpPr>
+          <p:nvPr>
+            <p:ph idx="1"/>
+          </p:nvPr>
+        </p:nvSpPr>
+        <p:spPr/>
+        <p:txBody>
+          <a:bodyPr>
+            <a:normAutofit fontScale="92500" lnSpcReduction="10000"/>
+          </a:bodyPr>
+          <a:lstStyle/>
+          <a:p>
+            <a:r>
+              <a:rPr lang="zh-CN" altLang="en-US" dirty="0" smtClean="0"/>
+              <a:t>反向代理中，我们通过</a:t>
+            </a:r>
+            <a:r>
+              <a:rPr lang="en-US" altLang="zh-CN" dirty="0" err="1" smtClean="0"/>
+              <a:t>proxy_pass</a:t>
+            </a:r>
+            <a:r>
+              <a:rPr lang="zh-CN" altLang="en-US" dirty="0" smtClean="0"/>
+              <a:t>来指定</a:t>
+            </a:r>
+            <a:r>
+              <a:rPr lang="en-US" altLang="zh-CN" dirty="0" smtClean="0"/>
+              <a:t>Tomcat</a:t>
+            </a:r>
+            <a:r>
+              <a:rPr lang="zh-CN" altLang="en-US" dirty="0" smtClean="0"/>
+              <a:t>的地址，很显然我们只能指定一台</a:t>
+            </a:r>
+            <a:r>
+              <a:rPr lang="en-US" altLang="zh-CN" dirty="0" smtClean="0"/>
+              <a:t>Tomcat</a:t>
+            </a:r>
+            <a:r>
+              <a:rPr lang="zh-CN" altLang="en-US" dirty="0" smtClean="0"/>
+              <a:t>地址，那么我们如果想指定多台来达到负载均衡呢？</a:t>
+            </a:r>
+          </a:p>
+          <a:p>
+            <a:r>
+              <a:rPr lang="zh-CN" altLang="en-US" dirty="0" smtClean="0"/>
+              <a:t>第一，通过</a:t>
+            </a:r>
+            <a:r>
+              <a:rPr lang="en-US" altLang="zh-CN" b="1" dirty="0" smtClean="0"/>
+              <a:t>upstream</a:t>
+            </a:r>
+            <a:r>
+              <a:rPr lang="zh-CN" altLang="en-US" dirty="0" smtClean="0"/>
+              <a:t>来定义一组</a:t>
+            </a:r>
+            <a:r>
+              <a:rPr lang="en-US" altLang="zh-CN" dirty="0" smtClean="0"/>
+              <a:t>Tomcat</a:t>
+            </a:r>
+            <a:r>
+              <a:rPr lang="zh-CN" altLang="en-US" dirty="0" smtClean="0"/>
+              <a:t>，并指定负载策略（</a:t>
+            </a:r>
+            <a:r>
+              <a:rPr lang="en-US" altLang="zh-CN" dirty="0" smtClean="0"/>
+              <a:t>IPHASH</a:t>
+            </a:r>
+            <a:r>
+              <a:rPr lang="zh-CN" altLang="en-US" dirty="0" smtClean="0"/>
+              <a:t>、加权论调、最少连接），健康检查策略（</a:t>
+            </a:r>
+            <a:r>
+              <a:rPr lang="en-US" altLang="zh-CN" dirty="0" smtClean="0"/>
+              <a:t>Nginx</a:t>
+            </a:r>
+            <a:r>
+              <a:rPr lang="zh-CN" altLang="en-US" dirty="0" smtClean="0"/>
+              <a:t>可以监控这一组</a:t>
+            </a:r>
+            <a:r>
+              <a:rPr lang="en-US" altLang="zh-CN" dirty="0" smtClean="0"/>
+              <a:t>Tomcat</a:t>
+            </a:r>
+            <a:r>
+              <a:rPr lang="zh-CN" altLang="en-US" dirty="0" smtClean="0"/>
+              <a:t>的状态）等。</a:t>
+            </a:r>
+          </a:p>
+          <a:p>
+            <a:r>
+              <a:rPr lang="zh-CN" altLang="en-US" dirty="0" smtClean="0"/>
+              <a:t>第二，将</a:t>
+            </a:r>
+            <a:r>
+              <a:rPr lang="en-US" altLang="zh-CN" dirty="0" err="1" smtClean="0"/>
+              <a:t>proxy_pass</a:t>
+            </a:r>
+            <a:r>
+              <a:rPr lang="zh-CN" altLang="en-US" dirty="0" smtClean="0"/>
+              <a:t>替换成</a:t>
+            </a:r>
+            <a:r>
+              <a:rPr lang="en-US" altLang="zh-CN" dirty="0" smtClean="0"/>
+              <a:t>upstream</a:t>
+            </a:r>
+            <a:r>
+              <a:rPr lang="zh-CN" altLang="en-US" dirty="0" smtClean="0"/>
+              <a:t>指定的值即可。</a:t>
+            </a:r>
+          </a:p>
+          <a:p>
+            <a:r>
+              <a:rPr lang="zh-CN" altLang="en-US" b="1" dirty="0"/>
+              <a:t>负载均衡可能带来的问题？</a:t>
+            </a:r>
+            <a:endParaRPr lang="zh-CN" altLang="en-US" dirty="0"/>
+          </a:p>
+          <a:p>
+            <a:r>
+              <a:rPr lang="zh-CN" altLang="en-US" dirty="0"/>
+              <a:t>负载均衡所带来的明显的问题是，一个请求，可以到</a:t>
+            </a:r>
+            <a:r>
+              <a:rPr lang="en-US" altLang="zh-CN" dirty="0"/>
+              <a:t>A server</a:t>
+            </a:r>
+            <a:r>
+              <a:rPr lang="zh-CN" altLang="en-US" dirty="0"/>
+              <a:t>，也可以到</a:t>
+            </a:r>
+            <a:r>
+              <a:rPr lang="en-US" altLang="zh-CN" dirty="0"/>
+              <a:t>B server</a:t>
+            </a:r>
+            <a:r>
+              <a:rPr lang="zh-CN" altLang="en-US" dirty="0"/>
+              <a:t>，这完全不受我们的控制，当然这也不是什么问题，只是我们得注意的是：</a:t>
+            </a:r>
+            <a:r>
+              <a:rPr lang="zh-CN" altLang="en-US" b="1" dirty="0"/>
+              <a:t>用户状态的保存问题，如</a:t>
+            </a:r>
+            <a:r>
+              <a:rPr lang="en-US" altLang="zh-CN" b="1" dirty="0"/>
+              <a:t>Session</a:t>
+            </a:r>
+            <a:r>
+              <a:rPr lang="zh-CN" altLang="en-US" b="1" dirty="0"/>
+              <a:t>会话信息，不能在保存到服务器上</a:t>
+            </a:r>
+            <a:r>
+              <a:rPr lang="zh-CN" altLang="en-US" b="1" dirty="0" smtClean="0"/>
+              <a:t>。</a:t>
+            </a:r>
+            <a:endParaRPr lang="zh-CN" altLang="en-US" dirty="0"/>
+          </a:p>
+        </p:txBody>
+      </p:sp>
+    </p:spTree>
+    <p:extLst>
+      <p:ext uri="{BB962C8B-B14F-4D97-AF65-F5344CB8AC3E}">
+        <p14:creationId xmlns:p14="http://schemas.microsoft.com/office/powerpoint/2010/main" val="772564065"/>
+      </p:ext>
+    </p:extLst>
+  </p:cSld>
+  <p:clrMapOvr>
+    <a:masterClrMapping/>
+  </p:clrMapOvr>
+</p:sld>
+</file>
+
+<file path=ppt/slides/slide34.xml><?xml version="1.0" encoding="utf-8"?>
+<p:sld xmlns:a="http://schemas.openxmlformats.org/drawingml/2006/main" xmlns:r="http://schemas.openxmlformats.org/officeDocument/2006/relationships" xmlns:p="http://schemas.openxmlformats.org/presentationml/2006/main">
+  <p:cSld>
+    <p:spTree>
+      <p:nvGrpSpPr>
+        <p:cNvPr id="1" name=""/>
+        <p:cNvGrpSpPr/>
+        <p:nvPr/>
+      </p:nvGrpSpPr>
+      <p:grpSpPr>
+        <a:xfrm>
+          <a:off x="0" y="0"/>
+          <a:ext cx="0" cy="0"/>
+          <a:chOff x="0" y="0"/>
+          <a:chExt cx="0" cy="0"/>
+        </a:xfrm>
+      </p:grpSpPr>
+      <p:sp>
+        <p:nvSpPr>
+          <p:cNvPr id="2" name="Title 1"/>
+          <p:cNvSpPr>
+            <a:spLocks noGrp="1"/>
+          </p:cNvSpPr>
+          <p:nvPr>
+            <p:ph type="title"/>
+          </p:nvPr>
+        </p:nvSpPr>
+        <p:spPr/>
+        <p:txBody>
+          <a:bodyPr/>
+          <a:lstStyle/>
+          <a:p>
+            <a:endParaRPr lang="en-US"/>
+          </a:p>
+        </p:txBody>
+      </p:sp>
+      <p:sp>
+        <p:nvSpPr>
+          <p:cNvPr id="3" name="Content Placeholder 2"/>
+          <p:cNvSpPr>
+            <a:spLocks noGrp="1"/>
+          </p:cNvSpPr>
+          <p:nvPr>
+            <p:ph idx="1"/>
+          </p:nvPr>
+        </p:nvSpPr>
+        <p:spPr/>
+        <p:txBody>
+          <a:bodyPr/>
+          <a:lstStyle/>
+          <a:p>
+            <a:r>
+              <a:rPr lang="is-IS" dirty="0"/>
+              <a:t>upstream favtomcat {      </a:t>
+            </a:r>
+            <a:endParaRPr lang="is-IS" dirty="0" smtClean="0"/>
+          </a:p>
+          <a:p>
+            <a:r>
+              <a:rPr lang="is-IS" dirty="0"/>
+              <a:t>  server 10.0.6.108:7080;       </a:t>
+            </a:r>
+            <a:endParaRPr lang="is-IS" dirty="0" smtClean="0"/>
+          </a:p>
+          <a:p>
+            <a:r>
+              <a:rPr lang="is-IS" dirty="0"/>
+              <a:t> server 10.0.0.85:8980; </a:t>
+            </a:r>
+            <a:endParaRPr lang="is-IS" dirty="0" smtClean="0"/>
+          </a:p>
+          <a:p>
+            <a:r>
+              <a:rPr lang="is-IS" dirty="0" smtClean="0"/>
+              <a:t>}</a:t>
+            </a:r>
+          </a:p>
+          <a:p>
+            <a:endParaRPr lang="en-US" dirty="0"/>
+          </a:p>
+        </p:txBody>
+      </p:sp>
+    </p:spTree>
+    <p:extLst>
+      <p:ext uri="{BB962C8B-B14F-4D97-AF65-F5344CB8AC3E}">
+        <p14:creationId xmlns:p14="http://schemas.microsoft.com/office/powerpoint/2010/main" val="692483936"/>
+      </p:ext>
+    </p:extLst>
+  </p:cSld>
+  <p:clrMapOvr>
+    <a:masterClrMapping/>
+  </p:clrMapOvr>
+</p:sld>
+</file>
+
+<file path=ppt/slides/slide35.xml><?xml version="1.0" encoding="utf-8"?>
+<p:sld xmlns:a="http://schemas.openxmlformats.org/drawingml/2006/main" xmlns:r="http://schemas.openxmlformats.org/officeDocument/2006/relationships" xmlns:p="http://schemas.openxmlformats.org/presentationml/2006/main">
+  <p:cSld>
+    <p:spTree>
+      <p:nvGrpSpPr>
+        <p:cNvPr id="1" name=""/>
+        <p:cNvGrpSpPr/>
+        <p:nvPr/>
+      </p:nvGrpSpPr>
+      <p:grpSpPr>
+        <a:xfrm>
+          <a:off x="0" y="0"/>
+          <a:ext cx="0" cy="0"/>
+          <a:chOff x="0" y="0"/>
+          <a:chExt cx="0" cy="0"/>
+        </a:xfrm>
+      </p:grpSpPr>
+      <p:sp>
+        <p:nvSpPr>
+          <p:cNvPr id="2" name="Title 1"/>
+          <p:cNvSpPr>
+            <a:spLocks noGrp="1"/>
+          </p:cNvSpPr>
+          <p:nvPr>
+            <p:ph type="title"/>
+          </p:nvPr>
+        </p:nvSpPr>
+        <p:spPr/>
+        <p:txBody>
+          <a:bodyPr/>
+          <a:lstStyle/>
+          <a:p>
+            <a:endParaRPr lang="en-US"/>
+          </a:p>
+        </p:txBody>
+      </p:sp>
+      <p:sp>
+        <p:nvSpPr>
+          <p:cNvPr id="3" name="Content Placeholder 2"/>
+          <p:cNvSpPr>
+            <a:spLocks noGrp="1"/>
+          </p:cNvSpPr>
+          <p:nvPr>
+            <p:ph idx="1"/>
+          </p:nvPr>
+        </p:nvSpPr>
+        <p:spPr/>
+        <p:txBody>
+          <a:bodyPr/>
+          <a:lstStyle/>
+          <a:p>
+            <a:r>
+              <a:rPr lang="zh-CN" altLang="en-US" dirty="0"/>
+              <a:t>现在负载均衡初步完成了。</a:t>
+            </a:r>
+            <a:r>
+              <a:rPr lang="en-US" altLang="zh-CN" dirty="0"/>
+              <a:t>upstream</a:t>
+            </a:r>
+            <a:r>
+              <a:rPr lang="zh-CN" altLang="en-US" dirty="0"/>
+              <a:t>按照轮询（默认）方式进行负载，每个请求按时间顺序逐一分配到不同的后端服务器，如果后端服务器</a:t>
+            </a:r>
+            <a:r>
+              <a:rPr lang="en-US" altLang="zh-CN" dirty="0"/>
+              <a:t>down</a:t>
+            </a:r>
+            <a:r>
+              <a:rPr lang="zh-CN" altLang="en-US" dirty="0"/>
+              <a:t>掉，能自动剔除。虽然这种方式简便、成本低廉。但缺点是：可靠性低和负载分配不均衡。适用于图片服务器集群和纯静态页面服务器集群。</a:t>
+            </a:r>
+            <a:endParaRPr lang="en-US" dirty="0"/>
+          </a:p>
+        </p:txBody>
+      </p:sp>
+    </p:spTree>
+    <p:extLst>
+      <p:ext uri="{BB962C8B-B14F-4D97-AF65-F5344CB8AC3E}">
+        <p14:creationId xmlns:p14="http://schemas.microsoft.com/office/powerpoint/2010/main" val="2058902074"/>
+      </p:ext>
+    </p:extLst>
+  </p:cSld>
+  <p:clrMapOvr>
+    <a:masterClrMapping/>
+  </p:clrMapOvr>
+</p:sld>
+</file>
+
+<file path=ppt/slides/slide36.xml><?xml version="1.0" encoding="utf-8"?>
+<p:sld xmlns:a="http://schemas.openxmlformats.org/drawingml/2006/main" xmlns:r="http://schemas.openxmlformats.org/officeDocument/2006/relationships" xmlns:p="http://schemas.openxmlformats.org/presentationml/2006/main">
+  <p:cSld>
+    <p:spTree>
+      <p:nvGrpSpPr>
+        <p:cNvPr id="1" name=""/>
+        <p:cNvGrpSpPr/>
+        <p:nvPr/>
+      </p:nvGrpSpPr>
+      <p:grpSpPr>
+        <a:xfrm>
+          <a:off x="0" y="0"/>
+          <a:ext cx="0" cy="0"/>
+          <a:chOff x="0" y="0"/>
+          <a:chExt cx="0" cy="0"/>
+        </a:xfrm>
+      </p:grpSpPr>
+      <p:sp>
+        <p:nvSpPr>
+          <p:cNvPr id="2" name="Title 1"/>
+          <p:cNvSpPr>
+            <a:spLocks noGrp="1"/>
+          </p:cNvSpPr>
+          <p:nvPr>
+            <p:ph type="title"/>
+          </p:nvPr>
+        </p:nvSpPr>
+        <p:spPr/>
+        <p:txBody>
+          <a:bodyPr/>
+          <a:lstStyle/>
+          <a:p>
+            <a:r>
               <a:rPr lang="zh-CN" altLang="en-US" dirty="0"/>
               <a:t>除此之外，</a:t>
             </a:r>
@@ -8811,7 +9367,7 @@
 </p:sld>
 </file>
 
-<file path=ppt/slides/slide34.xml><?xml version="1.0" encoding="utf-8"?>
+<file path=ppt/slides/slide37.xml><?xml version="1.0" encoding="utf-8"?>
 <p:sld xmlns:a="http://schemas.openxmlformats.org/drawingml/2006/main" xmlns:r="http://schemas.openxmlformats.org/officeDocument/2006/relationships" xmlns:p="http://schemas.openxmlformats.org/presentationml/2006/main">
   <p:cSld>
     <p:spTree>
@@ -9083,113 +9639,7 @@
 </p:sld>
 </file>
 
-<file path=ppt/slides/slide35.xml><?xml version="1.0" encoding="utf-8"?>
-<p:sld xmlns:a="http://schemas.openxmlformats.org/drawingml/2006/main" xmlns:r="http://schemas.openxmlformats.org/officeDocument/2006/relationships" xmlns:p="http://schemas.openxmlformats.org/presentationml/2006/main">
-  <p:cSld>
-    <p:spTree>
-      <p:nvGrpSpPr>
-        <p:cNvPr id="1" name=""/>
-        <p:cNvGrpSpPr/>
-        <p:nvPr/>
-      </p:nvGrpSpPr>
-      <p:grpSpPr>
-        <a:xfrm>
-          <a:off x="0" y="0"/>
-          <a:ext cx="0" cy="0"/>
-          <a:chOff x="0" y="0"/>
-          <a:chExt cx="0" cy="0"/>
-        </a:xfrm>
-      </p:grpSpPr>
-      <p:sp>
-        <p:nvSpPr>
-          <p:cNvPr id="2" name="Title 1"/>
-          <p:cNvSpPr>
-            <a:spLocks noGrp="1"/>
-          </p:cNvSpPr>
-          <p:nvPr>
-            <p:ph type="title"/>
-          </p:nvPr>
-        </p:nvSpPr>
-        <p:spPr/>
-        <p:txBody>
-          <a:bodyPr/>
-          <a:lstStyle/>
-          <a:p>
-            <a:r>
-              <a:rPr lang="en-US" altLang="zh-CN" dirty="0" err="1" smtClean="0"/>
-              <a:t>nginx</a:t>
-            </a:r>
-            <a:r>
-              <a:rPr lang="zh-CN" altLang="en-US" dirty="0" smtClean="0"/>
-              <a:t>的安装</a:t>
-            </a:r>
-            <a:endParaRPr lang="en-US" dirty="0"/>
-          </a:p>
-        </p:txBody>
-      </p:sp>
-      <p:sp>
-        <p:nvSpPr>
-          <p:cNvPr id="3" name="Content Placeholder 2"/>
-          <p:cNvSpPr>
-            <a:spLocks noGrp="1"/>
-          </p:cNvSpPr>
-          <p:nvPr>
-            <p:ph idx="1"/>
-          </p:nvPr>
-        </p:nvSpPr>
-        <p:spPr/>
-        <p:txBody>
-          <a:bodyPr/>
-          <a:lstStyle/>
-          <a:p>
-            <a:r>
-              <a:rPr lang="en-US" dirty="0" smtClean="0">
-                <a:hlinkClick r:id="rId2"/>
-              </a:rPr>
-              <a:t>https://nginx.org/en/download.html</a:t>
-            </a:r>
-            <a:endParaRPr lang="en-US" dirty="0" smtClean="0"/>
-          </a:p>
-          <a:p>
-            <a:r>
-              <a:rPr lang="en-US" altLang="zh-CN" dirty="0" smtClean="0"/>
-              <a:t>wget</a:t>
-            </a:r>
-            <a:r>
-              <a:rPr lang="zh-CN" altLang="en-US" dirty="0" smtClean="0"/>
-              <a:t> </a:t>
-            </a:r>
-            <a:r>
-              <a:rPr lang="en-US" altLang="zh-CN" dirty="0" smtClean="0"/>
-              <a:t>https://nginx.org/download/nginx-1.16.0.tar.gz</a:t>
-            </a:r>
-          </a:p>
-          <a:p>
-            <a:endParaRPr lang="en-US" dirty="0" smtClean="0"/>
-          </a:p>
-          <a:p>
-            <a:r>
-              <a:rPr lang="en-US" dirty="0" smtClean="0"/>
-              <a:t>https://www.cnblogs.com/EasonJim/p/7806879.html</a:t>
-            </a:r>
-            <a:endParaRPr lang="en-US" dirty="0"/>
-          </a:p>
-        </p:txBody>
-      </p:sp>
-    </p:spTree>
-    <p:extLst>
-      <p:ext uri="{BB962C8B-B14F-4D97-AF65-F5344CB8AC3E}">
-        <p14:creationId xmlns:p14="http://schemas.microsoft.com/office/powerpoint/2010/main" val="1850530782"/>
-      </p:ext>
-    </p:extLst>
-  </p:cSld>
-  <p:clrMapOvr>
-    <a:masterClrMapping/>
-  </p:clrMapOvr>
-</p:sld>
-</file>
-
-<file path=ppt/slides/slide36.xml><?xml version="1.0" encoding="utf-8"?>
+<file path=ppt/slides/slide38.xml><?xml version="1.0" encoding="utf-8"?>
 <p:sld xmlns:a="http://schemas.openxmlformats.org/drawingml/2006/main" xmlns:r="http://schemas.openxmlformats.org/officeDocument/2006/relationships" xmlns:p="http://schemas.openxmlformats.org/presentationml/2006/main">
   <p:cSld>
     <p:spTree>
@@ -9289,458 +9739,6 @@
 </p:sld>
 </file>
 
-<file path=ppt/slides/slide37.xml><?xml version="1.0" encoding="utf-8"?>
-<p:sld xmlns:a="http://schemas.openxmlformats.org/drawingml/2006/main" xmlns:r="http://schemas.openxmlformats.org/officeDocument/2006/relationships" xmlns:p="http://schemas.openxmlformats.org/presentationml/2006/main">
-  <p:cSld>
-    <p:spTree>
-      <p:nvGrpSpPr>
-        <p:cNvPr id="1" name=""/>
-        <p:cNvGrpSpPr/>
-        <p:nvPr/>
-      </p:nvGrpSpPr>
-      <p:grpSpPr>
-        <a:xfrm>
-          <a:off x="0" y="0"/>
-          <a:ext cx="0" cy="0"/>
-          <a:chOff x="0" y="0"/>
-          <a:chExt cx="0" cy="0"/>
-        </a:xfrm>
-      </p:grpSpPr>
-      <p:sp>
-        <p:nvSpPr>
-          <p:cNvPr id="2" name="Title 1"/>
-          <p:cNvSpPr>
-            <a:spLocks noGrp="1"/>
-          </p:cNvSpPr>
-          <p:nvPr>
-            <p:ph type="title"/>
-          </p:nvPr>
-        </p:nvSpPr>
-        <p:spPr/>
-        <p:txBody>
-          <a:bodyPr/>
-          <a:lstStyle/>
-          <a:p>
-            <a:r>
-              <a:rPr lang="en-US" dirty="0" err="1" smtClean="0"/>
-              <a:t>Keepalived</a:t>
-            </a:r>
-            <a:r>
-              <a:rPr lang="zh-CN" altLang="en-US" dirty="0" smtClean="0"/>
-              <a:t>简介</a:t>
-            </a:r>
-            <a:endParaRPr lang="en-US" dirty="0"/>
-          </a:p>
-        </p:txBody>
-      </p:sp>
-      <p:sp>
-        <p:nvSpPr>
-          <p:cNvPr id="3" name="Content Placeholder 2"/>
-          <p:cNvSpPr>
-            <a:spLocks noGrp="1"/>
-          </p:cNvSpPr>
-          <p:nvPr>
-            <p:ph idx="1"/>
-          </p:nvPr>
-        </p:nvSpPr>
-        <p:spPr/>
-        <p:txBody>
-          <a:bodyPr>
-            <a:normAutofit fontScale="92500" lnSpcReduction="10000"/>
-          </a:bodyPr>
-          <a:lstStyle/>
-          <a:p>
-            <a:r>
-              <a:rPr lang="en-US" altLang="zh-CN" dirty="0" err="1"/>
-              <a:t>Keepalived</a:t>
-            </a:r>
-            <a:r>
-              <a:rPr lang="zh-CN" altLang="en-US" dirty="0"/>
-              <a:t>是基于</a:t>
-            </a:r>
-            <a:r>
-              <a:rPr lang="en-US" altLang="zh-CN" dirty="0" err="1"/>
-              <a:t>vrrp</a:t>
-            </a:r>
-            <a:r>
-              <a:rPr lang="zh-CN" altLang="en-US" dirty="0"/>
-              <a:t>协议的一款高可用软件。</a:t>
-            </a:r>
-            <a:r>
-              <a:rPr lang="en-US" altLang="zh-CN" dirty="0" err="1"/>
-              <a:t>Keepailived</a:t>
-            </a:r>
-            <a:r>
-              <a:rPr lang="zh-CN" altLang="en-US" dirty="0"/>
-              <a:t>有一台主服务器和多台备份服务器，在主服务器和备份服务器上面部署相同的服务配置，使用一个虚拟</a:t>
-            </a:r>
-            <a:r>
-              <a:rPr lang="en-US" altLang="zh-CN" dirty="0"/>
-              <a:t>IP</a:t>
-            </a:r>
-            <a:r>
-              <a:rPr lang="zh-CN" altLang="en-US" dirty="0"/>
-              <a:t>地址对外提供服务，当主服务器出现故障时，虚拟</a:t>
-            </a:r>
-            <a:r>
-              <a:rPr lang="en-US" altLang="zh-CN" dirty="0"/>
-              <a:t>IP</a:t>
-            </a:r>
-            <a:r>
-              <a:rPr lang="zh-CN" altLang="en-US" dirty="0"/>
-              <a:t>地址会自动漂移到备份服务器</a:t>
-            </a:r>
-            <a:r>
-              <a:rPr lang="zh-CN" altLang="en-US" dirty="0" smtClean="0"/>
-              <a:t>。</a:t>
-            </a:r>
-            <a:endParaRPr lang="en-US" altLang="zh-CN" dirty="0" smtClean="0"/>
-          </a:p>
-          <a:p>
-            <a:r>
-              <a:rPr lang="en-US" altLang="zh-CN" dirty="0"/>
-              <a:t>VRRP</a:t>
-            </a:r>
-            <a:r>
-              <a:rPr lang="zh-CN" altLang="en-US" dirty="0"/>
-              <a:t>（</a:t>
-            </a:r>
-            <a:r>
-              <a:rPr lang="en-US" altLang="zh-CN" dirty="0"/>
-              <a:t>Virtual Router Redundancy Protocol</a:t>
-            </a:r>
-            <a:r>
-              <a:rPr lang="zh-CN" altLang="en-US" dirty="0"/>
-              <a:t>，虚拟路由器冗余协议），</a:t>
-            </a:r>
-            <a:r>
-              <a:rPr lang="en-US" altLang="zh-CN" dirty="0"/>
-              <a:t>VRRP</a:t>
-            </a:r>
-            <a:r>
-              <a:rPr lang="zh-CN" altLang="en-US" dirty="0"/>
-              <a:t>是为了解决静态路由的高可用。</a:t>
-            </a:r>
-            <a:r>
-              <a:rPr lang="en-US" altLang="zh-CN" dirty="0"/>
-              <a:t>VRRP</a:t>
-            </a:r>
-            <a:r>
-              <a:rPr lang="zh-CN" altLang="en-US" dirty="0"/>
-              <a:t>的基本架构</a:t>
-            </a:r>
-            <a:br>
-              <a:rPr lang="zh-CN" altLang="en-US" dirty="0"/>
-            </a:br>
-            <a:r>
-              <a:rPr lang="zh-CN" altLang="en-US" dirty="0"/>
-              <a:t>虚拟路由器由多个路由器组成，每个路由器都有各自的</a:t>
-            </a:r>
-            <a:r>
-              <a:rPr lang="en-US" altLang="zh-CN" dirty="0"/>
-              <a:t>IP</a:t>
-            </a:r>
-            <a:r>
-              <a:rPr lang="zh-CN" altLang="en-US" dirty="0"/>
-              <a:t>和共同的</a:t>
-            </a:r>
-            <a:r>
-              <a:rPr lang="en-US" altLang="zh-CN" dirty="0"/>
-              <a:t>VRID(0-255)</a:t>
-            </a:r>
-            <a:r>
-              <a:rPr lang="zh-CN" altLang="en-US" dirty="0"/>
-              <a:t>，其中一个</a:t>
-            </a:r>
-            <a:r>
-              <a:rPr lang="en-US" altLang="zh-CN" dirty="0"/>
-              <a:t>VRRP</a:t>
-            </a:r>
-            <a:r>
-              <a:rPr lang="zh-CN" altLang="en-US" dirty="0"/>
-              <a:t>路由器通过竞选成为</a:t>
-            </a:r>
-            <a:r>
-              <a:rPr lang="en-US" altLang="zh-CN" dirty="0"/>
-              <a:t>MASTER</a:t>
-            </a:r>
-            <a:r>
-              <a:rPr lang="zh-CN" altLang="en-US" dirty="0"/>
-              <a:t>，占有</a:t>
-            </a:r>
-            <a:r>
-              <a:rPr lang="en-US" altLang="zh-CN" dirty="0"/>
-              <a:t>VIP</a:t>
-            </a:r>
-            <a:r>
-              <a:rPr lang="zh-CN" altLang="en-US" dirty="0"/>
-              <a:t>，对外提供路由服务，其他成为</a:t>
-            </a:r>
-            <a:r>
-              <a:rPr lang="en-US" altLang="zh-CN" dirty="0"/>
-              <a:t>BACKUP</a:t>
-            </a:r>
-            <a:r>
-              <a:rPr lang="zh-CN" altLang="en-US" dirty="0"/>
-              <a:t>，</a:t>
-            </a:r>
-            <a:r>
-              <a:rPr lang="en-US" altLang="zh-CN" dirty="0"/>
-              <a:t>MASTER</a:t>
-            </a:r>
-            <a:r>
-              <a:rPr lang="zh-CN" altLang="en-US" dirty="0"/>
-              <a:t>以</a:t>
-            </a:r>
-            <a:r>
-              <a:rPr lang="en-US" altLang="zh-CN" dirty="0"/>
-              <a:t>IP</a:t>
-            </a:r>
-            <a:r>
-              <a:rPr lang="zh-CN" altLang="en-US" dirty="0"/>
-              <a:t>组播（组播地址：</a:t>
-            </a:r>
-            <a:r>
-              <a:rPr lang="en-US" altLang="zh-CN" dirty="0"/>
-              <a:t>224.0.0.18</a:t>
-            </a:r>
-            <a:r>
-              <a:rPr lang="zh-CN" altLang="en-US" dirty="0"/>
-              <a:t>）形式发送</a:t>
-            </a:r>
-            <a:r>
-              <a:rPr lang="en-US" altLang="zh-CN" dirty="0"/>
-              <a:t>VRRP</a:t>
-            </a:r>
-            <a:r>
-              <a:rPr lang="zh-CN" altLang="en-US" dirty="0"/>
-              <a:t>协议包，与</a:t>
-            </a:r>
-            <a:r>
-              <a:rPr lang="en-US" altLang="zh-CN" dirty="0"/>
-              <a:t>BACKUP</a:t>
-            </a:r>
-            <a:r>
-              <a:rPr lang="zh-CN" altLang="en-US" dirty="0"/>
-              <a:t>保持心跳连接，若</a:t>
-            </a:r>
-            <a:r>
-              <a:rPr lang="en-US" altLang="zh-CN" dirty="0"/>
-              <a:t>MASTER</a:t>
-            </a:r>
-            <a:r>
-              <a:rPr lang="zh-CN" altLang="en-US" dirty="0"/>
-              <a:t>不可用（或</a:t>
-            </a:r>
-            <a:r>
-              <a:rPr lang="en-US" altLang="zh-CN" dirty="0"/>
-              <a:t>BACKUP</a:t>
-            </a:r>
-            <a:r>
-              <a:rPr lang="zh-CN" altLang="en-US" dirty="0"/>
-              <a:t>接收不到</a:t>
-            </a:r>
-            <a:r>
-              <a:rPr lang="en-US" altLang="zh-CN" dirty="0"/>
-              <a:t>VRRP</a:t>
-            </a:r>
-            <a:r>
-              <a:rPr lang="zh-CN" altLang="en-US" dirty="0"/>
-              <a:t>协议包），则</a:t>
-            </a:r>
-            <a:r>
-              <a:rPr lang="en-US" altLang="zh-CN" dirty="0"/>
-              <a:t>BACKUP</a:t>
-            </a:r>
-            <a:r>
-              <a:rPr lang="zh-CN" altLang="en-US" dirty="0"/>
-              <a:t>通过竞选产生新的</a:t>
-            </a:r>
-            <a:r>
-              <a:rPr lang="en-US" altLang="zh-CN" dirty="0"/>
-              <a:t>MASTER</a:t>
-            </a:r>
-            <a:r>
-              <a:rPr lang="zh-CN" altLang="en-US" dirty="0"/>
-              <a:t>并继续对外提供路由服务，从而实现高可用。</a:t>
-            </a:r>
-          </a:p>
-          <a:p>
-            <a:endParaRPr lang="en-US" dirty="0"/>
-          </a:p>
-        </p:txBody>
-      </p:sp>
-    </p:spTree>
-    <p:extLst>
-      <p:ext uri="{BB962C8B-B14F-4D97-AF65-F5344CB8AC3E}">
-        <p14:creationId xmlns:p14="http://schemas.microsoft.com/office/powerpoint/2010/main" val="776045866"/>
-      </p:ext>
-    </p:extLst>
-  </p:cSld>
-  <p:clrMapOvr>
-    <a:masterClrMapping/>
-  </p:clrMapOvr>
-</p:sld>
-</file>
-
-<file path=ppt/slides/slide38.xml><?xml version="1.0" encoding="utf-8"?>
-<p:sld xmlns:a="http://schemas.openxmlformats.org/drawingml/2006/main" xmlns:r="http://schemas.openxmlformats.org/officeDocument/2006/relationships" xmlns:p="http://schemas.openxmlformats.org/presentationml/2006/main">
-  <p:cSld>
-    <p:spTree>
-      <p:nvGrpSpPr>
-        <p:cNvPr id="1" name=""/>
-        <p:cNvGrpSpPr/>
-        <p:nvPr/>
-      </p:nvGrpSpPr>
-      <p:grpSpPr>
-        <a:xfrm>
-          <a:off x="0" y="0"/>
-          <a:ext cx="0" cy="0"/>
-          <a:chOff x="0" y="0"/>
-          <a:chExt cx="0" cy="0"/>
-        </a:xfrm>
-      </p:grpSpPr>
-      <p:sp>
-        <p:nvSpPr>
-          <p:cNvPr id="2" name="Title 1"/>
-          <p:cNvSpPr>
-            <a:spLocks noGrp="1"/>
-          </p:cNvSpPr>
-          <p:nvPr>
-            <p:ph type="title"/>
-          </p:nvPr>
-        </p:nvSpPr>
-        <p:spPr/>
-        <p:txBody>
-          <a:bodyPr/>
-          <a:lstStyle/>
-          <a:p>
-            <a:r>
-              <a:rPr lang="en-US" dirty="0" err="1"/>
-              <a:t>Nginx+keepalive高可用方式有两种</a:t>
-            </a:r>
-            <a:r>
-              <a:rPr lang="en-US" dirty="0"/>
-              <a:t>：</a:t>
-            </a:r>
-            <a:endParaRPr lang="en-US" dirty="0"/>
-          </a:p>
-        </p:txBody>
-      </p:sp>
-      <p:sp>
-        <p:nvSpPr>
-          <p:cNvPr id="3" name="Content Placeholder 2"/>
-          <p:cNvSpPr>
-            <a:spLocks noGrp="1"/>
-          </p:cNvSpPr>
-          <p:nvPr>
-            <p:ph idx="1"/>
-          </p:nvPr>
-        </p:nvSpPr>
-        <p:spPr/>
-        <p:txBody>
-          <a:bodyPr/>
-          <a:lstStyle/>
-          <a:p>
-            <a:r>
-              <a:rPr lang="en-US" altLang="zh-CN" dirty="0"/>
-              <a:t>1.Nginx+keepalived </a:t>
-            </a:r>
-            <a:r>
-              <a:rPr lang="zh-CN" altLang="en-US" dirty="0"/>
-              <a:t>主从配置</a:t>
-            </a:r>
-          </a:p>
-          <a:p>
-            <a:pPr lvl="1"/>
-            <a:r>
-              <a:rPr lang="zh-CN" altLang="en-US" dirty="0"/>
-              <a:t>这种方案，使用一个</a:t>
-            </a:r>
-            <a:r>
-              <a:rPr lang="en-US" altLang="zh-CN" dirty="0" err="1"/>
-              <a:t>vip</a:t>
-            </a:r>
-            <a:r>
-              <a:rPr lang="zh-CN" altLang="en-US" dirty="0"/>
-              <a:t>地址，前端使用</a:t>
-            </a:r>
-            <a:r>
-              <a:rPr lang="en-US" altLang="zh-CN" dirty="0"/>
-              <a:t>2</a:t>
-            </a:r>
-            <a:r>
-              <a:rPr lang="zh-CN" altLang="en-US" dirty="0"/>
-              <a:t>台机器，一台做主，一台做备，但同时只有一台机器工作，另一台备份机器在主机器不出现故障的时候，永远处于浪费状态，对于服务器不多的网站，该方案不经济</a:t>
-            </a:r>
-            <a:r>
-              <a:rPr lang="zh-CN" altLang="en-US" dirty="0" smtClean="0"/>
-              <a:t>实惠。</a:t>
-            </a:r>
-            <a:endParaRPr lang="en-US" altLang="zh-CN" dirty="0" smtClean="0"/>
-          </a:p>
-          <a:p>
-            <a:r>
-              <a:rPr lang="en-US" altLang="zh-CN" dirty="0" smtClean="0"/>
-              <a:t>2.Nginx+keepalived </a:t>
-            </a:r>
-            <a:r>
-              <a:rPr lang="zh-CN" altLang="en-US" dirty="0"/>
-              <a:t>双主</a:t>
-            </a:r>
-            <a:r>
-              <a:rPr lang="zh-CN" altLang="en-US" dirty="0" smtClean="0"/>
-              <a:t>配置</a:t>
-            </a:r>
-            <a:endParaRPr lang="en-US" altLang="zh-CN" dirty="0" smtClean="0"/>
-          </a:p>
-          <a:p>
-            <a:pPr lvl="1"/>
-            <a:r>
-              <a:rPr lang="zh-CN" altLang="en-US" dirty="0" smtClean="0"/>
-              <a:t>这种</a:t>
-            </a:r>
-            <a:r>
-              <a:rPr lang="zh-CN" altLang="en-US" dirty="0"/>
-              <a:t>方案，使用两个</a:t>
-            </a:r>
-            <a:r>
-              <a:rPr lang="en-US" altLang="zh-CN" dirty="0" err="1"/>
-              <a:t>vip</a:t>
-            </a:r>
-            <a:r>
-              <a:rPr lang="zh-CN" altLang="en-US" dirty="0"/>
-              <a:t>地址，前端使用</a:t>
-            </a:r>
-            <a:r>
-              <a:rPr lang="en-US" altLang="zh-CN" dirty="0"/>
-              <a:t>2</a:t>
-            </a:r>
-            <a:r>
-              <a:rPr lang="zh-CN" altLang="en-US" dirty="0"/>
-              <a:t>台机器，互为主备，同时有两台机器工作，当其中一台机器出现故障，两台机器的请求转移到一台机器负担，非常适合于当前架构环境</a:t>
-            </a:r>
-            <a:r>
-              <a:rPr lang="zh-CN" altLang="en-US" dirty="0" smtClean="0"/>
-              <a:t>。</a:t>
-            </a:r>
-            <a:endParaRPr lang="en-US" dirty="0"/>
-          </a:p>
-        </p:txBody>
-      </p:sp>
-    </p:spTree>
-    <p:extLst>
-      <p:ext uri="{BB962C8B-B14F-4D97-AF65-F5344CB8AC3E}">
-        <p14:creationId xmlns:p14="http://schemas.microsoft.com/office/powerpoint/2010/main" val="1167765786"/>
-      </p:ext>
-    </p:extLst>
-  </p:cSld>
-  <p:clrMapOvr>
-    <a:masterClrMapping/>
-  </p:clrMapOvr>
-</p:sld>
-</file>
-
 <file path=ppt/slides/slide39.xml><?xml version="1.0" encoding="utf-8"?>
 <p:sld xmlns:a="http://schemas.openxmlformats.org/drawingml/2006/main" xmlns:r="http://schemas.openxmlformats.org/officeDocument/2006/relationships" xmlns:p="http://schemas.openxmlformats.org/presentationml/2006/main">
   <p:cSld>
@@ -9774,60 +9772,258 @@
           <a:lstStyle/>
           <a:p>
             <a:r>
-              <a:rPr lang="zh-CN" altLang="en-US" dirty="0" smtClean="0"/>
-              <a:t>双主模式拓扑结构</a:t>
+              <a:rPr lang="en-US" dirty="0" err="1" smtClean="0"/>
+              <a:t>Keepalived</a:t>
+            </a:r>
+            <a:r>
+              <a:rPr lang="zh-CN" altLang="en-US" dirty="0" smtClean="0"/>
+              <a:t>简介</a:t>
             </a:r>
             <a:endParaRPr lang="en-US" dirty="0"/>
           </a:p>
         </p:txBody>
       </p:sp>
-      <p:pic>
-        <p:nvPicPr>
-          <p:cNvPr id="2050" name="Picture 2" descr="ginx+keepalivedé«å¯ç¨ï¼åä¸»æ¨¡å¼ï¼"/>
-          <p:cNvPicPr>
-            <a:picLocks noGrp="1" noChangeAspect="1" noChangeArrowheads="1"/>
-          </p:cNvPicPr>
+      <p:sp>
+        <p:nvSpPr>
+          <p:cNvPr id="3" name="Content Placeholder 2"/>
+          <p:cNvSpPr>
+            <a:spLocks noGrp="1"/>
+          </p:cNvSpPr>
           <p:nvPr>
             <p:ph idx="1"/>
           </p:nvPr>
-        </p:nvPicPr>
-        <p:blipFill>
-          <a:blip r:embed="rId2">
-            <a:extLst>
-              <a:ext uri="{28A0092B-C50C-407E-A947-70E740481C1C}">
-                <a14:useLocalDpi xmlns:a14="http://schemas.microsoft.com/office/drawing/2010/main" val="0"/>
-              </a:ext>
-            </a:extLst>
-          </a:blip>
-          <a:srcRect/>
-          <a:stretch>
-            <a:fillRect/>
-          </a:stretch>
-        </p:blipFill>
-        <p:spPr bwMode="auto">
-          <a:xfrm>
-            <a:off x="1987112" y="1825625"/>
-            <a:ext cx="8217776" cy="4351338"/>
-          </a:xfrm>
-          <a:prstGeom prst="rect">
-            <a:avLst/>
-          </a:prstGeom>
-          <a:noFill/>
-          <a:extLst>
-            <a:ext uri="{909E8E84-426E-40DD-AFC4-6F175D3DCCD1}">
-              <a14:hiddenFill xmlns:a14="http://schemas.microsoft.com/office/drawing/2010/main">
-                <a:solidFill>
-                  <a:srgbClr val="FFFFFF"/>
-                </a:solidFill>
-              </a14:hiddenFill>
-            </a:ext>
-          </a:extLst>
-        </p:spPr>
-      </p:pic>
+        </p:nvSpPr>
+        <p:spPr/>
+        <p:txBody>
+          <a:bodyPr>
+            <a:normAutofit fontScale="92500" lnSpcReduction="10000"/>
+          </a:bodyPr>
+          <a:lstStyle/>
+          <a:p>
+            <a:r>
+              <a:rPr lang="en-US" altLang="zh-CN" dirty="0" err="1"/>
+              <a:t>Keepalived</a:t>
+            </a:r>
+            <a:r>
+              <a:rPr lang="zh-CN" altLang="en-US" dirty="0"/>
+              <a:t>是基于</a:t>
+            </a:r>
+            <a:r>
+              <a:rPr lang="en-US" altLang="zh-CN" dirty="0" err="1"/>
+              <a:t>vrrp</a:t>
+            </a:r>
+            <a:r>
+              <a:rPr lang="zh-CN" altLang="en-US" dirty="0"/>
+              <a:t>协议的一款高可用软件。</a:t>
+            </a:r>
+            <a:r>
+              <a:rPr lang="en-US" altLang="zh-CN" dirty="0" err="1"/>
+              <a:t>Keepailived</a:t>
+            </a:r>
+            <a:r>
+              <a:rPr lang="zh-CN" altLang="en-US" dirty="0"/>
+              <a:t>有一台主服务器和多台备份服务器，在主服务器和备份服务器上面部署相同的服务配置，使用一个虚拟</a:t>
+            </a:r>
+            <a:r>
+              <a:rPr lang="en-US" altLang="zh-CN" dirty="0"/>
+              <a:t>IP</a:t>
+            </a:r>
+            <a:r>
+              <a:rPr lang="zh-CN" altLang="en-US" dirty="0"/>
+              <a:t>地址对外提供服务，当主服务器出现故障时，虚拟</a:t>
+            </a:r>
+            <a:r>
+              <a:rPr lang="en-US" altLang="zh-CN" dirty="0"/>
+              <a:t>IP</a:t>
+            </a:r>
+            <a:r>
+              <a:rPr lang="zh-CN" altLang="en-US" dirty="0"/>
+              <a:t>地址会自动漂移到备份服务器</a:t>
+            </a:r>
+            <a:r>
+              <a:rPr lang="zh-CN" altLang="en-US" dirty="0" smtClean="0"/>
+              <a:t>。</a:t>
+            </a:r>
+            <a:endParaRPr lang="en-US" altLang="zh-CN" dirty="0" smtClean="0"/>
+          </a:p>
+          <a:p>
+            <a:r>
+              <a:rPr lang="en-US" altLang="zh-CN" dirty="0"/>
+              <a:t>VRRP</a:t>
+            </a:r>
+            <a:r>
+              <a:rPr lang="zh-CN" altLang="en-US" dirty="0"/>
+              <a:t>（</a:t>
+            </a:r>
+            <a:r>
+              <a:rPr lang="en-US" altLang="zh-CN" dirty="0"/>
+              <a:t>Virtual Router Redundancy Protocol</a:t>
+            </a:r>
+            <a:r>
+              <a:rPr lang="zh-CN" altLang="en-US" dirty="0"/>
+              <a:t>，虚拟路由器冗余协议），</a:t>
+            </a:r>
+            <a:r>
+              <a:rPr lang="en-US" altLang="zh-CN" dirty="0"/>
+              <a:t>VRRP</a:t>
+            </a:r>
+            <a:r>
+              <a:rPr lang="zh-CN" altLang="en-US" dirty="0"/>
+              <a:t>是为了解决静态路由的高可用。</a:t>
+            </a:r>
+            <a:r>
+              <a:rPr lang="en-US" altLang="zh-CN" dirty="0"/>
+              <a:t>VRRP</a:t>
+            </a:r>
+            <a:r>
+              <a:rPr lang="zh-CN" altLang="en-US" dirty="0"/>
+              <a:t>的基本架构</a:t>
+            </a:r>
+            <a:br>
+              <a:rPr lang="zh-CN" altLang="en-US" dirty="0"/>
+            </a:br>
+            <a:r>
+              <a:rPr lang="zh-CN" altLang="en-US" dirty="0"/>
+              <a:t>虚拟路由器由多个路由器组成，每个路由器都有各自的</a:t>
+            </a:r>
+            <a:r>
+              <a:rPr lang="en-US" altLang="zh-CN" dirty="0"/>
+              <a:t>IP</a:t>
+            </a:r>
+            <a:r>
+              <a:rPr lang="zh-CN" altLang="en-US" dirty="0"/>
+              <a:t>和共同的</a:t>
+            </a:r>
+            <a:r>
+              <a:rPr lang="en-US" altLang="zh-CN" dirty="0"/>
+              <a:t>VRID(0-255)</a:t>
+            </a:r>
+            <a:r>
+              <a:rPr lang="zh-CN" altLang="en-US" dirty="0"/>
+              <a:t>，其中一个</a:t>
+            </a:r>
+            <a:r>
+              <a:rPr lang="en-US" altLang="zh-CN" dirty="0"/>
+              <a:t>VRRP</a:t>
+            </a:r>
+            <a:r>
+              <a:rPr lang="zh-CN" altLang="en-US" dirty="0"/>
+              <a:t>路由器通过竞选成为</a:t>
+            </a:r>
+            <a:r>
+              <a:rPr lang="en-US" altLang="zh-CN" dirty="0"/>
+              <a:t>MASTER</a:t>
+            </a:r>
+            <a:r>
+              <a:rPr lang="zh-CN" altLang="en-US" dirty="0"/>
+              <a:t>，占有</a:t>
+            </a:r>
+            <a:r>
+              <a:rPr lang="en-US" altLang="zh-CN" dirty="0"/>
+              <a:t>VIP</a:t>
+            </a:r>
+            <a:r>
+              <a:rPr lang="zh-CN" altLang="en-US" dirty="0"/>
+              <a:t>，对外提供路由服务，其他成为</a:t>
+            </a:r>
+            <a:r>
+              <a:rPr lang="en-US" altLang="zh-CN" dirty="0"/>
+              <a:t>BACKUP</a:t>
+            </a:r>
+            <a:r>
+              <a:rPr lang="zh-CN" altLang="en-US" dirty="0"/>
+              <a:t>，</a:t>
+            </a:r>
+            <a:r>
+              <a:rPr lang="en-US" altLang="zh-CN" dirty="0"/>
+              <a:t>MASTER</a:t>
+            </a:r>
+            <a:r>
+              <a:rPr lang="zh-CN" altLang="en-US" dirty="0"/>
+              <a:t>以</a:t>
+            </a:r>
+            <a:r>
+              <a:rPr lang="en-US" altLang="zh-CN" dirty="0"/>
+              <a:t>IP</a:t>
+            </a:r>
+            <a:r>
+              <a:rPr lang="zh-CN" altLang="en-US" dirty="0"/>
+              <a:t>组播（组播地址：</a:t>
+            </a:r>
+            <a:r>
+              <a:rPr lang="en-US" altLang="zh-CN" dirty="0"/>
+              <a:t>224.0.0.18</a:t>
+            </a:r>
+            <a:r>
+              <a:rPr lang="zh-CN" altLang="en-US" dirty="0"/>
+              <a:t>）形式发送</a:t>
+            </a:r>
+            <a:r>
+              <a:rPr lang="en-US" altLang="zh-CN" dirty="0"/>
+              <a:t>VRRP</a:t>
+            </a:r>
+            <a:r>
+              <a:rPr lang="zh-CN" altLang="en-US" dirty="0"/>
+              <a:t>协议包，与</a:t>
+            </a:r>
+            <a:r>
+              <a:rPr lang="en-US" altLang="zh-CN" dirty="0"/>
+              <a:t>BACKUP</a:t>
+            </a:r>
+            <a:r>
+              <a:rPr lang="zh-CN" altLang="en-US" dirty="0"/>
+              <a:t>保持心跳连接，若</a:t>
+            </a:r>
+            <a:r>
+              <a:rPr lang="en-US" altLang="zh-CN" dirty="0"/>
+              <a:t>MASTER</a:t>
+            </a:r>
+            <a:r>
+              <a:rPr lang="zh-CN" altLang="en-US" dirty="0"/>
+              <a:t>不可用（或</a:t>
+            </a:r>
+            <a:r>
+              <a:rPr lang="en-US" altLang="zh-CN" dirty="0"/>
+              <a:t>BACKUP</a:t>
+            </a:r>
+            <a:r>
+              <a:rPr lang="zh-CN" altLang="en-US" dirty="0"/>
+              <a:t>接收不到</a:t>
+            </a:r>
+            <a:r>
+              <a:rPr lang="en-US" altLang="zh-CN" dirty="0"/>
+              <a:t>VRRP</a:t>
+            </a:r>
+            <a:r>
+              <a:rPr lang="zh-CN" altLang="en-US" dirty="0"/>
+              <a:t>协议包），则</a:t>
+            </a:r>
+            <a:r>
+              <a:rPr lang="en-US" altLang="zh-CN" dirty="0"/>
+              <a:t>BACKUP</a:t>
+            </a:r>
+            <a:r>
+              <a:rPr lang="zh-CN" altLang="en-US" dirty="0"/>
+              <a:t>通过竞选产生新的</a:t>
+            </a:r>
+            <a:r>
+              <a:rPr lang="en-US" altLang="zh-CN" dirty="0"/>
+              <a:t>MASTER</a:t>
+            </a:r>
+            <a:r>
+              <a:rPr lang="zh-CN" altLang="en-US" dirty="0"/>
+              <a:t>并继续对外提供路由服务，从而实现高可用。</a:t>
+            </a:r>
+          </a:p>
+          <a:p>
+            <a:endParaRPr lang="en-US" dirty="0"/>
+          </a:p>
+        </p:txBody>
+      </p:sp>
     </p:spTree>
     <p:extLst>
       <p:ext uri="{BB962C8B-B14F-4D97-AF65-F5344CB8AC3E}">
-        <p14:creationId xmlns:p14="http://schemas.microsoft.com/office/powerpoint/2010/main" val="1207255755"/>
+        <p14:creationId xmlns:p14="http://schemas.microsoft.com/office/powerpoint/2010/main" val="776045866"/>
       </p:ext>
     </p:extLst>
   </p:cSld>
@@ -10020,37 +10216,112 @@
           <a:lstStyle/>
           <a:p>
             <a:r>
+              <a:rPr lang="en-US" dirty="0" err="1"/>
+              <a:t>Nginx+keepalive高可用方式有两种</a:t>
+            </a:r>
+            <a:r>
+              <a:rPr lang="en-US" dirty="0"/>
+              <a:t>：</a:t>
+            </a:r>
+          </a:p>
+        </p:txBody>
+      </p:sp>
+      <p:sp>
+        <p:nvSpPr>
+          <p:cNvPr id="3" name="Content Placeholder 2"/>
+          <p:cNvSpPr>
+            <a:spLocks noGrp="1"/>
+          </p:cNvSpPr>
+          <p:nvPr>
+            <p:ph idx="1"/>
+          </p:nvPr>
+        </p:nvSpPr>
+        <p:spPr/>
+        <p:txBody>
+          <a:bodyPr/>
+          <a:lstStyle/>
+          <a:p>
+            <a:r>
+              <a:rPr lang="en-US" altLang="zh-CN" dirty="0"/>
+              <a:t>1.Nginx+keepalived </a:t>
+            </a:r>
+            <a:r>
+              <a:rPr lang="zh-CN" altLang="en-US" dirty="0"/>
+              <a:t>主从配置</a:t>
+            </a:r>
+          </a:p>
+          <a:p>
+            <a:pPr lvl="1"/>
+            <a:r>
+              <a:rPr lang="zh-CN" altLang="en-US" dirty="0"/>
+              <a:t>这种方案，使用一个</a:t>
+            </a:r>
+            <a:r>
+              <a:rPr lang="en-US" altLang="zh-CN" dirty="0" err="1"/>
+              <a:t>vip</a:t>
+            </a:r>
+            <a:r>
+              <a:rPr lang="zh-CN" altLang="en-US" dirty="0"/>
+              <a:t>地址，前端使用</a:t>
+            </a:r>
+            <a:r>
+              <a:rPr lang="en-US" altLang="zh-CN" dirty="0"/>
+              <a:t>2</a:t>
+            </a:r>
+            <a:r>
+              <a:rPr lang="zh-CN" altLang="en-US" dirty="0"/>
+              <a:t>台机器，一台做主，一台做备，但同时只有一台机器工作，另一台备份机器在主机器不出现故障的时候，永远处于浪费状态，对于服务器不多的网站，该方案不经济</a:t>
+            </a:r>
+            <a:r>
+              <a:rPr lang="zh-CN" altLang="en-US" dirty="0" smtClean="0"/>
+              <a:t>实惠。</a:t>
+            </a:r>
+            <a:endParaRPr lang="en-US" altLang="zh-CN" dirty="0" smtClean="0"/>
+          </a:p>
+          <a:p>
+            <a:r>
               <a:rPr lang="en-US" altLang="zh-CN" dirty="0" smtClean="0"/>
-              <a:t>OSI</a:t>
-            </a:r>
-            <a:r>
-              <a:rPr lang="zh-CN" altLang="en-US" dirty="0" smtClean="0"/>
-              <a:t>七层网络</a:t>
-            </a:r>
-            <a:endParaRPr lang="en-US" dirty="0"/>
-          </a:p>
-        </p:txBody>
-      </p:sp>
-      <p:sp>
-        <p:nvSpPr>
-          <p:cNvPr id="3" name="Content Placeholder 2"/>
-          <p:cNvSpPr>
-            <a:spLocks noGrp="1"/>
-          </p:cNvSpPr>
-          <p:nvPr>
-            <p:ph idx="1"/>
-          </p:nvPr>
-        </p:nvSpPr>
-        <p:spPr/>
-        <p:txBody>
-          <a:bodyPr/>
-          <a:lstStyle/>
-          <a:p>
-            <a:r>
-              <a:rPr lang="en-US" dirty="0">
-                <a:hlinkClick r:id="rId2"/>
-              </a:rPr>
-              <a:t>https://blog.csdn.net/mine_song/article/details/75047230</a:t>
+              <a:t>2.Nginx+keepalived </a:t>
+            </a:r>
+            <a:r>
+              <a:rPr lang="zh-CN" altLang="en-US" dirty="0"/>
+              <a:t>双主</a:t>
+            </a:r>
+            <a:r>
+              <a:rPr lang="zh-CN" altLang="en-US" dirty="0" smtClean="0"/>
+              <a:t>配置</a:t>
+            </a:r>
+            <a:endParaRPr lang="en-US" altLang="zh-CN" dirty="0" smtClean="0"/>
+          </a:p>
+          <a:p>
+            <a:pPr lvl="1"/>
+            <a:r>
+              <a:rPr lang="zh-CN" altLang="en-US" dirty="0" smtClean="0"/>
+              <a:t>这种</a:t>
+            </a:r>
+            <a:r>
+              <a:rPr lang="zh-CN" altLang="en-US" dirty="0"/>
+              <a:t>方案，使用两个</a:t>
+            </a:r>
+            <a:r>
+              <a:rPr lang="en-US" altLang="zh-CN" dirty="0" err="1"/>
+              <a:t>vip</a:t>
+            </a:r>
+            <a:r>
+              <a:rPr lang="zh-CN" altLang="en-US" dirty="0"/>
+              <a:t>地址，前端使用</a:t>
+            </a:r>
+            <a:r>
+              <a:rPr lang="en-US" altLang="zh-CN" dirty="0"/>
+              <a:t>2</a:t>
+            </a:r>
+            <a:r>
+              <a:rPr lang="zh-CN" altLang="en-US" dirty="0"/>
+              <a:t>台机器，互为主备，同时有两台机器工作，当其中一台机器出现故障，两台机器的请求转移到一台机器负担，非常适合于当前架构环境</a:t>
+            </a:r>
+            <a:r>
+              <a:rPr lang="zh-CN" altLang="en-US" dirty="0" smtClean="0"/>
+              <a:t>。</a:t>
             </a:r>
             <a:endParaRPr lang="en-US" dirty="0"/>
           </a:p>
@@ -10059,7 +10330,7 @@
     </p:spTree>
     <p:extLst>
       <p:ext uri="{BB962C8B-B14F-4D97-AF65-F5344CB8AC3E}">
-        <p14:creationId xmlns:p14="http://schemas.microsoft.com/office/powerpoint/2010/main" val="1022409650"/>
+        <p14:creationId xmlns:p14="http://schemas.microsoft.com/office/powerpoint/2010/main" val="1167765786"/>
       </p:ext>
     </p:extLst>
   </p:cSld>
@@ -10103,45 +10374,59 @@
           <a:p>
             <a:r>
               <a:rPr lang="zh-CN" altLang="en-US" dirty="0" smtClean="0"/>
-              <a:t>虚拟</a:t>
-            </a:r>
-            <a:r>
-              <a:rPr lang="en-US" altLang="zh-CN" dirty="0" smtClean="0"/>
-              <a:t>IP</a:t>
+              <a:t>双主模式拓扑结构</a:t>
             </a:r>
             <a:endParaRPr lang="en-US" dirty="0"/>
           </a:p>
         </p:txBody>
       </p:sp>
-      <p:sp>
-        <p:nvSpPr>
-          <p:cNvPr id="3" name="Content Placeholder 2"/>
-          <p:cNvSpPr>
-            <a:spLocks noGrp="1"/>
-          </p:cNvSpPr>
+      <p:pic>
+        <p:nvPicPr>
+          <p:cNvPr id="2050" name="Picture 2" descr="ginx+keepalivedé«å¯ç¨ï¼åä¸»æ¨¡å¼ï¼"/>
+          <p:cNvPicPr>
+            <a:picLocks noGrp="1" noChangeAspect="1" noChangeArrowheads="1"/>
+          </p:cNvPicPr>
           <p:nvPr>
             <p:ph idx="1"/>
           </p:nvPr>
-        </p:nvSpPr>
-        <p:spPr/>
-        <p:txBody>
-          <a:bodyPr/>
-          <a:lstStyle/>
-          <a:p>
-            <a:r>
-              <a:rPr lang="en-US" dirty="0">
-                <a:hlinkClick r:id="rId2"/>
-              </a:rPr>
-              <a:t>https://www.cnblogs.com/crazylqy/p/7741958.html</a:t>
-            </a:r>
-            <a:endParaRPr lang="en-US" dirty="0"/>
-          </a:p>
-        </p:txBody>
-      </p:sp>
+        </p:nvPicPr>
+        <p:blipFill>
+          <a:blip r:embed="rId2">
+            <a:extLst>
+              <a:ext uri="{28A0092B-C50C-407E-A947-70E740481C1C}">
+                <a14:useLocalDpi xmlns:a14="http://schemas.microsoft.com/office/drawing/2010/main" val="0"/>
+              </a:ext>
+            </a:extLst>
+          </a:blip>
+          <a:srcRect/>
+          <a:stretch>
+            <a:fillRect/>
+          </a:stretch>
+        </p:blipFill>
+        <p:spPr bwMode="auto">
+          <a:xfrm>
+            <a:off x="1987112" y="1825625"/>
+            <a:ext cx="8217776" cy="4351338"/>
+          </a:xfrm>
+          <a:prstGeom prst="rect">
+            <a:avLst/>
+          </a:prstGeom>
+          <a:noFill/>
+          <a:extLst>
+            <a:ext uri="{909E8E84-426E-40DD-AFC4-6F175D3DCCD1}">
+              <a14:hiddenFill xmlns:a14="http://schemas.microsoft.com/office/drawing/2010/main">
+                <a:solidFill>
+                  <a:srgbClr val="FFFFFF"/>
+                </a:solidFill>
+              </a14:hiddenFill>
+            </a:ext>
+          </a:extLst>
+        </p:spPr>
+      </p:pic>
     </p:spTree>
     <p:extLst>
       <p:ext uri="{BB962C8B-B14F-4D97-AF65-F5344CB8AC3E}">
-        <p14:creationId xmlns:p14="http://schemas.microsoft.com/office/powerpoint/2010/main" val="1005135696"/>
+        <p14:creationId xmlns:p14="http://schemas.microsoft.com/office/powerpoint/2010/main" val="1207255755"/>
       </p:ext>
     </p:extLst>
   </p:cSld>
@@ -10183,6 +10468,170 @@
           <a:bodyPr/>
           <a:lstStyle/>
           <a:p>
+            <a:r>
+              <a:rPr lang="en-US" altLang="zh-CN" dirty="0" smtClean="0"/>
+              <a:t>OSI</a:t>
+            </a:r>
+            <a:r>
+              <a:rPr lang="zh-CN" altLang="en-US" dirty="0" smtClean="0"/>
+              <a:t>七层网络</a:t>
+            </a:r>
+            <a:endParaRPr lang="en-US" dirty="0"/>
+          </a:p>
+        </p:txBody>
+      </p:sp>
+      <p:sp>
+        <p:nvSpPr>
+          <p:cNvPr id="3" name="Content Placeholder 2"/>
+          <p:cNvSpPr>
+            <a:spLocks noGrp="1"/>
+          </p:cNvSpPr>
+          <p:nvPr>
+            <p:ph idx="1"/>
+          </p:nvPr>
+        </p:nvSpPr>
+        <p:spPr/>
+        <p:txBody>
+          <a:bodyPr/>
+          <a:lstStyle/>
+          <a:p>
+            <a:r>
+              <a:rPr lang="en-US" dirty="0">
+                <a:hlinkClick r:id="rId2"/>
+              </a:rPr>
+              <a:t>https://blog.csdn.net/mine_song/article/details/75047230</a:t>
+            </a:r>
+            <a:endParaRPr lang="en-US" dirty="0"/>
+          </a:p>
+        </p:txBody>
+      </p:sp>
+    </p:spTree>
+    <p:extLst>
+      <p:ext uri="{BB962C8B-B14F-4D97-AF65-F5344CB8AC3E}">
+        <p14:creationId xmlns:p14="http://schemas.microsoft.com/office/powerpoint/2010/main" val="1022409650"/>
+      </p:ext>
+    </p:extLst>
+  </p:cSld>
+  <p:clrMapOvr>
+    <a:masterClrMapping/>
+  </p:clrMapOvr>
+</p:sld>
+</file>
+
+<file path=ppt/slides/slide43.xml><?xml version="1.0" encoding="utf-8"?>
+<p:sld xmlns:a="http://schemas.openxmlformats.org/drawingml/2006/main" xmlns:r="http://schemas.openxmlformats.org/officeDocument/2006/relationships" xmlns:p="http://schemas.openxmlformats.org/presentationml/2006/main">
+  <p:cSld>
+    <p:spTree>
+      <p:nvGrpSpPr>
+        <p:cNvPr id="1" name=""/>
+        <p:cNvGrpSpPr/>
+        <p:nvPr/>
+      </p:nvGrpSpPr>
+      <p:grpSpPr>
+        <a:xfrm>
+          <a:off x="0" y="0"/>
+          <a:ext cx="0" cy="0"/>
+          <a:chOff x="0" y="0"/>
+          <a:chExt cx="0" cy="0"/>
+        </a:xfrm>
+      </p:grpSpPr>
+      <p:sp>
+        <p:nvSpPr>
+          <p:cNvPr id="2" name="Title 1"/>
+          <p:cNvSpPr>
+            <a:spLocks noGrp="1"/>
+          </p:cNvSpPr>
+          <p:nvPr>
+            <p:ph type="title"/>
+          </p:nvPr>
+        </p:nvSpPr>
+        <p:spPr/>
+        <p:txBody>
+          <a:bodyPr/>
+          <a:lstStyle/>
+          <a:p>
+            <a:r>
+              <a:rPr lang="zh-CN" altLang="en-US" dirty="0" smtClean="0"/>
+              <a:t>虚拟</a:t>
+            </a:r>
+            <a:r>
+              <a:rPr lang="en-US" altLang="zh-CN" dirty="0" smtClean="0"/>
+              <a:t>IP</a:t>
+            </a:r>
+            <a:endParaRPr lang="en-US" dirty="0"/>
+          </a:p>
+        </p:txBody>
+      </p:sp>
+      <p:sp>
+        <p:nvSpPr>
+          <p:cNvPr id="3" name="Content Placeholder 2"/>
+          <p:cNvSpPr>
+            <a:spLocks noGrp="1"/>
+          </p:cNvSpPr>
+          <p:nvPr>
+            <p:ph idx="1"/>
+          </p:nvPr>
+        </p:nvSpPr>
+        <p:spPr/>
+        <p:txBody>
+          <a:bodyPr/>
+          <a:lstStyle/>
+          <a:p>
+            <a:r>
+              <a:rPr lang="en-US" dirty="0">
+                <a:hlinkClick r:id="rId2"/>
+              </a:rPr>
+              <a:t>https://www.cnblogs.com/crazylqy/p/7741958.html</a:t>
+            </a:r>
+            <a:endParaRPr lang="en-US" dirty="0"/>
+          </a:p>
+        </p:txBody>
+      </p:sp>
+    </p:spTree>
+    <p:extLst>
+      <p:ext uri="{BB962C8B-B14F-4D97-AF65-F5344CB8AC3E}">
+        <p14:creationId xmlns:p14="http://schemas.microsoft.com/office/powerpoint/2010/main" val="1005135696"/>
+      </p:ext>
+    </p:extLst>
+  </p:cSld>
+  <p:clrMapOvr>
+    <a:masterClrMapping/>
+  </p:clrMapOvr>
+</p:sld>
+</file>
+
+<file path=ppt/slides/slide44.xml><?xml version="1.0" encoding="utf-8"?>
+<p:sld xmlns:a="http://schemas.openxmlformats.org/drawingml/2006/main" xmlns:r="http://schemas.openxmlformats.org/officeDocument/2006/relationships" xmlns:p="http://schemas.openxmlformats.org/presentationml/2006/main">
+  <p:cSld>
+    <p:spTree>
+      <p:nvGrpSpPr>
+        <p:cNvPr id="1" name=""/>
+        <p:cNvGrpSpPr/>
+        <p:nvPr/>
+      </p:nvGrpSpPr>
+      <p:grpSpPr>
+        <a:xfrm>
+          <a:off x="0" y="0"/>
+          <a:ext cx="0" cy="0"/>
+          <a:chOff x="0" y="0"/>
+          <a:chExt cx="0" cy="0"/>
+        </a:xfrm>
+      </p:grpSpPr>
+      <p:sp>
+        <p:nvSpPr>
+          <p:cNvPr id="2" name="Title 1"/>
+          <p:cNvSpPr>
+            <a:spLocks noGrp="1"/>
+          </p:cNvSpPr>
+          <p:nvPr>
+            <p:ph type="title"/>
+          </p:nvPr>
+        </p:nvSpPr>
+        <p:spPr/>
+        <p:txBody>
+          <a:bodyPr/>
+          <a:lstStyle/>
+          <a:p>
             <a:endParaRPr lang="en-US"/>
           </a:p>
         </p:txBody>
@@ -10259,6 +10708,789 @@
 </file>
 
 <file path=ppt/slides/slide5.xml><?xml version="1.0" encoding="utf-8"?>
+<p:sld xmlns:a="http://schemas.openxmlformats.org/drawingml/2006/main" xmlns:r="http://schemas.openxmlformats.org/officeDocument/2006/relationships" xmlns:p="http://schemas.openxmlformats.org/presentationml/2006/main">
+  <p:cSld>
+    <p:spTree>
+      <p:nvGrpSpPr>
+        <p:cNvPr id="1" name=""/>
+        <p:cNvGrpSpPr/>
+        <p:nvPr/>
+      </p:nvGrpSpPr>
+      <p:grpSpPr>
+        <a:xfrm>
+          <a:off x="0" y="0"/>
+          <a:ext cx="0" cy="0"/>
+          <a:chOff x="0" y="0"/>
+          <a:chExt cx="0" cy="0"/>
+        </a:xfrm>
+      </p:grpSpPr>
+      <p:sp>
+        <p:nvSpPr>
+          <p:cNvPr id="2" name="Title 1"/>
+          <p:cNvSpPr>
+            <a:spLocks noGrp="1"/>
+          </p:cNvSpPr>
+          <p:nvPr>
+            <p:ph type="title"/>
+          </p:nvPr>
+        </p:nvSpPr>
+        <p:spPr/>
+        <p:txBody>
+          <a:bodyPr/>
+          <a:lstStyle/>
+          <a:p>
+            <a:r>
+              <a:rPr lang="en-US" altLang="zh-CN" dirty="0" err="1" smtClean="0"/>
+              <a:t>nginx</a:t>
+            </a:r>
+            <a:r>
+              <a:rPr lang="zh-CN" altLang="en-US" dirty="0" smtClean="0"/>
+              <a:t>的安装</a:t>
+            </a:r>
+            <a:endParaRPr lang="en-US" dirty="0"/>
+          </a:p>
+        </p:txBody>
+      </p:sp>
+      <p:sp>
+        <p:nvSpPr>
+          <p:cNvPr id="3" name="Content Placeholder 2"/>
+          <p:cNvSpPr>
+            <a:spLocks noGrp="1"/>
+          </p:cNvSpPr>
+          <p:nvPr>
+            <p:ph idx="1"/>
+          </p:nvPr>
+        </p:nvSpPr>
+        <p:spPr/>
+        <p:txBody>
+          <a:bodyPr/>
+          <a:lstStyle/>
+          <a:p>
+            <a:r>
+              <a:rPr lang="en-US" dirty="0" smtClean="0">
+                <a:hlinkClick r:id="rId2"/>
+              </a:rPr>
+              <a:t>https://nginx.org/en/download.html</a:t>
+            </a:r>
+            <a:endParaRPr lang="en-US" dirty="0" smtClean="0"/>
+          </a:p>
+          <a:p>
+            <a:r>
+              <a:rPr lang="en-US" altLang="zh-CN" dirty="0" smtClean="0"/>
+              <a:t>wget</a:t>
+            </a:r>
+            <a:r>
+              <a:rPr lang="zh-CN" altLang="en-US" dirty="0" smtClean="0"/>
+              <a:t> </a:t>
+            </a:r>
+            <a:r>
+              <a:rPr lang="en-US" altLang="zh-CN" dirty="0" smtClean="0"/>
+              <a:t>https://nginx.org/download/nginx-1.16.0.tar.gz</a:t>
+            </a:r>
+          </a:p>
+          <a:p>
+            <a:endParaRPr lang="en-US" dirty="0" smtClean="0"/>
+          </a:p>
+          <a:p>
+            <a:r>
+              <a:rPr lang="en-US" dirty="0" smtClean="0"/>
+              <a:t>https://www.cnblogs.com/EasonJim/p/7806879.html</a:t>
+            </a:r>
+            <a:endParaRPr lang="en-US" dirty="0"/>
+          </a:p>
+        </p:txBody>
+      </p:sp>
+    </p:spTree>
+    <p:extLst>
+      <p:ext uri="{BB962C8B-B14F-4D97-AF65-F5344CB8AC3E}">
+        <p14:creationId xmlns:p14="http://schemas.microsoft.com/office/powerpoint/2010/main" val="570040957"/>
+      </p:ext>
+    </p:extLst>
+  </p:cSld>
+  <p:clrMapOvr>
+    <a:masterClrMapping/>
+  </p:clrMapOvr>
+</p:sld>
+</file>
+
+<file path=ppt/slides/slide6.xml><?xml version="1.0" encoding="utf-8"?>
+<p:sld xmlns:a="http://schemas.openxmlformats.org/drawingml/2006/main" xmlns:r="http://schemas.openxmlformats.org/officeDocument/2006/relationships" xmlns:p="http://schemas.openxmlformats.org/presentationml/2006/main">
+  <p:cSld>
+    <p:spTree>
+      <p:nvGrpSpPr>
+        <p:cNvPr id="1" name=""/>
+        <p:cNvGrpSpPr/>
+        <p:nvPr/>
+      </p:nvGrpSpPr>
+      <p:grpSpPr>
+        <a:xfrm>
+          <a:off x="0" y="0"/>
+          <a:ext cx="0" cy="0"/>
+          <a:chOff x="0" y="0"/>
+          <a:chExt cx="0" cy="0"/>
+        </a:xfrm>
+      </p:grpSpPr>
+      <p:sp>
+        <p:nvSpPr>
+          <p:cNvPr id="2" name="Title 1"/>
+          <p:cNvSpPr>
+            <a:spLocks noGrp="1"/>
+          </p:cNvSpPr>
+          <p:nvPr>
+            <p:ph type="title"/>
+          </p:nvPr>
+        </p:nvSpPr>
+        <p:spPr/>
+        <p:txBody>
+          <a:bodyPr/>
+          <a:lstStyle/>
+          <a:p>
+            <a:endParaRPr lang="en-US"/>
+          </a:p>
+        </p:txBody>
+      </p:sp>
+      <p:sp>
+        <p:nvSpPr>
+          <p:cNvPr id="3" name="Content Placeholder 2"/>
+          <p:cNvSpPr>
+            <a:spLocks noGrp="1"/>
+          </p:cNvSpPr>
+          <p:nvPr>
+            <p:ph idx="1"/>
+          </p:nvPr>
+        </p:nvSpPr>
+        <p:spPr/>
+        <p:txBody>
+          <a:bodyPr>
+            <a:normAutofit fontScale="55000" lnSpcReduction="20000"/>
+          </a:bodyPr>
+          <a:lstStyle/>
+          <a:p>
+            <a:r>
+              <a:rPr lang="en-US" altLang="zh-CN" dirty="0" err="1" smtClean="0"/>
+              <a:t>sudo</a:t>
+            </a:r>
+            <a:r>
+              <a:rPr lang="zh-CN" altLang="en-US" dirty="0" smtClean="0"/>
+              <a:t> </a:t>
+            </a:r>
+            <a:r>
+              <a:rPr lang="en-US" dirty="0" smtClean="0"/>
+              <a:t>yum </a:t>
+            </a:r>
+            <a:r>
+              <a:rPr lang="en-US" dirty="0"/>
+              <a:t>-y install </a:t>
+            </a:r>
+            <a:r>
+              <a:rPr lang="en-US" dirty="0" err="1"/>
+              <a:t>gcc</a:t>
+            </a:r>
+            <a:r>
+              <a:rPr lang="en-US" dirty="0"/>
+              <a:t> </a:t>
+            </a:r>
+            <a:r>
+              <a:rPr lang="en-US" dirty="0" err="1"/>
+              <a:t>automake</a:t>
+            </a:r>
+            <a:r>
+              <a:rPr lang="en-US" dirty="0"/>
+              <a:t> </a:t>
+            </a:r>
+            <a:r>
+              <a:rPr lang="en-US" dirty="0" err="1"/>
+              <a:t>autoconf</a:t>
+            </a:r>
+            <a:r>
+              <a:rPr lang="en-US" dirty="0"/>
+              <a:t> </a:t>
+            </a:r>
+            <a:r>
+              <a:rPr lang="en-US" dirty="0" err="1"/>
+              <a:t>libtool</a:t>
+            </a:r>
+            <a:r>
+              <a:rPr lang="en-US" dirty="0"/>
+              <a:t> make(</a:t>
+            </a:r>
+            <a:r>
+              <a:rPr lang="en-US" dirty="0" err="1"/>
+              <a:t>安装make</a:t>
+            </a:r>
+            <a:r>
+              <a:rPr lang="en-US" dirty="0" smtClean="0"/>
+              <a:t>)</a:t>
+            </a:r>
+          </a:p>
+          <a:p>
+            <a:r>
+              <a:rPr lang="en-US" altLang="zh-CN" dirty="0" err="1" smtClean="0"/>
+              <a:t>sudo</a:t>
+            </a:r>
+            <a:r>
+              <a:rPr lang="zh-CN" altLang="en-US" dirty="0" smtClean="0"/>
+              <a:t> </a:t>
+            </a:r>
+            <a:r>
+              <a:rPr lang="en-US" dirty="0" smtClean="0"/>
+              <a:t>yum</a:t>
+            </a:r>
+            <a:r>
+              <a:rPr lang="zh-CN" altLang="en-US" dirty="0" smtClean="0"/>
+              <a:t> </a:t>
+            </a:r>
+            <a:r>
+              <a:rPr lang="en-US" altLang="zh-CN" dirty="0" smtClean="0"/>
+              <a:t>-y</a:t>
+            </a:r>
+            <a:r>
+              <a:rPr lang="en-US" dirty="0" smtClean="0"/>
+              <a:t> </a:t>
+            </a:r>
+            <a:r>
+              <a:rPr lang="en-US" dirty="0"/>
+              <a:t>install </a:t>
+            </a:r>
+            <a:r>
+              <a:rPr lang="en-US" dirty="0" err="1"/>
+              <a:t>gcc</a:t>
+            </a:r>
+            <a:r>
+              <a:rPr lang="en-US" dirty="0"/>
+              <a:t> </a:t>
+            </a:r>
+            <a:r>
+              <a:rPr lang="en-US" dirty="0" err="1"/>
+              <a:t>gcc-c</a:t>
+            </a:r>
+            <a:r>
+              <a:rPr lang="en-US" dirty="0"/>
+              <a:t>++(</a:t>
+            </a:r>
+            <a:r>
+              <a:rPr lang="en-US" dirty="0" err="1"/>
+              <a:t>安装g</a:t>
+            </a:r>
+            <a:r>
+              <a:rPr lang="en-US" dirty="0" smtClean="0"/>
+              <a:t>++)</a:t>
+            </a:r>
+          </a:p>
+          <a:p>
+            <a:r>
+              <a:rPr lang="en-US" altLang="zh-CN" dirty="0" err="1"/>
+              <a:t>sudo</a:t>
+            </a:r>
+            <a:r>
+              <a:rPr lang="zh-CN" altLang="en-US" dirty="0"/>
+              <a:t> </a:t>
+            </a:r>
+            <a:r>
+              <a:rPr lang="en-US" dirty="0" smtClean="0"/>
+              <a:t>yum </a:t>
+            </a:r>
+            <a:r>
+              <a:rPr lang="en-US" dirty="0"/>
+              <a:t>-y install </a:t>
+            </a:r>
+            <a:r>
+              <a:rPr lang="en-US" dirty="0" err="1"/>
+              <a:t>openssl</a:t>
+            </a:r>
+            <a:r>
+              <a:rPr lang="en-US" dirty="0"/>
+              <a:t> </a:t>
+            </a:r>
+            <a:r>
+              <a:rPr lang="en-US" dirty="0" err="1"/>
+              <a:t>openssl-devel</a:t>
+            </a:r>
+            <a:r>
+              <a:rPr lang="en-US" dirty="0"/>
+              <a:t> </a:t>
+            </a:r>
+            <a:endParaRPr lang="en-US" dirty="0" smtClean="0"/>
+          </a:p>
+          <a:p>
+            <a:r>
+              <a:rPr lang="en-US" altLang="zh-CN" dirty="0" err="1"/>
+              <a:t>sudo</a:t>
+            </a:r>
+            <a:r>
+              <a:rPr lang="zh-CN" altLang="en-US" dirty="0"/>
+              <a:t> </a:t>
+            </a:r>
+            <a:r>
+              <a:rPr lang="en-US" dirty="0" smtClean="0"/>
+              <a:t>yum </a:t>
+            </a:r>
+            <a:r>
+              <a:rPr lang="en-US" dirty="0"/>
+              <a:t>-y install </a:t>
+            </a:r>
+            <a:r>
+              <a:rPr lang="en-US" dirty="0" err="1"/>
+              <a:t>pcre</a:t>
+            </a:r>
+            <a:r>
+              <a:rPr lang="en-US" dirty="0"/>
+              <a:t> </a:t>
+            </a:r>
+            <a:r>
+              <a:rPr lang="en-US" dirty="0" err="1"/>
+              <a:t>pcre-devel</a:t>
+            </a:r>
+            <a:r>
+              <a:rPr lang="en-US" dirty="0"/>
+              <a:t> </a:t>
+            </a:r>
+            <a:endParaRPr lang="en-US" dirty="0" smtClean="0"/>
+          </a:p>
+          <a:p>
+            <a:r>
+              <a:rPr lang="en-US" altLang="zh-CN" dirty="0" err="1"/>
+              <a:t>sudo</a:t>
+            </a:r>
+            <a:r>
+              <a:rPr lang="zh-CN" altLang="en-US" dirty="0"/>
+              <a:t> </a:t>
+            </a:r>
+            <a:r>
+              <a:rPr lang="en-US" dirty="0" smtClean="0"/>
+              <a:t>yum </a:t>
+            </a:r>
+            <a:r>
+              <a:rPr lang="en-US" dirty="0"/>
+              <a:t>-y install </a:t>
+            </a:r>
+            <a:r>
+              <a:rPr lang="en-US" dirty="0" err="1"/>
+              <a:t>zlib</a:t>
+            </a:r>
+            <a:r>
+              <a:rPr lang="en-US" dirty="0"/>
+              <a:t> </a:t>
+            </a:r>
+            <a:r>
+              <a:rPr lang="en-US" dirty="0" err="1" smtClean="0"/>
+              <a:t>zlib-devel</a:t>
+            </a:r>
+            <a:endParaRPr lang="en-US" dirty="0" smtClean="0"/>
+          </a:p>
+          <a:p>
+            <a:endParaRPr lang="en-US" dirty="0" smtClean="0"/>
+          </a:p>
+          <a:p>
+            <a:r>
+              <a:rPr lang="en-US" altLang="zh-CN" dirty="0" err="1"/>
+              <a:t>wget</a:t>
+            </a:r>
+            <a:r>
+              <a:rPr lang="zh-CN" altLang="en-US" dirty="0"/>
+              <a:t> </a:t>
+            </a:r>
+            <a:r>
+              <a:rPr lang="en-US" altLang="zh-CN" dirty="0">
+                <a:hlinkClick r:id="rId2"/>
+              </a:rPr>
+              <a:t>https://</a:t>
+            </a:r>
+            <a:r>
+              <a:rPr lang="en-US" altLang="zh-CN" dirty="0" smtClean="0">
+                <a:hlinkClick r:id="rId2"/>
+              </a:rPr>
+              <a:t>nginx.org/download/nginx-1.16.0.tar.gz</a:t>
+            </a:r>
+            <a:endParaRPr lang="en-US" altLang="zh-CN" dirty="0" smtClean="0"/>
+          </a:p>
+          <a:p>
+            <a:r>
+              <a:rPr lang="en-US" altLang="zh-CN" dirty="0"/>
+              <a:t>tar -</a:t>
+            </a:r>
+            <a:r>
+              <a:rPr lang="en-US" altLang="zh-CN" dirty="0" err="1"/>
+              <a:t>zxvf</a:t>
+            </a:r>
+            <a:r>
+              <a:rPr lang="en-US" altLang="zh-CN" dirty="0"/>
+              <a:t> </a:t>
+            </a:r>
+            <a:r>
+              <a:rPr lang="en-US" altLang="zh-CN" dirty="0" smtClean="0"/>
+              <a:t>nginx-1.16.0.tar.gz</a:t>
+            </a:r>
+          </a:p>
+          <a:p>
+            <a:endParaRPr lang="en-US" dirty="0"/>
+          </a:p>
+          <a:p>
+            <a:r>
+              <a:rPr lang="en-US" altLang="zh-CN" dirty="0" err="1" smtClean="0"/>
+              <a:t>sudo</a:t>
+            </a:r>
+            <a:r>
+              <a:rPr lang="zh-CN" altLang="en-US" dirty="0" smtClean="0"/>
+              <a:t> </a:t>
+            </a:r>
+            <a:r>
+              <a:rPr lang="en-US" dirty="0" smtClean="0"/>
+              <a:t>./</a:t>
+            </a:r>
+            <a:r>
+              <a:rPr lang="en-US" dirty="0"/>
+              <a:t>configure </a:t>
+            </a:r>
+          </a:p>
+          <a:p>
+            <a:r>
+              <a:rPr lang="en-US" altLang="zh-CN" dirty="0" err="1" smtClean="0"/>
+              <a:t>sudo</a:t>
+            </a:r>
+            <a:r>
+              <a:rPr lang="zh-CN" altLang="en-US" dirty="0" smtClean="0"/>
+              <a:t> </a:t>
+            </a:r>
+            <a:r>
+              <a:rPr lang="en-US" dirty="0" smtClean="0"/>
+              <a:t>make </a:t>
+            </a:r>
+          </a:p>
+          <a:p>
+            <a:r>
+              <a:rPr lang="en-US" altLang="zh-CN" dirty="0" err="1" smtClean="0"/>
+              <a:t>sudo</a:t>
+            </a:r>
+            <a:r>
+              <a:rPr lang="zh-CN" altLang="en-US" dirty="0" smtClean="0"/>
+              <a:t> </a:t>
+            </a:r>
+            <a:r>
+              <a:rPr lang="en-US" dirty="0" smtClean="0"/>
+              <a:t>make install</a:t>
+            </a:r>
+          </a:p>
+          <a:p>
+            <a:r>
+              <a:rPr lang="en-US" altLang="zh-CN" dirty="0" smtClean="0"/>
+              <a:t>cd</a:t>
+            </a:r>
+            <a:r>
+              <a:rPr lang="zh-CN" altLang="en-US" dirty="0" smtClean="0"/>
+              <a:t> </a:t>
+            </a:r>
+            <a:r>
+              <a:rPr lang="en-US" altLang="zh-CN" dirty="0"/>
+              <a:t>/</a:t>
+            </a:r>
+            <a:r>
+              <a:rPr lang="en-US" altLang="zh-CN" dirty="0" err="1" smtClean="0"/>
+              <a:t>usr</a:t>
+            </a:r>
+            <a:r>
+              <a:rPr lang="en-US" altLang="zh-CN" dirty="0" smtClean="0"/>
+              <a:t>/local/</a:t>
+            </a:r>
+            <a:r>
+              <a:rPr lang="en-US" altLang="zh-CN" dirty="0" err="1" smtClean="0"/>
+              <a:t>nginx</a:t>
+            </a:r>
+            <a:r>
+              <a:rPr lang="en-US" altLang="zh-CN" dirty="0" smtClean="0"/>
+              <a:t>/</a:t>
+            </a:r>
+            <a:r>
+              <a:rPr lang="en-US" altLang="zh-CN" dirty="0" err="1" smtClean="0"/>
+              <a:t>sbin</a:t>
+            </a:r>
+            <a:endParaRPr lang="en-US" altLang="zh-CN" dirty="0" smtClean="0"/>
+          </a:p>
+          <a:p>
+            <a:r>
+              <a:rPr lang="en-US" altLang="zh-CN" dirty="0" err="1" smtClean="0"/>
+              <a:t>sudo</a:t>
+            </a:r>
+            <a:r>
+              <a:rPr lang="zh-CN" altLang="en-US" dirty="0" smtClean="0"/>
+              <a:t> </a:t>
+            </a:r>
+            <a:r>
+              <a:rPr lang="en-US" altLang="zh-CN" dirty="0" smtClean="0"/>
+              <a:t>./</a:t>
+            </a:r>
+            <a:r>
+              <a:rPr lang="en-US" altLang="zh-CN" dirty="0" err="1" smtClean="0"/>
+              <a:t>nginx</a:t>
+            </a:r>
+            <a:endParaRPr lang="en-US" dirty="0"/>
+          </a:p>
+        </p:txBody>
+      </p:sp>
+    </p:spTree>
+    <p:extLst>
+      <p:ext uri="{BB962C8B-B14F-4D97-AF65-F5344CB8AC3E}">
+        <p14:creationId xmlns:p14="http://schemas.microsoft.com/office/powerpoint/2010/main" val="753815032"/>
+      </p:ext>
+    </p:extLst>
+  </p:cSld>
+  <p:clrMapOvr>
+    <a:masterClrMapping/>
+  </p:clrMapOvr>
+</p:sld>
+</file>
+
+<file path=ppt/slides/slide7.xml><?xml version="1.0" encoding="utf-8"?>
+<p:sld xmlns:a="http://schemas.openxmlformats.org/drawingml/2006/main" xmlns:r="http://schemas.openxmlformats.org/officeDocument/2006/relationships" xmlns:p="http://schemas.openxmlformats.org/presentationml/2006/main">
+  <p:cSld>
+    <p:spTree>
+      <p:nvGrpSpPr>
+        <p:cNvPr id="1" name=""/>
+        <p:cNvGrpSpPr/>
+        <p:nvPr/>
+      </p:nvGrpSpPr>
+      <p:grpSpPr>
+        <a:xfrm>
+          <a:off x="0" y="0"/>
+          <a:ext cx="0" cy="0"/>
+          <a:chOff x="0" y="0"/>
+          <a:chExt cx="0" cy="0"/>
+        </a:xfrm>
+      </p:grpSpPr>
+      <p:sp>
+        <p:nvSpPr>
+          <p:cNvPr id="2" name="Title 1"/>
+          <p:cNvSpPr>
+            <a:spLocks noGrp="1"/>
+          </p:cNvSpPr>
+          <p:nvPr>
+            <p:ph type="title"/>
+          </p:nvPr>
+        </p:nvSpPr>
+        <p:spPr/>
+        <p:txBody>
+          <a:bodyPr/>
+          <a:lstStyle/>
+          <a:p>
+            <a:endParaRPr lang="en-US"/>
+          </a:p>
+        </p:txBody>
+      </p:sp>
+      <p:sp>
+        <p:nvSpPr>
+          <p:cNvPr id="3" name="Content Placeholder 2"/>
+          <p:cNvSpPr>
+            <a:spLocks noGrp="1"/>
+          </p:cNvSpPr>
+          <p:nvPr>
+            <p:ph idx="1"/>
+          </p:nvPr>
+        </p:nvSpPr>
+        <p:spPr/>
+        <p:txBody>
+          <a:bodyPr>
+            <a:normAutofit fontScale="62500" lnSpcReduction="20000"/>
+          </a:bodyPr>
+          <a:lstStyle/>
+          <a:p>
+            <a:r>
+              <a:rPr lang="en-US" dirty="0"/>
+              <a:t>java -jar hello-world-0.0.1-SNAPSHOT.jar --</a:t>
+            </a:r>
+            <a:r>
+              <a:rPr lang="en-US" dirty="0" err="1" smtClean="0"/>
+              <a:t>spring.profiles.active</a:t>
+            </a:r>
+            <a:r>
+              <a:rPr lang="en-US" dirty="0" smtClean="0"/>
+              <a:t>=</a:t>
+            </a:r>
+            <a:r>
+              <a:rPr lang="en-US" dirty="0" err="1" smtClean="0"/>
+              <a:t>pord</a:t>
+            </a:r>
+            <a:endParaRPr lang="en-US" dirty="0" smtClean="0"/>
+          </a:p>
+          <a:p>
+            <a:r>
+              <a:rPr lang="en-US" dirty="0"/>
+              <a:t>java -jar hello-world-0.0.1-SNAPSHOT.jar --</a:t>
+            </a:r>
+            <a:r>
+              <a:rPr lang="en-US" dirty="0" err="1" smtClean="0"/>
+              <a:t>spring.profiles.active</a:t>
+            </a:r>
+            <a:r>
+              <a:rPr lang="en-US" dirty="0" smtClean="0"/>
+              <a:t>=dev</a:t>
+            </a:r>
+          </a:p>
+          <a:p>
+            <a:endParaRPr lang="en-US" dirty="0"/>
+          </a:p>
+          <a:p>
+            <a:r>
+              <a:rPr lang="mr-IN" dirty="0" err="1"/>
+              <a:t>location</a:t>
+            </a:r>
+            <a:r>
+              <a:rPr lang="mr-IN" dirty="0"/>
+              <a:t> / {    </a:t>
+            </a:r>
+            <a:endParaRPr lang="en-US" dirty="0" smtClean="0"/>
+          </a:p>
+          <a:p>
+            <a:r>
+              <a:rPr lang="mr-IN" dirty="0" smtClean="0"/>
+              <a:t>        </a:t>
+            </a:r>
+            <a:r>
+              <a:rPr lang="mr-IN" dirty="0" err="1"/>
+              <a:t>proxy_pass</a:t>
+            </a:r>
+            <a:r>
+              <a:rPr lang="mr-IN" dirty="0"/>
+              <a:t> http://127.0.0.1:9705</a:t>
+            </a:r>
+            <a:r>
+              <a:rPr lang="mr-IN" dirty="0" smtClean="0"/>
+              <a:t>;</a:t>
+            </a:r>
+            <a:endParaRPr lang="en-US" dirty="0" smtClean="0"/>
+          </a:p>
+          <a:p>
+            <a:r>
+              <a:rPr lang="en-US" altLang="zh-CN" dirty="0" smtClean="0"/>
+              <a:t>}</a:t>
+            </a:r>
+          </a:p>
+          <a:p>
+            <a:r>
+              <a:rPr lang="en-US" altLang="zh-CN" dirty="0" smtClean="0"/>
+              <a:t>-----</a:t>
+            </a:r>
+            <a:endParaRPr lang="en-US" dirty="0"/>
+          </a:p>
+          <a:p>
+            <a:r>
+              <a:rPr lang="mr-IN" dirty="0" err="1"/>
+              <a:t>upstream</a:t>
+            </a:r>
+            <a:r>
+              <a:rPr lang="mr-IN" dirty="0"/>
+              <a:t> </a:t>
+            </a:r>
+            <a:r>
+              <a:rPr lang="mr-IN" dirty="0" err="1"/>
+              <a:t>newit</a:t>
+            </a:r>
+            <a:r>
+              <a:rPr lang="mr-IN" dirty="0"/>
+              <a:t> </a:t>
+            </a:r>
+            <a:endParaRPr lang="en-US" dirty="0" smtClean="0"/>
+          </a:p>
+          <a:p>
+            <a:r>
+              <a:rPr lang="mr-IN" dirty="0" err="1" smtClean="0"/>
+              <a:t>server</a:t>
+            </a:r>
+            <a:r>
+              <a:rPr lang="mr-IN" dirty="0" smtClean="0"/>
+              <a:t> </a:t>
+            </a:r>
+            <a:r>
+              <a:rPr lang="mr-IN" dirty="0"/>
+              <a:t>127.0.0.1:9705;       </a:t>
+            </a:r>
+            <a:endParaRPr lang="en-US" dirty="0" smtClean="0"/>
+          </a:p>
+          <a:p>
+            <a:r>
+              <a:rPr lang="mr-IN" dirty="0" err="1" smtClean="0"/>
+              <a:t>server</a:t>
+            </a:r>
+            <a:r>
+              <a:rPr lang="mr-IN" dirty="0" smtClean="0"/>
+              <a:t> </a:t>
+            </a:r>
+            <a:r>
+              <a:rPr lang="mr-IN" dirty="0"/>
+              <a:t>127.0.0.1:9706;    </a:t>
+            </a:r>
+            <a:r>
+              <a:rPr lang="mr-IN" dirty="0" smtClean="0"/>
+              <a:t>}</a:t>
+            </a:r>
+            <a:endParaRPr lang="en-US" dirty="0" smtClean="0"/>
+          </a:p>
+          <a:p>
+            <a:r>
+              <a:rPr lang="mr-IN" dirty="0" err="1"/>
+              <a:t>location</a:t>
+            </a:r>
+            <a:r>
+              <a:rPr lang="mr-IN" dirty="0"/>
+              <a:t> / {    </a:t>
+            </a:r>
+            <a:endParaRPr lang="en-US" dirty="0"/>
+          </a:p>
+          <a:p>
+            <a:r>
+              <a:rPr lang="mr-IN" dirty="0"/>
+              <a:t>        </a:t>
+            </a:r>
+            <a:r>
+              <a:rPr lang="mr-IN" dirty="0" err="1"/>
+              <a:t>proxy_pass</a:t>
+            </a:r>
+            <a:r>
+              <a:rPr lang="mr-IN" dirty="0"/>
+              <a:t> http</a:t>
+            </a:r>
+            <a:r>
+              <a:rPr lang="mr-IN" dirty="0" smtClean="0"/>
+              <a:t>://</a:t>
+            </a:r>
+            <a:r>
+              <a:rPr lang="en-US" altLang="zh-CN" dirty="0" err="1" smtClean="0"/>
+              <a:t>newit</a:t>
+            </a:r>
+            <a:r>
+              <a:rPr lang="mr-IN" dirty="0" smtClean="0"/>
+              <a:t>;</a:t>
+            </a:r>
+            <a:endParaRPr lang="en-US" dirty="0"/>
+          </a:p>
+          <a:p>
+            <a:r>
+              <a:rPr lang="en-US" altLang="zh-CN" dirty="0"/>
+              <a:t>}</a:t>
+            </a:r>
+            <a:endParaRPr lang="en-US" dirty="0" smtClean="0"/>
+          </a:p>
+          <a:p>
+            <a:endParaRPr lang="en-US" dirty="0"/>
+          </a:p>
+          <a:p>
+            <a:endParaRPr lang="en-US" dirty="0"/>
+          </a:p>
+        </p:txBody>
+      </p:sp>
+    </p:spTree>
+    <p:extLst>
+      <p:ext uri="{BB962C8B-B14F-4D97-AF65-F5344CB8AC3E}">
+        <p14:creationId xmlns:p14="http://schemas.microsoft.com/office/powerpoint/2010/main" val="1363209171"/>
+      </p:ext>
+    </p:extLst>
+  </p:cSld>
+  <p:clrMapOvr>
+    <a:masterClrMapping/>
+  </p:clrMapOvr>
+</p:sld>
+</file>
+
+<file path=ppt/slides/slide8.xml><?xml version="1.0" encoding="utf-8"?>
 <p:sld xmlns:a="http://schemas.openxmlformats.org/drawingml/2006/main" xmlns:r="http://schemas.openxmlformats.org/officeDocument/2006/relationships" xmlns:p="http://schemas.openxmlformats.org/presentationml/2006/main">
   <p:cSld>
     <p:spTree>
@@ -10399,496 +11631,6 @@
 </p:sld>
 </file>
 
-<file path=ppt/slides/slide6.xml><?xml version="1.0" encoding="utf-8"?>
-<p:sld xmlns:a="http://schemas.openxmlformats.org/drawingml/2006/main" xmlns:r="http://schemas.openxmlformats.org/officeDocument/2006/relationships" xmlns:p="http://schemas.openxmlformats.org/presentationml/2006/main">
-  <p:cSld>
-    <p:spTree>
-      <p:nvGrpSpPr>
-        <p:cNvPr id="1" name=""/>
-        <p:cNvGrpSpPr/>
-        <p:nvPr/>
-      </p:nvGrpSpPr>
-      <p:grpSpPr>
-        <a:xfrm>
-          <a:off x="0" y="0"/>
-          <a:ext cx="0" cy="0"/>
-          <a:chOff x="0" y="0"/>
-          <a:chExt cx="0" cy="0"/>
-        </a:xfrm>
-      </p:grpSpPr>
-      <p:sp>
-        <p:nvSpPr>
-          <p:cNvPr id="2" name="Title 1"/>
-          <p:cNvSpPr>
-            <a:spLocks noGrp="1"/>
-          </p:cNvSpPr>
-          <p:nvPr>
-            <p:ph type="title"/>
-          </p:nvPr>
-        </p:nvSpPr>
-        <p:spPr/>
-        <p:txBody>
-          <a:bodyPr/>
-          <a:lstStyle/>
-          <a:p>
-            <a:r>
-              <a:rPr lang="en-US" altLang="zh-CN" dirty="0" smtClean="0"/>
-              <a:t>Master</a:t>
-            </a:r>
-            <a:r>
-              <a:rPr lang="zh-CN" altLang="en-US" dirty="0" smtClean="0"/>
-              <a:t>和</a:t>
-            </a:r>
-            <a:r>
-              <a:rPr lang="en-US" altLang="zh-CN" dirty="0" smtClean="0"/>
-              <a:t>Worker</a:t>
-            </a:r>
-            <a:endParaRPr lang="en-US" dirty="0"/>
-          </a:p>
-        </p:txBody>
-      </p:sp>
-      <p:sp>
-        <p:nvSpPr>
-          <p:cNvPr id="3" name="Content Placeholder 2"/>
-          <p:cNvSpPr>
-            <a:spLocks noGrp="1"/>
-          </p:cNvSpPr>
-          <p:nvPr>
-            <p:ph idx="1"/>
-          </p:nvPr>
-        </p:nvSpPr>
-        <p:spPr/>
-        <p:txBody>
-          <a:bodyPr>
-            <a:normAutofit/>
-          </a:bodyPr>
-          <a:lstStyle/>
-          <a:p>
-            <a:r>
-              <a:rPr lang="en-US" altLang="zh-CN" dirty="0" smtClean="0"/>
-              <a:t>Master</a:t>
-            </a:r>
-            <a:r>
-              <a:rPr lang="zh-CN" altLang="en-US" dirty="0" smtClean="0"/>
-              <a:t>进程的作用是？</a:t>
-            </a:r>
-          </a:p>
-          <a:p>
-            <a:r>
-              <a:rPr lang="zh-CN" altLang="en-US" b="1" dirty="0" smtClean="0"/>
-              <a:t>读取并验证配置文件</a:t>
-            </a:r>
-            <a:r>
-              <a:rPr lang="en-US" altLang="zh-CN" b="1" dirty="0" err="1" smtClean="0"/>
-              <a:t>nginx.conf</a:t>
-            </a:r>
-            <a:r>
-              <a:rPr lang="zh-CN" altLang="en-US" b="1" dirty="0" smtClean="0"/>
-              <a:t>；管理</a:t>
-            </a:r>
-            <a:r>
-              <a:rPr lang="en-US" altLang="zh-CN" b="1" dirty="0" smtClean="0"/>
-              <a:t>worker</a:t>
-            </a:r>
-            <a:r>
-              <a:rPr lang="zh-CN" altLang="en-US" b="1" dirty="0" smtClean="0"/>
-              <a:t>进程；</a:t>
-            </a:r>
-            <a:endParaRPr lang="zh-CN" altLang="en-US" dirty="0" smtClean="0"/>
-          </a:p>
-          <a:p>
-            <a:r>
-              <a:rPr lang="en-US" altLang="zh-CN" dirty="0" smtClean="0"/>
-              <a:t>Worker</a:t>
-            </a:r>
-            <a:r>
-              <a:rPr lang="zh-CN" altLang="en-US" dirty="0" smtClean="0"/>
-              <a:t>进程的作用是？</a:t>
-            </a:r>
-          </a:p>
-          <a:p>
-            <a:r>
-              <a:rPr lang="zh-CN" altLang="en-US" b="1" dirty="0" smtClean="0"/>
-              <a:t>每一个</a:t>
-            </a:r>
-            <a:r>
-              <a:rPr lang="en-US" altLang="zh-CN" b="1" dirty="0" smtClean="0"/>
-              <a:t>Worker</a:t>
-            </a:r>
-            <a:r>
-              <a:rPr lang="zh-CN" altLang="en-US" b="1" dirty="0" smtClean="0"/>
-              <a:t>进程都维护一个线程（避免线程切换），处理连接和请求；注意</a:t>
-            </a:r>
-            <a:r>
-              <a:rPr lang="en-US" altLang="zh-CN" b="1" dirty="0" smtClean="0"/>
-              <a:t>Worker</a:t>
-            </a:r>
-            <a:r>
-              <a:rPr lang="zh-CN" altLang="en-US" b="1" dirty="0" smtClean="0"/>
-              <a:t>进程的个数由配置文件决定，一般和</a:t>
-            </a:r>
-            <a:r>
-              <a:rPr lang="en-US" altLang="zh-CN" b="1" dirty="0" smtClean="0"/>
-              <a:t>CPU</a:t>
-            </a:r>
-            <a:r>
-              <a:rPr lang="zh-CN" altLang="en-US" b="1" dirty="0" smtClean="0"/>
-              <a:t>个数相关（有利于进程切换），配置几个就有几个</a:t>
-            </a:r>
-            <a:r>
-              <a:rPr lang="en-US" altLang="zh-CN" b="1" dirty="0" smtClean="0"/>
-              <a:t>Worker</a:t>
-            </a:r>
-            <a:r>
-              <a:rPr lang="zh-CN" altLang="en-US" b="1" dirty="0" smtClean="0"/>
-              <a:t>进程。</a:t>
-            </a:r>
-            <a:endParaRPr lang="zh-CN" altLang="en-US" dirty="0" smtClean="0"/>
-          </a:p>
-        </p:txBody>
-      </p:sp>
-    </p:spTree>
-    <p:extLst>
-      <p:ext uri="{BB962C8B-B14F-4D97-AF65-F5344CB8AC3E}">
-        <p14:creationId xmlns:p14="http://schemas.microsoft.com/office/powerpoint/2010/main" val="1972982504"/>
-      </p:ext>
-    </p:extLst>
-  </p:cSld>
-  <p:clrMapOvr>
-    <a:masterClrMapping/>
-  </p:clrMapOvr>
-</p:sld>
-</file>
-
-<file path=ppt/slides/slide7.xml><?xml version="1.0" encoding="utf-8"?>
-<p:sld xmlns:a="http://schemas.openxmlformats.org/drawingml/2006/main" xmlns:r="http://schemas.openxmlformats.org/officeDocument/2006/relationships" xmlns:p="http://schemas.openxmlformats.org/presentationml/2006/main">
-  <p:cSld>
-    <p:spTree>
-      <p:nvGrpSpPr>
-        <p:cNvPr id="1" name=""/>
-        <p:cNvGrpSpPr/>
-        <p:nvPr/>
-      </p:nvGrpSpPr>
-      <p:grpSpPr>
-        <a:xfrm>
-          <a:off x="0" y="0"/>
-          <a:ext cx="0" cy="0"/>
-          <a:chOff x="0" y="0"/>
-          <a:chExt cx="0" cy="0"/>
-        </a:xfrm>
-      </p:grpSpPr>
-      <p:sp>
-        <p:nvSpPr>
-          <p:cNvPr id="2" name="Title 1"/>
-          <p:cNvSpPr>
-            <a:spLocks noGrp="1"/>
-          </p:cNvSpPr>
-          <p:nvPr>
-            <p:ph type="title"/>
-          </p:nvPr>
-        </p:nvSpPr>
-        <p:spPr/>
-        <p:txBody>
-          <a:bodyPr/>
-          <a:lstStyle/>
-          <a:p>
-            <a:r>
-              <a:rPr lang="en-US" altLang="zh-CN" b="1" dirty="0"/>
-              <a:t>Nginx</a:t>
-            </a:r>
-            <a:r>
-              <a:rPr lang="zh-CN" altLang="en-US" b="1" dirty="0"/>
-              <a:t>如何做到热部署</a:t>
-            </a:r>
-            <a:r>
-              <a:rPr lang="zh-CN" altLang="en-US" b="1" dirty="0" smtClean="0"/>
-              <a:t>？</a:t>
-            </a:r>
-            <a:endParaRPr lang="en-US" dirty="0"/>
-          </a:p>
-        </p:txBody>
-      </p:sp>
-      <p:sp>
-        <p:nvSpPr>
-          <p:cNvPr id="3" name="Content Placeholder 2"/>
-          <p:cNvSpPr>
-            <a:spLocks noGrp="1"/>
-          </p:cNvSpPr>
-          <p:nvPr>
-            <p:ph idx="1"/>
-          </p:nvPr>
-        </p:nvSpPr>
-        <p:spPr/>
-        <p:txBody>
-          <a:bodyPr/>
-          <a:lstStyle/>
-          <a:p>
-            <a:r>
-              <a:rPr lang="zh-CN" altLang="en-US" dirty="0"/>
-              <a:t>所谓热部署，就是配置文件</a:t>
-            </a:r>
-            <a:r>
-              <a:rPr lang="en-US" altLang="zh-CN" dirty="0" err="1"/>
-              <a:t>nginx.conf</a:t>
-            </a:r>
-            <a:r>
-              <a:rPr lang="zh-CN" altLang="en-US" dirty="0"/>
-              <a:t>修改后，不需要</a:t>
-            </a:r>
-            <a:r>
-              <a:rPr lang="en-US" altLang="zh-CN" dirty="0"/>
-              <a:t>stop Nginx</a:t>
-            </a:r>
-            <a:r>
-              <a:rPr lang="zh-CN" altLang="en-US" dirty="0"/>
-              <a:t>，不需要中断请求，就能让配置文件生效！（</a:t>
-            </a:r>
-            <a:r>
-              <a:rPr lang="en-US" altLang="zh-CN" b="1" dirty="0" err="1"/>
-              <a:t>nginx</a:t>
-            </a:r>
-            <a:r>
-              <a:rPr lang="en-US" altLang="zh-CN" b="1" dirty="0"/>
-              <a:t> -s reload </a:t>
-            </a:r>
-            <a:r>
-              <a:rPr lang="zh-CN" altLang="en-US" b="1" dirty="0"/>
-              <a:t>重新加载</a:t>
-            </a:r>
-            <a:r>
-              <a:rPr lang="en-US" altLang="zh-CN" b="1" dirty="0"/>
-              <a:t>/</a:t>
-            </a:r>
-            <a:r>
-              <a:rPr lang="en-US" altLang="zh-CN" b="1" dirty="0" err="1"/>
-              <a:t>nginx</a:t>
-            </a:r>
-            <a:r>
-              <a:rPr lang="en-US" altLang="zh-CN" b="1" dirty="0"/>
-              <a:t> -t</a:t>
-            </a:r>
-            <a:r>
-              <a:rPr lang="zh-CN" altLang="en-US" b="1" dirty="0"/>
-              <a:t>检查配置</a:t>
-            </a:r>
-            <a:r>
-              <a:rPr lang="en-US" altLang="zh-CN" b="1" dirty="0"/>
-              <a:t>/</a:t>
-            </a:r>
-            <a:r>
-              <a:rPr lang="en-US" altLang="zh-CN" b="1" dirty="0" err="1"/>
-              <a:t>nginx</a:t>
-            </a:r>
-            <a:r>
-              <a:rPr lang="en-US" altLang="zh-CN" b="1" dirty="0"/>
-              <a:t> -s stop</a:t>
-            </a:r>
-            <a:r>
-              <a:rPr lang="zh-CN" altLang="en-US" dirty="0"/>
-              <a:t>）</a:t>
-            </a:r>
-            <a:endParaRPr lang="en-US" dirty="0"/>
-          </a:p>
-        </p:txBody>
-      </p:sp>
-    </p:spTree>
-    <p:extLst>
-      <p:ext uri="{BB962C8B-B14F-4D97-AF65-F5344CB8AC3E}">
-        <p14:creationId xmlns:p14="http://schemas.microsoft.com/office/powerpoint/2010/main" val="241711179"/>
-      </p:ext>
-    </p:extLst>
-  </p:cSld>
-  <p:clrMapOvr>
-    <a:masterClrMapping/>
-  </p:clrMapOvr>
-</p:sld>
-</file>
-
-<file path=ppt/slides/slide8.xml><?xml version="1.0" encoding="utf-8"?>
-<p:sld xmlns:a="http://schemas.openxmlformats.org/drawingml/2006/main" xmlns:r="http://schemas.openxmlformats.org/officeDocument/2006/relationships" xmlns:p="http://schemas.openxmlformats.org/presentationml/2006/main">
-  <p:cSld>
-    <p:spTree>
-      <p:nvGrpSpPr>
-        <p:cNvPr id="1" name=""/>
-        <p:cNvGrpSpPr/>
-        <p:nvPr/>
-      </p:nvGrpSpPr>
-      <p:grpSpPr>
-        <a:xfrm>
-          <a:off x="0" y="0"/>
-          <a:ext cx="0" cy="0"/>
-          <a:chOff x="0" y="0"/>
-          <a:chExt cx="0" cy="0"/>
-        </a:xfrm>
-      </p:grpSpPr>
-      <p:sp>
-        <p:nvSpPr>
-          <p:cNvPr id="2" name="Title 1"/>
-          <p:cNvSpPr>
-            <a:spLocks noGrp="1"/>
-          </p:cNvSpPr>
-          <p:nvPr>
-            <p:ph type="title"/>
-          </p:nvPr>
-        </p:nvSpPr>
-        <p:spPr/>
-        <p:txBody>
-          <a:bodyPr/>
-          <a:lstStyle/>
-          <a:p>
-            <a:endParaRPr lang="en-US"/>
-          </a:p>
-        </p:txBody>
-      </p:sp>
-      <p:sp>
-        <p:nvSpPr>
-          <p:cNvPr id="3" name="Content Placeholder 2"/>
-          <p:cNvSpPr>
-            <a:spLocks noGrp="1"/>
-          </p:cNvSpPr>
-          <p:nvPr>
-            <p:ph idx="1"/>
-          </p:nvPr>
-        </p:nvSpPr>
-        <p:spPr/>
-        <p:txBody>
-          <a:bodyPr>
-            <a:normAutofit/>
-          </a:bodyPr>
-          <a:lstStyle/>
-          <a:p>
-            <a:r>
-              <a:rPr lang="zh-CN" altLang="en-US" dirty="0" smtClean="0"/>
-              <a:t>方案一：</a:t>
-            </a:r>
-          </a:p>
-          <a:p>
-            <a:pPr lvl="1"/>
-            <a:r>
-              <a:rPr lang="zh-CN" altLang="en-US" b="1" dirty="0" smtClean="0"/>
-              <a:t>修改配置文件</a:t>
-            </a:r>
-            <a:r>
-              <a:rPr lang="en-US" altLang="zh-CN" b="1" dirty="0" err="1" smtClean="0"/>
-              <a:t>nginx.conf</a:t>
-            </a:r>
-            <a:r>
-              <a:rPr lang="zh-CN" altLang="en-US" b="1" dirty="0" smtClean="0"/>
-              <a:t>后，主进程</a:t>
-            </a:r>
-            <a:r>
-              <a:rPr lang="en-US" altLang="zh-CN" b="1" dirty="0" smtClean="0"/>
-              <a:t>master</a:t>
-            </a:r>
-            <a:r>
-              <a:rPr lang="zh-CN" altLang="en-US" b="1" dirty="0" smtClean="0"/>
-              <a:t>负责推送给</a:t>
-            </a:r>
-            <a:r>
-              <a:rPr lang="en-US" altLang="zh-CN" b="1" dirty="0" err="1" smtClean="0"/>
-              <a:t>woker</a:t>
-            </a:r>
-            <a:r>
-              <a:rPr lang="zh-CN" altLang="en-US" b="1" dirty="0" smtClean="0"/>
-              <a:t>进程更新配置信息，</a:t>
-            </a:r>
-            <a:r>
-              <a:rPr lang="en-US" altLang="zh-CN" b="1" dirty="0" err="1" smtClean="0"/>
-              <a:t>woker</a:t>
-            </a:r>
-            <a:r>
-              <a:rPr lang="zh-CN" altLang="en-US" b="1" dirty="0" smtClean="0"/>
-              <a:t>进程收到信息后，更新进程内部的线程信息。（有点</a:t>
-            </a:r>
-            <a:r>
-              <a:rPr lang="en-US" altLang="zh-CN" b="1" dirty="0" err="1" smtClean="0"/>
-              <a:t>valatile</a:t>
-            </a:r>
-            <a:r>
-              <a:rPr lang="zh-CN" altLang="en-US" b="1" dirty="0" smtClean="0"/>
-              <a:t>的味道）</a:t>
-            </a:r>
-            <a:endParaRPr lang="zh-CN" altLang="en-US" dirty="0" smtClean="0"/>
-          </a:p>
-          <a:p>
-            <a:r>
-              <a:rPr lang="zh-CN" altLang="en-US" dirty="0" smtClean="0"/>
-              <a:t>方案二：</a:t>
-            </a:r>
-          </a:p>
-          <a:p>
-            <a:pPr lvl="1"/>
-            <a:r>
-              <a:rPr lang="zh-CN" altLang="en-US" b="1" dirty="0" smtClean="0"/>
-              <a:t>修改配置文件</a:t>
-            </a:r>
-            <a:r>
-              <a:rPr lang="en-US" altLang="zh-CN" b="1" dirty="0" err="1" smtClean="0"/>
-              <a:t>nginx.conf</a:t>
-            </a:r>
-            <a:r>
-              <a:rPr lang="zh-CN" altLang="en-US" b="1" dirty="0" smtClean="0"/>
-              <a:t>后，重新生成新的</a:t>
-            </a:r>
-            <a:r>
-              <a:rPr lang="en-US" altLang="zh-CN" b="1" dirty="0" smtClean="0"/>
-              <a:t>worker</a:t>
-            </a:r>
-            <a:r>
-              <a:rPr lang="zh-CN" altLang="en-US" b="1" dirty="0" smtClean="0"/>
-              <a:t>进程，当然会以新的配置进行处理请求，而且新的请求必须都交给新的</a:t>
-            </a:r>
-            <a:r>
-              <a:rPr lang="en-US" altLang="zh-CN" b="1" dirty="0" smtClean="0"/>
-              <a:t>worker</a:t>
-            </a:r>
-            <a:r>
-              <a:rPr lang="zh-CN" altLang="en-US" b="1" dirty="0" smtClean="0"/>
-              <a:t>进程，至于老的</a:t>
-            </a:r>
-            <a:r>
-              <a:rPr lang="en-US" altLang="zh-CN" b="1" dirty="0" smtClean="0"/>
-              <a:t>worker</a:t>
-            </a:r>
-            <a:r>
-              <a:rPr lang="zh-CN" altLang="en-US" b="1" dirty="0" smtClean="0"/>
-              <a:t>进程，等把那些以前的请求处理完毕后，</a:t>
-            </a:r>
-            <a:r>
-              <a:rPr lang="en-US" altLang="zh-CN" b="1" dirty="0" smtClean="0"/>
-              <a:t>kill</a:t>
-            </a:r>
-            <a:r>
-              <a:rPr lang="zh-CN" altLang="en-US" b="1" dirty="0" smtClean="0"/>
-              <a:t>掉即可。</a:t>
-            </a:r>
-            <a:endParaRPr lang="zh-CN" altLang="en-US" dirty="0" smtClean="0"/>
-          </a:p>
-          <a:p>
-            <a:r>
-              <a:rPr lang="en-US" altLang="zh-CN" dirty="0" smtClean="0"/>
-              <a:t>Nginx</a:t>
-            </a:r>
-            <a:r>
-              <a:rPr lang="zh-CN" altLang="en-US" dirty="0" smtClean="0"/>
-              <a:t>采用的就是方案二来达到热部署的！</a:t>
-            </a:r>
-          </a:p>
-        </p:txBody>
-      </p:sp>
-    </p:spTree>
-    <p:extLst>
-      <p:ext uri="{BB962C8B-B14F-4D97-AF65-F5344CB8AC3E}">
-        <p14:creationId xmlns:p14="http://schemas.microsoft.com/office/powerpoint/2010/main" val="1397595153"/>
-      </p:ext>
-    </p:extLst>
-  </p:cSld>
-  <p:clrMapOvr>
-    <a:masterClrMapping/>
-  </p:clrMapOvr>
-</p:sld>
-</file>
-
 <file path=ppt/slides/slide9.xml><?xml version="1.0" encoding="utf-8"?>
 <p:sld xmlns:a="http://schemas.openxmlformats.org/drawingml/2006/main" xmlns:r="http://schemas.openxmlformats.org/officeDocument/2006/relationships" xmlns:p="http://schemas.openxmlformats.org/presentationml/2006/main">
   <p:cSld>
@@ -10922,16 +11664,16 @@
           <a:lstStyle/>
           <a:p>
             <a:r>
-              <a:rPr lang="en-US" altLang="zh-CN" b="1" dirty="0"/>
-              <a:t>Nginx</a:t>
-            </a:r>
-            <a:r>
-              <a:rPr lang="zh-CN" altLang="en-US" b="1" dirty="0"/>
-              <a:t>如何做到高并发下的高效</a:t>
-            </a:r>
-            <a:r>
-              <a:rPr lang="zh-CN" altLang="en-US" b="1" dirty="0" smtClean="0"/>
-              <a:t>处理</a:t>
+              <a:rPr lang="en-US" altLang="zh-CN" dirty="0" smtClean="0"/>
+              <a:t>Master</a:t>
+            </a:r>
+            <a:r>
+              <a:rPr lang="zh-CN" altLang="en-US" dirty="0" smtClean="0"/>
+              <a:t>和</a:t>
+            </a:r>
+            <a:r>
+              <a:rPr lang="en-US" altLang="zh-CN" dirty="0" smtClean="0"/>
+              <a:t>Worker</a:t>
             </a:r>
             <a:endParaRPr lang="en-US" dirty="0"/>
           </a:p>
@@ -10956,142 +11698,25 @@
           <a:p>
             <a:r>
               <a:rPr lang="en-US" altLang="zh-CN" dirty="0" smtClean="0"/>
-              <a:t>Nginx</a:t>
-            </a:r>
-            <a:r>
-              <a:rPr lang="zh-CN" altLang="en-US" dirty="0" smtClean="0"/>
-              <a:t>的</a:t>
-            </a:r>
-            <a:r>
-              <a:rPr lang="en-US" altLang="zh-CN" dirty="0" smtClean="0"/>
-              <a:t>worker</a:t>
-            </a:r>
-            <a:r>
-              <a:rPr lang="zh-CN" altLang="en-US" dirty="0" smtClean="0"/>
-              <a:t>进程个数与</a:t>
-            </a:r>
-            <a:r>
-              <a:rPr lang="en-US" altLang="zh-CN" dirty="0" smtClean="0"/>
-              <a:t>CPU</a:t>
-            </a:r>
-            <a:r>
-              <a:rPr lang="zh-CN" altLang="en-US" dirty="0" smtClean="0"/>
-              <a:t>绑定、</a:t>
-            </a:r>
-            <a:r>
-              <a:rPr lang="en-US" altLang="zh-CN" dirty="0" smtClean="0"/>
-              <a:t>worker</a:t>
-            </a:r>
-            <a:r>
-              <a:rPr lang="zh-CN" altLang="en-US" dirty="0" smtClean="0"/>
-              <a:t>进程内部包含一个线程高效回环处理请求，这的确有助于效率，但这是不够的。</a:t>
+              <a:t>Master</a:t>
+            </a:r>
+            <a:r>
+              <a:rPr lang="zh-CN" altLang="en-US" dirty="0" smtClean="0"/>
+              <a:t>进程的作用是？</a:t>
             </a:r>
           </a:p>
           <a:p>
             <a:r>
               <a:rPr lang="zh-CN" altLang="en-US" b="1" dirty="0" smtClean="0"/>
-              <a:t>作为专业的程序员，我们可以开一下脑洞：</a:t>
-            </a:r>
-            <a:r>
-              <a:rPr lang="en-US" altLang="zh-CN" b="1" dirty="0" smtClean="0"/>
-              <a:t>BIO/NIO/AIO</a:t>
+              <a:t>读取并验证配置文件</a:t>
+            </a:r>
+            <a:r>
+              <a:rPr lang="en-US" altLang="zh-CN" b="1" dirty="0" err="1" smtClean="0"/>
+              <a:t>nginx.conf</a:t>
             </a:r>
             <a:r>
               <a:rPr lang="zh-CN" altLang="en-US" b="1" dirty="0" smtClean="0"/>
-              <a:t>、异步</a:t>
-            </a:r>
-            <a:r>
-              <a:rPr lang="en-US" altLang="zh-CN" b="1" dirty="0" smtClean="0"/>
-              <a:t>/</a:t>
-            </a:r>
-            <a:r>
-              <a:rPr lang="zh-CN" altLang="en-US" b="1" dirty="0" smtClean="0"/>
-              <a:t>同步、阻塞</a:t>
-            </a:r>
-            <a:r>
-              <a:rPr lang="en-US" altLang="zh-CN" b="1" dirty="0" smtClean="0"/>
-              <a:t>/</a:t>
-            </a:r>
-            <a:r>
-              <a:rPr lang="zh-CN" altLang="en-US" b="1" dirty="0" smtClean="0"/>
-              <a:t>非阻塞</a:t>
-            </a:r>
-            <a:r>
-              <a:rPr lang="en-US" altLang="zh-CN" b="1" dirty="0" smtClean="0"/>
-              <a:t>...</a:t>
-            </a:r>
-            <a:endParaRPr lang="zh-CN" altLang="en-US" dirty="0" smtClean="0"/>
-          </a:p>
-          <a:p>
-            <a:r>
-              <a:rPr lang="zh-CN" altLang="en-US" dirty="0" smtClean="0"/>
-              <a:t>要同时处理那么多的请求，要知道，有的请求需要发生</a:t>
-            </a:r>
-            <a:r>
-              <a:rPr lang="en-US" altLang="zh-CN" dirty="0" smtClean="0"/>
-              <a:t>IO</a:t>
-            </a:r>
-            <a:r>
-              <a:rPr lang="zh-CN" altLang="en-US" dirty="0" smtClean="0"/>
-              <a:t>，可能需要很长时间，如果等着它，就会拖慢</a:t>
-            </a:r>
-            <a:r>
-              <a:rPr lang="en-US" altLang="zh-CN" dirty="0" smtClean="0"/>
-              <a:t>worker</a:t>
-            </a:r>
-            <a:r>
-              <a:rPr lang="zh-CN" altLang="en-US" dirty="0" smtClean="0"/>
-              <a:t>的处理速度。</a:t>
-            </a:r>
-          </a:p>
-          <a:p>
-            <a:r>
-              <a:rPr lang="en-US" altLang="zh-CN" b="1" dirty="0" smtClean="0"/>
-              <a:t>Nginx</a:t>
-            </a:r>
-            <a:r>
-              <a:rPr lang="zh-CN" altLang="en-US" b="1" dirty="0" smtClean="0"/>
-              <a:t>采用了</a:t>
-            </a:r>
-            <a:r>
-              <a:rPr lang="en-US" altLang="zh-CN" b="1" dirty="0" smtClean="0"/>
-              <a:t>Linux</a:t>
-            </a:r>
-            <a:r>
-              <a:rPr lang="zh-CN" altLang="en-US" b="1" dirty="0" smtClean="0"/>
-              <a:t>的</a:t>
-            </a:r>
-            <a:r>
-              <a:rPr lang="en-US" altLang="zh-CN" b="1" dirty="0" err="1" smtClean="0"/>
-              <a:t>epoll</a:t>
-            </a:r>
-            <a:r>
-              <a:rPr lang="zh-CN" altLang="en-US" b="1" dirty="0" smtClean="0"/>
-              <a:t>模型，</a:t>
-            </a:r>
-            <a:r>
-              <a:rPr lang="en-US" altLang="zh-CN" b="1" dirty="0" err="1" smtClean="0"/>
-              <a:t>epoll</a:t>
-            </a:r>
-            <a:r>
-              <a:rPr lang="zh-CN" altLang="en-US" b="1" dirty="0" smtClean="0"/>
-              <a:t>模型基于事件驱动机制，它可以监控多个事件是否准备完毕，如果</a:t>
-            </a:r>
-            <a:r>
-              <a:rPr lang="en-US" altLang="zh-CN" b="1" dirty="0" smtClean="0"/>
-              <a:t>OK</a:t>
-            </a:r>
-            <a:r>
-              <a:rPr lang="zh-CN" altLang="en-US" b="1" dirty="0" smtClean="0"/>
-              <a:t>，那么放入</a:t>
-            </a:r>
-            <a:r>
-              <a:rPr lang="en-US" altLang="zh-CN" b="1" dirty="0" err="1" smtClean="0"/>
-              <a:t>epoll</a:t>
-            </a:r>
-            <a:r>
-              <a:rPr lang="zh-CN" altLang="en-US" b="1" dirty="0" smtClean="0"/>
-              <a:t>队列中，这个过程是异步的。</a:t>
+              <a:t>；管理</a:t>
             </a:r>
             <a:r>
               <a:rPr lang="en-US" altLang="zh-CN" b="1" dirty="0" smtClean="0"/>
@@ -11099,15 +11724,56 @@
             </a:r>
             <a:r>
               <a:rPr lang="zh-CN" altLang="en-US" b="1" dirty="0" smtClean="0"/>
-              <a:t>只需要从</a:t>
-            </a:r>
-            <a:r>
-              <a:rPr lang="en-US" altLang="zh-CN" b="1" dirty="0" err="1" smtClean="0"/>
-              <a:t>epoll</a:t>
-            </a:r>
+              <a:t>进程；</a:t>
+            </a:r>
+            <a:endParaRPr lang="zh-CN" altLang="en-US" dirty="0" smtClean="0"/>
+          </a:p>
+          <a:p>
+            <a:r>
+              <a:rPr lang="en-US" altLang="zh-CN" dirty="0" smtClean="0"/>
+              <a:t>Worker</a:t>
+            </a:r>
+            <a:r>
+              <a:rPr lang="zh-CN" altLang="en-US" dirty="0" smtClean="0"/>
+              <a:t>进程的作用是？</a:t>
+            </a:r>
+          </a:p>
+          <a:p>
             <a:r>
               <a:rPr lang="zh-CN" altLang="en-US" b="1" dirty="0" smtClean="0"/>
-              <a:t>队列循环处理即可。</a:t>
+              <a:t>每一个</a:t>
+            </a:r>
+            <a:r>
+              <a:rPr lang="en-US" altLang="zh-CN" b="1" dirty="0" smtClean="0"/>
+              <a:t>Worker</a:t>
+            </a:r>
+            <a:r>
+              <a:rPr lang="zh-CN" altLang="en-US" b="1" dirty="0" smtClean="0"/>
+              <a:t>进程都维护一个线程（避免线程切换），处理连接和请求；注意</a:t>
+            </a:r>
+            <a:r>
+              <a:rPr lang="en-US" altLang="zh-CN" b="1" dirty="0" smtClean="0"/>
+              <a:t>Worker</a:t>
+            </a:r>
+            <a:r>
+              <a:rPr lang="zh-CN" altLang="en-US" b="1" dirty="0" smtClean="0"/>
+              <a:t>进程的个数由配置文件决定，一般和</a:t>
+            </a:r>
+            <a:r>
+              <a:rPr lang="en-US" altLang="zh-CN" b="1" dirty="0" smtClean="0"/>
+              <a:t>CPU</a:t>
+            </a:r>
+            <a:r>
+              <a:rPr lang="zh-CN" altLang="en-US" b="1" dirty="0" smtClean="0"/>
+              <a:t>个数相关（有利于进程切换），配置几个就有几个</a:t>
+            </a:r>
+            <a:r>
+              <a:rPr lang="en-US" altLang="zh-CN" b="1" dirty="0" smtClean="0"/>
+              <a:t>Worker</a:t>
+            </a:r>
+            <a:r>
+              <a:rPr lang="zh-CN" altLang="en-US" b="1" dirty="0" smtClean="0"/>
+              <a:t>进程。</a:t>
             </a:r>
             <a:endParaRPr lang="zh-CN" altLang="en-US" dirty="0" smtClean="0"/>
           </a:p>
@@ -11116,7 +11782,7 @@
     </p:spTree>
     <p:extLst>
       <p:ext uri="{BB962C8B-B14F-4D97-AF65-F5344CB8AC3E}">
-        <p14:creationId xmlns:p14="http://schemas.microsoft.com/office/powerpoint/2010/main" val="20794877"/>
+        <p14:creationId xmlns:p14="http://schemas.microsoft.com/office/powerpoint/2010/main" val="1972982504"/>
       </p:ext>
     </p:extLst>
   </p:cSld>
